--- a/애플리케이션design.pptx
+++ b/애플리케이션design.pptx
@@ -8,9 +8,15 @@
     <p:sldId id="256" r:id="rId2"/>
     <p:sldId id="261" r:id="rId3"/>
     <p:sldId id="257" r:id="rId4"/>
-    <p:sldId id="258" r:id="rId5"/>
-    <p:sldId id="259" r:id="rId6"/>
-    <p:sldId id="260" r:id="rId7"/>
+    <p:sldId id="264" r:id="rId5"/>
+    <p:sldId id="260" r:id="rId6"/>
+    <p:sldId id="258" r:id="rId7"/>
+    <p:sldId id="259" r:id="rId8"/>
+    <p:sldId id="262" r:id="rId9"/>
+    <p:sldId id="266" r:id="rId10"/>
+    <p:sldId id="267" r:id="rId11"/>
+    <p:sldId id="265" r:id="rId12"/>
+    <p:sldId id="263" r:id="rId13"/>
   </p:sldIdLst>
   <p:sldSz cx="9144000" cy="6858000" type="screen4x3"/>
   <p:notesSz cx="6858000" cy="9144000"/>
@@ -109,7 +115,6187 @@
       </a:defRPr>
     </a:lvl9pPr>
   </p:defaultTextStyle>
+  <p:extLst>
+    <p:ext uri="{EFAFB233-063F-42B5-8137-9DF3F51BA10A}">
+      <p15:sldGuideLst xmlns:p15="http://schemas.microsoft.com/office/powerpoint/2012/main">
+        <p15:guide id="1" orient="horz" pos="2160">
+          <p15:clr>
+            <a:srgbClr val="A4A3A4"/>
+          </p15:clr>
+        </p15:guide>
+        <p15:guide id="2" pos="2880">
+          <p15:clr>
+            <a:srgbClr val="A4A3A4"/>
+          </p15:clr>
+        </p15:guide>
+      </p15:sldGuideLst>
+    </p:ext>
+  </p:extLst>
 </p:presentation>
+</file>
+
+<file path=ppt/diagrams/colors1.xml><?xml version="1.0" encoding="utf-8"?>
+<dgm:colorsDef xmlns:dgm="http://schemas.openxmlformats.org/drawingml/2006/diagram" xmlns:a="http://schemas.openxmlformats.org/drawingml/2006/main" uniqueId="urn:microsoft.com/office/officeart/2005/8/colors/accent1_2">
+  <dgm:title val=""/>
+  <dgm:desc val=""/>
+  <dgm:catLst>
+    <dgm:cat type="accent1" pri="11200"/>
+  </dgm:catLst>
+  <dgm:styleLbl name="node0">
+    <dgm:fillClrLst meth="repeat">
+      <a:schemeClr val="accent1"/>
+    </dgm:fillClrLst>
+    <dgm:linClrLst meth="repeat">
+      <a:schemeClr val="lt1"/>
+    </dgm:linClrLst>
+    <dgm:effectClrLst/>
+    <dgm:txLinClrLst/>
+    <dgm:txFillClrLst/>
+    <dgm:txEffectClrLst/>
+  </dgm:styleLbl>
+  <dgm:styleLbl name="alignNode1">
+    <dgm:fillClrLst meth="repeat">
+      <a:schemeClr val="accent1"/>
+    </dgm:fillClrLst>
+    <dgm:linClrLst meth="repeat">
+      <a:schemeClr val="accent1"/>
+    </dgm:linClrLst>
+    <dgm:effectClrLst/>
+    <dgm:txLinClrLst/>
+    <dgm:txFillClrLst/>
+    <dgm:txEffectClrLst/>
+  </dgm:styleLbl>
+  <dgm:styleLbl name="node1">
+    <dgm:fillClrLst meth="repeat">
+      <a:schemeClr val="accent1"/>
+    </dgm:fillClrLst>
+    <dgm:linClrLst meth="repeat">
+      <a:schemeClr val="lt1"/>
+    </dgm:linClrLst>
+    <dgm:effectClrLst/>
+    <dgm:txLinClrLst/>
+    <dgm:txFillClrLst/>
+    <dgm:txEffectClrLst/>
+  </dgm:styleLbl>
+  <dgm:styleLbl name="lnNode1">
+    <dgm:fillClrLst meth="repeat">
+      <a:schemeClr val="accent1"/>
+    </dgm:fillClrLst>
+    <dgm:linClrLst meth="repeat">
+      <a:schemeClr val="lt1"/>
+    </dgm:linClrLst>
+    <dgm:effectClrLst/>
+    <dgm:txLinClrLst/>
+    <dgm:txFillClrLst/>
+    <dgm:txEffectClrLst/>
+  </dgm:styleLbl>
+  <dgm:styleLbl name="vennNode1">
+    <dgm:fillClrLst meth="repeat">
+      <a:schemeClr val="accent1">
+        <a:alpha val="50000"/>
+      </a:schemeClr>
+    </dgm:fillClrLst>
+    <dgm:linClrLst meth="repeat">
+      <a:schemeClr val="lt1"/>
+    </dgm:linClrLst>
+    <dgm:effectClrLst/>
+    <dgm:txLinClrLst/>
+    <dgm:txFillClrLst/>
+    <dgm:txEffectClrLst/>
+  </dgm:styleLbl>
+  <dgm:styleLbl name="node2">
+    <dgm:fillClrLst meth="repeat">
+      <a:schemeClr val="accent1"/>
+    </dgm:fillClrLst>
+    <dgm:linClrLst meth="repeat">
+      <a:schemeClr val="lt1"/>
+    </dgm:linClrLst>
+    <dgm:effectClrLst/>
+    <dgm:txLinClrLst/>
+    <dgm:txFillClrLst/>
+    <dgm:txEffectClrLst/>
+  </dgm:styleLbl>
+  <dgm:styleLbl name="node3">
+    <dgm:fillClrLst meth="repeat">
+      <a:schemeClr val="accent1"/>
+    </dgm:fillClrLst>
+    <dgm:linClrLst meth="repeat">
+      <a:schemeClr val="lt1"/>
+    </dgm:linClrLst>
+    <dgm:effectClrLst/>
+    <dgm:txLinClrLst/>
+    <dgm:txFillClrLst/>
+    <dgm:txEffectClrLst/>
+  </dgm:styleLbl>
+  <dgm:styleLbl name="node4">
+    <dgm:fillClrLst meth="repeat">
+      <a:schemeClr val="accent1"/>
+    </dgm:fillClrLst>
+    <dgm:linClrLst meth="repeat">
+      <a:schemeClr val="lt1"/>
+    </dgm:linClrLst>
+    <dgm:effectClrLst/>
+    <dgm:txLinClrLst/>
+    <dgm:txFillClrLst/>
+    <dgm:txEffectClrLst/>
+  </dgm:styleLbl>
+  <dgm:styleLbl name="fgImgPlace1">
+    <dgm:fillClrLst meth="repeat">
+      <a:schemeClr val="accent1">
+        <a:tint val="50000"/>
+      </a:schemeClr>
+    </dgm:fillClrLst>
+    <dgm:linClrLst meth="repeat">
+      <a:schemeClr val="lt1"/>
+    </dgm:linClrLst>
+    <dgm:effectClrLst/>
+    <dgm:txLinClrLst/>
+    <dgm:txFillClrLst meth="repeat">
+      <a:schemeClr val="lt1"/>
+    </dgm:txFillClrLst>
+    <dgm:txEffectClrLst/>
+  </dgm:styleLbl>
+  <dgm:styleLbl name="alignImgPlace1">
+    <dgm:fillClrLst meth="repeat">
+      <a:schemeClr val="accent1">
+        <a:tint val="50000"/>
+      </a:schemeClr>
+    </dgm:fillClrLst>
+    <dgm:linClrLst meth="repeat">
+      <a:schemeClr val="lt1"/>
+    </dgm:linClrLst>
+    <dgm:effectClrLst/>
+    <dgm:txLinClrLst/>
+    <dgm:txFillClrLst meth="repeat">
+      <a:schemeClr val="lt1"/>
+    </dgm:txFillClrLst>
+    <dgm:txEffectClrLst/>
+  </dgm:styleLbl>
+  <dgm:styleLbl name="bgImgPlace1">
+    <dgm:fillClrLst meth="repeat">
+      <a:schemeClr val="accent1">
+        <a:tint val="50000"/>
+      </a:schemeClr>
+    </dgm:fillClrLst>
+    <dgm:linClrLst meth="repeat">
+      <a:schemeClr val="lt1"/>
+    </dgm:linClrLst>
+    <dgm:effectClrLst/>
+    <dgm:txLinClrLst/>
+    <dgm:txFillClrLst meth="repeat">
+      <a:schemeClr val="lt1"/>
+    </dgm:txFillClrLst>
+    <dgm:txEffectClrLst/>
+  </dgm:styleLbl>
+  <dgm:styleLbl name="sibTrans2D1">
+    <dgm:fillClrLst meth="repeat">
+      <a:schemeClr val="accent1">
+        <a:tint val="60000"/>
+      </a:schemeClr>
+    </dgm:fillClrLst>
+    <dgm:linClrLst meth="repeat">
+      <a:schemeClr val="accent1">
+        <a:tint val="60000"/>
+      </a:schemeClr>
+    </dgm:linClrLst>
+    <dgm:effectClrLst/>
+    <dgm:txLinClrLst/>
+    <dgm:txFillClrLst/>
+    <dgm:txEffectClrLst/>
+  </dgm:styleLbl>
+  <dgm:styleLbl name="fgSibTrans2D1">
+    <dgm:fillClrLst meth="repeat">
+      <a:schemeClr val="accent1">
+        <a:tint val="60000"/>
+      </a:schemeClr>
+    </dgm:fillClrLst>
+    <dgm:linClrLst meth="repeat">
+      <a:schemeClr val="accent1">
+        <a:tint val="60000"/>
+      </a:schemeClr>
+    </dgm:linClrLst>
+    <dgm:effectClrLst/>
+    <dgm:txLinClrLst/>
+    <dgm:txFillClrLst/>
+    <dgm:txEffectClrLst/>
+  </dgm:styleLbl>
+  <dgm:styleLbl name="bgSibTrans2D1">
+    <dgm:fillClrLst meth="repeat">
+      <a:schemeClr val="accent1">
+        <a:tint val="60000"/>
+      </a:schemeClr>
+    </dgm:fillClrLst>
+    <dgm:linClrLst meth="repeat">
+      <a:schemeClr val="accent1">
+        <a:tint val="60000"/>
+      </a:schemeClr>
+    </dgm:linClrLst>
+    <dgm:effectClrLst/>
+    <dgm:txLinClrLst/>
+    <dgm:txFillClrLst/>
+    <dgm:txEffectClrLst/>
+  </dgm:styleLbl>
+  <dgm:styleLbl name="sibTrans1D1">
+    <dgm:fillClrLst meth="repeat">
+      <a:schemeClr val="accent1"/>
+    </dgm:fillClrLst>
+    <dgm:linClrLst meth="repeat">
+      <a:schemeClr val="accent1"/>
+    </dgm:linClrLst>
+    <dgm:effectClrLst/>
+    <dgm:txLinClrLst/>
+    <dgm:txFillClrLst meth="repeat">
+      <a:schemeClr val="tx1"/>
+    </dgm:txFillClrLst>
+    <dgm:txEffectClrLst/>
+  </dgm:styleLbl>
+  <dgm:styleLbl name="callout">
+    <dgm:fillClrLst meth="repeat">
+      <a:schemeClr val="accent1"/>
+    </dgm:fillClrLst>
+    <dgm:linClrLst meth="repeat">
+      <a:schemeClr val="accent1">
+        <a:tint val="50000"/>
+      </a:schemeClr>
+    </dgm:linClrLst>
+    <dgm:effectClrLst/>
+    <dgm:txLinClrLst/>
+    <dgm:txFillClrLst meth="repeat">
+      <a:schemeClr val="tx1"/>
+    </dgm:txFillClrLst>
+    <dgm:txEffectClrLst/>
+  </dgm:styleLbl>
+  <dgm:styleLbl name="asst0">
+    <dgm:fillClrLst meth="repeat">
+      <a:schemeClr val="accent1"/>
+    </dgm:fillClrLst>
+    <dgm:linClrLst meth="repeat">
+      <a:schemeClr val="lt1"/>
+    </dgm:linClrLst>
+    <dgm:effectClrLst/>
+    <dgm:txLinClrLst/>
+    <dgm:txFillClrLst/>
+    <dgm:txEffectClrLst/>
+  </dgm:styleLbl>
+  <dgm:styleLbl name="asst1">
+    <dgm:fillClrLst meth="repeat">
+      <a:schemeClr val="accent1"/>
+    </dgm:fillClrLst>
+    <dgm:linClrLst meth="repeat">
+      <a:schemeClr val="lt1"/>
+    </dgm:linClrLst>
+    <dgm:effectClrLst/>
+    <dgm:txLinClrLst/>
+    <dgm:txFillClrLst/>
+    <dgm:txEffectClrLst/>
+  </dgm:styleLbl>
+  <dgm:styleLbl name="asst2">
+    <dgm:fillClrLst meth="repeat">
+      <a:schemeClr val="accent1"/>
+    </dgm:fillClrLst>
+    <dgm:linClrLst meth="repeat">
+      <a:schemeClr val="lt1"/>
+    </dgm:linClrLst>
+    <dgm:effectClrLst/>
+    <dgm:txLinClrLst/>
+    <dgm:txFillClrLst/>
+    <dgm:txEffectClrLst/>
+  </dgm:styleLbl>
+  <dgm:styleLbl name="asst3">
+    <dgm:fillClrLst meth="repeat">
+      <a:schemeClr val="accent1"/>
+    </dgm:fillClrLst>
+    <dgm:linClrLst meth="repeat">
+      <a:schemeClr val="lt1"/>
+    </dgm:linClrLst>
+    <dgm:effectClrLst/>
+    <dgm:txLinClrLst/>
+    <dgm:txFillClrLst/>
+    <dgm:txEffectClrLst/>
+  </dgm:styleLbl>
+  <dgm:styleLbl name="asst4">
+    <dgm:fillClrLst meth="repeat">
+      <a:schemeClr val="accent1"/>
+    </dgm:fillClrLst>
+    <dgm:linClrLst meth="repeat">
+      <a:schemeClr val="lt1"/>
+    </dgm:linClrLst>
+    <dgm:effectClrLst/>
+    <dgm:txLinClrLst/>
+    <dgm:txFillClrLst/>
+    <dgm:txEffectClrLst/>
+  </dgm:styleLbl>
+  <dgm:styleLbl name="parChTrans2D1">
+    <dgm:fillClrLst meth="repeat">
+      <a:schemeClr val="accent1">
+        <a:tint val="60000"/>
+      </a:schemeClr>
+    </dgm:fillClrLst>
+    <dgm:linClrLst meth="repeat">
+      <a:schemeClr val="accent1">
+        <a:tint val="60000"/>
+      </a:schemeClr>
+    </dgm:linClrLst>
+    <dgm:effectClrLst/>
+    <dgm:txLinClrLst/>
+    <dgm:txFillClrLst meth="repeat">
+      <a:schemeClr val="lt1"/>
+    </dgm:txFillClrLst>
+    <dgm:txEffectClrLst/>
+  </dgm:styleLbl>
+  <dgm:styleLbl name="parChTrans2D2">
+    <dgm:fillClrLst meth="repeat">
+      <a:schemeClr val="accent1"/>
+    </dgm:fillClrLst>
+    <dgm:linClrLst meth="repeat">
+      <a:schemeClr val="accent1"/>
+    </dgm:linClrLst>
+    <dgm:effectClrLst/>
+    <dgm:txLinClrLst/>
+    <dgm:txFillClrLst meth="repeat">
+      <a:schemeClr val="lt1"/>
+    </dgm:txFillClrLst>
+    <dgm:txEffectClrLst/>
+  </dgm:styleLbl>
+  <dgm:styleLbl name="parChTrans2D3">
+    <dgm:fillClrLst meth="repeat">
+      <a:schemeClr val="accent1"/>
+    </dgm:fillClrLst>
+    <dgm:linClrLst meth="repeat">
+      <a:schemeClr val="accent1"/>
+    </dgm:linClrLst>
+    <dgm:effectClrLst/>
+    <dgm:txLinClrLst/>
+    <dgm:txFillClrLst meth="repeat">
+      <a:schemeClr val="lt1"/>
+    </dgm:txFillClrLst>
+    <dgm:txEffectClrLst/>
+  </dgm:styleLbl>
+  <dgm:styleLbl name="parChTrans2D4">
+    <dgm:fillClrLst meth="repeat">
+      <a:schemeClr val="accent1"/>
+    </dgm:fillClrLst>
+    <dgm:linClrLst meth="repeat">
+      <a:schemeClr val="accent1"/>
+    </dgm:linClrLst>
+    <dgm:effectClrLst/>
+    <dgm:txLinClrLst/>
+    <dgm:txFillClrLst meth="repeat">
+      <a:schemeClr val="lt1"/>
+    </dgm:txFillClrLst>
+    <dgm:txEffectClrLst/>
+  </dgm:styleLbl>
+  <dgm:styleLbl name="parChTrans1D1">
+    <dgm:fillClrLst meth="repeat">
+      <a:schemeClr val="accent1"/>
+    </dgm:fillClrLst>
+    <dgm:linClrLst meth="repeat">
+      <a:schemeClr val="accent1">
+        <a:shade val="60000"/>
+      </a:schemeClr>
+    </dgm:linClrLst>
+    <dgm:effectClrLst/>
+    <dgm:txLinClrLst/>
+    <dgm:txFillClrLst meth="repeat">
+      <a:schemeClr val="tx1"/>
+    </dgm:txFillClrLst>
+    <dgm:txEffectClrLst/>
+  </dgm:styleLbl>
+  <dgm:styleLbl name="parChTrans1D2">
+    <dgm:fillClrLst meth="repeat">
+      <a:schemeClr val="accent1"/>
+    </dgm:fillClrLst>
+    <dgm:linClrLst meth="repeat">
+      <a:schemeClr val="accent1">
+        <a:shade val="60000"/>
+      </a:schemeClr>
+    </dgm:linClrLst>
+    <dgm:effectClrLst/>
+    <dgm:txLinClrLst/>
+    <dgm:txFillClrLst meth="repeat">
+      <a:schemeClr val="tx1"/>
+    </dgm:txFillClrLst>
+    <dgm:txEffectClrLst/>
+  </dgm:styleLbl>
+  <dgm:styleLbl name="parChTrans1D3">
+    <dgm:fillClrLst meth="repeat">
+      <a:schemeClr val="accent1"/>
+    </dgm:fillClrLst>
+    <dgm:linClrLst meth="repeat">
+      <a:schemeClr val="accent1">
+        <a:shade val="80000"/>
+      </a:schemeClr>
+    </dgm:linClrLst>
+    <dgm:effectClrLst/>
+    <dgm:txLinClrLst/>
+    <dgm:txFillClrLst meth="repeat">
+      <a:schemeClr val="tx1"/>
+    </dgm:txFillClrLst>
+    <dgm:txEffectClrLst/>
+  </dgm:styleLbl>
+  <dgm:styleLbl name="parChTrans1D4">
+    <dgm:fillClrLst meth="repeat">
+      <a:schemeClr val="accent1"/>
+    </dgm:fillClrLst>
+    <dgm:linClrLst meth="repeat">
+      <a:schemeClr val="accent1">
+        <a:shade val="80000"/>
+      </a:schemeClr>
+    </dgm:linClrLst>
+    <dgm:effectClrLst/>
+    <dgm:txLinClrLst/>
+    <dgm:txFillClrLst meth="repeat">
+      <a:schemeClr val="tx1"/>
+    </dgm:txFillClrLst>
+    <dgm:txEffectClrLst/>
+  </dgm:styleLbl>
+  <dgm:styleLbl name="fgAcc1">
+    <dgm:fillClrLst meth="repeat">
+      <a:schemeClr val="lt1">
+        <a:alpha val="90000"/>
+      </a:schemeClr>
+    </dgm:fillClrLst>
+    <dgm:linClrLst meth="repeat">
+      <a:schemeClr val="accent1"/>
+    </dgm:linClrLst>
+    <dgm:effectClrLst/>
+    <dgm:txLinClrLst/>
+    <dgm:txFillClrLst meth="repeat">
+      <a:schemeClr val="dk1"/>
+    </dgm:txFillClrLst>
+    <dgm:txEffectClrLst/>
+  </dgm:styleLbl>
+  <dgm:styleLbl name="conFgAcc1">
+    <dgm:fillClrLst meth="repeat">
+      <a:schemeClr val="lt1">
+        <a:alpha val="90000"/>
+      </a:schemeClr>
+    </dgm:fillClrLst>
+    <dgm:linClrLst meth="repeat">
+      <a:schemeClr val="accent1"/>
+    </dgm:linClrLst>
+    <dgm:effectClrLst/>
+    <dgm:txLinClrLst/>
+    <dgm:txFillClrLst meth="repeat">
+      <a:schemeClr val="dk1"/>
+    </dgm:txFillClrLst>
+    <dgm:txEffectClrLst/>
+  </dgm:styleLbl>
+  <dgm:styleLbl name="alignAcc1">
+    <dgm:fillClrLst meth="repeat">
+      <a:schemeClr val="lt1">
+        <a:alpha val="90000"/>
+      </a:schemeClr>
+    </dgm:fillClrLst>
+    <dgm:linClrLst meth="repeat">
+      <a:schemeClr val="accent1"/>
+    </dgm:linClrLst>
+    <dgm:effectClrLst/>
+    <dgm:txLinClrLst/>
+    <dgm:txFillClrLst meth="repeat">
+      <a:schemeClr val="dk1"/>
+    </dgm:txFillClrLst>
+    <dgm:txEffectClrLst/>
+  </dgm:styleLbl>
+  <dgm:styleLbl name="trAlignAcc1">
+    <dgm:fillClrLst meth="repeat">
+      <a:schemeClr val="lt1">
+        <a:alpha val="40000"/>
+      </a:schemeClr>
+    </dgm:fillClrLst>
+    <dgm:linClrLst meth="repeat">
+      <a:schemeClr val="accent1"/>
+    </dgm:linClrLst>
+    <dgm:effectClrLst/>
+    <dgm:txLinClrLst/>
+    <dgm:txFillClrLst meth="repeat">
+      <a:schemeClr val="dk1"/>
+    </dgm:txFillClrLst>
+    <dgm:txEffectClrLst/>
+  </dgm:styleLbl>
+  <dgm:styleLbl name="bgAcc1">
+    <dgm:fillClrLst meth="repeat">
+      <a:schemeClr val="lt1">
+        <a:alpha val="90000"/>
+      </a:schemeClr>
+    </dgm:fillClrLst>
+    <dgm:linClrLst meth="repeat">
+      <a:schemeClr val="accent1"/>
+    </dgm:linClrLst>
+    <dgm:effectClrLst/>
+    <dgm:txLinClrLst/>
+    <dgm:txFillClrLst meth="repeat">
+      <a:schemeClr val="dk1"/>
+    </dgm:txFillClrLst>
+    <dgm:txEffectClrLst/>
+  </dgm:styleLbl>
+  <dgm:styleLbl name="solidFgAcc1">
+    <dgm:fillClrLst meth="repeat">
+      <a:schemeClr val="lt1"/>
+    </dgm:fillClrLst>
+    <dgm:linClrLst meth="repeat">
+      <a:schemeClr val="accent1"/>
+    </dgm:linClrLst>
+    <dgm:effectClrLst/>
+    <dgm:txLinClrLst/>
+    <dgm:txFillClrLst meth="repeat">
+      <a:schemeClr val="dk1"/>
+    </dgm:txFillClrLst>
+    <dgm:txEffectClrLst/>
+  </dgm:styleLbl>
+  <dgm:styleLbl name="solidAlignAcc1">
+    <dgm:fillClrLst meth="repeat">
+      <a:schemeClr val="lt1"/>
+    </dgm:fillClrLst>
+    <dgm:linClrLst meth="repeat">
+      <a:schemeClr val="accent1"/>
+    </dgm:linClrLst>
+    <dgm:effectClrLst/>
+    <dgm:txLinClrLst/>
+    <dgm:txFillClrLst meth="repeat">
+      <a:schemeClr val="dk1"/>
+    </dgm:txFillClrLst>
+    <dgm:txEffectClrLst/>
+  </dgm:styleLbl>
+  <dgm:styleLbl name="solidBgAcc1">
+    <dgm:fillClrLst meth="repeat">
+      <a:schemeClr val="lt1"/>
+    </dgm:fillClrLst>
+    <dgm:linClrLst meth="repeat">
+      <a:schemeClr val="accent1"/>
+    </dgm:linClrLst>
+    <dgm:effectClrLst/>
+    <dgm:txLinClrLst/>
+    <dgm:txFillClrLst meth="repeat">
+      <a:schemeClr val="dk1"/>
+    </dgm:txFillClrLst>
+    <dgm:txEffectClrLst/>
+  </dgm:styleLbl>
+  <dgm:styleLbl name="fgAccFollowNode1">
+    <dgm:fillClrLst meth="repeat">
+      <a:schemeClr val="accent1">
+        <a:alpha val="90000"/>
+        <a:tint val="40000"/>
+      </a:schemeClr>
+    </dgm:fillClrLst>
+    <dgm:linClrLst meth="repeat">
+      <a:schemeClr val="accent1">
+        <a:alpha val="90000"/>
+        <a:tint val="40000"/>
+      </a:schemeClr>
+    </dgm:linClrLst>
+    <dgm:effectClrLst/>
+    <dgm:txLinClrLst/>
+    <dgm:txFillClrLst meth="repeat">
+      <a:schemeClr val="dk1"/>
+    </dgm:txFillClrLst>
+    <dgm:txEffectClrLst/>
+  </dgm:styleLbl>
+  <dgm:styleLbl name="alignAccFollowNode1">
+    <dgm:fillClrLst meth="repeat">
+      <a:schemeClr val="accent1">
+        <a:alpha val="90000"/>
+        <a:tint val="40000"/>
+      </a:schemeClr>
+    </dgm:fillClrLst>
+    <dgm:linClrLst meth="repeat">
+      <a:schemeClr val="accent1">
+        <a:alpha val="90000"/>
+        <a:tint val="40000"/>
+      </a:schemeClr>
+    </dgm:linClrLst>
+    <dgm:effectClrLst/>
+    <dgm:txLinClrLst/>
+    <dgm:txFillClrLst meth="repeat">
+      <a:schemeClr val="dk1"/>
+    </dgm:txFillClrLst>
+    <dgm:txEffectClrLst/>
+  </dgm:styleLbl>
+  <dgm:styleLbl name="bgAccFollowNode1">
+    <dgm:fillClrLst meth="repeat">
+      <a:schemeClr val="accent1">
+        <a:alpha val="90000"/>
+        <a:tint val="40000"/>
+      </a:schemeClr>
+    </dgm:fillClrLst>
+    <dgm:linClrLst meth="repeat">
+      <a:schemeClr val="accent1">
+        <a:alpha val="90000"/>
+        <a:tint val="40000"/>
+      </a:schemeClr>
+    </dgm:linClrLst>
+    <dgm:effectClrLst/>
+    <dgm:txLinClrLst/>
+    <dgm:txFillClrLst meth="repeat">
+      <a:schemeClr val="dk1"/>
+    </dgm:txFillClrLst>
+    <dgm:txEffectClrLst/>
+  </dgm:styleLbl>
+  <dgm:styleLbl name="fgAcc0">
+    <dgm:fillClrLst meth="repeat">
+      <a:schemeClr val="lt1">
+        <a:alpha val="90000"/>
+      </a:schemeClr>
+    </dgm:fillClrLst>
+    <dgm:linClrLst meth="repeat">
+      <a:schemeClr val="accent1"/>
+    </dgm:linClrLst>
+    <dgm:effectClrLst/>
+    <dgm:txLinClrLst/>
+    <dgm:txFillClrLst meth="repeat">
+      <a:schemeClr val="dk1"/>
+    </dgm:txFillClrLst>
+    <dgm:txEffectClrLst/>
+  </dgm:styleLbl>
+  <dgm:styleLbl name="fgAcc2">
+    <dgm:fillClrLst meth="repeat">
+      <a:schemeClr val="lt1">
+        <a:alpha val="90000"/>
+      </a:schemeClr>
+    </dgm:fillClrLst>
+    <dgm:linClrLst meth="repeat">
+      <a:schemeClr val="accent1"/>
+    </dgm:linClrLst>
+    <dgm:effectClrLst/>
+    <dgm:txLinClrLst/>
+    <dgm:txFillClrLst meth="repeat">
+      <a:schemeClr val="dk1"/>
+    </dgm:txFillClrLst>
+    <dgm:txEffectClrLst/>
+  </dgm:styleLbl>
+  <dgm:styleLbl name="fgAcc3">
+    <dgm:fillClrLst meth="repeat">
+      <a:schemeClr val="lt1">
+        <a:alpha val="90000"/>
+      </a:schemeClr>
+    </dgm:fillClrLst>
+    <dgm:linClrLst meth="repeat">
+      <a:schemeClr val="accent1"/>
+    </dgm:linClrLst>
+    <dgm:effectClrLst/>
+    <dgm:txLinClrLst/>
+    <dgm:txFillClrLst meth="repeat">
+      <a:schemeClr val="dk1"/>
+    </dgm:txFillClrLst>
+    <dgm:txEffectClrLst/>
+  </dgm:styleLbl>
+  <dgm:styleLbl name="fgAcc4">
+    <dgm:fillClrLst meth="repeat">
+      <a:schemeClr val="lt1">
+        <a:alpha val="90000"/>
+      </a:schemeClr>
+    </dgm:fillClrLst>
+    <dgm:linClrLst meth="repeat">
+      <a:schemeClr val="accent1"/>
+    </dgm:linClrLst>
+    <dgm:effectClrLst/>
+    <dgm:txLinClrLst/>
+    <dgm:txFillClrLst meth="repeat">
+      <a:schemeClr val="dk1"/>
+    </dgm:txFillClrLst>
+    <dgm:txEffectClrLst/>
+  </dgm:styleLbl>
+  <dgm:styleLbl name="bgShp">
+    <dgm:fillClrLst meth="repeat">
+      <a:schemeClr val="accent1">
+        <a:tint val="40000"/>
+      </a:schemeClr>
+    </dgm:fillClrLst>
+    <dgm:linClrLst meth="repeat">
+      <a:schemeClr val="accent1"/>
+    </dgm:linClrLst>
+    <dgm:effectClrLst/>
+    <dgm:txLinClrLst/>
+    <dgm:txFillClrLst meth="repeat">
+      <a:schemeClr val="dk1"/>
+    </dgm:txFillClrLst>
+    <dgm:txEffectClrLst/>
+  </dgm:styleLbl>
+  <dgm:styleLbl name="dkBgShp">
+    <dgm:fillClrLst meth="repeat">
+      <a:schemeClr val="accent1">
+        <a:shade val="80000"/>
+      </a:schemeClr>
+    </dgm:fillClrLst>
+    <dgm:linClrLst meth="repeat">
+      <a:schemeClr val="accent1"/>
+    </dgm:linClrLst>
+    <dgm:effectClrLst/>
+    <dgm:txLinClrLst/>
+    <dgm:txFillClrLst meth="repeat">
+      <a:schemeClr val="lt1"/>
+    </dgm:txFillClrLst>
+    <dgm:txEffectClrLst/>
+  </dgm:styleLbl>
+  <dgm:styleLbl name="trBgShp">
+    <dgm:fillClrLst meth="repeat">
+      <a:schemeClr val="accent1">
+        <a:tint val="50000"/>
+        <a:alpha val="40000"/>
+      </a:schemeClr>
+    </dgm:fillClrLst>
+    <dgm:linClrLst meth="repeat">
+      <a:schemeClr val="accent1"/>
+    </dgm:linClrLst>
+    <dgm:effectClrLst/>
+    <dgm:txLinClrLst/>
+    <dgm:txFillClrLst meth="repeat">
+      <a:schemeClr val="lt1"/>
+    </dgm:txFillClrLst>
+    <dgm:txEffectClrLst/>
+  </dgm:styleLbl>
+  <dgm:styleLbl name="fgShp">
+    <dgm:fillClrLst meth="repeat">
+      <a:schemeClr val="accent1">
+        <a:tint val="60000"/>
+      </a:schemeClr>
+    </dgm:fillClrLst>
+    <dgm:linClrLst meth="repeat">
+      <a:schemeClr val="lt1"/>
+    </dgm:linClrLst>
+    <dgm:effectClrLst/>
+    <dgm:txLinClrLst/>
+    <dgm:txFillClrLst meth="repeat">
+      <a:schemeClr val="dk1"/>
+    </dgm:txFillClrLst>
+    <dgm:txEffectClrLst/>
+  </dgm:styleLbl>
+  <dgm:styleLbl name="revTx">
+    <dgm:fillClrLst meth="repeat">
+      <a:schemeClr val="lt1">
+        <a:alpha val="0"/>
+      </a:schemeClr>
+    </dgm:fillClrLst>
+    <dgm:linClrLst meth="repeat">
+      <a:schemeClr val="dk1">
+        <a:alpha val="0"/>
+      </a:schemeClr>
+    </dgm:linClrLst>
+    <dgm:effectClrLst/>
+    <dgm:txLinClrLst/>
+    <dgm:txFillClrLst meth="repeat">
+      <a:schemeClr val="tx1"/>
+    </dgm:txFillClrLst>
+    <dgm:txEffectClrLst/>
+  </dgm:styleLbl>
+</dgm:colorsDef>
+</file>
+
+<file path=ppt/diagrams/data1.xml><?xml version="1.0" encoding="utf-8"?>
+<dgm:dataModel xmlns:dgm="http://schemas.openxmlformats.org/drawingml/2006/diagram" xmlns:a="http://schemas.openxmlformats.org/drawingml/2006/main">
+  <dgm:ptLst>
+    <dgm:pt modelId="{BDE1311C-3751-4AAE-BA1A-A5CF76E424EF}" type="doc">
+      <dgm:prSet loTypeId="urn:microsoft.com/office/officeart/2009/3/layout/HorizontalOrganizationChart" loCatId="hierarchy" qsTypeId="urn:microsoft.com/office/officeart/2005/8/quickstyle/simple1" qsCatId="simple" csTypeId="urn:microsoft.com/office/officeart/2005/8/colors/accent1_2" csCatId="accent1" phldr="1"/>
+      <dgm:spPr/>
+      <dgm:t>
+        <a:bodyPr/>
+        <a:lstStyle/>
+        <a:p>
+          <a:pPr latinLnBrk="1"/>
+          <a:endParaRPr lang="ko-KR" altLang="en-US"/>
+        </a:p>
+      </dgm:t>
+    </dgm:pt>
+    <dgm:pt modelId="{D4092B27-4F71-4182-8AAA-EEEED57F9ACB}">
+      <dgm:prSet phldrT="[텍스트]"/>
+      <dgm:spPr/>
+      <dgm:t>
+        <a:bodyPr/>
+        <a:lstStyle/>
+        <a:p>
+          <a:pPr latinLnBrk="1"/>
+          <a:r>
+            <a:rPr lang="ko-KR" altLang="en-US" dirty="0" smtClean="0"/>
+            <a:t>시작화면</a:t>
+          </a:r>
+          <a:endParaRPr lang="ko-KR" altLang="en-US" dirty="0"/>
+        </a:p>
+      </dgm:t>
+    </dgm:pt>
+    <dgm:pt modelId="{D8AE6782-7E82-48A4-8788-E417206B3680}" type="parTrans" cxnId="{2AB54E3D-5F68-45B3-BCB3-9F51BEA0F5E4}">
+      <dgm:prSet/>
+      <dgm:spPr/>
+      <dgm:t>
+        <a:bodyPr/>
+        <a:lstStyle/>
+        <a:p>
+          <a:pPr latinLnBrk="1"/>
+          <a:endParaRPr lang="ko-KR" altLang="en-US"/>
+        </a:p>
+      </dgm:t>
+    </dgm:pt>
+    <dgm:pt modelId="{F6095FCC-882F-426B-A2D8-0F578EC5D071}" type="sibTrans" cxnId="{2AB54E3D-5F68-45B3-BCB3-9F51BEA0F5E4}">
+      <dgm:prSet/>
+      <dgm:spPr/>
+      <dgm:t>
+        <a:bodyPr/>
+        <a:lstStyle/>
+        <a:p>
+          <a:pPr latinLnBrk="1"/>
+          <a:endParaRPr lang="ko-KR" altLang="en-US"/>
+        </a:p>
+      </dgm:t>
+    </dgm:pt>
+    <dgm:pt modelId="{42AC7A2E-EB25-449E-91F2-81E0A04AD8D2}">
+      <dgm:prSet phldrT="[텍스트]"/>
+      <dgm:spPr/>
+      <dgm:t>
+        <a:bodyPr/>
+        <a:lstStyle/>
+        <a:p>
+          <a:pPr latinLnBrk="1"/>
+          <a:r>
+            <a:rPr lang="ko-KR" altLang="en-US" dirty="0" smtClean="0"/>
+            <a:t>등록화면</a:t>
+          </a:r>
+          <a:endParaRPr lang="ko-KR" altLang="en-US" dirty="0"/>
+        </a:p>
+      </dgm:t>
+    </dgm:pt>
+    <dgm:pt modelId="{1F348F28-91CD-4024-9086-0B7E3FD4A36F}" type="parTrans" cxnId="{B4641213-C09F-45BD-BE43-9B630238389F}">
+      <dgm:prSet/>
+      <dgm:spPr/>
+      <dgm:t>
+        <a:bodyPr/>
+        <a:lstStyle/>
+        <a:p>
+          <a:pPr latinLnBrk="1"/>
+          <a:endParaRPr lang="ko-KR" altLang="en-US"/>
+        </a:p>
+      </dgm:t>
+    </dgm:pt>
+    <dgm:pt modelId="{D37D348F-29F5-4014-99F5-E20A14279905}" type="sibTrans" cxnId="{B4641213-C09F-45BD-BE43-9B630238389F}">
+      <dgm:prSet/>
+      <dgm:spPr/>
+      <dgm:t>
+        <a:bodyPr/>
+        <a:lstStyle/>
+        <a:p>
+          <a:pPr latinLnBrk="1"/>
+          <a:endParaRPr lang="ko-KR" altLang="en-US"/>
+        </a:p>
+      </dgm:t>
+    </dgm:pt>
+    <dgm:pt modelId="{04C98E30-563A-4442-B182-188F0608ECF2}">
+      <dgm:prSet phldrT="[텍스트]"/>
+      <dgm:spPr/>
+      <dgm:t>
+        <a:bodyPr/>
+        <a:lstStyle/>
+        <a:p>
+          <a:pPr latinLnBrk="1"/>
+          <a:r>
+            <a:rPr lang="ko-KR" altLang="en-US" dirty="0" smtClean="0"/>
+            <a:t>글 목록</a:t>
+          </a:r>
+          <a:endParaRPr lang="ko-KR" altLang="en-US" dirty="0"/>
+        </a:p>
+      </dgm:t>
+    </dgm:pt>
+    <dgm:pt modelId="{B467E91C-DC43-4A4E-A5CA-B68B9BD5D15E}" type="parTrans" cxnId="{CE9BFC66-9CF7-4524-8641-7A67E8B1829D}">
+      <dgm:prSet/>
+      <dgm:spPr/>
+      <dgm:t>
+        <a:bodyPr/>
+        <a:lstStyle/>
+        <a:p>
+          <a:pPr latinLnBrk="1"/>
+          <a:endParaRPr lang="ko-KR" altLang="en-US"/>
+        </a:p>
+      </dgm:t>
+    </dgm:pt>
+    <dgm:pt modelId="{D26BD52F-AA50-4BF1-A535-705626446152}" type="sibTrans" cxnId="{CE9BFC66-9CF7-4524-8641-7A67E8B1829D}">
+      <dgm:prSet/>
+      <dgm:spPr/>
+      <dgm:t>
+        <a:bodyPr/>
+        <a:lstStyle/>
+        <a:p>
+          <a:pPr latinLnBrk="1"/>
+          <a:endParaRPr lang="ko-KR" altLang="en-US"/>
+        </a:p>
+      </dgm:t>
+    </dgm:pt>
+    <dgm:pt modelId="{C22EBF02-8050-4348-8BB8-72764FCC1915}">
+      <dgm:prSet phldrT="[텍스트]"/>
+      <dgm:spPr/>
+      <dgm:t>
+        <a:bodyPr/>
+        <a:lstStyle/>
+        <a:p>
+          <a:pPr latinLnBrk="1"/>
+          <a:r>
+            <a:rPr lang="ko-KR" altLang="en-US" dirty="0" smtClean="0"/>
+            <a:t>내 정보</a:t>
+          </a:r>
+          <a:endParaRPr lang="ko-KR" altLang="en-US" dirty="0"/>
+        </a:p>
+      </dgm:t>
+    </dgm:pt>
+    <dgm:pt modelId="{EE97DE2E-39FB-4A26-A8EF-F9B37D0450ED}" type="parTrans" cxnId="{29A8D6BD-BF6B-4E32-9D3A-B6123C09F7E7}">
+      <dgm:prSet/>
+      <dgm:spPr/>
+      <dgm:t>
+        <a:bodyPr/>
+        <a:lstStyle/>
+        <a:p>
+          <a:pPr latinLnBrk="1"/>
+          <a:endParaRPr lang="ko-KR" altLang="en-US"/>
+        </a:p>
+      </dgm:t>
+    </dgm:pt>
+    <dgm:pt modelId="{7B953AD2-2371-4D14-B0C2-CB494ECBDD0B}" type="sibTrans" cxnId="{29A8D6BD-BF6B-4E32-9D3A-B6123C09F7E7}">
+      <dgm:prSet/>
+      <dgm:spPr/>
+      <dgm:t>
+        <a:bodyPr/>
+        <a:lstStyle/>
+        <a:p>
+          <a:pPr latinLnBrk="1"/>
+          <a:endParaRPr lang="ko-KR" altLang="en-US"/>
+        </a:p>
+      </dgm:t>
+    </dgm:pt>
+    <dgm:pt modelId="{16AD24BF-9818-4F55-9F1C-718ECD06A97B}">
+      <dgm:prSet phldrT="[텍스트]"/>
+      <dgm:spPr/>
+      <dgm:t>
+        <a:bodyPr/>
+        <a:lstStyle/>
+        <a:p>
+          <a:pPr latinLnBrk="1"/>
+          <a:r>
+            <a:rPr lang="ko-KR" altLang="en-US" dirty="0" smtClean="0"/>
+            <a:t>쪽지보기</a:t>
+          </a:r>
+          <a:endParaRPr lang="ko-KR" altLang="en-US" dirty="0"/>
+        </a:p>
+      </dgm:t>
+    </dgm:pt>
+    <dgm:pt modelId="{16176FE7-634B-4EED-85B1-C073C9E9C814}" type="parTrans" cxnId="{F5997ED9-B130-406E-9DA1-BC8ACB2D340F}">
+      <dgm:prSet/>
+      <dgm:spPr/>
+      <dgm:t>
+        <a:bodyPr/>
+        <a:lstStyle/>
+        <a:p>
+          <a:pPr latinLnBrk="1"/>
+          <a:endParaRPr lang="ko-KR" altLang="en-US"/>
+        </a:p>
+      </dgm:t>
+    </dgm:pt>
+    <dgm:pt modelId="{1E9FDCAD-23D1-4A9B-9D2F-B08CF583FE14}" type="sibTrans" cxnId="{F5997ED9-B130-406E-9DA1-BC8ACB2D340F}">
+      <dgm:prSet/>
+      <dgm:spPr/>
+      <dgm:t>
+        <a:bodyPr/>
+        <a:lstStyle/>
+        <a:p>
+          <a:pPr latinLnBrk="1"/>
+          <a:endParaRPr lang="ko-KR" altLang="en-US"/>
+        </a:p>
+      </dgm:t>
+    </dgm:pt>
+    <dgm:pt modelId="{7E1CCDAF-B650-480A-BBF7-A2A40D589477}">
+      <dgm:prSet phldrT="[텍스트]"/>
+      <dgm:spPr/>
+      <dgm:t>
+        <a:bodyPr/>
+        <a:lstStyle/>
+        <a:p>
+          <a:pPr latinLnBrk="1"/>
+          <a:r>
+            <a:rPr lang="ko-KR" altLang="en-US" dirty="0" smtClean="0"/>
+            <a:t>글 목록상세내용</a:t>
+          </a:r>
+          <a:endParaRPr lang="ko-KR" altLang="en-US" dirty="0"/>
+        </a:p>
+      </dgm:t>
+    </dgm:pt>
+    <dgm:pt modelId="{EBBAE186-7049-4EB0-846E-494623691770}" type="parTrans" cxnId="{42B141FF-9463-4841-B371-A08E4C979BCF}">
+      <dgm:prSet/>
+      <dgm:spPr/>
+      <dgm:t>
+        <a:bodyPr/>
+        <a:lstStyle/>
+        <a:p>
+          <a:pPr latinLnBrk="1"/>
+          <a:endParaRPr lang="ko-KR" altLang="en-US"/>
+        </a:p>
+      </dgm:t>
+    </dgm:pt>
+    <dgm:pt modelId="{CD9E0E1F-BF02-4A5E-A217-8A0278DFF03A}" type="sibTrans" cxnId="{42B141FF-9463-4841-B371-A08E4C979BCF}">
+      <dgm:prSet/>
+      <dgm:spPr/>
+      <dgm:t>
+        <a:bodyPr/>
+        <a:lstStyle/>
+        <a:p>
+          <a:pPr latinLnBrk="1"/>
+          <a:endParaRPr lang="ko-KR" altLang="en-US"/>
+        </a:p>
+      </dgm:t>
+    </dgm:pt>
+    <dgm:pt modelId="{10D4ACD2-0CF5-46AD-AD46-60E6820199FA}">
+      <dgm:prSet phldrT="[텍스트]"/>
+      <dgm:spPr/>
+      <dgm:t>
+        <a:bodyPr/>
+        <a:lstStyle/>
+        <a:p>
+          <a:pPr latinLnBrk="1"/>
+          <a:r>
+            <a:rPr lang="ko-KR" altLang="en-US" dirty="0" smtClean="0"/>
+            <a:t>개인정보수정</a:t>
+          </a:r>
+          <a:endParaRPr lang="ko-KR" altLang="en-US" dirty="0"/>
+        </a:p>
+      </dgm:t>
+    </dgm:pt>
+    <dgm:pt modelId="{1C6D881E-6181-47FB-9360-3F0481B288C1}" type="parTrans" cxnId="{F8AD5E29-5641-40D4-A392-76CE63CA995F}">
+      <dgm:prSet/>
+      <dgm:spPr/>
+      <dgm:t>
+        <a:bodyPr/>
+        <a:lstStyle/>
+        <a:p>
+          <a:pPr latinLnBrk="1"/>
+          <a:endParaRPr lang="ko-KR" altLang="en-US"/>
+        </a:p>
+      </dgm:t>
+    </dgm:pt>
+    <dgm:pt modelId="{F5C1123E-60E7-46F6-871B-EC245F879FAA}" type="sibTrans" cxnId="{F8AD5E29-5641-40D4-A392-76CE63CA995F}">
+      <dgm:prSet/>
+      <dgm:spPr/>
+      <dgm:t>
+        <a:bodyPr/>
+        <a:lstStyle/>
+        <a:p>
+          <a:pPr latinLnBrk="1"/>
+          <a:endParaRPr lang="ko-KR" altLang="en-US"/>
+        </a:p>
+      </dgm:t>
+    </dgm:pt>
+    <dgm:pt modelId="{3AB00C83-CA6F-4ADE-A42D-BE95F1D8052E}">
+      <dgm:prSet phldrT="[텍스트]"/>
+      <dgm:spPr/>
+      <dgm:t>
+        <a:bodyPr/>
+        <a:lstStyle/>
+        <a:p>
+          <a:pPr latinLnBrk="1"/>
+          <a:r>
+            <a:rPr lang="ko-KR" altLang="en-US" dirty="0" smtClean="0"/>
+            <a:t>내가 쓴 글</a:t>
+          </a:r>
+          <a:endParaRPr lang="ko-KR" altLang="en-US" dirty="0"/>
+        </a:p>
+      </dgm:t>
+    </dgm:pt>
+    <dgm:pt modelId="{043D11D4-BC08-4975-9702-CC2470E7E029}" type="parTrans" cxnId="{7C46FD77-B3F4-4CF9-85B7-9BEAD8006193}">
+      <dgm:prSet/>
+      <dgm:spPr/>
+      <dgm:t>
+        <a:bodyPr/>
+        <a:lstStyle/>
+        <a:p>
+          <a:pPr latinLnBrk="1"/>
+          <a:endParaRPr lang="ko-KR" altLang="en-US"/>
+        </a:p>
+      </dgm:t>
+    </dgm:pt>
+    <dgm:pt modelId="{22603F25-E3ED-4938-900D-EC996C922288}" type="sibTrans" cxnId="{7C46FD77-B3F4-4CF9-85B7-9BEAD8006193}">
+      <dgm:prSet/>
+      <dgm:spPr/>
+      <dgm:t>
+        <a:bodyPr/>
+        <a:lstStyle/>
+        <a:p>
+          <a:pPr latinLnBrk="1"/>
+          <a:endParaRPr lang="ko-KR" altLang="en-US"/>
+        </a:p>
+      </dgm:t>
+    </dgm:pt>
+    <dgm:pt modelId="{544510FF-EE5D-481D-B5B7-559730ED477D}">
+      <dgm:prSet phldrT="[텍스트]"/>
+      <dgm:spPr/>
+      <dgm:t>
+        <a:bodyPr/>
+        <a:lstStyle/>
+        <a:p>
+          <a:pPr latinLnBrk="1"/>
+          <a:r>
+            <a:rPr lang="ko-KR" altLang="en-US" dirty="0" smtClean="0"/>
+            <a:t>찐 한 항목</a:t>
+          </a:r>
+          <a:endParaRPr lang="ko-KR" altLang="en-US" dirty="0"/>
+        </a:p>
+      </dgm:t>
+    </dgm:pt>
+    <dgm:pt modelId="{86F6415F-E0B2-4F71-AE14-B7906B3F87FC}" type="parTrans" cxnId="{87D4F2A3-6DE8-445E-9995-7DDEB0CE1095}">
+      <dgm:prSet/>
+      <dgm:spPr/>
+      <dgm:t>
+        <a:bodyPr/>
+        <a:lstStyle/>
+        <a:p>
+          <a:pPr latinLnBrk="1"/>
+          <a:endParaRPr lang="ko-KR" altLang="en-US"/>
+        </a:p>
+      </dgm:t>
+    </dgm:pt>
+    <dgm:pt modelId="{A8C8BB01-49B5-4ED7-AE31-1F8A75DFC3BE}" type="sibTrans" cxnId="{87D4F2A3-6DE8-445E-9995-7DDEB0CE1095}">
+      <dgm:prSet/>
+      <dgm:spPr/>
+      <dgm:t>
+        <a:bodyPr/>
+        <a:lstStyle/>
+        <a:p>
+          <a:pPr latinLnBrk="1"/>
+          <a:endParaRPr lang="ko-KR" altLang="en-US"/>
+        </a:p>
+      </dgm:t>
+    </dgm:pt>
+    <dgm:pt modelId="{AE987C52-C774-4C8B-84DB-741CBC6BBB61}">
+      <dgm:prSet phldrT="[텍스트]"/>
+      <dgm:spPr/>
+      <dgm:t>
+        <a:bodyPr/>
+        <a:lstStyle/>
+        <a:p>
+          <a:pPr latinLnBrk="1"/>
+          <a:r>
+            <a:rPr lang="ko-KR" altLang="en-US" dirty="0" smtClean="0"/>
+            <a:t>구매내역</a:t>
+          </a:r>
+          <a:endParaRPr lang="ko-KR" altLang="en-US" dirty="0"/>
+        </a:p>
+      </dgm:t>
+    </dgm:pt>
+    <dgm:pt modelId="{35A3ED1F-D933-41A7-9019-95662D5E7518}" type="parTrans" cxnId="{6CA3BD3F-E851-4286-ADE2-D923C63451CE}">
+      <dgm:prSet/>
+      <dgm:spPr/>
+      <dgm:t>
+        <a:bodyPr/>
+        <a:lstStyle/>
+        <a:p>
+          <a:pPr latinLnBrk="1"/>
+          <a:endParaRPr lang="ko-KR" altLang="en-US"/>
+        </a:p>
+      </dgm:t>
+    </dgm:pt>
+    <dgm:pt modelId="{6F453ED3-0BCC-4218-8F67-F5D98A3B93E3}" type="sibTrans" cxnId="{6CA3BD3F-E851-4286-ADE2-D923C63451CE}">
+      <dgm:prSet/>
+      <dgm:spPr/>
+      <dgm:t>
+        <a:bodyPr/>
+        <a:lstStyle/>
+        <a:p>
+          <a:pPr latinLnBrk="1"/>
+          <a:endParaRPr lang="ko-KR" altLang="en-US"/>
+        </a:p>
+      </dgm:t>
+    </dgm:pt>
+    <dgm:pt modelId="{457FC262-CF56-404C-87CA-745806A7E3BC}">
+      <dgm:prSet phldrT="[텍스트]"/>
+      <dgm:spPr/>
+      <dgm:t>
+        <a:bodyPr/>
+        <a:lstStyle/>
+        <a:p>
+          <a:pPr latinLnBrk="1"/>
+          <a:r>
+            <a:rPr lang="ko-KR" altLang="en-US" dirty="0" smtClean="0"/>
+            <a:t>개정삭제</a:t>
+          </a:r>
+          <a:endParaRPr lang="ko-KR" altLang="en-US" dirty="0"/>
+        </a:p>
+      </dgm:t>
+    </dgm:pt>
+    <dgm:pt modelId="{3E03DB52-AC65-4216-BFFF-6DBCC130A4D5}" type="parTrans" cxnId="{BD1460F6-488B-4C50-8D1F-05A6C2CD8060}">
+      <dgm:prSet/>
+      <dgm:spPr/>
+      <dgm:t>
+        <a:bodyPr/>
+        <a:lstStyle/>
+        <a:p>
+          <a:pPr latinLnBrk="1"/>
+          <a:endParaRPr lang="ko-KR" altLang="en-US"/>
+        </a:p>
+      </dgm:t>
+    </dgm:pt>
+    <dgm:pt modelId="{7E61BDEC-5E47-4DCF-B49F-53C2AE4E6160}" type="sibTrans" cxnId="{BD1460F6-488B-4C50-8D1F-05A6C2CD8060}">
+      <dgm:prSet/>
+      <dgm:spPr/>
+      <dgm:t>
+        <a:bodyPr/>
+        <a:lstStyle/>
+        <a:p>
+          <a:pPr latinLnBrk="1"/>
+          <a:endParaRPr lang="ko-KR" altLang="en-US"/>
+        </a:p>
+      </dgm:t>
+    </dgm:pt>
+    <dgm:pt modelId="{B2B57DD9-5824-44BB-AF9C-0E3CA6EAB5F0}">
+      <dgm:prSet phldrT="[텍스트]"/>
+      <dgm:spPr/>
+      <dgm:t>
+        <a:bodyPr/>
+        <a:lstStyle/>
+        <a:p>
+          <a:pPr latinLnBrk="1"/>
+          <a:r>
+            <a:rPr lang="ko-KR" altLang="en-US" dirty="0" smtClean="0"/>
+            <a:t>아이디</a:t>
+          </a:r>
+          <a:r>
+            <a:rPr lang="en-US" altLang="ko-KR" dirty="0" smtClean="0"/>
+            <a:t>/</a:t>
+          </a:r>
+          <a:r>
+            <a:rPr lang="ko-KR" altLang="en-US" dirty="0" smtClean="0"/>
+            <a:t>비밀번호 찾기</a:t>
+          </a:r>
+          <a:endParaRPr lang="ko-KR" altLang="en-US" dirty="0"/>
+        </a:p>
+      </dgm:t>
+    </dgm:pt>
+    <dgm:pt modelId="{54C5042B-CDBB-460E-839E-39A520EE37F4}" type="parTrans" cxnId="{AEFC0C6F-7318-46D3-86B7-AEDB9CD01FD9}">
+      <dgm:prSet/>
+      <dgm:spPr/>
+      <dgm:t>
+        <a:bodyPr/>
+        <a:lstStyle/>
+        <a:p>
+          <a:pPr latinLnBrk="1"/>
+          <a:endParaRPr lang="ko-KR" altLang="en-US"/>
+        </a:p>
+      </dgm:t>
+    </dgm:pt>
+    <dgm:pt modelId="{1963431C-F8D9-4217-9746-22584D07771F}" type="sibTrans" cxnId="{AEFC0C6F-7318-46D3-86B7-AEDB9CD01FD9}">
+      <dgm:prSet/>
+      <dgm:spPr/>
+      <dgm:t>
+        <a:bodyPr/>
+        <a:lstStyle/>
+        <a:p>
+          <a:pPr latinLnBrk="1"/>
+          <a:endParaRPr lang="ko-KR" altLang="en-US"/>
+        </a:p>
+      </dgm:t>
+    </dgm:pt>
+    <dgm:pt modelId="{777BFACC-3A14-49BE-BEED-713A053E5A1A}">
+      <dgm:prSet phldrT="[텍스트]"/>
+      <dgm:spPr/>
+      <dgm:t>
+        <a:bodyPr/>
+        <a:lstStyle/>
+        <a:p>
+          <a:pPr latinLnBrk="1"/>
+          <a:r>
+            <a:rPr lang="ko-KR" altLang="en-US" dirty="0" smtClean="0"/>
+            <a:t>이용약관</a:t>
+          </a:r>
+          <a:endParaRPr lang="ko-KR" altLang="en-US" dirty="0"/>
+        </a:p>
+      </dgm:t>
+    </dgm:pt>
+    <dgm:pt modelId="{D6CBD86C-6F03-4B7E-8404-19C1B9C2435B}" type="parTrans" cxnId="{D3DB0BA4-F0EF-4D82-AF1F-23DBB3085B1E}">
+      <dgm:prSet/>
+      <dgm:spPr/>
+      <dgm:t>
+        <a:bodyPr/>
+        <a:lstStyle/>
+        <a:p>
+          <a:pPr latinLnBrk="1"/>
+          <a:endParaRPr lang="ko-KR" altLang="en-US"/>
+        </a:p>
+      </dgm:t>
+    </dgm:pt>
+    <dgm:pt modelId="{D135AF1C-E118-45C7-AE3D-D8649D08A52C}" type="sibTrans" cxnId="{D3DB0BA4-F0EF-4D82-AF1F-23DBB3085B1E}">
+      <dgm:prSet/>
+      <dgm:spPr/>
+      <dgm:t>
+        <a:bodyPr/>
+        <a:lstStyle/>
+        <a:p>
+          <a:pPr latinLnBrk="1"/>
+          <a:endParaRPr lang="ko-KR" altLang="en-US"/>
+        </a:p>
+      </dgm:t>
+    </dgm:pt>
+    <dgm:pt modelId="{CB03E462-DF27-44E1-ABEF-B102D4C8954C}">
+      <dgm:prSet phldrT="[텍스트]"/>
+      <dgm:spPr/>
+      <dgm:t>
+        <a:bodyPr/>
+        <a:lstStyle/>
+        <a:p>
+          <a:pPr latinLnBrk="1"/>
+          <a:r>
+            <a:rPr lang="ko-KR" altLang="en-US" dirty="0" smtClean="0"/>
+            <a:t>쪽지 보내기</a:t>
+          </a:r>
+          <a:endParaRPr lang="ko-KR" altLang="en-US" dirty="0"/>
+        </a:p>
+      </dgm:t>
+    </dgm:pt>
+    <dgm:pt modelId="{C0BA9323-D5A6-4567-B54B-AF59493BD569}" type="parTrans" cxnId="{A24E4625-BE94-4D55-B860-456244EC3055}">
+      <dgm:prSet/>
+      <dgm:spPr/>
+      <dgm:t>
+        <a:bodyPr/>
+        <a:lstStyle/>
+        <a:p>
+          <a:pPr latinLnBrk="1"/>
+          <a:endParaRPr lang="ko-KR" altLang="en-US"/>
+        </a:p>
+      </dgm:t>
+    </dgm:pt>
+    <dgm:pt modelId="{A41CA0CE-0751-4049-9CDA-14A273C5F96B}" type="sibTrans" cxnId="{A24E4625-BE94-4D55-B860-456244EC3055}">
+      <dgm:prSet/>
+      <dgm:spPr/>
+      <dgm:t>
+        <a:bodyPr/>
+        <a:lstStyle/>
+        <a:p>
+          <a:pPr latinLnBrk="1"/>
+          <a:endParaRPr lang="ko-KR" altLang="en-US"/>
+        </a:p>
+      </dgm:t>
+    </dgm:pt>
+    <dgm:pt modelId="{84D4AA2E-31C9-4322-A31A-B9FC0811422A}" type="pres">
+      <dgm:prSet presAssocID="{BDE1311C-3751-4AAE-BA1A-A5CF76E424EF}" presName="hierChild1" presStyleCnt="0">
+        <dgm:presLayoutVars>
+          <dgm:orgChart val="1"/>
+          <dgm:chPref val="1"/>
+          <dgm:dir/>
+          <dgm:animOne val="branch"/>
+          <dgm:animLvl val="lvl"/>
+          <dgm:resizeHandles/>
+        </dgm:presLayoutVars>
+      </dgm:prSet>
+      <dgm:spPr/>
+    </dgm:pt>
+    <dgm:pt modelId="{302962C6-2969-4228-BEC9-F4612C92B41F}" type="pres">
+      <dgm:prSet presAssocID="{D4092B27-4F71-4182-8AAA-EEEED57F9ACB}" presName="hierRoot1" presStyleCnt="0">
+        <dgm:presLayoutVars>
+          <dgm:hierBranch val="init"/>
+        </dgm:presLayoutVars>
+      </dgm:prSet>
+      <dgm:spPr/>
+    </dgm:pt>
+    <dgm:pt modelId="{2A350452-4C4D-4478-8D06-4131E58E88FB}" type="pres">
+      <dgm:prSet presAssocID="{D4092B27-4F71-4182-8AAA-EEEED57F9ACB}" presName="rootComposite1" presStyleCnt="0"/>
+      <dgm:spPr/>
+    </dgm:pt>
+    <dgm:pt modelId="{032D2D50-2AB1-46D7-B193-C26FCFBB4A6A}" type="pres">
+      <dgm:prSet presAssocID="{D4092B27-4F71-4182-8AAA-EEEED57F9ACB}" presName="rootText1" presStyleLbl="node0" presStyleIdx="0" presStyleCnt="1">
+        <dgm:presLayoutVars>
+          <dgm:chPref val="3"/>
+        </dgm:presLayoutVars>
+      </dgm:prSet>
+      <dgm:spPr/>
+      <dgm:t>
+        <a:bodyPr/>
+        <a:lstStyle/>
+        <a:p>
+          <a:pPr latinLnBrk="1"/>
+          <a:endParaRPr lang="ko-KR" altLang="en-US"/>
+        </a:p>
+      </dgm:t>
+    </dgm:pt>
+    <dgm:pt modelId="{BF9A4A8B-D45D-420B-BF5F-A78539154FCE}" type="pres">
+      <dgm:prSet presAssocID="{D4092B27-4F71-4182-8AAA-EEEED57F9ACB}" presName="rootConnector1" presStyleLbl="node1" presStyleIdx="0" presStyleCnt="0"/>
+      <dgm:spPr/>
+    </dgm:pt>
+    <dgm:pt modelId="{189F0170-C1D7-4BF9-94D0-D54E82AEABF8}" type="pres">
+      <dgm:prSet presAssocID="{D4092B27-4F71-4182-8AAA-EEEED57F9ACB}" presName="hierChild2" presStyleCnt="0"/>
+      <dgm:spPr/>
+    </dgm:pt>
+    <dgm:pt modelId="{B5C51E15-3B89-4A86-AE1E-87B746F3AB0E}" type="pres">
+      <dgm:prSet presAssocID="{D6CBD86C-6F03-4B7E-8404-19C1B9C2435B}" presName="Name64" presStyleLbl="parChTrans1D2" presStyleIdx="0" presStyleCnt="3"/>
+      <dgm:spPr/>
+    </dgm:pt>
+    <dgm:pt modelId="{CBA6FD89-AC61-405F-8D24-7B0C44A4BF33}" type="pres">
+      <dgm:prSet presAssocID="{777BFACC-3A14-49BE-BEED-713A053E5A1A}" presName="hierRoot2" presStyleCnt="0">
+        <dgm:presLayoutVars>
+          <dgm:hierBranch val="init"/>
+        </dgm:presLayoutVars>
+      </dgm:prSet>
+      <dgm:spPr/>
+    </dgm:pt>
+    <dgm:pt modelId="{0530CC45-DDDA-446A-8EBE-0D9480CFA887}" type="pres">
+      <dgm:prSet presAssocID="{777BFACC-3A14-49BE-BEED-713A053E5A1A}" presName="rootComposite" presStyleCnt="0"/>
+      <dgm:spPr/>
+    </dgm:pt>
+    <dgm:pt modelId="{FA4AE8CF-329A-4023-A175-EE37CDAA6A4A}" type="pres">
+      <dgm:prSet presAssocID="{777BFACC-3A14-49BE-BEED-713A053E5A1A}" presName="rootText" presStyleLbl="node2" presStyleIdx="0" presStyleCnt="3">
+        <dgm:presLayoutVars>
+          <dgm:chPref val="3"/>
+        </dgm:presLayoutVars>
+      </dgm:prSet>
+      <dgm:spPr/>
+    </dgm:pt>
+    <dgm:pt modelId="{C19E6EB6-3034-4F3A-ABBD-B055E10A3260}" type="pres">
+      <dgm:prSet presAssocID="{777BFACC-3A14-49BE-BEED-713A053E5A1A}" presName="rootConnector" presStyleLbl="node2" presStyleIdx="0" presStyleCnt="3"/>
+      <dgm:spPr/>
+    </dgm:pt>
+    <dgm:pt modelId="{EB3A0936-C296-436D-970A-C14E439E67DA}" type="pres">
+      <dgm:prSet presAssocID="{777BFACC-3A14-49BE-BEED-713A053E5A1A}" presName="hierChild4" presStyleCnt="0"/>
+      <dgm:spPr/>
+    </dgm:pt>
+    <dgm:pt modelId="{14C08DEE-2EED-4581-A4AA-C2F71BB3310E}" type="pres">
+      <dgm:prSet presAssocID="{1F348F28-91CD-4024-9086-0B7E3FD4A36F}" presName="Name64" presStyleLbl="parChTrans1D3" presStyleIdx="0" presStyleCnt="4"/>
+      <dgm:spPr/>
+    </dgm:pt>
+    <dgm:pt modelId="{7F793E2D-9AD2-4CF9-A3A9-073D84998712}" type="pres">
+      <dgm:prSet presAssocID="{42AC7A2E-EB25-449E-91F2-81E0A04AD8D2}" presName="hierRoot2" presStyleCnt="0">
+        <dgm:presLayoutVars>
+          <dgm:hierBranch val="init"/>
+        </dgm:presLayoutVars>
+      </dgm:prSet>
+      <dgm:spPr/>
+    </dgm:pt>
+    <dgm:pt modelId="{2B79F55D-C65E-4EFA-AA1A-505AAD796548}" type="pres">
+      <dgm:prSet presAssocID="{42AC7A2E-EB25-449E-91F2-81E0A04AD8D2}" presName="rootComposite" presStyleCnt="0"/>
+      <dgm:spPr/>
+    </dgm:pt>
+    <dgm:pt modelId="{A41C8465-841E-43DB-A108-E652C9E49C23}" type="pres">
+      <dgm:prSet presAssocID="{42AC7A2E-EB25-449E-91F2-81E0A04AD8D2}" presName="rootText" presStyleLbl="node3" presStyleIdx="0" presStyleCnt="4">
+        <dgm:presLayoutVars>
+          <dgm:chPref val="3"/>
+        </dgm:presLayoutVars>
+      </dgm:prSet>
+      <dgm:spPr/>
+      <dgm:t>
+        <a:bodyPr/>
+        <a:lstStyle/>
+        <a:p>
+          <a:pPr latinLnBrk="1"/>
+          <a:endParaRPr lang="ko-KR" altLang="en-US"/>
+        </a:p>
+      </dgm:t>
+    </dgm:pt>
+    <dgm:pt modelId="{247E49CE-41A5-4F86-AFA8-F0F5BBFA8A4F}" type="pres">
+      <dgm:prSet presAssocID="{42AC7A2E-EB25-449E-91F2-81E0A04AD8D2}" presName="rootConnector" presStyleLbl="node3" presStyleIdx="0" presStyleCnt="4"/>
+      <dgm:spPr/>
+    </dgm:pt>
+    <dgm:pt modelId="{5A0025FB-BC70-4D84-BAAA-0F2783356FDC}" type="pres">
+      <dgm:prSet presAssocID="{42AC7A2E-EB25-449E-91F2-81E0A04AD8D2}" presName="hierChild4" presStyleCnt="0"/>
+      <dgm:spPr/>
+    </dgm:pt>
+    <dgm:pt modelId="{60EBDF62-EF01-4AB0-AECB-D9E811696942}" type="pres">
+      <dgm:prSet presAssocID="{42AC7A2E-EB25-449E-91F2-81E0A04AD8D2}" presName="hierChild5" presStyleCnt="0"/>
+      <dgm:spPr/>
+    </dgm:pt>
+    <dgm:pt modelId="{C77DC027-80D9-4E74-8174-CFB0EA3025D4}" type="pres">
+      <dgm:prSet presAssocID="{777BFACC-3A14-49BE-BEED-713A053E5A1A}" presName="hierChild5" presStyleCnt="0"/>
+      <dgm:spPr/>
+    </dgm:pt>
+    <dgm:pt modelId="{6240F01B-1131-45D4-87B9-7EC3AE8C8E05}" type="pres">
+      <dgm:prSet presAssocID="{B467E91C-DC43-4A4E-A5CA-B68B9BD5D15E}" presName="Name64" presStyleLbl="parChTrans1D2" presStyleIdx="1" presStyleCnt="3"/>
+      <dgm:spPr/>
+    </dgm:pt>
+    <dgm:pt modelId="{26220A50-30C9-455B-AA3A-BD419571ED67}" type="pres">
+      <dgm:prSet presAssocID="{04C98E30-563A-4442-B182-188F0608ECF2}" presName="hierRoot2" presStyleCnt="0">
+        <dgm:presLayoutVars>
+          <dgm:hierBranch val="init"/>
+        </dgm:presLayoutVars>
+      </dgm:prSet>
+      <dgm:spPr/>
+    </dgm:pt>
+    <dgm:pt modelId="{079141E2-C800-4E99-98FB-3FB386A0A289}" type="pres">
+      <dgm:prSet presAssocID="{04C98E30-563A-4442-B182-188F0608ECF2}" presName="rootComposite" presStyleCnt="0"/>
+      <dgm:spPr/>
+    </dgm:pt>
+    <dgm:pt modelId="{A6893EF6-CDCE-4580-9D0E-FE944FC4A460}" type="pres">
+      <dgm:prSet presAssocID="{04C98E30-563A-4442-B182-188F0608ECF2}" presName="rootText" presStyleLbl="node2" presStyleIdx="1" presStyleCnt="3">
+        <dgm:presLayoutVars>
+          <dgm:chPref val="3"/>
+        </dgm:presLayoutVars>
+      </dgm:prSet>
+      <dgm:spPr/>
+    </dgm:pt>
+    <dgm:pt modelId="{005A3257-B755-49E5-A32A-57F9B662CD1B}" type="pres">
+      <dgm:prSet presAssocID="{04C98E30-563A-4442-B182-188F0608ECF2}" presName="rootConnector" presStyleLbl="node2" presStyleIdx="1" presStyleCnt="3"/>
+      <dgm:spPr/>
+    </dgm:pt>
+    <dgm:pt modelId="{F7533C83-8759-4930-AD5A-685D51547989}" type="pres">
+      <dgm:prSet presAssocID="{04C98E30-563A-4442-B182-188F0608ECF2}" presName="hierChild4" presStyleCnt="0"/>
+      <dgm:spPr/>
+    </dgm:pt>
+    <dgm:pt modelId="{525B9B6E-BE9E-4685-A003-8A2FEC84836C}" type="pres">
+      <dgm:prSet presAssocID="{EE97DE2E-39FB-4A26-A8EF-F9B37D0450ED}" presName="Name64" presStyleLbl="parChTrans1D3" presStyleIdx="1" presStyleCnt="4"/>
+      <dgm:spPr/>
+    </dgm:pt>
+    <dgm:pt modelId="{B51190D7-12AC-4537-9893-31688B0D0AEC}" type="pres">
+      <dgm:prSet presAssocID="{C22EBF02-8050-4348-8BB8-72764FCC1915}" presName="hierRoot2" presStyleCnt="0">
+        <dgm:presLayoutVars>
+          <dgm:hierBranch val="init"/>
+        </dgm:presLayoutVars>
+      </dgm:prSet>
+      <dgm:spPr/>
+    </dgm:pt>
+    <dgm:pt modelId="{A7312E9F-A859-407D-B119-A162A772D27A}" type="pres">
+      <dgm:prSet presAssocID="{C22EBF02-8050-4348-8BB8-72764FCC1915}" presName="rootComposite" presStyleCnt="0"/>
+      <dgm:spPr/>
+    </dgm:pt>
+    <dgm:pt modelId="{450C11FB-6F72-42F4-A3CD-E524A909CD75}" type="pres">
+      <dgm:prSet presAssocID="{C22EBF02-8050-4348-8BB8-72764FCC1915}" presName="rootText" presStyleLbl="node3" presStyleIdx="1" presStyleCnt="4">
+        <dgm:presLayoutVars>
+          <dgm:chPref val="3"/>
+        </dgm:presLayoutVars>
+      </dgm:prSet>
+      <dgm:spPr/>
+      <dgm:t>
+        <a:bodyPr/>
+        <a:lstStyle/>
+        <a:p>
+          <a:pPr latinLnBrk="1"/>
+          <a:endParaRPr lang="ko-KR" altLang="en-US"/>
+        </a:p>
+      </dgm:t>
+    </dgm:pt>
+    <dgm:pt modelId="{44308806-6D44-4495-910C-E58C70CF51A1}" type="pres">
+      <dgm:prSet presAssocID="{C22EBF02-8050-4348-8BB8-72764FCC1915}" presName="rootConnector" presStyleLbl="node3" presStyleIdx="1" presStyleCnt="4"/>
+      <dgm:spPr/>
+    </dgm:pt>
+    <dgm:pt modelId="{E4C3D407-9E52-4C21-82A5-FD2D4CAFE1AC}" type="pres">
+      <dgm:prSet presAssocID="{C22EBF02-8050-4348-8BB8-72764FCC1915}" presName="hierChild4" presStyleCnt="0"/>
+      <dgm:spPr/>
+    </dgm:pt>
+    <dgm:pt modelId="{2FA41893-D898-4359-8447-FD4E51D70577}" type="pres">
+      <dgm:prSet presAssocID="{1C6D881E-6181-47FB-9360-3F0481B288C1}" presName="Name64" presStyleLbl="parChTrans1D4" presStyleIdx="0" presStyleCnt="6"/>
+      <dgm:spPr/>
+    </dgm:pt>
+    <dgm:pt modelId="{1F3CD4E6-38E6-45BE-AA14-9C85F84F3C9C}" type="pres">
+      <dgm:prSet presAssocID="{10D4ACD2-0CF5-46AD-AD46-60E6820199FA}" presName="hierRoot2" presStyleCnt="0">
+        <dgm:presLayoutVars>
+          <dgm:hierBranch val="init"/>
+        </dgm:presLayoutVars>
+      </dgm:prSet>
+      <dgm:spPr/>
+    </dgm:pt>
+    <dgm:pt modelId="{C7CC261D-1634-48D4-9685-EE5DA6F67946}" type="pres">
+      <dgm:prSet presAssocID="{10D4ACD2-0CF5-46AD-AD46-60E6820199FA}" presName="rootComposite" presStyleCnt="0"/>
+      <dgm:spPr/>
+    </dgm:pt>
+    <dgm:pt modelId="{8F77B3E5-83CE-438C-B228-B479FBFBBECF}" type="pres">
+      <dgm:prSet presAssocID="{10D4ACD2-0CF5-46AD-AD46-60E6820199FA}" presName="rootText" presStyleLbl="node4" presStyleIdx="0" presStyleCnt="6">
+        <dgm:presLayoutVars>
+          <dgm:chPref val="3"/>
+        </dgm:presLayoutVars>
+      </dgm:prSet>
+      <dgm:spPr/>
+      <dgm:t>
+        <a:bodyPr/>
+        <a:lstStyle/>
+        <a:p>
+          <a:pPr latinLnBrk="1"/>
+          <a:endParaRPr lang="ko-KR" altLang="en-US"/>
+        </a:p>
+      </dgm:t>
+    </dgm:pt>
+    <dgm:pt modelId="{6B34D550-058C-454A-BA31-2FBA2B332949}" type="pres">
+      <dgm:prSet presAssocID="{10D4ACD2-0CF5-46AD-AD46-60E6820199FA}" presName="rootConnector" presStyleLbl="node4" presStyleIdx="0" presStyleCnt="6"/>
+      <dgm:spPr/>
+    </dgm:pt>
+    <dgm:pt modelId="{8C9F8C78-3015-4708-A234-AC96C2494DE4}" type="pres">
+      <dgm:prSet presAssocID="{10D4ACD2-0CF5-46AD-AD46-60E6820199FA}" presName="hierChild4" presStyleCnt="0"/>
+      <dgm:spPr/>
+    </dgm:pt>
+    <dgm:pt modelId="{25592A05-B492-4D19-BDD7-CFECBB2186F2}" type="pres">
+      <dgm:prSet presAssocID="{10D4ACD2-0CF5-46AD-AD46-60E6820199FA}" presName="hierChild5" presStyleCnt="0"/>
+      <dgm:spPr/>
+    </dgm:pt>
+    <dgm:pt modelId="{BEBF9338-4E7B-4826-8703-A06447E3C9EC}" type="pres">
+      <dgm:prSet presAssocID="{043D11D4-BC08-4975-9702-CC2470E7E029}" presName="Name64" presStyleLbl="parChTrans1D4" presStyleIdx="1" presStyleCnt="6"/>
+      <dgm:spPr/>
+    </dgm:pt>
+    <dgm:pt modelId="{951FD041-9F28-4B2F-BE4A-B877B1F38CC8}" type="pres">
+      <dgm:prSet presAssocID="{3AB00C83-CA6F-4ADE-A42D-BE95F1D8052E}" presName="hierRoot2" presStyleCnt="0">
+        <dgm:presLayoutVars>
+          <dgm:hierBranch val="init"/>
+        </dgm:presLayoutVars>
+      </dgm:prSet>
+      <dgm:spPr/>
+    </dgm:pt>
+    <dgm:pt modelId="{954BAEA5-ECB2-4FB3-A566-05289D548767}" type="pres">
+      <dgm:prSet presAssocID="{3AB00C83-CA6F-4ADE-A42D-BE95F1D8052E}" presName="rootComposite" presStyleCnt="0"/>
+      <dgm:spPr/>
+    </dgm:pt>
+    <dgm:pt modelId="{FFDCA1A3-565C-455E-A63E-18E11229A068}" type="pres">
+      <dgm:prSet presAssocID="{3AB00C83-CA6F-4ADE-A42D-BE95F1D8052E}" presName="rootText" presStyleLbl="node4" presStyleIdx="1" presStyleCnt="6">
+        <dgm:presLayoutVars>
+          <dgm:chPref val="3"/>
+        </dgm:presLayoutVars>
+      </dgm:prSet>
+      <dgm:spPr/>
+    </dgm:pt>
+    <dgm:pt modelId="{266A4C98-2D7B-4A58-B516-145C56A80050}" type="pres">
+      <dgm:prSet presAssocID="{3AB00C83-CA6F-4ADE-A42D-BE95F1D8052E}" presName="rootConnector" presStyleLbl="node4" presStyleIdx="1" presStyleCnt="6"/>
+      <dgm:spPr/>
+    </dgm:pt>
+    <dgm:pt modelId="{811F9FC4-681D-4E89-A304-63C488F54A46}" type="pres">
+      <dgm:prSet presAssocID="{3AB00C83-CA6F-4ADE-A42D-BE95F1D8052E}" presName="hierChild4" presStyleCnt="0"/>
+      <dgm:spPr/>
+    </dgm:pt>
+    <dgm:pt modelId="{9C022BF4-EDA1-4458-90C7-4FB65BD5820C}" type="pres">
+      <dgm:prSet presAssocID="{3AB00C83-CA6F-4ADE-A42D-BE95F1D8052E}" presName="hierChild5" presStyleCnt="0"/>
+      <dgm:spPr/>
+    </dgm:pt>
+    <dgm:pt modelId="{9B1FC65F-BA67-430D-8787-AC251EE78CE2}" type="pres">
+      <dgm:prSet presAssocID="{86F6415F-E0B2-4F71-AE14-B7906B3F87FC}" presName="Name64" presStyleLbl="parChTrans1D4" presStyleIdx="2" presStyleCnt="6"/>
+      <dgm:spPr/>
+    </dgm:pt>
+    <dgm:pt modelId="{F0EBFCAC-1E1F-4EA2-B643-A8D633F821CC}" type="pres">
+      <dgm:prSet presAssocID="{544510FF-EE5D-481D-B5B7-559730ED477D}" presName="hierRoot2" presStyleCnt="0">
+        <dgm:presLayoutVars>
+          <dgm:hierBranch val="init"/>
+        </dgm:presLayoutVars>
+      </dgm:prSet>
+      <dgm:spPr/>
+    </dgm:pt>
+    <dgm:pt modelId="{69DD9EA6-740B-48C7-9ADD-0391EA469EC7}" type="pres">
+      <dgm:prSet presAssocID="{544510FF-EE5D-481D-B5B7-559730ED477D}" presName="rootComposite" presStyleCnt="0"/>
+      <dgm:spPr/>
+    </dgm:pt>
+    <dgm:pt modelId="{343F3E29-67A9-4FD8-BE26-D780288DD701}" type="pres">
+      <dgm:prSet presAssocID="{544510FF-EE5D-481D-B5B7-559730ED477D}" presName="rootText" presStyleLbl="node4" presStyleIdx="2" presStyleCnt="6">
+        <dgm:presLayoutVars>
+          <dgm:chPref val="3"/>
+        </dgm:presLayoutVars>
+      </dgm:prSet>
+      <dgm:spPr/>
+    </dgm:pt>
+    <dgm:pt modelId="{457750EC-29BD-46CB-90D3-896B99F5FBD4}" type="pres">
+      <dgm:prSet presAssocID="{544510FF-EE5D-481D-B5B7-559730ED477D}" presName="rootConnector" presStyleLbl="node4" presStyleIdx="2" presStyleCnt="6"/>
+      <dgm:spPr/>
+    </dgm:pt>
+    <dgm:pt modelId="{7AB7C19A-464B-4090-B5A3-53527077F53F}" type="pres">
+      <dgm:prSet presAssocID="{544510FF-EE5D-481D-B5B7-559730ED477D}" presName="hierChild4" presStyleCnt="0"/>
+      <dgm:spPr/>
+    </dgm:pt>
+    <dgm:pt modelId="{7852D554-1532-4E58-B27F-0EEB3A443EC7}" type="pres">
+      <dgm:prSet presAssocID="{544510FF-EE5D-481D-B5B7-559730ED477D}" presName="hierChild5" presStyleCnt="0"/>
+      <dgm:spPr/>
+    </dgm:pt>
+    <dgm:pt modelId="{A40FA981-20A5-4994-BE32-0AF082DF6109}" type="pres">
+      <dgm:prSet presAssocID="{35A3ED1F-D933-41A7-9019-95662D5E7518}" presName="Name64" presStyleLbl="parChTrans1D4" presStyleIdx="3" presStyleCnt="6"/>
+      <dgm:spPr/>
+    </dgm:pt>
+    <dgm:pt modelId="{83AFDC2A-1F26-455B-A300-5026667BEB9B}" type="pres">
+      <dgm:prSet presAssocID="{AE987C52-C774-4C8B-84DB-741CBC6BBB61}" presName="hierRoot2" presStyleCnt="0">
+        <dgm:presLayoutVars>
+          <dgm:hierBranch val="init"/>
+        </dgm:presLayoutVars>
+      </dgm:prSet>
+      <dgm:spPr/>
+    </dgm:pt>
+    <dgm:pt modelId="{F62DA58F-DD07-464F-8D06-6186E160D84E}" type="pres">
+      <dgm:prSet presAssocID="{AE987C52-C774-4C8B-84DB-741CBC6BBB61}" presName="rootComposite" presStyleCnt="0"/>
+      <dgm:spPr/>
+    </dgm:pt>
+    <dgm:pt modelId="{E8CA6E66-F054-4642-A20E-46888092983B}" type="pres">
+      <dgm:prSet presAssocID="{AE987C52-C774-4C8B-84DB-741CBC6BBB61}" presName="rootText" presStyleLbl="node4" presStyleIdx="3" presStyleCnt="6">
+        <dgm:presLayoutVars>
+          <dgm:chPref val="3"/>
+        </dgm:presLayoutVars>
+      </dgm:prSet>
+      <dgm:spPr/>
+    </dgm:pt>
+    <dgm:pt modelId="{AF24F4D9-3EED-4761-85F2-98231E600DC3}" type="pres">
+      <dgm:prSet presAssocID="{AE987C52-C774-4C8B-84DB-741CBC6BBB61}" presName="rootConnector" presStyleLbl="node4" presStyleIdx="3" presStyleCnt="6"/>
+      <dgm:spPr/>
+    </dgm:pt>
+    <dgm:pt modelId="{F3758CDE-FDE6-4769-A427-D0B4AA9C0B81}" type="pres">
+      <dgm:prSet presAssocID="{AE987C52-C774-4C8B-84DB-741CBC6BBB61}" presName="hierChild4" presStyleCnt="0"/>
+      <dgm:spPr/>
+    </dgm:pt>
+    <dgm:pt modelId="{93814A40-3A4F-431A-8684-ADDA7BFF1ED8}" type="pres">
+      <dgm:prSet presAssocID="{AE987C52-C774-4C8B-84DB-741CBC6BBB61}" presName="hierChild5" presStyleCnt="0"/>
+      <dgm:spPr/>
+    </dgm:pt>
+    <dgm:pt modelId="{638BEFFA-0886-41B7-8AE8-4B010B234EBD}" type="pres">
+      <dgm:prSet presAssocID="{3E03DB52-AC65-4216-BFFF-6DBCC130A4D5}" presName="Name64" presStyleLbl="parChTrans1D4" presStyleIdx="4" presStyleCnt="6"/>
+      <dgm:spPr/>
+    </dgm:pt>
+    <dgm:pt modelId="{F464F473-44DD-4808-ABA9-548ECF6CF37A}" type="pres">
+      <dgm:prSet presAssocID="{457FC262-CF56-404C-87CA-745806A7E3BC}" presName="hierRoot2" presStyleCnt="0">
+        <dgm:presLayoutVars>
+          <dgm:hierBranch val="init"/>
+        </dgm:presLayoutVars>
+      </dgm:prSet>
+      <dgm:spPr/>
+    </dgm:pt>
+    <dgm:pt modelId="{500E86CD-013D-4A52-A8AB-DB8EF2C09DC9}" type="pres">
+      <dgm:prSet presAssocID="{457FC262-CF56-404C-87CA-745806A7E3BC}" presName="rootComposite" presStyleCnt="0"/>
+      <dgm:spPr/>
+    </dgm:pt>
+    <dgm:pt modelId="{EDC2BFE0-F10A-42CE-9A2E-1C1634586584}" type="pres">
+      <dgm:prSet presAssocID="{457FC262-CF56-404C-87CA-745806A7E3BC}" presName="rootText" presStyleLbl="node4" presStyleIdx="4" presStyleCnt="6">
+        <dgm:presLayoutVars>
+          <dgm:chPref val="3"/>
+        </dgm:presLayoutVars>
+      </dgm:prSet>
+      <dgm:spPr/>
+      <dgm:t>
+        <a:bodyPr/>
+        <a:lstStyle/>
+        <a:p>
+          <a:pPr latinLnBrk="1"/>
+          <a:endParaRPr lang="ko-KR" altLang="en-US"/>
+        </a:p>
+      </dgm:t>
+    </dgm:pt>
+    <dgm:pt modelId="{2E0A5485-4892-4DEA-BA7E-33D37EA31971}" type="pres">
+      <dgm:prSet presAssocID="{457FC262-CF56-404C-87CA-745806A7E3BC}" presName="rootConnector" presStyleLbl="node4" presStyleIdx="4" presStyleCnt="6"/>
+      <dgm:spPr/>
+    </dgm:pt>
+    <dgm:pt modelId="{CA94FCCD-3698-43EE-A0ED-9B893DEA64B5}" type="pres">
+      <dgm:prSet presAssocID="{457FC262-CF56-404C-87CA-745806A7E3BC}" presName="hierChild4" presStyleCnt="0"/>
+      <dgm:spPr/>
+    </dgm:pt>
+    <dgm:pt modelId="{EF6B5B03-0952-49CB-9BE0-89365F816184}" type="pres">
+      <dgm:prSet presAssocID="{457FC262-CF56-404C-87CA-745806A7E3BC}" presName="hierChild5" presStyleCnt="0"/>
+      <dgm:spPr/>
+    </dgm:pt>
+    <dgm:pt modelId="{B398011F-8788-4B37-AF98-FD067607284D}" type="pres">
+      <dgm:prSet presAssocID="{C22EBF02-8050-4348-8BB8-72764FCC1915}" presName="hierChild5" presStyleCnt="0"/>
+      <dgm:spPr/>
+    </dgm:pt>
+    <dgm:pt modelId="{76F6692C-907E-42E6-940F-0FA5615A6800}" type="pres">
+      <dgm:prSet presAssocID="{16176FE7-634B-4EED-85B1-C073C9E9C814}" presName="Name64" presStyleLbl="parChTrans1D3" presStyleIdx="2" presStyleCnt="4"/>
+      <dgm:spPr/>
+    </dgm:pt>
+    <dgm:pt modelId="{75E0CE9D-9DBC-43C5-BA13-F4B40E080CA2}" type="pres">
+      <dgm:prSet presAssocID="{16AD24BF-9818-4F55-9F1C-718ECD06A97B}" presName="hierRoot2" presStyleCnt="0">
+        <dgm:presLayoutVars>
+          <dgm:hierBranch val="init"/>
+        </dgm:presLayoutVars>
+      </dgm:prSet>
+      <dgm:spPr/>
+    </dgm:pt>
+    <dgm:pt modelId="{8BEF75FF-F53D-481E-9167-EEAF30D14DF9}" type="pres">
+      <dgm:prSet presAssocID="{16AD24BF-9818-4F55-9F1C-718ECD06A97B}" presName="rootComposite" presStyleCnt="0"/>
+      <dgm:spPr/>
+    </dgm:pt>
+    <dgm:pt modelId="{5B7B0E5F-24D5-4366-9347-B67AF447F77F}" type="pres">
+      <dgm:prSet presAssocID="{16AD24BF-9818-4F55-9F1C-718ECD06A97B}" presName="rootText" presStyleLbl="node3" presStyleIdx="2" presStyleCnt="4">
+        <dgm:presLayoutVars>
+          <dgm:chPref val="3"/>
+        </dgm:presLayoutVars>
+      </dgm:prSet>
+      <dgm:spPr/>
+    </dgm:pt>
+    <dgm:pt modelId="{07732D50-89B6-42D0-BCA4-F27CDF6E5CDD}" type="pres">
+      <dgm:prSet presAssocID="{16AD24BF-9818-4F55-9F1C-718ECD06A97B}" presName="rootConnector" presStyleLbl="node3" presStyleIdx="2" presStyleCnt="4"/>
+      <dgm:spPr/>
+    </dgm:pt>
+    <dgm:pt modelId="{CC94CE49-AFD6-42E6-B374-80D04AAFDB29}" type="pres">
+      <dgm:prSet presAssocID="{16AD24BF-9818-4F55-9F1C-718ECD06A97B}" presName="hierChild4" presStyleCnt="0"/>
+      <dgm:spPr/>
+    </dgm:pt>
+    <dgm:pt modelId="{02BB0AF7-4A98-4E3C-B2F2-1665891EF67D}" type="pres">
+      <dgm:prSet presAssocID="{16AD24BF-9818-4F55-9F1C-718ECD06A97B}" presName="hierChild5" presStyleCnt="0"/>
+      <dgm:spPr/>
+    </dgm:pt>
+    <dgm:pt modelId="{F323DC40-14B5-4DD8-BF91-B005BE30C082}" type="pres">
+      <dgm:prSet presAssocID="{EBBAE186-7049-4EB0-846E-494623691770}" presName="Name64" presStyleLbl="parChTrans1D3" presStyleIdx="3" presStyleCnt="4"/>
+      <dgm:spPr/>
+    </dgm:pt>
+    <dgm:pt modelId="{EB36BCED-EB88-4BDA-84F0-D6619F29AD24}" type="pres">
+      <dgm:prSet presAssocID="{7E1CCDAF-B650-480A-BBF7-A2A40D589477}" presName="hierRoot2" presStyleCnt="0">
+        <dgm:presLayoutVars>
+          <dgm:hierBranch val="init"/>
+        </dgm:presLayoutVars>
+      </dgm:prSet>
+      <dgm:spPr/>
+    </dgm:pt>
+    <dgm:pt modelId="{59185A75-EF80-4E86-B1B8-DADF8B439268}" type="pres">
+      <dgm:prSet presAssocID="{7E1CCDAF-B650-480A-BBF7-A2A40D589477}" presName="rootComposite" presStyleCnt="0"/>
+      <dgm:spPr/>
+    </dgm:pt>
+    <dgm:pt modelId="{57753F46-6EBE-49C4-B0C8-07E23E612770}" type="pres">
+      <dgm:prSet presAssocID="{7E1CCDAF-B650-480A-BBF7-A2A40D589477}" presName="rootText" presStyleLbl="node3" presStyleIdx="3" presStyleCnt="4">
+        <dgm:presLayoutVars>
+          <dgm:chPref val="3"/>
+        </dgm:presLayoutVars>
+      </dgm:prSet>
+      <dgm:spPr/>
+      <dgm:t>
+        <a:bodyPr/>
+        <a:lstStyle/>
+        <a:p>
+          <a:pPr latinLnBrk="1"/>
+          <a:endParaRPr lang="ko-KR" altLang="en-US"/>
+        </a:p>
+      </dgm:t>
+    </dgm:pt>
+    <dgm:pt modelId="{236435DF-E336-4567-AD3E-C308C7E5F4E4}" type="pres">
+      <dgm:prSet presAssocID="{7E1CCDAF-B650-480A-BBF7-A2A40D589477}" presName="rootConnector" presStyleLbl="node3" presStyleIdx="3" presStyleCnt="4"/>
+      <dgm:spPr/>
+    </dgm:pt>
+    <dgm:pt modelId="{6DC41854-D938-4809-A2D2-F16E81CAF567}" type="pres">
+      <dgm:prSet presAssocID="{7E1CCDAF-B650-480A-BBF7-A2A40D589477}" presName="hierChild4" presStyleCnt="0"/>
+      <dgm:spPr/>
+    </dgm:pt>
+    <dgm:pt modelId="{4B073B37-9FD3-4515-98D5-5CD3E78E0F18}" type="pres">
+      <dgm:prSet presAssocID="{C0BA9323-D5A6-4567-B54B-AF59493BD569}" presName="Name64" presStyleLbl="parChTrans1D4" presStyleIdx="5" presStyleCnt="6"/>
+      <dgm:spPr/>
+    </dgm:pt>
+    <dgm:pt modelId="{25BED7A7-D990-4E43-B1B2-C249F95948E0}" type="pres">
+      <dgm:prSet presAssocID="{CB03E462-DF27-44E1-ABEF-B102D4C8954C}" presName="hierRoot2" presStyleCnt="0">
+        <dgm:presLayoutVars>
+          <dgm:hierBranch val="init"/>
+        </dgm:presLayoutVars>
+      </dgm:prSet>
+      <dgm:spPr/>
+    </dgm:pt>
+    <dgm:pt modelId="{8390DB5B-7705-44BE-9D70-AB94FAB492F5}" type="pres">
+      <dgm:prSet presAssocID="{CB03E462-DF27-44E1-ABEF-B102D4C8954C}" presName="rootComposite" presStyleCnt="0"/>
+      <dgm:spPr/>
+    </dgm:pt>
+    <dgm:pt modelId="{C67C5185-B459-4471-AB7B-858E1B4C470F}" type="pres">
+      <dgm:prSet presAssocID="{CB03E462-DF27-44E1-ABEF-B102D4C8954C}" presName="rootText" presStyleLbl="node4" presStyleIdx="5" presStyleCnt="6">
+        <dgm:presLayoutVars>
+          <dgm:chPref val="3"/>
+        </dgm:presLayoutVars>
+      </dgm:prSet>
+      <dgm:spPr/>
+      <dgm:t>
+        <a:bodyPr/>
+        <a:lstStyle/>
+        <a:p>
+          <a:pPr latinLnBrk="1"/>
+          <a:endParaRPr lang="ko-KR" altLang="en-US"/>
+        </a:p>
+      </dgm:t>
+    </dgm:pt>
+    <dgm:pt modelId="{D9B537FA-E04F-4BCC-AB88-A1628F5D51F4}" type="pres">
+      <dgm:prSet presAssocID="{CB03E462-DF27-44E1-ABEF-B102D4C8954C}" presName="rootConnector" presStyleLbl="node4" presStyleIdx="5" presStyleCnt="6"/>
+      <dgm:spPr/>
+    </dgm:pt>
+    <dgm:pt modelId="{E5B9AB97-2374-4547-85B5-6214DFB97D80}" type="pres">
+      <dgm:prSet presAssocID="{CB03E462-DF27-44E1-ABEF-B102D4C8954C}" presName="hierChild4" presStyleCnt="0"/>
+      <dgm:spPr/>
+    </dgm:pt>
+    <dgm:pt modelId="{02256BAA-6DF6-456C-9768-DCF28E8A72C9}" type="pres">
+      <dgm:prSet presAssocID="{CB03E462-DF27-44E1-ABEF-B102D4C8954C}" presName="hierChild5" presStyleCnt="0"/>
+      <dgm:spPr/>
+    </dgm:pt>
+    <dgm:pt modelId="{1FA0AF13-EEFE-4861-A2EB-7C02AF2EE6B3}" type="pres">
+      <dgm:prSet presAssocID="{7E1CCDAF-B650-480A-BBF7-A2A40D589477}" presName="hierChild5" presStyleCnt="0"/>
+      <dgm:spPr/>
+    </dgm:pt>
+    <dgm:pt modelId="{F2E21742-F5F7-4D42-A4DD-F977C37E85AF}" type="pres">
+      <dgm:prSet presAssocID="{04C98E30-563A-4442-B182-188F0608ECF2}" presName="hierChild5" presStyleCnt="0"/>
+      <dgm:spPr/>
+    </dgm:pt>
+    <dgm:pt modelId="{7A76199F-0888-4BED-AF36-F81F05547FB3}" type="pres">
+      <dgm:prSet presAssocID="{54C5042B-CDBB-460E-839E-39A520EE37F4}" presName="Name64" presStyleLbl="parChTrans1D2" presStyleIdx="2" presStyleCnt="3"/>
+      <dgm:spPr/>
+    </dgm:pt>
+    <dgm:pt modelId="{D7D27503-29AA-46C8-95BF-3958A36463CD}" type="pres">
+      <dgm:prSet presAssocID="{B2B57DD9-5824-44BB-AF9C-0E3CA6EAB5F0}" presName="hierRoot2" presStyleCnt="0">
+        <dgm:presLayoutVars>
+          <dgm:hierBranch val="init"/>
+        </dgm:presLayoutVars>
+      </dgm:prSet>
+      <dgm:spPr/>
+    </dgm:pt>
+    <dgm:pt modelId="{FB087684-6752-447B-8E2B-2EF2A1ADF93D}" type="pres">
+      <dgm:prSet presAssocID="{B2B57DD9-5824-44BB-AF9C-0E3CA6EAB5F0}" presName="rootComposite" presStyleCnt="0"/>
+      <dgm:spPr/>
+    </dgm:pt>
+    <dgm:pt modelId="{D9D031FE-861A-4E75-9BBC-C61D4680D569}" type="pres">
+      <dgm:prSet presAssocID="{B2B57DD9-5824-44BB-AF9C-0E3CA6EAB5F0}" presName="rootText" presStyleLbl="node2" presStyleIdx="2" presStyleCnt="3">
+        <dgm:presLayoutVars>
+          <dgm:chPref val="3"/>
+        </dgm:presLayoutVars>
+      </dgm:prSet>
+      <dgm:spPr/>
+      <dgm:t>
+        <a:bodyPr/>
+        <a:lstStyle/>
+        <a:p>
+          <a:pPr latinLnBrk="1"/>
+          <a:endParaRPr lang="ko-KR" altLang="en-US"/>
+        </a:p>
+      </dgm:t>
+    </dgm:pt>
+    <dgm:pt modelId="{2018AAD6-AC06-4C6F-AB2B-9777BC255C87}" type="pres">
+      <dgm:prSet presAssocID="{B2B57DD9-5824-44BB-AF9C-0E3CA6EAB5F0}" presName="rootConnector" presStyleLbl="node2" presStyleIdx="2" presStyleCnt="3"/>
+      <dgm:spPr/>
+    </dgm:pt>
+    <dgm:pt modelId="{6FEB3BFC-0B30-4F15-8D1B-3432B1FA8E09}" type="pres">
+      <dgm:prSet presAssocID="{B2B57DD9-5824-44BB-AF9C-0E3CA6EAB5F0}" presName="hierChild4" presStyleCnt="0"/>
+      <dgm:spPr/>
+    </dgm:pt>
+    <dgm:pt modelId="{16F93514-076E-4D5F-A2A2-1AF761A9C01C}" type="pres">
+      <dgm:prSet presAssocID="{B2B57DD9-5824-44BB-AF9C-0E3CA6EAB5F0}" presName="hierChild5" presStyleCnt="0"/>
+      <dgm:spPr/>
+    </dgm:pt>
+    <dgm:pt modelId="{11CD814E-8586-48A2-8594-C7E0D9278090}" type="pres">
+      <dgm:prSet presAssocID="{D4092B27-4F71-4182-8AAA-EEEED57F9ACB}" presName="hierChild3" presStyleCnt="0"/>
+      <dgm:spPr/>
+    </dgm:pt>
+  </dgm:ptLst>
+  <dgm:cxnLst>
+    <dgm:cxn modelId="{EC27779C-BA85-4CDC-A07D-1C73D3113202}" type="presOf" srcId="{B467E91C-DC43-4A4E-A5CA-B68B9BD5D15E}" destId="{6240F01B-1131-45D4-87B9-7EC3AE8C8E05}" srcOrd="0" destOrd="0" presId="urn:microsoft.com/office/officeart/2009/3/layout/HorizontalOrganizationChart"/>
+    <dgm:cxn modelId="{F693D59F-B8AC-48B1-93CB-94493B3FA6FC}" type="presOf" srcId="{16176FE7-634B-4EED-85B1-C073C9E9C814}" destId="{76F6692C-907E-42E6-940F-0FA5615A6800}" srcOrd="0" destOrd="0" presId="urn:microsoft.com/office/officeart/2009/3/layout/HorizontalOrganizationChart"/>
+    <dgm:cxn modelId="{679BAEDA-1888-4A70-989E-BF87B1D1E7D6}" type="presOf" srcId="{EE97DE2E-39FB-4A26-A8EF-F9B37D0450ED}" destId="{525B9B6E-BE9E-4685-A003-8A2FEC84836C}" srcOrd="0" destOrd="0" presId="urn:microsoft.com/office/officeart/2009/3/layout/HorizontalOrganizationChart"/>
+    <dgm:cxn modelId="{6D1BAC5E-D3AC-41F6-8AC0-CE7B7D31AB53}" type="presOf" srcId="{35A3ED1F-D933-41A7-9019-95662D5E7518}" destId="{A40FA981-20A5-4994-BE32-0AF082DF6109}" srcOrd="0" destOrd="0" presId="urn:microsoft.com/office/officeart/2009/3/layout/HorizontalOrganizationChart"/>
+    <dgm:cxn modelId="{3E760B11-9CCA-439B-A050-17C5AA46830D}" type="presOf" srcId="{BDE1311C-3751-4AAE-BA1A-A5CF76E424EF}" destId="{84D4AA2E-31C9-4322-A31A-B9FC0811422A}" srcOrd="0" destOrd="0" presId="urn:microsoft.com/office/officeart/2009/3/layout/HorizontalOrganizationChart"/>
+    <dgm:cxn modelId="{B6C62A3C-1413-48D1-90E8-6692243C7D51}" type="presOf" srcId="{16AD24BF-9818-4F55-9F1C-718ECD06A97B}" destId="{07732D50-89B6-42D0-BCA4-F27CDF6E5CDD}" srcOrd="1" destOrd="0" presId="urn:microsoft.com/office/officeart/2009/3/layout/HorizontalOrganizationChart"/>
+    <dgm:cxn modelId="{04268825-B640-4570-AEB6-06AB45BBFE2D}" type="presOf" srcId="{AE987C52-C774-4C8B-84DB-741CBC6BBB61}" destId="{AF24F4D9-3EED-4761-85F2-98231E600DC3}" srcOrd="1" destOrd="0" presId="urn:microsoft.com/office/officeart/2009/3/layout/HorizontalOrganizationChart"/>
+    <dgm:cxn modelId="{B347DC63-738F-465B-A70D-4FE6D2194A71}" type="presOf" srcId="{1C6D881E-6181-47FB-9360-3F0481B288C1}" destId="{2FA41893-D898-4359-8447-FD4E51D70577}" srcOrd="0" destOrd="0" presId="urn:microsoft.com/office/officeart/2009/3/layout/HorizontalOrganizationChart"/>
+    <dgm:cxn modelId="{87D4F2A3-6DE8-445E-9995-7DDEB0CE1095}" srcId="{C22EBF02-8050-4348-8BB8-72764FCC1915}" destId="{544510FF-EE5D-481D-B5B7-559730ED477D}" srcOrd="2" destOrd="0" parTransId="{86F6415F-E0B2-4F71-AE14-B7906B3F87FC}" sibTransId="{A8C8BB01-49B5-4ED7-AE31-1F8A75DFC3BE}"/>
+    <dgm:cxn modelId="{5ECB2F14-B7C6-46FB-AA1D-492D184228C5}" type="presOf" srcId="{CB03E462-DF27-44E1-ABEF-B102D4C8954C}" destId="{D9B537FA-E04F-4BCC-AB88-A1628F5D51F4}" srcOrd="1" destOrd="0" presId="urn:microsoft.com/office/officeart/2009/3/layout/HorizontalOrganizationChart"/>
+    <dgm:cxn modelId="{1DD633FC-9CAB-4539-AA98-AEF763F85729}" type="presOf" srcId="{043D11D4-BC08-4975-9702-CC2470E7E029}" destId="{BEBF9338-4E7B-4826-8703-A06447E3C9EC}" srcOrd="0" destOrd="0" presId="urn:microsoft.com/office/officeart/2009/3/layout/HorizontalOrganizationChart"/>
+    <dgm:cxn modelId="{DFEC4FE1-55FB-4155-9350-49BFE0E24C3A}" type="presOf" srcId="{C22EBF02-8050-4348-8BB8-72764FCC1915}" destId="{44308806-6D44-4495-910C-E58C70CF51A1}" srcOrd="1" destOrd="0" presId="urn:microsoft.com/office/officeart/2009/3/layout/HorizontalOrganizationChart"/>
+    <dgm:cxn modelId="{85EA5C1A-802B-4CE2-9B07-5C2B4D3BA59D}" type="presOf" srcId="{C0BA9323-D5A6-4567-B54B-AF59493BD569}" destId="{4B073B37-9FD3-4515-98D5-5CD3E78E0F18}" srcOrd="0" destOrd="0" presId="urn:microsoft.com/office/officeart/2009/3/layout/HorizontalOrganizationChart"/>
+    <dgm:cxn modelId="{0912B762-B822-474E-815A-3B526395E0B0}" type="presOf" srcId="{B2B57DD9-5824-44BB-AF9C-0E3CA6EAB5F0}" destId="{D9D031FE-861A-4E75-9BBC-C61D4680D569}" srcOrd="0" destOrd="0" presId="urn:microsoft.com/office/officeart/2009/3/layout/HorizontalOrganizationChart"/>
+    <dgm:cxn modelId="{7C46FD77-B3F4-4CF9-85B7-9BEAD8006193}" srcId="{C22EBF02-8050-4348-8BB8-72764FCC1915}" destId="{3AB00C83-CA6F-4ADE-A42D-BE95F1D8052E}" srcOrd="1" destOrd="0" parTransId="{043D11D4-BC08-4975-9702-CC2470E7E029}" sibTransId="{22603F25-E3ED-4938-900D-EC996C922288}"/>
+    <dgm:cxn modelId="{BAF95CC5-96FA-4438-8847-20B867F8B001}" type="presOf" srcId="{D4092B27-4F71-4182-8AAA-EEEED57F9ACB}" destId="{BF9A4A8B-D45D-420B-BF5F-A78539154FCE}" srcOrd="1" destOrd="0" presId="urn:microsoft.com/office/officeart/2009/3/layout/HorizontalOrganizationChart"/>
+    <dgm:cxn modelId="{926190B4-D807-45B2-83D0-6EA780CEFFEF}" type="presOf" srcId="{16AD24BF-9818-4F55-9F1C-718ECD06A97B}" destId="{5B7B0E5F-24D5-4366-9347-B67AF447F77F}" srcOrd="0" destOrd="0" presId="urn:microsoft.com/office/officeart/2009/3/layout/HorizontalOrganizationChart"/>
+    <dgm:cxn modelId="{735C73AE-3F50-4733-A86E-2691CFB85A60}" type="presOf" srcId="{457FC262-CF56-404C-87CA-745806A7E3BC}" destId="{2E0A5485-4892-4DEA-BA7E-33D37EA31971}" srcOrd="1" destOrd="0" presId="urn:microsoft.com/office/officeart/2009/3/layout/HorizontalOrganizationChart"/>
+    <dgm:cxn modelId="{E0635998-DCA1-4B48-86DB-303253573C46}" type="presOf" srcId="{3E03DB52-AC65-4216-BFFF-6DBCC130A4D5}" destId="{638BEFFA-0886-41B7-8AE8-4B010B234EBD}" srcOrd="0" destOrd="0" presId="urn:microsoft.com/office/officeart/2009/3/layout/HorizontalOrganizationChart"/>
+    <dgm:cxn modelId="{42B141FF-9463-4841-B371-A08E4C979BCF}" srcId="{04C98E30-563A-4442-B182-188F0608ECF2}" destId="{7E1CCDAF-B650-480A-BBF7-A2A40D589477}" srcOrd="2" destOrd="0" parTransId="{EBBAE186-7049-4EB0-846E-494623691770}" sibTransId="{CD9E0E1F-BF02-4A5E-A217-8A0278DFF03A}"/>
+    <dgm:cxn modelId="{3CB75424-5F04-45FD-AA0E-2FF1D708BA04}" type="presOf" srcId="{10D4ACD2-0CF5-46AD-AD46-60E6820199FA}" destId="{8F77B3E5-83CE-438C-B228-B479FBFBBECF}" srcOrd="0" destOrd="0" presId="urn:microsoft.com/office/officeart/2009/3/layout/HorizontalOrganizationChart"/>
+    <dgm:cxn modelId="{E93DBAF6-A0DC-41A7-8EBE-4BC93F6C490F}" type="presOf" srcId="{777BFACC-3A14-49BE-BEED-713A053E5A1A}" destId="{C19E6EB6-3034-4F3A-ABBD-B055E10A3260}" srcOrd="1" destOrd="0" presId="urn:microsoft.com/office/officeart/2009/3/layout/HorizontalOrganizationChart"/>
+    <dgm:cxn modelId="{AEFC0C6F-7318-46D3-86B7-AEDB9CD01FD9}" srcId="{D4092B27-4F71-4182-8AAA-EEEED57F9ACB}" destId="{B2B57DD9-5824-44BB-AF9C-0E3CA6EAB5F0}" srcOrd="2" destOrd="0" parTransId="{54C5042B-CDBB-460E-839E-39A520EE37F4}" sibTransId="{1963431C-F8D9-4217-9746-22584D07771F}"/>
+    <dgm:cxn modelId="{326E2D18-14F8-442B-90BC-D0381F93D282}" type="presOf" srcId="{04C98E30-563A-4442-B182-188F0608ECF2}" destId="{005A3257-B755-49E5-A32A-57F9B662CD1B}" srcOrd="1" destOrd="0" presId="urn:microsoft.com/office/officeart/2009/3/layout/HorizontalOrganizationChart"/>
+    <dgm:cxn modelId="{C3707357-C5F9-4A72-BFA8-83CB24E1B185}" type="presOf" srcId="{AE987C52-C774-4C8B-84DB-741CBC6BBB61}" destId="{E8CA6E66-F054-4642-A20E-46888092983B}" srcOrd="0" destOrd="0" presId="urn:microsoft.com/office/officeart/2009/3/layout/HorizontalOrganizationChart"/>
+    <dgm:cxn modelId="{C9E5437F-668C-4812-AC83-65E732C8D2E5}" type="presOf" srcId="{86F6415F-E0B2-4F71-AE14-B7906B3F87FC}" destId="{9B1FC65F-BA67-430D-8787-AC251EE78CE2}" srcOrd="0" destOrd="0" presId="urn:microsoft.com/office/officeart/2009/3/layout/HorizontalOrganizationChart"/>
+    <dgm:cxn modelId="{2D8537C6-E2E9-484B-9458-60ADB7B87064}" type="presOf" srcId="{D6CBD86C-6F03-4B7E-8404-19C1B9C2435B}" destId="{B5C51E15-3B89-4A86-AE1E-87B746F3AB0E}" srcOrd="0" destOrd="0" presId="urn:microsoft.com/office/officeart/2009/3/layout/HorizontalOrganizationChart"/>
+    <dgm:cxn modelId="{A24E4625-BE94-4D55-B860-456244EC3055}" srcId="{7E1CCDAF-B650-480A-BBF7-A2A40D589477}" destId="{CB03E462-DF27-44E1-ABEF-B102D4C8954C}" srcOrd="0" destOrd="0" parTransId="{C0BA9323-D5A6-4567-B54B-AF59493BD569}" sibTransId="{A41CA0CE-0751-4049-9CDA-14A273C5F96B}"/>
+    <dgm:cxn modelId="{D44EFFBF-5421-405C-B570-13343023BF1D}" type="presOf" srcId="{CB03E462-DF27-44E1-ABEF-B102D4C8954C}" destId="{C67C5185-B459-4471-AB7B-858E1B4C470F}" srcOrd="0" destOrd="0" presId="urn:microsoft.com/office/officeart/2009/3/layout/HorizontalOrganizationChart"/>
+    <dgm:cxn modelId="{F5997ED9-B130-406E-9DA1-BC8ACB2D340F}" srcId="{04C98E30-563A-4442-B182-188F0608ECF2}" destId="{16AD24BF-9818-4F55-9F1C-718ECD06A97B}" srcOrd="1" destOrd="0" parTransId="{16176FE7-634B-4EED-85B1-C073C9E9C814}" sibTransId="{1E9FDCAD-23D1-4A9B-9D2F-B08CF583FE14}"/>
+    <dgm:cxn modelId="{976E526A-80B6-4222-BE53-46514948B74A}" type="presOf" srcId="{42AC7A2E-EB25-449E-91F2-81E0A04AD8D2}" destId="{247E49CE-41A5-4F86-AFA8-F0F5BBFA8A4F}" srcOrd="1" destOrd="0" presId="urn:microsoft.com/office/officeart/2009/3/layout/HorizontalOrganizationChart"/>
+    <dgm:cxn modelId="{ED4F05BC-AE8D-450C-ACA4-86E845093063}" type="presOf" srcId="{3AB00C83-CA6F-4ADE-A42D-BE95F1D8052E}" destId="{FFDCA1A3-565C-455E-A63E-18E11229A068}" srcOrd="0" destOrd="0" presId="urn:microsoft.com/office/officeart/2009/3/layout/HorizontalOrganizationChart"/>
+    <dgm:cxn modelId="{B231CA7D-67FD-4BEA-9095-02860C8A43E4}" type="presOf" srcId="{3AB00C83-CA6F-4ADE-A42D-BE95F1D8052E}" destId="{266A4C98-2D7B-4A58-B516-145C56A80050}" srcOrd="1" destOrd="0" presId="urn:microsoft.com/office/officeart/2009/3/layout/HorizontalOrganizationChart"/>
+    <dgm:cxn modelId="{EA2DD415-9532-40DB-980C-BBA349259E6F}" type="presOf" srcId="{7E1CCDAF-B650-480A-BBF7-A2A40D589477}" destId="{236435DF-E336-4567-AD3E-C308C7E5F4E4}" srcOrd="1" destOrd="0" presId="urn:microsoft.com/office/officeart/2009/3/layout/HorizontalOrganizationChart"/>
+    <dgm:cxn modelId="{545D01B5-216A-4616-AA97-339985B24E38}" type="presOf" srcId="{EBBAE186-7049-4EB0-846E-494623691770}" destId="{F323DC40-14B5-4DD8-BF91-B005BE30C082}" srcOrd="0" destOrd="0" presId="urn:microsoft.com/office/officeart/2009/3/layout/HorizontalOrganizationChart"/>
+    <dgm:cxn modelId="{6CA3BD3F-E851-4286-ADE2-D923C63451CE}" srcId="{C22EBF02-8050-4348-8BB8-72764FCC1915}" destId="{AE987C52-C774-4C8B-84DB-741CBC6BBB61}" srcOrd="3" destOrd="0" parTransId="{35A3ED1F-D933-41A7-9019-95662D5E7518}" sibTransId="{6F453ED3-0BCC-4218-8F67-F5D98A3B93E3}"/>
+    <dgm:cxn modelId="{9925182B-C359-43E7-AC04-6469D38D4320}" type="presOf" srcId="{04C98E30-563A-4442-B182-188F0608ECF2}" destId="{A6893EF6-CDCE-4580-9D0E-FE944FC4A460}" srcOrd="0" destOrd="0" presId="urn:microsoft.com/office/officeart/2009/3/layout/HorizontalOrganizationChart"/>
+    <dgm:cxn modelId="{6051A2CD-80EB-4F35-8EA8-F7E0C1D12A82}" type="presOf" srcId="{C22EBF02-8050-4348-8BB8-72764FCC1915}" destId="{450C11FB-6F72-42F4-A3CD-E524A909CD75}" srcOrd="0" destOrd="0" presId="urn:microsoft.com/office/officeart/2009/3/layout/HorizontalOrganizationChart"/>
+    <dgm:cxn modelId="{451D64B7-0FB0-49C2-BE51-CB21CFC72BD2}" type="presOf" srcId="{1F348F28-91CD-4024-9086-0B7E3FD4A36F}" destId="{14C08DEE-2EED-4581-A4AA-C2F71BB3310E}" srcOrd="0" destOrd="0" presId="urn:microsoft.com/office/officeart/2009/3/layout/HorizontalOrganizationChart"/>
+    <dgm:cxn modelId="{93F8D880-A0F7-4900-BBA8-AD823905902B}" type="presOf" srcId="{B2B57DD9-5824-44BB-AF9C-0E3CA6EAB5F0}" destId="{2018AAD6-AC06-4C6F-AB2B-9777BC255C87}" srcOrd="1" destOrd="0" presId="urn:microsoft.com/office/officeart/2009/3/layout/HorizontalOrganizationChart"/>
+    <dgm:cxn modelId="{060565E2-E0B9-402C-903D-44E53061CD0E}" type="presOf" srcId="{544510FF-EE5D-481D-B5B7-559730ED477D}" destId="{457750EC-29BD-46CB-90D3-896B99F5FBD4}" srcOrd="1" destOrd="0" presId="urn:microsoft.com/office/officeart/2009/3/layout/HorizontalOrganizationChart"/>
+    <dgm:cxn modelId="{B32B03C5-4077-42FC-9AF5-490A5CFC981F}" type="presOf" srcId="{54C5042B-CDBB-460E-839E-39A520EE37F4}" destId="{7A76199F-0888-4BED-AF36-F81F05547FB3}" srcOrd="0" destOrd="0" presId="urn:microsoft.com/office/officeart/2009/3/layout/HorizontalOrganizationChart"/>
+    <dgm:cxn modelId="{2AB54E3D-5F68-45B3-BCB3-9F51BEA0F5E4}" srcId="{BDE1311C-3751-4AAE-BA1A-A5CF76E424EF}" destId="{D4092B27-4F71-4182-8AAA-EEEED57F9ACB}" srcOrd="0" destOrd="0" parTransId="{D8AE6782-7E82-48A4-8788-E417206B3680}" sibTransId="{F6095FCC-882F-426B-A2D8-0F578EC5D071}"/>
+    <dgm:cxn modelId="{7FC032A6-7AF3-4634-B91E-B723555DB696}" type="presOf" srcId="{457FC262-CF56-404C-87CA-745806A7E3BC}" destId="{EDC2BFE0-F10A-42CE-9A2E-1C1634586584}" srcOrd="0" destOrd="0" presId="urn:microsoft.com/office/officeart/2009/3/layout/HorizontalOrganizationChart"/>
+    <dgm:cxn modelId="{A95CDC18-8A8E-4C37-BA6A-348583C40168}" type="presOf" srcId="{42AC7A2E-EB25-449E-91F2-81E0A04AD8D2}" destId="{A41C8465-841E-43DB-A108-E652C9E49C23}" srcOrd="0" destOrd="0" presId="urn:microsoft.com/office/officeart/2009/3/layout/HorizontalOrganizationChart"/>
+    <dgm:cxn modelId="{EABA9F00-4222-4989-9673-BB952B3C0DCD}" type="presOf" srcId="{D4092B27-4F71-4182-8AAA-EEEED57F9ACB}" destId="{032D2D50-2AB1-46D7-B193-C26FCFBB4A6A}" srcOrd="0" destOrd="0" presId="urn:microsoft.com/office/officeart/2009/3/layout/HorizontalOrganizationChart"/>
+    <dgm:cxn modelId="{B4641213-C09F-45BD-BE43-9B630238389F}" srcId="{777BFACC-3A14-49BE-BEED-713A053E5A1A}" destId="{42AC7A2E-EB25-449E-91F2-81E0A04AD8D2}" srcOrd="0" destOrd="0" parTransId="{1F348F28-91CD-4024-9086-0B7E3FD4A36F}" sibTransId="{D37D348F-29F5-4014-99F5-E20A14279905}"/>
+    <dgm:cxn modelId="{6841889B-0B2F-4929-BE12-77F87390A8B6}" type="presOf" srcId="{544510FF-EE5D-481D-B5B7-559730ED477D}" destId="{343F3E29-67A9-4FD8-BE26-D780288DD701}" srcOrd="0" destOrd="0" presId="urn:microsoft.com/office/officeart/2009/3/layout/HorizontalOrganizationChart"/>
+    <dgm:cxn modelId="{234095E5-E47A-4DCE-98F8-510DB1C8E3FB}" type="presOf" srcId="{10D4ACD2-0CF5-46AD-AD46-60E6820199FA}" destId="{6B34D550-058C-454A-BA31-2FBA2B332949}" srcOrd="1" destOrd="0" presId="urn:microsoft.com/office/officeart/2009/3/layout/HorizontalOrganizationChart"/>
+    <dgm:cxn modelId="{D9123864-01F6-48CC-B03C-9169ABE1EC94}" type="presOf" srcId="{777BFACC-3A14-49BE-BEED-713A053E5A1A}" destId="{FA4AE8CF-329A-4023-A175-EE37CDAA6A4A}" srcOrd="0" destOrd="0" presId="urn:microsoft.com/office/officeart/2009/3/layout/HorizontalOrganizationChart"/>
+    <dgm:cxn modelId="{D3DB0BA4-F0EF-4D82-AF1F-23DBB3085B1E}" srcId="{D4092B27-4F71-4182-8AAA-EEEED57F9ACB}" destId="{777BFACC-3A14-49BE-BEED-713A053E5A1A}" srcOrd="0" destOrd="0" parTransId="{D6CBD86C-6F03-4B7E-8404-19C1B9C2435B}" sibTransId="{D135AF1C-E118-45C7-AE3D-D8649D08A52C}"/>
+    <dgm:cxn modelId="{29A8D6BD-BF6B-4E32-9D3A-B6123C09F7E7}" srcId="{04C98E30-563A-4442-B182-188F0608ECF2}" destId="{C22EBF02-8050-4348-8BB8-72764FCC1915}" srcOrd="0" destOrd="0" parTransId="{EE97DE2E-39FB-4A26-A8EF-F9B37D0450ED}" sibTransId="{7B953AD2-2371-4D14-B0C2-CB494ECBDD0B}"/>
+    <dgm:cxn modelId="{F8AD5E29-5641-40D4-A392-76CE63CA995F}" srcId="{C22EBF02-8050-4348-8BB8-72764FCC1915}" destId="{10D4ACD2-0CF5-46AD-AD46-60E6820199FA}" srcOrd="0" destOrd="0" parTransId="{1C6D881E-6181-47FB-9360-3F0481B288C1}" sibTransId="{F5C1123E-60E7-46F6-871B-EC245F879FAA}"/>
+    <dgm:cxn modelId="{352E65A2-297B-4BDA-A7D6-C3B655B1CC67}" type="presOf" srcId="{7E1CCDAF-B650-480A-BBF7-A2A40D589477}" destId="{57753F46-6EBE-49C4-B0C8-07E23E612770}" srcOrd="0" destOrd="0" presId="urn:microsoft.com/office/officeart/2009/3/layout/HorizontalOrganizationChart"/>
+    <dgm:cxn modelId="{CE9BFC66-9CF7-4524-8641-7A67E8B1829D}" srcId="{D4092B27-4F71-4182-8AAA-EEEED57F9ACB}" destId="{04C98E30-563A-4442-B182-188F0608ECF2}" srcOrd="1" destOrd="0" parTransId="{B467E91C-DC43-4A4E-A5CA-B68B9BD5D15E}" sibTransId="{D26BD52F-AA50-4BF1-A535-705626446152}"/>
+    <dgm:cxn modelId="{BD1460F6-488B-4C50-8D1F-05A6C2CD8060}" srcId="{C22EBF02-8050-4348-8BB8-72764FCC1915}" destId="{457FC262-CF56-404C-87CA-745806A7E3BC}" srcOrd="4" destOrd="0" parTransId="{3E03DB52-AC65-4216-BFFF-6DBCC130A4D5}" sibTransId="{7E61BDEC-5E47-4DCF-B49F-53C2AE4E6160}"/>
+    <dgm:cxn modelId="{DF89CB2B-2F29-49E3-89B3-88B524E8CF55}" type="presParOf" srcId="{84D4AA2E-31C9-4322-A31A-B9FC0811422A}" destId="{302962C6-2969-4228-BEC9-F4612C92B41F}" srcOrd="0" destOrd="0" presId="urn:microsoft.com/office/officeart/2009/3/layout/HorizontalOrganizationChart"/>
+    <dgm:cxn modelId="{2A6BE6E4-77E7-4E44-8E95-7D190190338C}" type="presParOf" srcId="{302962C6-2969-4228-BEC9-F4612C92B41F}" destId="{2A350452-4C4D-4478-8D06-4131E58E88FB}" srcOrd="0" destOrd="0" presId="urn:microsoft.com/office/officeart/2009/3/layout/HorizontalOrganizationChart"/>
+    <dgm:cxn modelId="{E3B0567E-CF79-4FA5-A6E6-9AC4B8416507}" type="presParOf" srcId="{2A350452-4C4D-4478-8D06-4131E58E88FB}" destId="{032D2D50-2AB1-46D7-B193-C26FCFBB4A6A}" srcOrd="0" destOrd="0" presId="urn:microsoft.com/office/officeart/2009/3/layout/HorizontalOrganizationChart"/>
+    <dgm:cxn modelId="{FC109D1B-C1C0-44E7-ABB3-CECB53504ED7}" type="presParOf" srcId="{2A350452-4C4D-4478-8D06-4131E58E88FB}" destId="{BF9A4A8B-D45D-420B-BF5F-A78539154FCE}" srcOrd="1" destOrd="0" presId="urn:microsoft.com/office/officeart/2009/3/layout/HorizontalOrganizationChart"/>
+    <dgm:cxn modelId="{67639EF4-6A98-4CA8-8212-ACD1CF0A645D}" type="presParOf" srcId="{302962C6-2969-4228-BEC9-F4612C92B41F}" destId="{189F0170-C1D7-4BF9-94D0-D54E82AEABF8}" srcOrd="1" destOrd="0" presId="urn:microsoft.com/office/officeart/2009/3/layout/HorizontalOrganizationChart"/>
+    <dgm:cxn modelId="{461357EA-A4CA-4729-BCC5-2604BA583579}" type="presParOf" srcId="{189F0170-C1D7-4BF9-94D0-D54E82AEABF8}" destId="{B5C51E15-3B89-4A86-AE1E-87B746F3AB0E}" srcOrd="0" destOrd="0" presId="urn:microsoft.com/office/officeart/2009/3/layout/HorizontalOrganizationChart"/>
+    <dgm:cxn modelId="{D1BD1D8B-2F91-4355-BE65-281836193081}" type="presParOf" srcId="{189F0170-C1D7-4BF9-94D0-D54E82AEABF8}" destId="{CBA6FD89-AC61-405F-8D24-7B0C44A4BF33}" srcOrd="1" destOrd="0" presId="urn:microsoft.com/office/officeart/2009/3/layout/HorizontalOrganizationChart"/>
+    <dgm:cxn modelId="{750A48AB-980E-40A3-911F-76C500A32D8E}" type="presParOf" srcId="{CBA6FD89-AC61-405F-8D24-7B0C44A4BF33}" destId="{0530CC45-DDDA-446A-8EBE-0D9480CFA887}" srcOrd="0" destOrd="0" presId="urn:microsoft.com/office/officeart/2009/3/layout/HorizontalOrganizationChart"/>
+    <dgm:cxn modelId="{E9DB925C-93C6-451B-B78A-CCDF723F4BF2}" type="presParOf" srcId="{0530CC45-DDDA-446A-8EBE-0D9480CFA887}" destId="{FA4AE8CF-329A-4023-A175-EE37CDAA6A4A}" srcOrd="0" destOrd="0" presId="urn:microsoft.com/office/officeart/2009/3/layout/HorizontalOrganizationChart"/>
+    <dgm:cxn modelId="{0741F5DF-51C7-44C0-A9B8-5D2F448D4414}" type="presParOf" srcId="{0530CC45-DDDA-446A-8EBE-0D9480CFA887}" destId="{C19E6EB6-3034-4F3A-ABBD-B055E10A3260}" srcOrd="1" destOrd="0" presId="urn:microsoft.com/office/officeart/2009/3/layout/HorizontalOrganizationChart"/>
+    <dgm:cxn modelId="{2B26D22F-5989-4441-9DBB-7FED0BC313DC}" type="presParOf" srcId="{CBA6FD89-AC61-405F-8D24-7B0C44A4BF33}" destId="{EB3A0936-C296-436D-970A-C14E439E67DA}" srcOrd="1" destOrd="0" presId="urn:microsoft.com/office/officeart/2009/3/layout/HorizontalOrganizationChart"/>
+    <dgm:cxn modelId="{6D8D0F7E-F17B-4311-B979-51CEB70FA30F}" type="presParOf" srcId="{EB3A0936-C296-436D-970A-C14E439E67DA}" destId="{14C08DEE-2EED-4581-A4AA-C2F71BB3310E}" srcOrd="0" destOrd="0" presId="urn:microsoft.com/office/officeart/2009/3/layout/HorizontalOrganizationChart"/>
+    <dgm:cxn modelId="{0F629B05-BFA1-46DA-88C4-F48ABBCCAE5F}" type="presParOf" srcId="{EB3A0936-C296-436D-970A-C14E439E67DA}" destId="{7F793E2D-9AD2-4CF9-A3A9-073D84998712}" srcOrd="1" destOrd="0" presId="urn:microsoft.com/office/officeart/2009/3/layout/HorizontalOrganizationChart"/>
+    <dgm:cxn modelId="{B0B55752-F4F2-44E0-B450-220B21C380D0}" type="presParOf" srcId="{7F793E2D-9AD2-4CF9-A3A9-073D84998712}" destId="{2B79F55D-C65E-4EFA-AA1A-505AAD796548}" srcOrd="0" destOrd="0" presId="urn:microsoft.com/office/officeart/2009/3/layout/HorizontalOrganizationChart"/>
+    <dgm:cxn modelId="{06DEBD00-5A65-49B1-9B86-BAEFB39A9FB3}" type="presParOf" srcId="{2B79F55D-C65E-4EFA-AA1A-505AAD796548}" destId="{A41C8465-841E-43DB-A108-E652C9E49C23}" srcOrd="0" destOrd="0" presId="urn:microsoft.com/office/officeart/2009/3/layout/HorizontalOrganizationChart"/>
+    <dgm:cxn modelId="{1EEBD2AC-08D2-4CC0-8A76-AD4D77886BE7}" type="presParOf" srcId="{2B79F55D-C65E-4EFA-AA1A-505AAD796548}" destId="{247E49CE-41A5-4F86-AFA8-F0F5BBFA8A4F}" srcOrd="1" destOrd="0" presId="urn:microsoft.com/office/officeart/2009/3/layout/HorizontalOrganizationChart"/>
+    <dgm:cxn modelId="{EE103084-4BD6-4446-B5DB-4A734B857CEE}" type="presParOf" srcId="{7F793E2D-9AD2-4CF9-A3A9-073D84998712}" destId="{5A0025FB-BC70-4D84-BAAA-0F2783356FDC}" srcOrd="1" destOrd="0" presId="urn:microsoft.com/office/officeart/2009/3/layout/HorizontalOrganizationChart"/>
+    <dgm:cxn modelId="{6C689879-C1F5-4627-B09C-596B2510EA21}" type="presParOf" srcId="{7F793E2D-9AD2-4CF9-A3A9-073D84998712}" destId="{60EBDF62-EF01-4AB0-AECB-D9E811696942}" srcOrd="2" destOrd="0" presId="urn:microsoft.com/office/officeart/2009/3/layout/HorizontalOrganizationChart"/>
+    <dgm:cxn modelId="{E7DCF8A3-7F4E-439B-907D-93EBA8E67092}" type="presParOf" srcId="{CBA6FD89-AC61-405F-8D24-7B0C44A4BF33}" destId="{C77DC027-80D9-4E74-8174-CFB0EA3025D4}" srcOrd="2" destOrd="0" presId="urn:microsoft.com/office/officeart/2009/3/layout/HorizontalOrganizationChart"/>
+    <dgm:cxn modelId="{B10A00DA-BA20-43F5-A193-88B0BE8AACB7}" type="presParOf" srcId="{189F0170-C1D7-4BF9-94D0-D54E82AEABF8}" destId="{6240F01B-1131-45D4-87B9-7EC3AE8C8E05}" srcOrd="2" destOrd="0" presId="urn:microsoft.com/office/officeart/2009/3/layout/HorizontalOrganizationChart"/>
+    <dgm:cxn modelId="{A8D655F6-63A0-4D69-8124-61C338D68F29}" type="presParOf" srcId="{189F0170-C1D7-4BF9-94D0-D54E82AEABF8}" destId="{26220A50-30C9-455B-AA3A-BD419571ED67}" srcOrd="3" destOrd="0" presId="urn:microsoft.com/office/officeart/2009/3/layout/HorizontalOrganizationChart"/>
+    <dgm:cxn modelId="{BA92C0E8-8DE1-4B50-A0E8-A135E8544590}" type="presParOf" srcId="{26220A50-30C9-455B-AA3A-BD419571ED67}" destId="{079141E2-C800-4E99-98FB-3FB386A0A289}" srcOrd="0" destOrd="0" presId="urn:microsoft.com/office/officeart/2009/3/layout/HorizontalOrganizationChart"/>
+    <dgm:cxn modelId="{E99A4EE9-C66E-4786-BB18-D6F4A7E074B3}" type="presParOf" srcId="{079141E2-C800-4E99-98FB-3FB386A0A289}" destId="{A6893EF6-CDCE-4580-9D0E-FE944FC4A460}" srcOrd="0" destOrd="0" presId="urn:microsoft.com/office/officeart/2009/3/layout/HorizontalOrganizationChart"/>
+    <dgm:cxn modelId="{7599FE62-26C0-4A7F-A67A-94BB517CE05C}" type="presParOf" srcId="{079141E2-C800-4E99-98FB-3FB386A0A289}" destId="{005A3257-B755-49E5-A32A-57F9B662CD1B}" srcOrd="1" destOrd="0" presId="urn:microsoft.com/office/officeart/2009/3/layout/HorizontalOrganizationChart"/>
+    <dgm:cxn modelId="{87487EA7-325A-42F4-8483-2B059E242E88}" type="presParOf" srcId="{26220A50-30C9-455B-AA3A-BD419571ED67}" destId="{F7533C83-8759-4930-AD5A-685D51547989}" srcOrd="1" destOrd="0" presId="urn:microsoft.com/office/officeart/2009/3/layout/HorizontalOrganizationChart"/>
+    <dgm:cxn modelId="{0C4965A7-9A7F-4C7C-95F3-2E699DA3DAAC}" type="presParOf" srcId="{F7533C83-8759-4930-AD5A-685D51547989}" destId="{525B9B6E-BE9E-4685-A003-8A2FEC84836C}" srcOrd="0" destOrd="0" presId="urn:microsoft.com/office/officeart/2009/3/layout/HorizontalOrganizationChart"/>
+    <dgm:cxn modelId="{98E1DB9F-B788-48F7-A2AF-B4B37AB1E1E3}" type="presParOf" srcId="{F7533C83-8759-4930-AD5A-685D51547989}" destId="{B51190D7-12AC-4537-9893-31688B0D0AEC}" srcOrd="1" destOrd="0" presId="urn:microsoft.com/office/officeart/2009/3/layout/HorizontalOrganizationChart"/>
+    <dgm:cxn modelId="{99526677-FE19-4A85-9773-AF549C6E209C}" type="presParOf" srcId="{B51190D7-12AC-4537-9893-31688B0D0AEC}" destId="{A7312E9F-A859-407D-B119-A162A772D27A}" srcOrd="0" destOrd="0" presId="urn:microsoft.com/office/officeart/2009/3/layout/HorizontalOrganizationChart"/>
+    <dgm:cxn modelId="{E8D8D764-4138-47AF-B6F4-2BF32D79BF23}" type="presParOf" srcId="{A7312E9F-A859-407D-B119-A162A772D27A}" destId="{450C11FB-6F72-42F4-A3CD-E524A909CD75}" srcOrd="0" destOrd="0" presId="urn:microsoft.com/office/officeart/2009/3/layout/HorizontalOrganizationChart"/>
+    <dgm:cxn modelId="{8773173A-C1C6-4FC9-B8B7-CC68FD13952C}" type="presParOf" srcId="{A7312E9F-A859-407D-B119-A162A772D27A}" destId="{44308806-6D44-4495-910C-E58C70CF51A1}" srcOrd="1" destOrd="0" presId="urn:microsoft.com/office/officeart/2009/3/layout/HorizontalOrganizationChart"/>
+    <dgm:cxn modelId="{EA144031-A04D-4315-850A-53F834F334FB}" type="presParOf" srcId="{B51190D7-12AC-4537-9893-31688B0D0AEC}" destId="{E4C3D407-9E52-4C21-82A5-FD2D4CAFE1AC}" srcOrd="1" destOrd="0" presId="urn:microsoft.com/office/officeart/2009/3/layout/HorizontalOrganizationChart"/>
+    <dgm:cxn modelId="{138F0B9F-07A3-4194-B1D5-F832AC998774}" type="presParOf" srcId="{E4C3D407-9E52-4C21-82A5-FD2D4CAFE1AC}" destId="{2FA41893-D898-4359-8447-FD4E51D70577}" srcOrd="0" destOrd="0" presId="urn:microsoft.com/office/officeart/2009/3/layout/HorizontalOrganizationChart"/>
+    <dgm:cxn modelId="{A824D3A9-F0AA-4C0D-947D-3A0415234B38}" type="presParOf" srcId="{E4C3D407-9E52-4C21-82A5-FD2D4CAFE1AC}" destId="{1F3CD4E6-38E6-45BE-AA14-9C85F84F3C9C}" srcOrd="1" destOrd="0" presId="urn:microsoft.com/office/officeart/2009/3/layout/HorizontalOrganizationChart"/>
+    <dgm:cxn modelId="{CD7CA8DA-AD11-4EE7-B839-5C1C92D557B2}" type="presParOf" srcId="{1F3CD4E6-38E6-45BE-AA14-9C85F84F3C9C}" destId="{C7CC261D-1634-48D4-9685-EE5DA6F67946}" srcOrd="0" destOrd="0" presId="urn:microsoft.com/office/officeart/2009/3/layout/HorizontalOrganizationChart"/>
+    <dgm:cxn modelId="{E5E6F499-DD27-4B85-A6DE-39E3AEE4880C}" type="presParOf" srcId="{C7CC261D-1634-48D4-9685-EE5DA6F67946}" destId="{8F77B3E5-83CE-438C-B228-B479FBFBBECF}" srcOrd="0" destOrd="0" presId="urn:microsoft.com/office/officeart/2009/3/layout/HorizontalOrganizationChart"/>
+    <dgm:cxn modelId="{15990CC6-FA8F-4263-B210-E527C654F24C}" type="presParOf" srcId="{C7CC261D-1634-48D4-9685-EE5DA6F67946}" destId="{6B34D550-058C-454A-BA31-2FBA2B332949}" srcOrd="1" destOrd="0" presId="urn:microsoft.com/office/officeart/2009/3/layout/HorizontalOrganizationChart"/>
+    <dgm:cxn modelId="{C730F66B-755F-4A87-9EEF-97902B257B7C}" type="presParOf" srcId="{1F3CD4E6-38E6-45BE-AA14-9C85F84F3C9C}" destId="{8C9F8C78-3015-4708-A234-AC96C2494DE4}" srcOrd="1" destOrd="0" presId="urn:microsoft.com/office/officeart/2009/3/layout/HorizontalOrganizationChart"/>
+    <dgm:cxn modelId="{0B13F142-9F83-418B-B5AA-22DDC05918FD}" type="presParOf" srcId="{1F3CD4E6-38E6-45BE-AA14-9C85F84F3C9C}" destId="{25592A05-B492-4D19-BDD7-CFECBB2186F2}" srcOrd="2" destOrd="0" presId="urn:microsoft.com/office/officeart/2009/3/layout/HorizontalOrganizationChart"/>
+    <dgm:cxn modelId="{0CDA84C7-D034-4295-8FEE-47FB2C9D6046}" type="presParOf" srcId="{E4C3D407-9E52-4C21-82A5-FD2D4CAFE1AC}" destId="{BEBF9338-4E7B-4826-8703-A06447E3C9EC}" srcOrd="2" destOrd="0" presId="urn:microsoft.com/office/officeart/2009/3/layout/HorizontalOrganizationChart"/>
+    <dgm:cxn modelId="{09D768CE-0425-44B7-AFF7-1775C48732D1}" type="presParOf" srcId="{E4C3D407-9E52-4C21-82A5-FD2D4CAFE1AC}" destId="{951FD041-9F28-4B2F-BE4A-B877B1F38CC8}" srcOrd="3" destOrd="0" presId="urn:microsoft.com/office/officeart/2009/3/layout/HorizontalOrganizationChart"/>
+    <dgm:cxn modelId="{81409335-DB60-4CBB-8312-98EA0933DDAC}" type="presParOf" srcId="{951FD041-9F28-4B2F-BE4A-B877B1F38CC8}" destId="{954BAEA5-ECB2-4FB3-A566-05289D548767}" srcOrd="0" destOrd="0" presId="urn:microsoft.com/office/officeart/2009/3/layout/HorizontalOrganizationChart"/>
+    <dgm:cxn modelId="{6DEEF3B8-D593-4DFF-A395-176BBAE37522}" type="presParOf" srcId="{954BAEA5-ECB2-4FB3-A566-05289D548767}" destId="{FFDCA1A3-565C-455E-A63E-18E11229A068}" srcOrd="0" destOrd="0" presId="urn:microsoft.com/office/officeart/2009/3/layout/HorizontalOrganizationChart"/>
+    <dgm:cxn modelId="{D48DB967-DEED-4BC6-8C58-B0579FF0BFE8}" type="presParOf" srcId="{954BAEA5-ECB2-4FB3-A566-05289D548767}" destId="{266A4C98-2D7B-4A58-B516-145C56A80050}" srcOrd="1" destOrd="0" presId="urn:microsoft.com/office/officeart/2009/3/layout/HorizontalOrganizationChart"/>
+    <dgm:cxn modelId="{4BF5D40A-25D4-4B82-819E-9EA8D2D7603B}" type="presParOf" srcId="{951FD041-9F28-4B2F-BE4A-B877B1F38CC8}" destId="{811F9FC4-681D-4E89-A304-63C488F54A46}" srcOrd="1" destOrd="0" presId="urn:microsoft.com/office/officeart/2009/3/layout/HorizontalOrganizationChart"/>
+    <dgm:cxn modelId="{20D90BF0-6048-4B00-A1E5-535D5DEA9FF8}" type="presParOf" srcId="{951FD041-9F28-4B2F-BE4A-B877B1F38CC8}" destId="{9C022BF4-EDA1-4458-90C7-4FB65BD5820C}" srcOrd="2" destOrd="0" presId="urn:microsoft.com/office/officeart/2009/3/layout/HorizontalOrganizationChart"/>
+    <dgm:cxn modelId="{7400E1D7-AD59-4F3A-A12B-CBE3C6422445}" type="presParOf" srcId="{E4C3D407-9E52-4C21-82A5-FD2D4CAFE1AC}" destId="{9B1FC65F-BA67-430D-8787-AC251EE78CE2}" srcOrd="4" destOrd="0" presId="urn:microsoft.com/office/officeart/2009/3/layout/HorizontalOrganizationChart"/>
+    <dgm:cxn modelId="{7E570F82-5CEB-4483-AC48-F1204C0FF948}" type="presParOf" srcId="{E4C3D407-9E52-4C21-82A5-FD2D4CAFE1AC}" destId="{F0EBFCAC-1E1F-4EA2-B643-A8D633F821CC}" srcOrd="5" destOrd="0" presId="urn:microsoft.com/office/officeart/2009/3/layout/HorizontalOrganizationChart"/>
+    <dgm:cxn modelId="{C1B14CE6-D13C-4D4E-8AF7-E50A592A5F43}" type="presParOf" srcId="{F0EBFCAC-1E1F-4EA2-B643-A8D633F821CC}" destId="{69DD9EA6-740B-48C7-9ADD-0391EA469EC7}" srcOrd="0" destOrd="0" presId="urn:microsoft.com/office/officeart/2009/3/layout/HorizontalOrganizationChart"/>
+    <dgm:cxn modelId="{3F7003ED-E740-4B3A-91DA-DF71672B9FD9}" type="presParOf" srcId="{69DD9EA6-740B-48C7-9ADD-0391EA469EC7}" destId="{343F3E29-67A9-4FD8-BE26-D780288DD701}" srcOrd="0" destOrd="0" presId="urn:microsoft.com/office/officeart/2009/3/layout/HorizontalOrganizationChart"/>
+    <dgm:cxn modelId="{4A2B630F-BA19-4A06-A116-536EB57E0645}" type="presParOf" srcId="{69DD9EA6-740B-48C7-9ADD-0391EA469EC7}" destId="{457750EC-29BD-46CB-90D3-896B99F5FBD4}" srcOrd="1" destOrd="0" presId="urn:microsoft.com/office/officeart/2009/3/layout/HorizontalOrganizationChart"/>
+    <dgm:cxn modelId="{27567BF2-E597-4003-AA5D-51092790EB94}" type="presParOf" srcId="{F0EBFCAC-1E1F-4EA2-B643-A8D633F821CC}" destId="{7AB7C19A-464B-4090-B5A3-53527077F53F}" srcOrd="1" destOrd="0" presId="urn:microsoft.com/office/officeart/2009/3/layout/HorizontalOrganizationChart"/>
+    <dgm:cxn modelId="{883FB59F-A905-4709-A3E0-16D83DCA57D0}" type="presParOf" srcId="{F0EBFCAC-1E1F-4EA2-B643-A8D633F821CC}" destId="{7852D554-1532-4E58-B27F-0EEB3A443EC7}" srcOrd="2" destOrd="0" presId="urn:microsoft.com/office/officeart/2009/3/layout/HorizontalOrganizationChart"/>
+    <dgm:cxn modelId="{22781AC0-B08B-473A-B51B-DD00780DDF12}" type="presParOf" srcId="{E4C3D407-9E52-4C21-82A5-FD2D4CAFE1AC}" destId="{A40FA981-20A5-4994-BE32-0AF082DF6109}" srcOrd="6" destOrd="0" presId="urn:microsoft.com/office/officeart/2009/3/layout/HorizontalOrganizationChart"/>
+    <dgm:cxn modelId="{78FCA770-029F-4623-B6E1-89F635F216A5}" type="presParOf" srcId="{E4C3D407-9E52-4C21-82A5-FD2D4CAFE1AC}" destId="{83AFDC2A-1F26-455B-A300-5026667BEB9B}" srcOrd="7" destOrd="0" presId="urn:microsoft.com/office/officeart/2009/3/layout/HorizontalOrganizationChart"/>
+    <dgm:cxn modelId="{F62A83DA-E421-44EB-96DB-89FC6E3FBED4}" type="presParOf" srcId="{83AFDC2A-1F26-455B-A300-5026667BEB9B}" destId="{F62DA58F-DD07-464F-8D06-6186E160D84E}" srcOrd="0" destOrd="0" presId="urn:microsoft.com/office/officeart/2009/3/layout/HorizontalOrganizationChart"/>
+    <dgm:cxn modelId="{40F9E643-3A73-438F-9C22-34E5E4CECD25}" type="presParOf" srcId="{F62DA58F-DD07-464F-8D06-6186E160D84E}" destId="{E8CA6E66-F054-4642-A20E-46888092983B}" srcOrd="0" destOrd="0" presId="urn:microsoft.com/office/officeart/2009/3/layout/HorizontalOrganizationChart"/>
+    <dgm:cxn modelId="{C959FD42-B7DB-47EF-A6CF-AD19FB146E4E}" type="presParOf" srcId="{F62DA58F-DD07-464F-8D06-6186E160D84E}" destId="{AF24F4D9-3EED-4761-85F2-98231E600DC3}" srcOrd="1" destOrd="0" presId="urn:microsoft.com/office/officeart/2009/3/layout/HorizontalOrganizationChart"/>
+    <dgm:cxn modelId="{18D459E2-F5FC-4FC5-B614-343778777725}" type="presParOf" srcId="{83AFDC2A-1F26-455B-A300-5026667BEB9B}" destId="{F3758CDE-FDE6-4769-A427-D0B4AA9C0B81}" srcOrd="1" destOrd="0" presId="urn:microsoft.com/office/officeart/2009/3/layout/HorizontalOrganizationChart"/>
+    <dgm:cxn modelId="{944862D4-D95E-4A0A-82F8-1969AF8DA0A9}" type="presParOf" srcId="{83AFDC2A-1F26-455B-A300-5026667BEB9B}" destId="{93814A40-3A4F-431A-8684-ADDA7BFF1ED8}" srcOrd="2" destOrd="0" presId="urn:microsoft.com/office/officeart/2009/3/layout/HorizontalOrganizationChart"/>
+    <dgm:cxn modelId="{8D3173A2-43D7-46AE-AD9A-90568B5ADEEE}" type="presParOf" srcId="{E4C3D407-9E52-4C21-82A5-FD2D4CAFE1AC}" destId="{638BEFFA-0886-41B7-8AE8-4B010B234EBD}" srcOrd="8" destOrd="0" presId="urn:microsoft.com/office/officeart/2009/3/layout/HorizontalOrganizationChart"/>
+    <dgm:cxn modelId="{3367FBEB-69E4-4431-92CE-83D3E9BED7FE}" type="presParOf" srcId="{E4C3D407-9E52-4C21-82A5-FD2D4CAFE1AC}" destId="{F464F473-44DD-4808-ABA9-548ECF6CF37A}" srcOrd="9" destOrd="0" presId="urn:microsoft.com/office/officeart/2009/3/layout/HorizontalOrganizationChart"/>
+    <dgm:cxn modelId="{6AB9C0E4-E89A-4B11-8D74-4CA1F2CB43A3}" type="presParOf" srcId="{F464F473-44DD-4808-ABA9-548ECF6CF37A}" destId="{500E86CD-013D-4A52-A8AB-DB8EF2C09DC9}" srcOrd="0" destOrd="0" presId="urn:microsoft.com/office/officeart/2009/3/layout/HorizontalOrganizationChart"/>
+    <dgm:cxn modelId="{FA54BE5E-05AF-49E9-965A-9F5E4AB50828}" type="presParOf" srcId="{500E86CD-013D-4A52-A8AB-DB8EF2C09DC9}" destId="{EDC2BFE0-F10A-42CE-9A2E-1C1634586584}" srcOrd="0" destOrd="0" presId="urn:microsoft.com/office/officeart/2009/3/layout/HorizontalOrganizationChart"/>
+    <dgm:cxn modelId="{AFF8094C-3279-4C87-8D9B-ACB9F52BF8DD}" type="presParOf" srcId="{500E86CD-013D-4A52-A8AB-DB8EF2C09DC9}" destId="{2E0A5485-4892-4DEA-BA7E-33D37EA31971}" srcOrd="1" destOrd="0" presId="urn:microsoft.com/office/officeart/2009/3/layout/HorizontalOrganizationChart"/>
+    <dgm:cxn modelId="{EEEB4DA8-FD72-4803-86D3-7EB3347A60EE}" type="presParOf" srcId="{F464F473-44DD-4808-ABA9-548ECF6CF37A}" destId="{CA94FCCD-3698-43EE-A0ED-9B893DEA64B5}" srcOrd="1" destOrd="0" presId="urn:microsoft.com/office/officeart/2009/3/layout/HorizontalOrganizationChart"/>
+    <dgm:cxn modelId="{807FCFC6-D197-435E-881C-FC3CEAC4AAE7}" type="presParOf" srcId="{F464F473-44DD-4808-ABA9-548ECF6CF37A}" destId="{EF6B5B03-0952-49CB-9BE0-89365F816184}" srcOrd="2" destOrd="0" presId="urn:microsoft.com/office/officeart/2009/3/layout/HorizontalOrganizationChart"/>
+    <dgm:cxn modelId="{E2DED84B-478A-4F4B-B7DF-C8FCE390A396}" type="presParOf" srcId="{B51190D7-12AC-4537-9893-31688B0D0AEC}" destId="{B398011F-8788-4B37-AF98-FD067607284D}" srcOrd="2" destOrd="0" presId="urn:microsoft.com/office/officeart/2009/3/layout/HorizontalOrganizationChart"/>
+    <dgm:cxn modelId="{2E54FCC6-E065-4DD7-AC62-AEB54070A9BA}" type="presParOf" srcId="{F7533C83-8759-4930-AD5A-685D51547989}" destId="{76F6692C-907E-42E6-940F-0FA5615A6800}" srcOrd="2" destOrd="0" presId="urn:microsoft.com/office/officeart/2009/3/layout/HorizontalOrganizationChart"/>
+    <dgm:cxn modelId="{73A593E5-C39D-4C31-910A-BE437474CF6B}" type="presParOf" srcId="{F7533C83-8759-4930-AD5A-685D51547989}" destId="{75E0CE9D-9DBC-43C5-BA13-F4B40E080CA2}" srcOrd="3" destOrd="0" presId="urn:microsoft.com/office/officeart/2009/3/layout/HorizontalOrganizationChart"/>
+    <dgm:cxn modelId="{004F1A57-2855-4E2D-A127-55959EFA87E3}" type="presParOf" srcId="{75E0CE9D-9DBC-43C5-BA13-F4B40E080CA2}" destId="{8BEF75FF-F53D-481E-9167-EEAF30D14DF9}" srcOrd="0" destOrd="0" presId="urn:microsoft.com/office/officeart/2009/3/layout/HorizontalOrganizationChart"/>
+    <dgm:cxn modelId="{606EBB83-3E6C-4328-B431-BB901BD88297}" type="presParOf" srcId="{8BEF75FF-F53D-481E-9167-EEAF30D14DF9}" destId="{5B7B0E5F-24D5-4366-9347-B67AF447F77F}" srcOrd="0" destOrd="0" presId="urn:microsoft.com/office/officeart/2009/3/layout/HorizontalOrganizationChart"/>
+    <dgm:cxn modelId="{A3A5297C-0E52-4BDA-A575-523E9B1BAFD6}" type="presParOf" srcId="{8BEF75FF-F53D-481E-9167-EEAF30D14DF9}" destId="{07732D50-89B6-42D0-BCA4-F27CDF6E5CDD}" srcOrd="1" destOrd="0" presId="urn:microsoft.com/office/officeart/2009/3/layout/HorizontalOrganizationChart"/>
+    <dgm:cxn modelId="{6CA56719-5D82-4DDF-89A6-1EBFB478F84F}" type="presParOf" srcId="{75E0CE9D-9DBC-43C5-BA13-F4B40E080CA2}" destId="{CC94CE49-AFD6-42E6-B374-80D04AAFDB29}" srcOrd="1" destOrd="0" presId="urn:microsoft.com/office/officeart/2009/3/layout/HorizontalOrganizationChart"/>
+    <dgm:cxn modelId="{AAA8DD44-928C-4FC2-856B-A4AC6F96915C}" type="presParOf" srcId="{75E0CE9D-9DBC-43C5-BA13-F4B40E080CA2}" destId="{02BB0AF7-4A98-4E3C-B2F2-1665891EF67D}" srcOrd="2" destOrd="0" presId="urn:microsoft.com/office/officeart/2009/3/layout/HorizontalOrganizationChart"/>
+    <dgm:cxn modelId="{8C08DF99-3FE2-47A9-B2EC-3F5C5DDE35E4}" type="presParOf" srcId="{F7533C83-8759-4930-AD5A-685D51547989}" destId="{F323DC40-14B5-4DD8-BF91-B005BE30C082}" srcOrd="4" destOrd="0" presId="urn:microsoft.com/office/officeart/2009/3/layout/HorizontalOrganizationChart"/>
+    <dgm:cxn modelId="{BAE5828B-093B-4A19-9EBB-FB3AD429020F}" type="presParOf" srcId="{F7533C83-8759-4930-AD5A-685D51547989}" destId="{EB36BCED-EB88-4BDA-84F0-D6619F29AD24}" srcOrd="5" destOrd="0" presId="urn:microsoft.com/office/officeart/2009/3/layout/HorizontalOrganizationChart"/>
+    <dgm:cxn modelId="{B588C8E5-9E7A-41EF-9A0B-D427787ED2E8}" type="presParOf" srcId="{EB36BCED-EB88-4BDA-84F0-D6619F29AD24}" destId="{59185A75-EF80-4E86-B1B8-DADF8B439268}" srcOrd="0" destOrd="0" presId="urn:microsoft.com/office/officeart/2009/3/layout/HorizontalOrganizationChart"/>
+    <dgm:cxn modelId="{E3715C73-9C96-4A74-B982-0E71F4A4D492}" type="presParOf" srcId="{59185A75-EF80-4E86-B1B8-DADF8B439268}" destId="{57753F46-6EBE-49C4-B0C8-07E23E612770}" srcOrd="0" destOrd="0" presId="urn:microsoft.com/office/officeart/2009/3/layout/HorizontalOrganizationChart"/>
+    <dgm:cxn modelId="{4E0CC928-BD52-4447-8F9D-E083E1B82F32}" type="presParOf" srcId="{59185A75-EF80-4E86-B1B8-DADF8B439268}" destId="{236435DF-E336-4567-AD3E-C308C7E5F4E4}" srcOrd="1" destOrd="0" presId="urn:microsoft.com/office/officeart/2009/3/layout/HorizontalOrganizationChart"/>
+    <dgm:cxn modelId="{F90CDBD7-167C-4A54-A46A-2B3DD1B10118}" type="presParOf" srcId="{EB36BCED-EB88-4BDA-84F0-D6619F29AD24}" destId="{6DC41854-D938-4809-A2D2-F16E81CAF567}" srcOrd="1" destOrd="0" presId="urn:microsoft.com/office/officeart/2009/3/layout/HorizontalOrganizationChart"/>
+    <dgm:cxn modelId="{6E9A7288-E7FE-44A6-9848-F520191C5300}" type="presParOf" srcId="{6DC41854-D938-4809-A2D2-F16E81CAF567}" destId="{4B073B37-9FD3-4515-98D5-5CD3E78E0F18}" srcOrd="0" destOrd="0" presId="urn:microsoft.com/office/officeart/2009/3/layout/HorizontalOrganizationChart"/>
+    <dgm:cxn modelId="{F7CF49DB-BBC3-4D95-B096-558C58A0FAE5}" type="presParOf" srcId="{6DC41854-D938-4809-A2D2-F16E81CAF567}" destId="{25BED7A7-D990-4E43-B1B2-C249F95948E0}" srcOrd="1" destOrd="0" presId="urn:microsoft.com/office/officeart/2009/3/layout/HorizontalOrganizationChart"/>
+    <dgm:cxn modelId="{C3A3CC23-49F4-4668-BB5E-92AF1CC22887}" type="presParOf" srcId="{25BED7A7-D990-4E43-B1B2-C249F95948E0}" destId="{8390DB5B-7705-44BE-9D70-AB94FAB492F5}" srcOrd="0" destOrd="0" presId="urn:microsoft.com/office/officeart/2009/3/layout/HorizontalOrganizationChart"/>
+    <dgm:cxn modelId="{0E786F8C-0046-4490-8105-420AF510A903}" type="presParOf" srcId="{8390DB5B-7705-44BE-9D70-AB94FAB492F5}" destId="{C67C5185-B459-4471-AB7B-858E1B4C470F}" srcOrd="0" destOrd="0" presId="urn:microsoft.com/office/officeart/2009/3/layout/HorizontalOrganizationChart"/>
+    <dgm:cxn modelId="{AA7D7A64-303C-4355-8846-DA758CF5AA65}" type="presParOf" srcId="{8390DB5B-7705-44BE-9D70-AB94FAB492F5}" destId="{D9B537FA-E04F-4BCC-AB88-A1628F5D51F4}" srcOrd="1" destOrd="0" presId="urn:microsoft.com/office/officeart/2009/3/layout/HorizontalOrganizationChart"/>
+    <dgm:cxn modelId="{B528C813-C40E-450D-8F68-7A9D94F2CD47}" type="presParOf" srcId="{25BED7A7-D990-4E43-B1B2-C249F95948E0}" destId="{E5B9AB97-2374-4547-85B5-6214DFB97D80}" srcOrd="1" destOrd="0" presId="urn:microsoft.com/office/officeart/2009/3/layout/HorizontalOrganizationChart"/>
+    <dgm:cxn modelId="{22A886F2-DF84-422C-A338-9F8F85F62181}" type="presParOf" srcId="{25BED7A7-D990-4E43-B1B2-C249F95948E0}" destId="{02256BAA-6DF6-456C-9768-DCF28E8A72C9}" srcOrd="2" destOrd="0" presId="urn:microsoft.com/office/officeart/2009/3/layout/HorizontalOrganizationChart"/>
+    <dgm:cxn modelId="{F6012499-D0A5-4B8E-9636-A5F2220DC4ED}" type="presParOf" srcId="{EB36BCED-EB88-4BDA-84F0-D6619F29AD24}" destId="{1FA0AF13-EEFE-4861-A2EB-7C02AF2EE6B3}" srcOrd="2" destOrd="0" presId="urn:microsoft.com/office/officeart/2009/3/layout/HorizontalOrganizationChart"/>
+    <dgm:cxn modelId="{61FE2331-6DF0-4BC9-83BE-B954654976DF}" type="presParOf" srcId="{26220A50-30C9-455B-AA3A-BD419571ED67}" destId="{F2E21742-F5F7-4D42-A4DD-F977C37E85AF}" srcOrd="2" destOrd="0" presId="urn:microsoft.com/office/officeart/2009/3/layout/HorizontalOrganizationChart"/>
+    <dgm:cxn modelId="{A2878473-A1F2-40C5-B90C-E5FAA80B10DB}" type="presParOf" srcId="{189F0170-C1D7-4BF9-94D0-D54E82AEABF8}" destId="{7A76199F-0888-4BED-AF36-F81F05547FB3}" srcOrd="4" destOrd="0" presId="urn:microsoft.com/office/officeart/2009/3/layout/HorizontalOrganizationChart"/>
+    <dgm:cxn modelId="{8E9F45FB-3DCD-448B-BD05-E57B6C768B8F}" type="presParOf" srcId="{189F0170-C1D7-4BF9-94D0-D54E82AEABF8}" destId="{D7D27503-29AA-46C8-95BF-3958A36463CD}" srcOrd="5" destOrd="0" presId="urn:microsoft.com/office/officeart/2009/3/layout/HorizontalOrganizationChart"/>
+    <dgm:cxn modelId="{8B842CD6-CF13-480B-AE45-1C96FFCFE5C4}" type="presParOf" srcId="{D7D27503-29AA-46C8-95BF-3958A36463CD}" destId="{FB087684-6752-447B-8E2B-2EF2A1ADF93D}" srcOrd="0" destOrd="0" presId="urn:microsoft.com/office/officeart/2009/3/layout/HorizontalOrganizationChart"/>
+    <dgm:cxn modelId="{0B6364BB-488D-453F-A28C-4582F5EF02BD}" type="presParOf" srcId="{FB087684-6752-447B-8E2B-2EF2A1ADF93D}" destId="{D9D031FE-861A-4E75-9BBC-C61D4680D569}" srcOrd="0" destOrd="0" presId="urn:microsoft.com/office/officeart/2009/3/layout/HorizontalOrganizationChart"/>
+    <dgm:cxn modelId="{4295B0EB-3508-4736-8922-4F8E72338314}" type="presParOf" srcId="{FB087684-6752-447B-8E2B-2EF2A1ADF93D}" destId="{2018AAD6-AC06-4C6F-AB2B-9777BC255C87}" srcOrd="1" destOrd="0" presId="urn:microsoft.com/office/officeart/2009/3/layout/HorizontalOrganizationChart"/>
+    <dgm:cxn modelId="{D7B448BB-A70A-422B-BB28-2966F552F2DD}" type="presParOf" srcId="{D7D27503-29AA-46C8-95BF-3958A36463CD}" destId="{6FEB3BFC-0B30-4F15-8D1B-3432B1FA8E09}" srcOrd="1" destOrd="0" presId="urn:microsoft.com/office/officeart/2009/3/layout/HorizontalOrganizationChart"/>
+    <dgm:cxn modelId="{5E9E8F26-A2F1-4C9A-B185-04C80EF10716}" type="presParOf" srcId="{D7D27503-29AA-46C8-95BF-3958A36463CD}" destId="{16F93514-076E-4D5F-A2A2-1AF761A9C01C}" srcOrd="2" destOrd="0" presId="urn:microsoft.com/office/officeart/2009/3/layout/HorizontalOrganizationChart"/>
+    <dgm:cxn modelId="{52577245-A2CB-4F3F-A74D-03D58F6EA5AD}" type="presParOf" srcId="{302962C6-2969-4228-BEC9-F4612C92B41F}" destId="{11CD814E-8586-48A2-8594-C7E0D9278090}" srcOrd="2" destOrd="0" presId="urn:microsoft.com/office/officeart/2009/3/layout/HorizontalOrganizationChart"/>
+  </dgm:cxnLst>
+  <dgm:bg/>
+  <dgm:whole/>
+  <dgm:extLst>
+    <a:ext uri="http://schemas.microsoft.com/office/drawing/2008/diagram">
+      <dsp:dataModelExt xmlns:dsp="http://schemas.microsoft.com/office/drawing/2008/diagram" relId="rId6" minVer="http://schemas.openxmlformats.org/drawingml/2006/diagram"/>
+    </a:ext>
+  </dgm:extLst>
+</dgm:dataModel>
+</file>
+
+<file path=ppt/diagrams/drawing1.xml><?xml version="1.0" encoding="utf-8"?>
+<dsp:drawing xmlns:dgm="http://schemas.openxmlformats.org/drawingml/2006/diagram" xmlns:dsp="http://schemas.microsoft.com/office/drawing/2008/diagram" xmlns:a="http://schemas.openxmlformats.org/drawingml/2006/main">
+  <dsp:spTree>
+    <dsp:nvGrpSpPr>
+      <dsp:cNvPr id="0" name=""/>
+      <dsp:cNvGrpSpPr/>
+    </dsp:nvGrpSpPr>
+    <dsp:grpSpPr/>
+    <dsp:sp modelId="{7A76199F-0888-4BED-AF36-F81F05547FB3}">
+      <dsp:nvSpPr>
+        <dsp:cNvPr id="0" name=""/>
+        <dsp:cNvSpPr/>
+      </dsp:nvSpPr>
+      <dsp:spPr>
+        <a:xfrm>
+          <a:off x="1790179" y="2455209"/>
+          <a:ext cx="357633" cy="1345597"/>
+        </a:xfrm>
+        <a:custGeom>
+          <a:avLst/>
+          <a:gdLst/>
+          <a:ahLst/>
+          <a:cxnLst/>
+          <a:rect l="0" t="0" r="0" b="0"/>
+          <a:pathLst>
+            <a:path>
+              <a:moveTo>
+                <a:pt x="0" y="0"/>
+              </a:moveTo>
+              <a:lnTo>
+                <a:pt x="178816" y="0"/>
+              </a:lnTo>
+              <a:lnTo>
+                <a:pt x="178816" y="1345597"/>
+              </a:lnTo>
+              <a:lnTo>
+                <a:pt x="357633" y="1345597"/>
+              </a:lnTo>
+            </a:path>
+          </a:pathLst>
+        </a:custGeom>
+        <a:noFill/>
+        <a:ln w="25400" cap="flat" cmpd="sng" algn="ctr">
+          <a:solidFill>
+            <a:schemeClr val="accent1">
+              <a:shade val="60000"/>
+              <a:hueOff val="0"/>
+              <a:satOff val="0"/>
+              <a:lumOff val="0"/>
+              <a:alphaOff val="0"/>
+            </a:schemeClr>
+          </a:solidFill>
+          <a:prstDash val="solid"/>
+        </a:ln>
+        <a:effectLst/>
+      </dsp:spPr>
+      <dsp:style>
+        <a:lnRef idx="2">
+          <a:scrgbClr r="0" g="0" b="0"/>
+        </a:lnRef>
+        <a:fillRef idx="0">
+          <a:scrgbClr r="0" g="0" b="0"/>
+        </a:fillRef>
+        <a:effectRef idx="0">
+          <a:scrgbClr r="0" g="0" b="0"/>
+        </a:effectRef>
+        <a:fontRef idx="minor"/>
+      </dsp:style>
+    </dsp:sp>
+    <dsp:sp modelId="{4B073B37-9FD3-4515-98D5-5CD3E78E0F18}">
+      <dsp:nvSpPr>
+        <dsp:cNvPr id="0" name=""/>
+        <dsp:cNvSpPr/>
+      </dsp:nvSpPr>
+      <dsp:spPr>
+        <a:xfrm>
+          <a:off x="6081786" y="4139544"/>
+          <a:ext cx="357633" cy="91440"/>
+        </a:xfrm>
+        <a:custGeom>
+          <a:avLst/>
+          <a:gdLst/>
+          <a:ahLst/>
+          <a:cxnLst/>
+          <a:rect l="0" t="0" r="0" b="0"/>
+          <a:pathLst>
+            <a:path>
+              <a:moveTo>
+                <a:pt x="0" y="45720"/>
+              </a:moveTo>
+              <a:lnTo>
+                <a:pt x="357633" y="45720"/>
+              </a:lnTo>
+            </a:path>
+          </a:pathLst>
+        </a:custGeom>
+        <a:noFill/>
+        <a:ln w="25400" cap="flat" cmpd="sng" algn="ctr">
+          <a:solidFill>
+            <a:schemeClr val="accent1">
+              <a:shade val="80000"/>
+              <a:hueOff val="0"/>
+              <a:satOff val="0"/>
+              <a:lumOff val="0"/>
+              <a:alphaOff val="0"/>
+            </a:schemeClr>
+          </a:solidFill>
+          <a:prstDash val="solid"/>
+        </a:ln>
+        <a:effectLst/>
+      </dsp:spPr>
+      <dsp:style>
+        <a:lnRef idx="2">
+          <a:scrgbClr r="0" g="0" b="0"/>
+        </a:lnRef>
+        <a:fillRef idx="0">
+          <a:scrgbClr r="0" g="0" b="0"/>
+        </a:fillRef>
+        <a:effectRef idx="0">
+          <a:scrgbClr r="0" g="0" b="0"/>
+        </a:effectRef>
+        <a:fontRef idx="minor"/>
+      </dsp:style>
+    </dsp:sp>
+    <dsp:sp modelId="{F323DC40-14B5-4DD8-BF91-B005BE30C082}">
+      <dsp:nvSpPr>
+        <dsp:cNvPr id="0" name=""/>
+        <dsp:cNvSpPr/>
+      </dsp:nvSpPr>
+      <dsp:spPr>
+        <a:xfrm>
+          <a:off x="3935983" y="3031894"/>
+          <a:ext cx="357633" cy="1153369"/>
+        </a:xfrm>
+        <a:custGeom>
+          <a:avLst/>
+          <a:gdLst/>
+          <a:ahLst/>
+          <a:cxnLst/>
+          <a:rect l="0" t="0" r="0" b="0"/>
+          <a:pathLst>
+            <a:path>
+              <a:moveTo>
+                <a:pt x="0" y="0"/>
+              </a:moveTo>
+              <a:lnTo>
+                <a:pt x="178816" y="0"/>
+              </a:lnTo>
+              <a:lnTo>
+                <a:pt x="178816" y="1153369"/>
+              </a:lnTo>
+              <a:lnTo>
+                <a:pt x="357633" y="1153369"/>
+              </a:lnTo>
+            </a:path>
+          </a:pathLst>
+        </a:custGeom>
+        <a:noFill/>
+        <a:ln w="25400" cap="flat" cmpd="sng" algn="ctr">
+          <a:solidFill>
+            <a:schemeClr val="accent1">
+              <a:shade val="80000"/>
+              <a:hueOff val="0"/>
+              <a:satOff val="0"/>
+              <a:lumOff val="0"/>
+              <a:alphaOff val="0"/>
+            </a:schemeClr>
+          </a:solidFill>
+          <a:prstDash val="solid"/>
+        </a:ln>
+        <a:effectLst/>
+      </dsp:spPr>
+      <dsp:style>
+        <a:lnRef idx="2">
+          <a:scrgbClr r="0" g="0" b="0"/>
+        </a:lnRef>
+        <a:fillRef idx="0">
+          <a:scrgbClr r="0" g="0" b="0"/>
+        </a:fillRef>
+        <a:effectRef idx="0">
+          <a:scrgbClr r="0" g="0" b="0"/>
+        </a:effectRef>
+        <a:fontRef idx="minor"/>
+      </dsp:style>
+    </dsp:sp>
+    <dsp:sp modelId="{76F6692C-907E-42E6-940F-0FA5615A6800}">
+      <dsp:nvSpPr>
+        <dsp:cNvPr id="0" name=""/>
+        <dsp:cNvSpPr/>
+      </dsp:nvSpPr>
+      <dsp:spPr>
+        <a:xfrm>
+          <a:off x="3935983" y="2647438"/>
+          <a:ext cx="357633" cy="384456"/>
+        </a:xfrm>
+        <a:custGeom>
+          <a:avLst/>
+          <a:gdLst/>
+          <a:ahLst/>
+          <a:cxnLst/>
+          <a:rect l="0" t="0" r="0" b="0"/>
+          <a:pathLst>
+            <a:path>
+              <a:moveTo>
+                <a:pt x="0" y="384456"/>
+              </a:moveTo>
+              <a:lnTo>
+                <a:pt x="178816" y="384456"/>
+              </a:lnTo>
+              <a:lnTo>
+                <a:pt x="178816" y="0"/>
+              </a:lnTo>
+              <a:lnTo>
+                <a:pt x="357633" y="0"/>
+              </a:lnTo>
+            </a:path>
+          </a:pathLst>
+        </a:custGeom>
+        <a:noFill/>
+        <a:ln w="25400" cap="flat" cmpd="sng" algn="ctr">
+          <a:solidFill>
+            <a:schemeClr val="accent1">
+              <a:shade val="80000"/>
+              <a:hueOff val="0"/>
+              <a:satOff val="0"/>
+              <a:lumOff val="0"/>
+              <a:alphaOff val="0"/>
+            </a:schemeClr>
+          </a:solidFill>
+          <a:prstDash val="solid"/>
+        </a:ln>
+        <a:effectLst/>
+      </dsp:spPr>
+      <dsp:style>
+        <a:lnRef idx="2">
+          <a:scrgbClr r="0" g="0" b="0"/>
+        </a:lnRef>
+        <a:fillRef idx="0">
+          <a:scrgbClr r="0" g="0" b="0"/>
+        </a:fillRef>
+        <a:effectRef idx="0">
+          <a:scrgbClr r="0" g="0" b="0"/>
+        </a:effectRef>
+        <a:fontRef idx="minor"/>
+      </dsp:style>
+    </dsp:sp>
+    <dsp:sp modelId="{638BEFFA-0886-41B7-8AE8-4B010B234EBD}">
+      <dsp:nvSpPr>
+        <dsp:cNvPr id="0" name=""/>
+        <dsp:cNvSpPr/>
+      </dsp:nvSpPr>
+      <dsp:spPr>
+        <a:xfrm>
+          <a:off x="6081786" y="1878524"/>
+          <a:ext cx="357633" cy="1537826"/>
+        </a:xfrm>
+        <a:custGeom>
+          <a:avLst/>
+          <a:gdLst/>
+          <a:ahLst/>
+          <a:cxnLst/>
+          <a:rect l="0" t="0" r="0" b="0"/>
+          <a:pathLst>
+            <a:path>
+              <a:moveTo>
+                <a:pt x="0" y="0"/>
+              </a:moveTo>
+              <a:lnTo>
+                <a:pt x="178816" y="0"/>
+              </a:lnTo>
+              <a:lnTo>
+                <a:pt x="178816" y="1537826"/>
+              </a:lnTo>
+              <a:lnTo>
+                <a:pt x="357633" y="1537826"/>
+              </a:lnTo>
+            </a:path>
+          </a:pathLst>
+        </a:custGeom>
+        <a:noFill/>
+        <a:ln w="25400" cap="flat" cmpd="sng" algn="ctr">
+          <a:solidFill>
+            <a:schemeClr val="accent1">
+              <a:shade val="80000"/>
+              <a:hueOff val="0"/>
+              <a:satOff val="0"/>
+              <a:lumOff val="0"/>
+              <a:alphaOff val="0"/>
+            </a:schemeClr>
+          </a:solidFill>
+          <a:prstDash val="solid"/>
+        </a:ln>
+        <a:effectLst/>
+      </dsp:spPr>
+      <dsp:style>
+        <a:lnRef idx="2">
+          <a:scrgbClr r="0" g="0" b="0"/>
+        </a:lnRef>
+        <a:fillRef idx="0">
+          <a:scrgbClr r="0" g="0" b="0"/>
+        </a:fillRef>
+        <a:effectRef idx="0">
+          <a:scrgbClr r="0" g="0" b="0"/>
+        </a:effectRef>
+        <a:fontRef idx="minor"/>
+      </dsp:style>
+    </dsp:sp>
+    <dsp:sp modelId="{A40FA981-20A5-4994-BE32-0AF082DF6109}">
+      <dsp:nvSpPr>
+        <dsp:cNvPr id="0" name=""/>
+        <dsp:cNvSpPr/>
+      </dsp:nvSpPr>
+      <dsp:spPr>
+        <a:xfrm>
+          <a:off x="6081786" y="1878524"/>
+          <a:ext cx="357633" cy="768913"/>
+        </a:xfrm>
+        <a:custGeom>
+          <a:avLst/>
+          <a:gdLst/>
+          <a:ahLst/>
+          <a:cxnLst/>
+          <a:rect l="0" t="0" r="0" b="0"/>
+          <a:pathLst>
+            <a:path>
+              <a:moveTo>
+                <a:pt x="0" y="0"/>
+              </a:moveTo>
+              <a:lnTo>
+                <a:pt x="178816" y="0"/>
+              </a:lnTo>
+              <a:lnTo>
+                <a:pt x="178816" y="768913"/>
+              </a:lnTo>
+              <a:lnTo>
+                <a:pt x="357633" y="768913"/>
+              </a:lnTo>
+            </a:path>
+          </a:pathLst>
+        </a:custGeom>
+        <a:noFill/>
+        <a:ln w="25400" cap="flat" cmpd="sng" algn="ctr">
+          <a:solidFill>
+            <a:schemeClr val="accent1">
+              <a:shade val="80000"/>
+              <a:hueOff val="0"/>
+              <a:satOff val="0"/>
+              <a:lumOff val="0"/>
+              <a:alphaOff val="0"/>
+            </a:schemeClr>
+          </a:solidFill>
+          <a:prstDash val="solid"/>
+        </a:ln>
+        <a:effectLst/>
+      </dsp:spPr>
+      <dsp:style>
+        <a:lnRef idx="2">
+          <a:scrgbClr r="0" g="0" b="0"/>
+        </a:lnRef>
+        <a:fillRef idx="0">
+          <a:scrgbClr r="0" g="0" b="0"/>
+        </a:fillRef>
+        <a:effectRef idx="0">
+          <a:scrgbClr r="0" g="0" b="0"/>
+        </a:effectRef>
+        <a:fontRef idx="minor"/>
+      </dsp:style>
+    </dsp:sp>
+    <dsp:sp modelId="{9B1FC65F-BA67-430D-8787-AC251EE78CE2}">
+      <dsp:nvSpPr>
+        <dsp:cNvPr id="0" name=""/>
+        <dsp:cNvSpPr/>
+      </dsp:nvSpPr>
+      <dsp:spPr>
+        <a:xfrm>
+          <a:off x="6081786" y="1832804"/>
+          <a:ext cx="357633" cy="91440"/>
+        </a:xfrm>
+        <a:custGeom>
+          <a:avLst/>
+          <a:gdLst/>
+          <a:ahLst/>
+          <a:cxnLst/>
+          <a:rect l="0" t="0" r="0" b="0"/>
+          <a:pathLst>
+            <a:path>
+              <a:moveTo>
+                <a:pt x="0" y="45720"/>
+              </a:moveTo>
+              <a:lnTo>
+                <a:pt x="357633" y="45720"/>
+              </a:lnTo>
+            </a:path>
+          </a:pathLst>
+        </a:custGeom>
+        <a:noFill/>
+        <a:ln w="25400" cap="flat" cmpd="sng" algn="ctr">
+          <a:solidFill>
+            <a:schemeClr val="accent1">
+              <a:shade val="80000"/>
+              <a:hueOff val="0"/>
+              <a:satOff val="0"/>
+              <a:lumOff val="0"/>
+              <a:alphaOff val="0"/>
+            </a:schemeClr>
+          </a:solidFill>
+          <a:prstDash val="solid"/>
+        </a:ln>
+        <a:effectLst/>
+      </dsp:spPr>
+      <dsp:style>
+        <a:lnRef idx="2">
+          <a:scrgbClr r="0" g="0" b="0"/>
+        </a:lnRef>
+        <a:fillRef idx="0">
+          <a:scrgbClr r="0" g="0" b="0"/>
+        </a:fillRef>
+        <a:effectRef idx="0">
+          <a:scrgbClr r="0" g="0" b="0"/>
+        </a:effectRef>
+        <a:fontRef idx="minor"/>
+      </dsp:style>
+    </dsp:sp>
+    <dsp:sp modelId="{BEBF9338-4E7B-4826-8703-A06447E3C9EC}">
+      <dsp:nvSpPr>
+        <dsp:cNvPr id="0" name=""/>
+        <dsp:cNvSpPr/>
+      </dsp:nvSpPr>
+      <dsp:spPr>
+        <a:xfrm>
+          <a:off x="6081786" y="1109611"/>
+          <a:ext cx="357633" cy="768913"/>
+        </a:xfrm>
+        <a:custGeom>
+          <a:avLst/>
+          <a:gdLst/>
+          <a:ahLst/>
+          <a:cxnLst/>
+          <a:rect l="0" t="0" r="0" b="0"/>
+          <a:pathLst>
+            <a:path>
+              <a:moveTo>
+                <a:pt x="0" y="768913"/>
+              </a:moveTo>
+              <a:lnTo>
+                <a:pt x="178816" y="768913"/>
+              </a:lnTo>
+              <a:lnTo>
+                <a:pt x="178816" y="0"/>
+              </a:lnTo>
+              <a:lnTo>
+                <a:pt x="357633" y="0"/>
+              </a:lnTo>
+            </a:path>
+          </a:pathLst>
+        </a:custGeom>
+        <a:noFill/>
+        <a:ln w="25400" cap="flat" cmpd="sng" algn="ctr">
+          <a:solidFill>
+            <a:schemeClr val="accent1">
+              <a:shade val="80000"/>
+              <a:hueOff val="0"/>
+              <a:satOff val="0"/>
+              <a:lumOff val="0"/>
+              <a:alphaOff val="0"/>
+            </a:schemeClr>
+          </a:solidFill>
+          <a:prstDash val="solid"/>
+        </a:ln>
+        <a:effectLst/>
+      </dsp:spPr>
+      <dsp:style>
+        <a:lnRef idx="2">
+          <a:scrgbClr r="0" g="0" b="0"/>
+        </a:lnRef>
+        <a:fillRef idx="0">
+          <a:scrgbClr r="0" g="0" b="0"/>
+        </a:fillRef>
+        <a:effectRef idx="0">
+          <a:scrgbClr r="0" g="0" b="0"/>
+        </a:effectRef>
+        <a:fontRef idx="minor"/>
+      </dsp:style>
+    </dsp:sp>
+    <dsp:sp modelId="{2FA41893-D898-4359-8447-FD4E51D70577}">
+      <dsp:nvSpPr>
+        <dsp:cNvPr id="0" name=""/>
+        <dsp:cNvSpPr/>
+      </dsp:nvSpPr>
+      <dsp:spPr>
+        <a:xfrm>
+          <a:off x="6081786" y="340698"/>
+          <a:ext cx="357633" cy="1537826"/>
+        </a:xfrm>
+        <a:custGeom>
+          <a:avLst/>
+          <a:gdLst/>
+          <a:ahLst/>
+          <a:cxnLst/>
+          <a:rect l="0" t="0" r="0" b="0"/>
+          <a:pathLst>
+            <a:path>
+              <a:moveTo>
+                <a:pt x="0" y="1537826"/>
+              </a:moveTo>
+              <a:lnTo>
+                <a:pt x="178816" y="1537826"/>
+              </a:lnTo>
+              <a:lnTo>
+                <a:pt x="178816" y="0"/>
+              </a:lnTo>
+              <a:lnTo>
+                <a:pt x="357633" y="0"/>
+              </a:lnTo>
+            </a:path>
+          </a:pathLst>
+        </a:custGeom>
+        <a:noFill/>
+        <a:ln w="25400" cap="flat" cmpd="sng" algn="ctr">
+          <a:solidFill>
+            <a:schemeClr val="accent1">
+              <a:shade val="80000"/>
+              <a:hueOff val="0"/>
+              <a:satOff val="0"/>
+              <a:lumOff val="0"/>
+              <a:alphaOff val="0"/>
+            </a:schemeClr>
+          </a:solidFill>
+          <a:prstDash val="solid"/>
+        </a:ln>
+        <a:effectLst/>
+      </dsp:spPr>
+      <dsp:style>
+        <a:lnRef idx="2">
+          <a:scrgbClr r="0" g="0" b="0"/>
+        </a:lnRef>
+        <a:fillRef idx="0">
+          <a:scrgbClr r="0" g="0" b="0"/>
+        </a:fillRef>
+        <a:effectRef idx="0">
+          <a:scrgbClr r="0" g="0" b="0"/>
+        </a:effectRef>
+        <a:fontRef idx="minor"/>
+      </dsp:style>
+    </dsp:sp>
+    <dsp:sp modelId="{525B9B6E-BE9E-4685-A003-8A2FEC84836C}">
+      <dsp:nvSpPr>
+        <dsp:cNvPr id="0" name=""/>
+        <dsp:cNvSpPr/>
+      </dsp:nvSpPr>
+      <dsp:spPr>
+        <a:xfrm>
+          <a:off x="3935983" y="1878524"/>
+          <a:ext cx="357633" cy="1153369"/>
+        </a:xfrm>
+        <a:custGeom>
+          <a:avLst/>
+          <a:gdLst/>
+          <a:ahLst/>
+          <a:cxnLst/>
+          <a:rect l="0" t="0" r="0" b="0"/>
+          <a:pathLst>
+            <a:path>
+              <a:moveTo>
+                <a:pt x="0" y="1153369"/>
+              </a:moveTo>
+              <a:lnTo>
+                <a:pt x="178816" y="1153369"/>
+              </a:lnTo>
+              <a:lnTo>
+                <a:pt x="178816" y="0"/>
+              </a:lnTo>
+              <a:lnTo>
+                <a:pt x="357633" y="0"/>
+              </a:lnTo>
+            </a:path>
+          </a:pathLst>
+        </a:custGeom>
+        <a:noFill/>
+        <a:ln w="25400" cap="flat" cmpd="sng" algn="ctr">
+          <a:solidFill>
+            <a:schemeClr val="accent1">
+              <a:shade val="80000"/>
+              <a:hueOff val="0"/>
+              <a:satOff val="0"/>
+              <a:lumOff val="0"/>
+              <a:alphaOff val="0"/>
+            </a:schemeClr>
+          </a:solidFill>
+          <a:prstDash val="solid"/>
+        </a:ln>
+        <a:effectLst/>
+      </dsp:spPr>
+      <dsp:style>
+        <a:lnRef idx="2">
+          <a:scrgbClr r="0" g="0" b="0"/>
+        </a:lnRef>
+        <a:fillRef idx="0">
+          <a:scrgbClr r="0" g="0" b="0"/>
+        </a:fillRef>
+        <a:effectRef idx="0">
+          <a:scrgbClr r="0" g="0" b="0"/>
+        </a:effectRef>
+        <a:fontRef idx="minor"/>
+      </dsp:style>
+    </dsp:sp>
+    <dsp:sp modelId="{6240F01B-1131-45D4-87B9-7EC3AE8C8E05}">
+      <dsp:nvSpPr>
+        <dsp:cNvPr id="0" name=""/>
+        <dsp:cNvSpPr/>
+      </dsp:nvSpPr>
+      <dsp:spPr>
+        <a:xfrm>
+          <a:off x="1790179" y="2455209"/>
+          <a:ext cx="357633" cy="576684"/>
+        </a:xfrm>
+        <a:custGeom>
+          <a:avLst/>
+          <a:gdLst/>
+          <a:ahLst/>
+          <a:cxnLst/>
+          <a:rect l="0" t="0" r="0" b="0"/>
+          <a:pathLst>
+            <a:path>
+              <a:moveTo>
+                <a:pt x="0" y="0"/>
+              </a:moveTo>
+              <a:lnTo>
+                <a:pt x="178816" y="0"/>
+              </a:lnTo>
+              <a:lnTo>
+                <a:pt x="178816" y="576684"/>
+              </a:lnTo>
+              <a:lnTo>
+                <a:pt x="357633" y="576684"/>
+              </a:lnTo>
+            </a:path>
+          </a:pathLst>
+        </a:custGeom>
+        <a:noFill/>
+        <a:ln w="25400" cap="flat" cmpd="sng" algn="ctr">
+          <a:solidFill>
+            <a:schemeClr val="accent1">
+              <a:shade val="60000"/>
+              <a:hueOff val="0"/>
+              <a:satOff val="0"/>
+              <a:lumOff val="0"/>
+              <a:alphaOff val="0"/>
+            </a:schemeClr>
+          </a:solidFill>
+          <a:prstDash val="solid"/>
+        </a:ln>
+        <a:effectLst/>
+      </dsp:spPr>
+      <dsp:style>
+        <a:lnRef idx="2">
+          <a:scrgbClr r="0" g="0" b="0"/>
+        </a:lnRef>
+        <a:fillRef idx="0">
+          <a:scrgbClr r="0" g="0" b="0"/>
+        </a:fillRef>
+        <a:effectRef idx="0">
+          <a:scrgbClr r="0" g="0" b="0"/>
+        </a:effectRef>
+        <a:fontRef idx="minor"/>
+      </dsp:style>
+    </dsp:sp>
+    <dsp:sp modelId="{14C08DEE-2EED-4581-A4AA-C2F71BB3310E}">
+      <dsp:nvSpPr>
+        <dsp:cNvPr id="0" name=""/>
+        <dsp:cNvSpPr/>
+      </dsp:nvSpPr>
+      <dsp:spPr>
+        <a:xfrm>
+          <a:off x="3935983" y="1063891"/>
+          <a:ext cx="357633" cy="91440"/>
+        </a:xfrm>
+        <a:custGeom>
+          <a:avLst/>
+          <a:gdLst/>
+          <a:ahLst/>
+          <a:cxnLst/>
+          <a:rect l="0" t="0" r="0" b="0"/>
+          <a:pathLst>
+            <a:path>
+              <a:moveTo>
+                <a:pt x="0" y="45720"/>
+              </a:moveTo>
+              <a:lnTo>
+                <a:pt x="357633" y="45720"/>
+              </a:lnTo>
+            </a:path>
+          </a:pathLst>
+        </a:custGeom>
+        <a:noFill/>
+        <a:ln w="25400" cap="flat" cmpd="sng" algn="ctr">
+          <a:solidFill>
+            <a:schemeClr val="accent1">
+              <a:shade val="80000"/>
+              <a:hueOff val="0"/>
+              <a:satOff val="0"/>
+              <a:lumOff val="0"/>
+              <a:alphaOff val="0"/>
+            </a:schemeClr>
+          </a:solidFill>
+          <a:prstDash val="solid"/>
+        </a:ln>
+        <a:effectLst/>
+      </dsp:spPr>
+      <dsp:style>
+        <a:lnRef idx="2">
+          <a:scrgbClr r="0" g="0" b="0"/>
+        </a:lnRef>
+        <a:fillRef idx="0">
+          <a:scrgbClr r="0" g="0" b="0"/>
+        </a:fillRef>
+        <a:effectRef idx="0">
+          <a:scrgbClr r="0" g="0" b="0"/>
+        </a:effectRef>
+        <a:fontRef idx="minor"/>
+      </dsp:style>
+    </dsp:sp>
+    <dsp:sp modelId="{B5C51E15-3B89-4A86-AE1E-87B746F3AB0E}">
+      <dsp:nvSpPr>
+        <dsp:cNvPr id="0" name=""/>
+        <dsp:cNvSpPr/>
+      </dsp:nvSpPr>
+      <dsp:spPr>
+        <a:xfrm>
+          <a:off x="1790179" y="1109611"/>
+          <a:ext cx="357633" cy="1345597"/>
+        </a:xfrm>
+        <a:custGeom>
+          <a:avLst/>
+          <a:gdLst/>
+          <a:ahLst/>
+          <a:cxnLst/>
+          <a:rect l="0" t="0" r="0" b="0"/>
+          <a:pathLst>
+            <a:path>
+              <a:moveTo>
+                <a:pt x="0" y="1345597"/>
+              </a:moveTo>
+              <a:lnTo>
+                <a:pt x="178816" y="1345597"/>
+              </a:lnTo>
+              <a:lnTo>
+                <a:pt x="178816" y="0"/>
+              </a:lnTo>
+              <a:lnTo>
+                <a:pt x="357633" y="0"/>
+              </a:lnTo>
+            </a:path>
+          </a:pathLst>
+        </a:custGeom>
+        <a:noFill/>
+        <a:ln w="25400" cap="flat" cmpd="sng" algn="ctr">
+          <a:solidFill>
+            <a:schemeClr val="accent1">
+              <a:shade val="60000"/>
+              <a:hueOff val="0"/>
+              <a:satOff val="0"/>
+              <a:lumOff val="0"/>
+              <a:alphaOff val="0"/>
+            </a:schemeClr>
+          </a:solidFill>
+          <a:prstDash val="solid"/>
+        </a:ln>
+        <a:effectLst/>
+      </dsp:spPr>
+      <dsp:style>
+        <a:lnRef idx="2">
+          <a:scrgbClr r="0" g="0" b="0"/>
+        </a:lnRef>
+        <a:fillRef idx="0">
+          <a:scrgbClr r="0" g="0" b="0"/>
+        </a:fillRef>
+        <a:effectRef idx="0">
+          <a:scrgbClr r="0" g="0" b="0"/>
+        </a:effectRef>
+        <a:fontRef idx="minor"/>
+      </dsp:style>
+    </dsp:sp>
+    <dsp:sp modelId="{032D2D50-2AB1-46D7-B193-C26FCFBB4A6A}">
+      <dsp:nvSpPr>
+        <dsp:cNvPr id="0" name=""/>
+        <dsp:cNvSpPr/>
+      </dsp:nvSpPr>
+      <dsp:spPr>
+        <a:xfrm>
+          <a:off x="2009" y="2182513"/>
+          <a:ext cx="1788169" cy="545391"/>
+        </a:xfrm>
+        <a:prstGeom prst="rect">
+          <a:avLst/>
+        </a:prstGeom>
+        <a:solidFill>
+          <a:schemeClr val="accent1">
+            <a:hueOff val="0"/>
+            <a:satOff val="0"/>
+            <a:lumOff val="0"/>
+            <a:alphaOff val="0"/>
+          </a:schemeClr>
+        </a:solidFill>
+        <a:ln w="25400" cap="flat" cmpd="sng" algn="ctr">
+          <a:solidFill>
+            <a:schemeClr val="lt1">
+              <a:hueOff val="0"/>
+              <a:satOff val="0"/>
+              <a:lumOff val="0"/>
+              <a:alphaOff val="0"/>
+            </a:schemeClr>
+          </a:solidFill>
+          <a:prstDash val="solid"/>
+        </a:ln>
+        <a:effectLst/>
+      </dsp:spPr>
+      <dsp:style>
+        <a:lnRef idx="2">
+          <a:scrgbClr r="0" g="0" b="0"/>
+        </a:lnRef>
+        <a:fillRef idx="1">
+          <a:scrgbClr r="0" g="0" b="0"/>
+        </a:fillRef>
+        <a:effectRef idx="0">
+          <a:scrgbClr r="0" g="0" b="0"/>
+        </a:effectRef>
+        <a:fontRef idx="minor">
+          <a:schemeClr val="lt1"/>
+        </a:fontRef>
+      </dsp:style>
+      <dsp:txBody>
+        <a:bodyPr spcFirstLastPara="0" vert="horz" wrap="square" lIns="8890" tIns="8890" rIns="8890" bIns="8890" numCol="1" spcCol="1270" anchor="ctr" anchorCtr="0">
+          <a:noAutofit/>
+        </a:bodyPr>
+        <a:lstStyle/>
+        <a:p>
+          <a:pPr lvl="0" algn="ctr" defTabSz="622300" latinLnBrk="1">
+            <a:lnSpc>
+              <a:spcPct val="90000"/>
+            </a:lnSpc>
+            <a:spcBef>
+              <a:spcPct val="0"/>
+            </a:spcBef>
+            <a:spcAft>
+              <a:spcPct val="35000"/>
+            </a:spcAft>
+          </a:pPr>
+          <a:r>
+            <a:rPr lang="ko-KR" altLang="en-US" sz="1400" kern="1200" dirty="0" smtClean="0"/>
+            <a:t>시작화면</a:t>
+          </a:r>
+          <a:endParaRPr lang="ko-KR" altLang="en-US" sz="1400" kern="1200" dirty="0"/>
+        </a:p>
+      </dsp:txBody>
+      <dsp:txXfrm>
+        <a:off x="2009" y="2182513"/>
+        <a:ext cx="1788169" cy="545391"/>
+      </dsp:txXfrm>
+    </dsp:sp>
+    <dsp:sp modelId="{FA4AE8CF-329A-4023-A175-EE37CDAA6A4A}">
+      <dsp:nvSpPr>
+        <dsp:cNvPr id="0" name=""/>
+        <dsp:cNvSpPr/>
+      </dsp:nvSpPr>
+      <dsp:spPr>
+        <a:xfrm>
+          <a:off x="2147813" y="836915"/>
+          <a:ext cx="1788169" cy="545391"/>
+        </a:xfrm>
+        <a:prstGeom prst="rect">
+          <a:avLst/>
+        </a:prstGeom>
+        <a:solidFill>
+          <a:schemeClr val="accent1">
+            <a:hueOff val="0"/>
+            <a:satOff val="0"/>
+            <a:lumOff val="0"/>
+            <a:alphaOff val="0"/>
+          </a:schemeClr>
+        </a:solidFill>
+        <a:ln w="25400" cap="flat" cmpd="sng" algn="ctr">
+          <a:solidFill>
+            <a:schemeClr val="lt1">
+              <a:hueOff val="0"/>
+              <a:satOff val="0"/>
+              <a:lumOff val="0"/>
+              <a:alphaOff val="0"/>
+            </a:schemeClr>
+          </a:solidFill>
+          <a:prstDash val="solid"/>
+        </a:ln>
+        <a:effectLst/>
+      </dsp:spPr>
+      <dsp:style>
+        <a:lnRef idx="2">
+          <a:scrgbClr r="0" g="0" b="0"/>
+        </a:lnRef>
+        <a:fillRef idx="1">
+          <a:scrgbClr r="0" g="0" b="0"/>
+        </a:fillRef>
+        <a:effectRef idx="0">
+          <a:scrgbClr r="0" g="0" b="0"/>
+        </a:effectRef>
+        <a:fontRef idx="minor">
+          <a:schemeClr val="lt1"/>
+        </a:fontRef>
+      </dsp:style>
+      <dsp:txBody>
+        <a:bodyPr spcFirstLastPara="0" vert="horz" wrap="square" lIns="8890" tIns="8890" rIns="8890" bIns="8890" numCol="1" spcCol="1270" anchor="ctr" anchorCtr="0">
+          <a:noAutofit/>
+        </a:bodyPr>
+        <a:lstStyle/>
+        <a:p>
+          <a:pPr lvl="0" algn="ctr" defTabSz="622300" latinLnBrk="1">
+            <a:lnSpc>
+              <a:spcPct val="90000"/>
+            </a:lnSpc>
+            <a:spcBef>
+              <a:spcPct val="0"/>
+            </a:spcBef>
+            <a:spcAft>
+              <a:spcPct val="35000"/>
+            </a:spcAft>
+          </a:pPr>
+          <a:r>
+            <a:rPr lang="ko-KR" altLang="en-US" sz="1400" kern="1200" dirty="0" smtClean="0"/>
+            <a:t>이용약관</a:t>
+          </a:r>
+          <a:endParaRPr lang="ko-KR" altLang="en-US" sz="1400" kern="1200" dirty="0"/>
+        </a:p>
+      </dsp:txBody>
+      <dsp:txXfrm>
+        <a:off x="2147813" y="836915"/>
+        <a:ext cx="1788169" cy="545391"/>
+      </dsp:txXfrm>
+    </dsp:sp>
+    <dsp:sp modelId="{A41C8465-841E-43DB-A108-E652C9E49C23}">
+      <dsp:nvSpPr>
+        <dsp:cNvPr id="0" name=""/>
+        <dsp:cNvSpPr/>
+      </dsp:nvSpPr>
+      <dsp:spPr>
+        <a:xfrm>
+          <a:off x="4293616" y="836915"/>
+          <a:ext cx="1788169" cy="545391"/>
+        </a:xfrm>
+        <a:prstGeom prst="rect">
+          <a:avLst/>
+        </a:prstGeom>
+        <a:solidFill>
+          <a:schemeClr val="accent1">
+            <a:hueOff val="0"/>
+            <a:satOff val="0"/>
+            <a:lumOff val="0"/>
+            <a:alphaOff val="0"/>
+          </a:schemeClr>
+        </a:solidFill>
+        <a:ln w="25400" cap="flat" cmpd="sng" algn="ctr">
+          <a:solidFill>
+            <a:schemeClr val="lt1">
+              <a:hueOff val="0"/>
+              <a:satOff val="0"/>
+              <a:lumOff val="0"/>
+              <a:alphaOff val="0"/>
+            </a:schemeClr>
+          </a:solidFill>
+          <a:prstDash val="solid"/>
+        </a:ln>
+        <a:effectLst/>
+      </dsp:spPr>
+      <dsp:style>
+        <a:lnRef idx="2">
+          <a:scrgbClr r="0" g="0" b="0"/>
+        </a:lnRef>
+        <a:fillRef idx="1">
+          <a:scrgbClr r="0" g="0" b="0"/>
+        </a:fillRef>
+        <a:effectRef idx="0">
+          <a:scrgbClr r="0" g="0" b="0"/>
+        </a:effectRef>
+        <a:fontRef idx="minor">
+          <a:schemeClr val="lt1"/>
+        </a:fontRef>
+      </dsp:style>
+      <dsp:txBody>
+        <a:bodyPr spcFirstLastPara="0" vert="horz" wrap="square" lIns="8890" tIns="8890" rIns="8890" bIns="8890" numCol="1" spcCol="1270" anchor="ctr" anchorCtr="0">
+          <a:noAutofit/>
+        </a:bodyPr>
+        <a:lstStyle/>
+        <a:p>
+          <a:pPr lvl="0" algn="ctr" defTabSz="622300" latinLnBrk="1">
+            <a:lnSpc>
+              <a:spcPct val="90000"/>
+            </a:lnSpc>
+            <a:spcBef>
+              <a:spcPct val="0"/>
+            </a:spcBef>
+            <a:spcAft>
+              <a:spcPct val="35000"/>
+            </a:spcAft>
+          </a:pPr>
+          <a:r>
+            <a:rPr lang="ko-KR" altLang="en-US" sz="1400" kern="1200" dirty="0" smtClean="0"/>
+            <a:t>등록화면</a:t>
+          </a:r>
+          <a:endParaRPr lang="ko-KR" altLang="en-US" sz="1400" kern="1200" dirty="0"/>
+        </a:p>
+      </dsp:txBody>
+      <dsp:txXfrm>
+        <a:off x="4293616" y="836915"/>
+        <a:ext cx="1788169" cy="545391"/>
+      </dsp:txXfrm>
+    </dsp:sp>
+    <dsp:sp modelId="{A6893EF6-CDCE-4580-9D0E-FE944FC4A460}">
+      <dsp:nvSpPr>
+        <dsp:cNvPr id="0" name=""/>
+        <dsp:cNvSpPr/>
+      </dsp:nvSpPr>
+      <dsp:spPr>
+        <a:xfrm>
+          <a:off x="2147813" y="2759198"/>
+          <a:ext cx="1788169" cy="545391"/>
+        </a:xfrm>
+        <a:prstGeom prst="rect">
+          <a:avLst/>
+        </a:prstGeom>
+        <a:solidFill>
+          <a:schemeClr val="accent1">
+            <a:hueOff val="0"/>
+            <a:satOff val="0"/>
+            <a:lumOff val="0"/>
+            <a:alphaOff val="0"/>
+          </a:schemeClr>
+        </a:solidFill>
+        <a:ln w="25400" cap="flat" cmpd="sng" algn="ctr">
+          <a:solidFill>
+            <a:schemeClr val="lt1">
+              <a:hueOff val="0"/>
+              <a:satOff val="0"/>
+              <a:lumOff val="0"/>
+              <a:alphaOff val="0"/>
+            </a:schemeClr>
+          </a:solidFill>
+          <a:prstDash val="solid"/>
+        </a:ln>
+        <a:effectLst/>
+      </dsp:spPr>
+      <dsp:style>
+        <a:lnRef idx="2">
+          <a:scrgbClr r="0" g="0" b="0"/>
+        </a:lnRef>
+        <a:fillRef idx="1">
+          <a:scrgbClr r="0" g="0" b="0"/>
+        </a:fillRef>
+        <a:effectRef idx="0">
+          <a:scrgbClr r="0" g="0" b="0"/>
+        </a:effectRef>
+        <a:fontRef idx="minor">
+          <a:schemeClr val="lt1"/>
+        </a:fontRef>
+      </dsp:style>
+      <dsp:txBody>
+        <a:bodyPr spcFirstLastPara="0" vert="horz" wrap="square" lIns="8890" tIns="8890" rIns="8890" bIns="8890" numCol="1" spcCol="1270" anchor="ctr" anchorCtr="0">
+          <a:noAutofit/>
+        </a:bodyPr>
+        <a:lstStyle/>
+        <a:p>
+          <a:pPr lvl="0" algn="ctr" defTabSz="622300" latinLnBrk="1">
+            <a:lnSpc>
+              <a:spcPct val="90000"/>
+            </a:lnSpc>
+            <a:spcBef>
+              <a:spcPct val="0"/>
+            </a:spcBef>
+            <a:spcAft>
+              <a:spcPct val="35000"/>
+            </a:spcAft>
+          </a:pPr>
+          <a:r>
+            <a:rPr lang="ko-KR" altLang="en-US" sz="1400" kern="1200" dirty="0" smtClean="0"/>
+            <a:t>글 목록</a:t>
+          </a:r>
+          <a:endParaRPr lang="ko-KR" altLang="en-US" sz="1400" kern="1200" dirty="0"/>
+        </a:p>
+      </dsp:txBody>
+      <dsp:txXfrm>
+        <a:off x="2147813" y="2759198"/>
+        <a:ext cx="1788169" cy="545391"/>
+      </dsp:txXfrm>
+    </dsp:sp>
+    <dsp:sp modelId="{450C11FB-6F72-42F4-A3CD-E524A909CD75}">
+      <dsp:nvSpPr>
+        <dsp:cNvPr id="0" name=""/>
+        <dsp:cNvSpPr/>
+      </dsp:nvSpPr>
+      <dsp:spPr>
+        <a:xfrm>
+          <a:off x="4293616" y="1605829"/>
+          <a:ext cx="1788169" cy="545391"/>
+        </a:xfrm>
+        <a:prstGeom prst="rect">
+          <a:avLst/>
+        </a:prstGeom>
+        <a:solidFill>
+          <a:schemeClr val="accent1">
+            <a:hueOff val="0"/>
+            <a:satOff val="0"/>
+            <a:lumOff val="0"/>
+            <a:alphaOff val="0"/>
+          </a:schemeClr>
+        </a:solidFill>
+        <a:ln w="25400" cap="flat" cmpd="sng" algn="ctr">
+          <a:solidFill>
+            <a:schemeClr val="lt1">
+              <a:hueOff val="0"/>
+              <a:satOff val="0"/>
+              <a:lumOff val="0"/>
+              <a:alphaOff val="0"/>
+            </a:schemeClr>
+          </a:solidFill>
+          <a:prstDash val="solid"/>
+        </a:ln>
+        <a:effectLst/>
+      </dsp:spPr>
+      <dsp:style>
+        <a:lnRef idx="2">
+          <a:scrgbClr r="0" g="0" b="0"/>
+        </a:lnRef>
+        <a:fillRef idx="1">
+          <a:scrgbClr r="0" g="0" b="0"/>
+        </a:fillRef>
+        <a:effectRef idx="0">
+          <a:scrgbClr r="0" g="0" b="0"/>
+        </a:effectRef>
+        <a:fontRef idx="minor">
+          <a:schemeClr val="lt1"/>
+        </a:fontRef>
+      </dsp:style>
+      <dsp:txBody>
+        <a:bodyPr spcFirstLastPara="0" vert="horz" wrap="square" lIns="8890" tIns="8890" rIns="8890" bIns="8890" numCol="1" spcCol="1270" anchor="ctr" anchorCtr="0">
+          <a:noAutofit/>
+        </a:bodyPr>
+        <a:lstStyle/>
+        <a:p>
+          <a:pPr lvl="0" algn="ctr" defTabSz="622300" latinLnBrk="1">
+            <a:lnSpc>
+              <a:spcPct val="90000"/>
+            </a:lnSpc>
+            <a:spcBef>
+              <a:spcPct val="0"/>
+            </a:spcBef>
+            <a:spcAft>
+              <a:spcPct val="35000"/>
+            </a:spcAft>
+          </a:pPr>
+          <a:r>
+            <a:rPr lang="ko-KR" altLang="en-US" sz="1400" kern="1200" dirty="0" smtClean="0"/>
+            <a:t>내 정보</a:t>
+          </a:r>
+          <a:endParaRPr lang="ko-KR" altLang="en-US" sz="1400" kern="1200" dirty="0"/>
+        </a:p>
+      </dsp:txBody>
+      <dsp:txXfrm>
+        <a:off x="4293616" y="1605829"/>
+        <a:ext cx="1788169" cy="545391"/>
+      </dsp:txXfrm>
+    </dsp:sp>
+    <dsp:sp modelId="{8F77B3E5-83CE-438C-B228-B479FBFBBECF}">
+      <dsp:nvSpPr>
+        <dsp:cNvPr id="0" name=""/>
+        <dsp:cNvSpPr/>
+      </dsp:nvSpPr>
+      <dsp:spPr>
+        <a:xfrm>
+          <a:off x="6439420" y="68002"/>
+          <a:ext cx="1788169" cy="545391"/>
+        </a:xfrm>
+        <a:prstGeom prst="rect">
+          <a:avLst/>
+        </a:prstGeom>
+        <a:solidFill>
+          <a:schemeClr val="accent1">
+            <a:hueOff val="0"/>
+            <a:satOff val="0"/>
+            <a:lumOff val="0"/>
+            <a:alphaOff val="0"/>
+          </a:schemeClr>
+        </a:solidFill>
+        <a:ln w="25400" cap="flat" cmpd="sng" algn="ctr">
+          <a:solidFill>
+            <a:schemeClr val="lt1">
+              <a:hueOff val="0"/>
+              <a:satOff val="0"/>
+              <a:lumOff val="0"/>
+              <a:alphaOff val="0"/>
+            </a:schemeClr>
+          </a:solidFill>
+          <a:prstDash val="solid"/>
+        </a:ln>
+        <a:effectLst/>
+      </dsp:spPr>
+      <dsp:style>
+        <a:lnRef idx="2">
+          <a:scrgbClr r="0" g="0" b="0"/>
+        </a:lnRef>
+        <a:fillRef idx="1">
+          <a:scrgbClr r="0" g="0" b="0"/>
+        </a:fillRef>
+        <a:effectRef idx="0">
+          <a:scrgbClr r="0" g="0" b="0"/>
+        </a:effectRef>
+        <a:fontRef idx="minor">
+          <a:schemeClr val="lt1"/>
+        </a:fontRef>
+      </dsp:style>
+      <dsp:txBody>
+        <a:bodyPr spcFirstLastPara="0" vert="horz" wrap="square" lIns="8890" tIns="8890" rIns="8890" bIns="8890" numCol="1" spcCol="1270" anchor="ctr" anchorCtr="0">
+          <a:noAutofit/>
+        </a:bodyPr>
+        <a:lstStyle/>
+        <a:p>
+          <a:pPr lvl="0" algn="ctr" defTabSz="622300" latinLnBrk="1">
+            <a:lnSpc>
+              <a:spcPct val="90000"/>
+            </a:lnSpc>
+            <a:spcBef>
+              <a:spcPct val="0"/>
+            </a:spcBef>
+            <a:spcAft>
+              <a:spcPct val="35000"/>
+            </a:spcAft>
+          </a:pPr>
+          <a:r>
+            <a:rPr lang="ko-KR" altLang="en-US" sz="1400" kern="1200" dirty="0" smtClean="0"/>
+            <a:t>개인정보수정</a:t>
+          </a:r>
+          <a:endParaRPr lang="ko-KR" altLang="en-US" sz="1400" kern="1200" dirty="0"/>
+        </a:p>
+      </dsp:txBody>
+      <dsp:txXfrm>
+        <a:off x="6439420" y="68002"/>
+        <a:ext cx="1788169" cy="545391"/>
+      </dsp:txXfrm>
+    </dsp:sp>
+    <dsp:sp modelId="{FFDCA1A3-565C-455E-A63E-18E11229A068}">
+      <dsp:nvSpPr>
+        <dsp:cNvPr id="0" name=""/>
+        <dsp:cNvSpPr/>
+      </dsp:nvSpPr>
+      <dsp:spPr>
+        <a:xfrm>
+          <a:off x="6439420" y="836915"/>
+          <a:ext cx="1788169" cy="545391"/>
+        </a:xfrm>
+        <a:prstGeom prst="rect">
+          <a:avLst/>
+        </a:prstGeom>
+        <a:solidFill>
+          <a:schemeClr val="accent1">
+            <a:hueOff val="0"/>
+            <a:satOff val="0"/>
+            <a:lumOff val="0"/>
+            <a:alphaOff val="0"/>
+          </a:schemeClr>
+        </a:solidFill>
+        <a:ln w="25400" cap="flat" cmpd="sng" algn="ctr">
+          <a:solidFill>
+            <a:schemeClr val="lt1">
+              <a:hueOff val="0"/>
+              <a:satOff val="0"/>
+              <a:lumOff val="0"/>
+              <a:alphaOff val="0"/>
+            </a:schemeClr>
+          </a:solidFill>
+          <a:prstDash val="solid"/>
+        </a:ln>
+        <a:effectLst/>
+      </dsp:spPr>
+      <dsp:style>
+        <a:lnRef idx="2">
+          <a:scrgbClr r="0" g="0" b="0"/>
+        </a:lnRef>
+        <a:fillRef idx="1">
+          <a:scrgbClr r="0" g="0" b="0"/>
+        </a:fillRef>
+        <a:effectRef idx="0">
+          <a:scrgbClr r="0" g="0" b="0"/>
+        </a:effectRef>
+        <a:fontRef idx="minor">
+          <a:schemeClr val="lt1"/>
+        </a:fontRef>
+      </dsp:style>
+      <dsp:txBody>
+        <a:bodyPr spcFirstLastPara="0" vert="horz" wrap="square" lIns="8890" tIns="8890" rIns="8890" bIns="8890" numCol="1" spcCol="1270" anchor="ctr" anchorCtr="0">
+          <a:noAutofit/>
+        </a:bodyPr>
+        <a:lstStyle/>
+        <a:p>
+          <a:pPr lvl="0" algn="ctr" defTabSz="622300" latinLnBrk="1">
+            <a:lnSpc>
+              <a:spcPct val="90000"/>
+            </a:lnSpc>
+            <a:spcBef>
+              <a:spcPct val="0"/>
+            </a:spcBef>
+            <a:spcAft>
+              <a:spcPct val="35000"/>
+            </a:spcAft>
+          </a:pPr>
+          <a:r>
+            <a:rPr lang="ko-KR" altLang="en-US" sz="1400" kern="1200" dirty="0" smtClean="0"/>
+            <a:t>내가 쓴 글</a:t>
+          </a:r>
+          <a:endParaRPr lang="ko-KR" altLang="en-US" sz="1400" kern="1200" dirty="0"/>
+        </a:p>
+      </dsp:txBody>
+      <dsp:txXfrm>
+        <a:off x="6439420" y="836915"/>
+        <a:ext cx="1788169" cy="545391"/>
+      </dsp:txXfrm>
+    </dsp:sp>
+    <dsp:sp modelId="{343F3E29-67A9-4FD8-BE26-D780288DD701}">
+      <dsp:nvSpPr>
+        <dsp:cNvPr id="0" name=""/>
+        <dsp:cNvSpPr/>
+      </dsp:nvSpPr>
+      <dsp:spPr>
+        <a:xfrm>
+          <a:off x="6439420" y="1605829"/>
+          <a:ext cx="1788169" cy="545391"/>
+        </a:xfrm>
+        <a:prstGeom prst="rect">
+          <a:avLst/>
+        </a:prstGeom>
+        <a:solidFill>
+          <a:schemeClr val="accent1">
+            <a:hueOff val="0"/>
+            <a:satOff val="0"/>
+            <a:lumOff val="0"/>
+            <a:alphaOff val="0"/>
+          </a:schemeClr>
+        </a:solidFill>
+        <a:ln w="25400" cap="flat" cmpd="sng" algn="ctr">
+          <a:solidFill>
+            <a:schemeClr val="lt1">
+              <a:hueOff val="0"/>
+              <a:satOff val="0"/>
+              <a:lumOff val="0"/>
+              <a:alphaOff val="0"/>
+            </a:schemeClr>
+          </a:solidFill>
+          <a:prstDash val="solid"/>
+        </a:ln>
+        <a:effectLst/>
+      </dsp:spPr>
+      <dsp:style>
+        <a:lnRef idx="2">
+          <a:scrgbClr r="0" g="0" b="0"/>
+        </a:lnRef>
+        <a:fillRef idx="1">
+          <a:scrgbClr r="0" g="0" b="0"/>
+        </a:fillRef>
+        <a:effectRef idx="0">
+          <a:scrgbClr r="0" g="0" b="0"/>
+        </a:effectRef>
+        <a:fontRef idx="minor">
+          <a:schemeClr val="lt1"/>
+        </a:fontRef>
+      </dsp:style>
+      <dsp:txBody>
+        <a:bodyPr spcFirstLastPara="0" vert="horz" wrap="square" lIns="8890" tIns="8890" rIns="8890" bIns="8890" numCol="1" spcCol="1270" anchor="ctr" anchorCtr="0">
+          <a:noAutofit/>
+        </a:bodyPr>
+        <a:lstStyle/>
+        <a:p>
+          <a:pPr lvl="0" algn="ctr" defTabSz="622300" latinLnBrk="1">
+            <a:lnSpc>
+              <a:spcPct val="90000"/>
+            </a:lnSpc>
+            <a:spcBef>
+              <a:spcPct val="0"/>
+            </a:spcBef>
+            <a:spcAft>
+              <a:spcPct val="35000"/>
+            </a:spcAft>
+          </a:pPr>
+          <a:r>
+            <a:rPr lang="ko-KR" altLang="en-US" sz="1400" kern="1200" dirty="0" smtClean="0"/>
+            <a:t>찐 한 항목</a:t>
+          </a:r>
+          <a:endParaRPr lang="ko-KR" altLang="en-US" sz="1400" kern="1200" dirty="0"/>
+        </a:p>
+      </dsp:txBody>
+      <dsp:txXfrm>
+        <a:off x="6439420" y="1605829"/>
+        <a:ext cx="1788169" cy="545391"/>
+      </dsp:txXfrm>
+    </dsp:sp>
+    <dsp:sp modelId="{E8CA6E66-F054-4642-A20E-46888092983B}">
+      <dsp:nvSpPr>
+        <dsp:cNvPr id="0" name=""/>
+        <dsp:cNvSpPr/>
+      </dsp:nvSpPr>
+      <dsp:spPr>
+        <a:xfrm>
+          <a:off x="6439420" y="2374742"/>
+          <a:ext cx="1788169" cy="545391"/>
+        </a:xfrm>
+        <a:prstGeom prst="rect">
+          <a:avLst/>
+        </a:prstGeom>
+        <a:solidFill>
+          <a:schemeClr val="accent1">
+            <a:hueOff val="0"/>
+            <a:satOff val="0"/>
+            <a:lumOff val="0"/>
+            <a:alphaOff val="0"/>
+          </a:schemeClr>
+        </a:solidFill>
+        <a:ln w="25400" cap="flat" cmpd="sng" algn="ctr">
+          <a:solidFill>
+            <a:schemeClr val="lt1">
+              <a:hueOff val="0"/>
+              <a:satOff val="0"/>
+              <a:lumOff val="0"/>
+              <a:alphaOff val="0"/>
+            </a:schemeClr>
+          </a:solidFill>
+          <a:prstDash val="solid"/>
+        </a:ln>
+        <a:effectLst/>
+      </dsp:spPr>
+      <dsp:style>
+        <a:lnRef idx="2">
+          <a:scrgbClr r="0" g="0" b="0"/>
+        </a:lnRef>
+        <a:fillRef idx="1">
+          <a:scrgbClr r="0" g="0" b="0"/>
+        </a:fillRef>
+        <a:effectRef idx="0">
+          <a:scrgbClr r="0" g="0" b="0"/>
+        </a:effectRef>
+        <a:fontRef idx="minor">
+          <a:schemeClr val="lt1"/>
+        </a:fontRef>
+      </dsp:style>
+      <dsp:txBody>
+        <a:bodyPr spcFirstLastPara="0" vert="horz" wrap="square" lIns="8890" tIns="8890" rIns="8890" bIns="8890" numCol="1" spcCol="1270" anchor="ctr" anchorCtr="0">
+          <a:noAutofit/>
+        </a:bodyPr>
+        <a:lstStyle/>
+        <a:p>
+          <a:pPr lvl="0" algn="ctr" defTabSz="622300" latinLnBrk="1">
+            <a:lnSpc>
+              <a:spcPct val="90000"/>
+            </a:lnSpc>
+            <a:spcBef>
+              <a:spcPct val="0"/>
+            </a:spcBef>
+            <a:spcAft>
+              <a:spcPct val="35000"/>
+            </a:spcAft>
+          </a:pPr>
+          <a:r>
+            <a:rPr lang="ko-KR" altLang="en-US" sz="1400" kern="1200" dirty="0" smtClean="0"/>
+            <a:t>구매내역</a:t>
+          </a:r>
+          <a:endParaRPr lang="ko-KR" altLang="en-US" sz="1400" kern="1200" dirty="0"/>
+        </a:p>
+      </dsp:txBody>
+      <dsp:txXfrm>
+        <a:off x="6439420" y="2374742"/>
+        <a:ext cx="1788169" cy="545391"/>
+      </dsp:txXfrm>
+    </dsp:sp>
+    <dsp:sp modelId="{EDC2BFE0-F10A-42CE-9A2E-1C1634586584}">
+      <dsp:nvSpPr>
+        <dsp:cNvPr id="0" name=""/>
+        <dsp:cNvSpPr/>
+      </dsp:nvSpPr>
+      <dsp:spPr>
+        <a:xfrm>
+          <a:off x="6439420" y="3143655"/>
+          <a:ext cx="1788169" cy="545391"/>
+        </a:xfrm>
+        <a:prstGeom prst="rect">
+          <a:avLst/>
+        </a:prstGeom>
+        <a:solidFill>
+          <a:schemeClr val="accent1">
+            <a:hueOff val="0"/>
+            <a:satOff val="0"/>
+            <a:lumOff val="0"/>
+            <a:alphaOff val="0"/>
+          </a:schemeClr>
+        </a:solidFill>
+        <a:ln w="25400" cap="flat" cmpd="sng" algn="ctr">
+          <a:solidFill>
+            <a:schemeClr val="lt1">
+              <a:hueOff val="0"/>
+              <a:satOff val="0"/>
+              <a:lumOff val="0"/>
+              <a:alphaOff val="0"/>
+            </a:schemeClr>
+          </a:solidFill>
+          <a:prstDash val="solid"/>
+        </a:ln>
+        <a:effectLst/>
+      </dsp:spPr>
+      <dsp:style>
+        <a:lnRef idx="2">
+          <a:scrgbClr r="0" g="0" b="0"/>
+        </a:lnRef>
+        <a:fillRef idx="1">
+          <a:scrgbClr r="0" g="0" b="0"/>
+        </a:fillRef>
+        <a:effectRef idx="0">
+          <a:scrgbClr r="0" g="0" b="0"/>
+        </a:effectRef>
+        <a:fontRef idx="minor">
+          <a:schemeClr val="lt1"/>
+        </a:fontRef>
+      </dsp:style>
+      <dsp:txBody>
+        <a:bodyPr spcFirstLastPara="0" vert="horz" wrap="square" lIns="8890" tIns="8890" rIns="8890" bIns="8890" numCol="1" spcCol="1270" anchor="ctr" anchorCtr="0">
+          <a:noAutofit/>
+        </a:bodyPr>
+        <a:lstStyle/>
+        <a:p>
+          <a:pPr lvl="0" algn="ctr" defTabSz="622300" latinLnBrk="1">
+            <a:lnSpc>
+              <a:spcPct val="90000"/>
+            </a:lnSpc>
+            <a:spcBef>
+              <a:spcPct val="0"/>
+            </a:spcBef>
+            <a:spcAft>
+              <a:spcPct val="35000"/>
+            </a:spcAft>
+          </a:pPr>
+          <a:r>
+            <a:rPr lang="ko-KR" altLang="en-US" sz="1400" kern="1200" dirty="0" smtClean="0"/>
+            <a:t>개정삭제</a:t>
+          </a:r>
+          <a:endParaRPr lang="ko-KR" altLang="en-US" sz="1400" kern="1200" dirty="0"/>
+        </a:p>
+      </dsp:txBody>
+      <dsp:txXfrm>
+        <a:off x="6439420" y="3143655"/>
+        <a:ext cx="1788169" cy="545391"/>
+      </dsp:txXfrm>
+    </dsp:sp>
+    <dsp:sp modelId="{5B7B0E5F-24D5-4366-9347-B67AF447F77F}">
+      <dsp:nvSpPr>
+        <dsp:cNvPr id="0" name=""/>
+        <dsp:cNvSpPr/>
+      </dsp:nvSpPr>
+      <dsp:spPr>
+        <a:xfrm>
+          <a:off x="4293616" y="2374742"/>
+          <a:ext cx="1788169" cy="545391"/>
+        </a:xfrm>
+        <a:prstGeom prst="rect">
+          <a:avLst/>
+        </a:prstGeom>
+        <a:solidFill>
+          <a:schemeClr val="accent1">
+            <a:hueOff val="0"/>
+            <a:satOff val="0"/>
+            <a:lumOff val="0"/>
+            <a:alphaOff val="0"/>
+          </a:schemeClr>
+        </a:solidFill>
+        <a:ln w="25400" cap="flat" cmpd="sng" algn="ctr">
+          <a:solidFill>
+            <a:schemeClr val="lt1">
+              <a:hueOff val="0"/>
+              <a:satOff val="0"/>
+              <a:lumOff val="0"/>
+              <a:alphaOff val="0"/>
+            </a:schemeClr>
+          </a:solidFill>
+          <a:prstDash val="solid"/>
+        </a:ln>
+        <a:effectLst/>
+      </dsp:spPr>
+      <dsp:style>
+        <a:lnRef idx="2">
+          <a:scrgbClr r="0" g="0" b="0"/>
+        </a:lnRef>
+        <a:fillRef idx="1">
+          <a:scrgbClr r="0" g="0" b="0"/>
+        </a:fillRef>
+        <a:effectRef idx="0">
+          <a:scrgbClr r="0" g="0" b="0"/>
+        </a:effectRef>
+        <a:fontRef idx="minor">
+          <a:schemeClr val="lt1"/>
+        </a:fontRef>
+      </dsp:style>
+      <dsp:txBody>
+        <a:bodyPr spcFirstLastPara="0" vert="horz" wrap="square" lIns="8890" tIns="8890" rIns="8890" bIns="8890" numCol="1" spcCol="1270" anchor="ctr" anchorCtr="0">
+          <a:noAutofit/>
+        </a:bodyPr>
+        <a:lstStyle/>
+        <a:p>
+          <a:pPr lvl="0" algn="ctr" defTabSz="622300" latinLnBrk="1">
+            <a:lnSpc>
+              <a:spcPct val="90000"/>
+            </a:lnSpc>
+            <a:spcBef>
+              <a:spcPct val="0"/>
+            </a:spcBef>
+            <a:spcAft>
+              <a:spcPct val="35000"/>
+            </a:spcAft>
+          </a:pPr>
+          <a:r>
+            <a:rPr lang="ko-KR" altLang="en-US" sz="1400" kern="1200" dirty="0" smtClean="0"/>
+            <a:t>쪽지보기</a:t>
+          </a:r>
+          <a:endParaRPr lang="ko-KR" altLang="en-US" sz="1400" kern="1200" dirty="0"/>
+        </a:p>
+      </dsp:txBody>
+      <dsp:txXfrm>
+        <a:off x="4293616" y="2374742"/>
+        <a:ext cx="1788169" cy="545391"/>
+      </dsp:txXfrm>
+    </dsp:sp>
+    <dsp:sp modelId="{57753F46-6EBE-49C4-B0C8-07E23E612770}">
+      <dsp:nvSpPr>
+        <dsp:cNvPr id="0" name=""/>
+        <dsp:cNvSpPr/>
+      </dsp:nvSpPr>
+      <dsp:spPr>
+        <a:xfrm>
+          <a:off x="4293616" y="3912568"/>
+          <a:ext cx="1788169" cy="545391"/>
+        </a:xfrm>
+        <a:prstGeom prst="rect">
+          <a:avLst/>
+        </a:prstGeom>
+        <a:solidFill>
+          <a:schemeClr val="accent1">
+            <a:hueOff val="0"/>
+            <a:satOff val="0"/>
+            <a:lumOff val="0"/>
+            <a:alphaOff val="0"/>
+          </a:schemeClr>
+        </a:solidFill>
+        <a:ln w="25400" cap="flat" cmpd="sng" algn="ctr">
+          <a:solidFill>
+            <a:schemeClr val="lt1">
+              <a:hueOff val="0"/>
+              <a:satOff val="0"/>
+              <a:lumOff val="0"/>
+              <a:alphaOff val="0"/>
+            </a:schemeClr>
+          </a:solidFill>
+          <a:prstDash val="solid"/>
+        </a:ln>
+        <a:effectLst/>
+      </dsp:spPr>
+      <dsp:style>
+        <a:lnRef idx="2">
+          <a:scrgbClr r="0" g="0" b="0"/>
+        </a:lnRef>
+        <a:fillRef idx="1">
+          <a:scrgbClr r="0" g="0" b="0"/>
+        </a:fillRef>
+        <a:effectRef idx="0">
+          <a:scrgbClr r="0" g="0" b="0"/>
+        </a:effectRef>
+        <a:fontRef idx="minor">
+          <a:schemeClr val="lt1"/>
+        </a:fontRef>
+      </dsp:style>
+      <dsp:txBody>
+        <a:bodyPr spcFirstLastPara="0" vert="horz" wrap="square" lIns="8890" tIns="8890" rIns="8890" bIns="8890" numCol="1" spcCol="1270" anchor="ctr" anchorCtr="0">
+          <a:noAutofit/>
+        </a:bodyPr>
+        <a:lstStyle/>
+        <a:p>
+          <a:pPr lvl="0" algn="ctr" defTabSz="622300" latinLnBrk="1">
+            <a:lnSpc>
+              <a:spcPct val="90000"/>
+            </a:lnSpc>
+            <a:spcBef>
+              <a:spcPct val="0"/>
+            </a:spcBef>
+            <a:spcAft>
+              <a:spcPct val="35000"/>
+            </a:spcAft>
+          </a:pPr>
+          <a:r>
+            <a:rPr lang="ko-KR" altLang="en-US" sz="1400" kern="1200" dirty="0" smtClean="0"/>
+            <a:t>글 목록상세내용</a:t>
+          </a:r>
+          <a:endParaRPr lang="ko-KR" altLang="en-US" sz="1400" kern="1200" dirty="0"/>
+        </a:p>
+      </dsp:txBody>
+      <dsp:txXfrm>
+        <a:off x="4293616" y="3912568"/>
+        <a:ext cx="1788169" cy="545391"/>
+      </dsp:txXfrm>
+    </dsp:sp>
+    <dsp:sp modelId="{C67C5185-B459-4471-AB7B-858E1B4C470F}">
+      <dsp:nvSpPr>
+        <dsp:cNvPr id="0" name=""/>
+        <dsp:cNvSpPr/>
+      </dsp:nvSpPr>
+      <dsp:spPr>
+        <a:xfrm>
+          <a:off x="6439420" y="3912568"/>
+          <a:ext cx="1788169" cy="545391"/>
+        </a:xfrm>
+        <a:prstGeom prst="rect">
+          <a:avLst/>
+        </a:prstGeom>
+        <a:solidFill>
+          <a:schemeClr val="accent1">
+            <a:hueOff val="0"/>
+            <a:satOff val="0"/>
+            <a:lumOff val="0"/>
+            <a:alphaOff val="0"/>
+          </a:schemeClr>
+        </a:solidFill>
+        <a:ln w="25400" cap="flat" cmpd="sng" algn="ctr">
+          <a:solidFill>
+            <a:schemeClr val="lt1">
+              <a:hueOff val="0"/>
+              <a:satOff val="0"/>
+              <a:lumOff val="0"/>
+              <a:alphaOff val="0"/>
+            </a:schemeClr>
+          </a:solidFill>
+          <a:prstDash val="solid"/>
+        </a:ln>
+        <a:effectLst/>
+      </dsp:spPr>
+      <dsp:style>
+        <a:lnRef idx="2">
+          <a:scrgbClr r="0" g="0" b="0"/>
+        </a:lnRef>
+        <a:fillRef idx="1">
+          <a:scrgbClr r="0" g="0" b="0"/>
+        </a:fillRef>
+        <a:effectRef idx="0">
+          <a:scrgbClr r="0" g="0" b="0"/>
+        </a:effectRef>
+        <a:fontRef idx="minor">
+          <a:schemeClr val="lt1"/>
+        </a:fontRef>
+      </dsp:style>
+      <dsp:txBody>
+        <a:bodyPr spcFirstLastPara="0" vert="horz" wrap="square" lIns="8890" tIns="8890" rIns="8890" bIns="8890" numCol="1" spcCol="1270" anchor="ctr" anchorCtr="0">
+          <a:noAutofit/>
+        </a:bodyPr>
+        <a:lstStyle/>
+        <a:p>
+          <a:pPr lvl="0" algn="ctr" defTabSz="622300" latinLnBrk="1">
+            <a:lnSpc>
+              <a:spcPct val="90000"/>
+            </a:lnSpc>
+            <a:spcBef>
+              <a:spcPct val="0"/>
+            </a:spcBef>
+            <a:spcAft>
+              <a:spcPct val="35000"/>
+            </a:spcAft>
+          </a:pPr>
+          <a:r>
+            <a:rPr lang="ko-KR" altLang="en-US" sz="1400" kern="1200" dirty="0" smtClean="0"/>
+            <a:t>쪽지 보내기</a:t>
+          </a:r>
+          <a:endParaRPr lang="ko-KR" altLang="en-US" sz="1400" kern="1200" dirty="0"/>
+        </a:p>
+      </dsp:txBody>
+      <dsp:txXfrm>
+        <a:off x="6439420" y="3912568"/>
+        <a:ext cx="1788169" cy="545391"/>
+      </dsp:txXfrm>
+    </dsp:sp>
+    <dsp:sp modelId="{D9D031FE-861A-4E75-9BBC-C61D4680D569}">
+      <dsp:nvSpPr>
+        <dsp:cNvPr id="0" name=""/>
+        <dsp:cNvSpPr/>
+      </dsp:nvSpPr>
+      <dsp:spPr>
+        <a:xfrm>
+          <a:off x="2147813" y="3528111"/>
+          <a:ext cx="1788169" cy="545391"/>
+        </a:xfrm>
+        <a:prstGeom prst="rect">
+          <a:avLst/>
+        </a:prstGeom>
+        <a:solidFill>
+          <a:schemeClr val="accent1">
+            <a:hueOff val="0"/>
+            <a:satOff val="0"/>
+            <a:lumOff val="0"/>
+            <a:alphaOff val="0"/>
+          </a:schemeClr>
+        </a:solidFill>
+        <a:ln w="25400" cap="flat" cmpd="sng" algn="ctr">
+          <a:solidFill>
+            <a:schemeClr val="lt1">
+              <a:hueOff val="0"/>
+              <a:satOff val="0"/>
+              <a:lumOff val="0"/>
+              <a:alphaOff val="0"/>
+            </a:schemeClr>
+          </a:solidFill>
+          <a:prstDash val="solid"/>
+        </a:ln>
+        <a:effectLst/>
+      </dsp:spPr>
+      <dsp:style>
+        <a:lnRef idx="2">
+          <a:scrgbClr r="0" g="0" b="0"/>
+        </a:lnRef>
+        <a:fillRef idx="1">
+          <a:scrgbClr r="0" g="0" b="0"/>
+        </a:fillRef>
+        <a:effectRef idx="0">
+          <a:scrgbClr r="0" g="0" b="0"/>
+        </a:effectRef>
+        <a:fontRef idx="minor">
+          <a:schemeClr val="lt1"/>
+        </a:fontRef>
+      </dsp:style>
+      <dsp:txBody>
+        <a:bodyPr spcFirstLastPara="0" vert="horz" wrap="square" lIns="8890" tIns="8890" rIns="8890" bIns="8890" numCol="1" spcCol="1270" anchor="ctr" anchorCtr="0">
+          <a:noAutofit/>
+        </a:bodyPr>
+        <a:lstStyle/>
+        <a:p>
+          <a:pPr lvl="0" algn="ctr" defTabSz="622300" latinLnBrk="1">
+            <a:lnSpc>
+              <a:spcPct val="90000"/>
+            </a:lnSpc>
+            <a:spcBef>
+              <a:spcPct val="0"/>
+            </a:spcBef>
+            <a:spcAft>
+              <a:spcPct val="35000"/>
+            </a:spcAft>
+          </a:pPr>
+          <a:r>
+            <a:rPr lang="ko-KR" altLang="en-US" sz="1400" kern="1200" dirty="0" smtClean="0"/>
+            <a:t>아이디</a:t>
+          </a:r>
+          <a:r>
+            <a:rPr lang="en-US" altLang="ko-KR" sz="1400" kern="1200" dirty="0" smtClean="0"/>
+            <a:t>/</a:t>
+          </a:r>
+          <a:r>
+            <a:rPr lang="ko-KR" altLang="en-US" sz="1400" kern="1200" dirty="0" smtClean="0"/>
+            <a:t>비밀번호 찾기</a:t>
+          </a:r>
+          <a:endParaRPr lang="ko-KR" altLang="en-US" sz="1400" kern="1200" dirty="0"/>
+        </a:p>
+      </dsp:txBody>
+      <dsp:txXfrm>
+        <a:off x="2147813" y="3528111"/>
+        <a:ext cx="1788169" cy="545391"/>
+      </dsp:txXfrm>
+    </dsp:sp>
+  </dsp:spTree>
+</dsp:drawing>
+</file>
+
+<file path=ppt/diagrams/layout1.xml><?xml version="1.0" encoding="utf-8"?>
+<dgm:layoutDef xmlns:dgm="http://schemas.openxmlformats.org/drawingml/2006/diagram" xmlns:a="http://schemas.openxmlformats.org/drawingml/2006/main" uniqueId="urn:microsoft.com/office/officeart/2009/3/layout/HorizontalOrganizationChart">
+  <dgm:title val=""/>
+  <dgm:desc val=""/>
+  <dgm:catLst>
+    <dgm:cat type="hierarchy" pri="4300"/>
+  </dgm:catLst>
+  <dgm:sampData>
+    <dgm:dataModel>
+      <dgm:ptLst>
+        <dgm:pt modelId="0" type="doc"/>
+        <dgm:pt modelId="1">
+          <dgm:prSet phldr="1"/>
+        </dgm:pt>
+        <dgm:pt modelId="2" type="asst">
+          <dgm:prSet phldr="1"/>
+        </dgm:pt>
+        <dgm:pt modelId="3">
+          <dgm:prSet phldr="1"/>
+        </dgm:pt>
+        <dgm:pt modelId="4">
+          <dgm:prSet phldr="1"/>
+        </dgm:pt>
+        <dgm:pt modelId="5">
+          <dgm:prSet phldr="1"/>
+        </dgm:pt>
+      </dgm:ptLst>
+      <dgm:cxnLst>
+        <dgm:cxn modelId="5" srcId="0" destId="1" srcOrd="0" destOrd="0"/>
+        <dgm:cxn modelId="6" srcId="1" destId="2" srcOrd="0" destOrd="0"/>
+        <dgm:cxn modelId="7" srcId="1" destId="3" srcOrd="1" destOrd="0"/>
+        <dgm:cxn modelId="8" srcId="1" destId="4" srcOrd="2" destOrd="0"/>
+        <dgm:cxn modelId="9" srcId="1" destId="5" srcOrd="3" destOrd="0"/>
+      </dgm:cxnLst>
+      <dgm:bg/>
+      <dgm:whole/>
+    </dgm:dataModel>
+  </dgm:sampData>
+  <dgm:styleData>
+    <dgm:dataModel>
+      <dgm:ptLst>
+        <dgm:pt modelId="0" type="doc"/>
+        <dgm:pt modelId="1"/>
+        <dgm:pt modelId="12"/>
+        <dgm:pt modelId="13"/>
+      </dgm:ptLst>
+      <dgm:cxnLst>
+        <dgm:cxn modelId="2" srcId="0" destId="1" srcOrd="0" destOrd="0"/>
+        <dgm:cxn modelId="16" srcId="1" destId="12" srcOrd="1" destOrd="0"/>
+        <dgm:cxn modelId="17" srcId="1" destId="13" srcOrd="2" destOrd="0"/>
+      </dgm:cxnLst>
+      <dgm:bg/>
+      <dgm:whole/>
+    </dgm:dataModel>
+  </dgm:styleData>
+  <dgm:clrData>
+    <dgm:dataModel>
+      <dgm:ptLst>
+        <dgm:pt modelId="0" type="doc"/>
+        <dgm:pt modelId="1"/>
+        <dgm:pt modelId="11" type="asst"/>
+        <dgm:pt modelId="12"/>
+        <dgm:pt modelId="13"/>
+        <dgm:pt modelId="14"/>
+      </dgm:ptLst>
+      <dgm:cxnLst>
+        <dgm:cxn modelId="2" srcId="0" destId="1" srcOrd="0" destOrd="0"/>
+        <dgm:cxn modelId="15" srcId="1" destId="11" srcOrd="0" destOrd="0"/>
+        <dgm:cxn modelId="16" srcId="1" destId="12" srcOrd="1" destOrd="0"/>
+        <dgm:cxn modelId="17" srcId="1" destId="13" srcOrd="2" destOrd="0"/>
+        <dgm:cxn modelId="18" srcId="1" destId="14" srcOrd="2" destOrd="0"/>
+      </dgm:cxnLst>
+      <dgm:bg/>
+      <dgm:whole/>
+    </dgm:dataModel>
+  </dgm:clrData>
+  <dgm:layoutNode name="hierChild1">
+    <dgm:varLst>
+      <dgm:orgChart val="1"/>
+      <dgm:chPref val="1"/>
+      <dgm:dir/>
+      <dgm:animOne val="branch"/>
+      <dgm:animLvl val="lvl"/>
+      <dgm:resizeHandles/>
+    </dgm:varLst>
+    <dgm:choose name="Name0">
+      <dgm:if name="Name1" func="var" arg="dir" op="equ" val="norm">
+        <dgm:alg type="hierChild">
+          <dgm:param type="linDir" val="fromT"/>
+          <dgm:param type="chAlign" val="l"/>
+        </dgm:alg>
+      </dgm:if>
+      <dgm:else name="Name2">
+        <dgm:alg type="hierChild">
+          <dgm:param type="linDir" val="fromT"/>
+          <dgm:param type="chAlign" val="r"/>
+        </dgm:alg>
+      </dgm:else>
+    </dgm:choose>
+    <dgm:shape xmlns:r="http://schemas.openxmlformats.org/officeDocument/2006/relationships" r:blip="">
+      <dgm:adjLst/>
+    </dgm:shape>
+    <dgm:presOf/>
+    <dgm:constrLst>
+      <dgm:constr type="w" for="des" forName="rootComposite1" refType="w" fact="10"/>
+      <dgm:constr type="h" for="des" forName="rootComposite1" refType="w" refFor="des" refForName="rootComposite1" fact="0.305"/>
+      <dgm:constr type="w" for="des" forName="rootComposite" refType="w" fact="10"/>
+      <dgm:constr type="h" for="des" forName="rootComposite" refType="w" refFor="des" refForName="rootComposite1" fact="0.305"/>
+      <dgm:constr type="w" for="des" forName="rootComposite3" refType="w" fact="10"/>
+      <dgm:constr type="h" for="des" forName="rootComposite3" refType="w" refFor="des" refForName="rootComposite1" fact="0.305"/>
+      <dgm:constr type="primFontSz" for="des" ptType="node" op="equ"/>
+      <dgm:constr type="sp" for="des" op="equ"/>
+      <dgm:constr type="sp" for="des" forName="hierRoot1" refType="w" refFor="des" refForName="rootComposite1" fact="0.2"/>
+      <dgm:constr type="sp" for="des" forName="hierRoot2" refType="sp" refFor="des" refForName="hierRoot1"/>
+      <dgm:constr type="sp" for="des" forName="hierRoot3" refType="sp" refFor="des" refForName="hierRoot1"/>
+      <dgm:constr type="sibSp" refType="w" refFor="des" refForName="rootComposite1" fact="0.125"/>
+      <dgm:constr type="sibSp" for="des" forName="hierChild2" refType="sibSp"/>
+      <dgm:constr type="sibSp" for="des" forName="hierChild3" refType="sibSp"/>
+      <dgm:constr type="sibSp" for="des" forName="hierChild4" refType="sibSp"/>
+      <dgm:constr type="sibSp" for="des" forName="hierChild5" refType="sibSp"/>
+      <dgm:constr type="sibSp" for="des" forName="hierChild6" refType="sibSp"/>
+      <dgm:constr type="sibSp" for="des" forName="hierChild7" refType="sibSp"/>
+      <dgm:constr type="secSibSp" refType="w" refFor="des" refForName="rootComposite1" fact="0.125"/>
+      <dgm:constr type="secSibSp" for="des" forName="hierChild2" refType="secSibSp"/>
+      <dgm:constr type="secSibSp" for="des" forName="hierChild3" refType="secSibSp"/>
+      <dgm:constr type="secSibSp" for="des" forName="hierChild4" refType="secSibSp"/>
+      <dgm:constr type="secSibSp" for="des" forName="hierChild5" refType="secSibSp"/>
+      <dgm:constr type="secSibSp" for="des" forName="hierChild6" refType="secSibSp"/>
+      <dgm:constr type="secSibSp" for="des" forName="hierChild7" refType="secSibSp"/>
+    </dgm:constrLst>
+    <dgm:ruleLst/>
+    <dgm:forEach name="Name3" axis="ch">
+      <dgm:forEach name="Name4" axis="self" ptType="node">
+        <dgm:layoutNode name="hierRoot1">
+          <dgm:varLst>
+            <dgm:hierBranch val="init"/>
+          </dgm:varLst>
+          <dgm:choose name="Name5">
+            <dgm:if name="Name6" func="var" arg="hierBranch" op="equ" val="l">
+              <dgm:choose name="Name7">
+                <dgm:if name="Name8" func="var" arg="dir" op="equ" val="norm">
+                  <dgm:alg type="hierRoot">
+                    <dgm:param type="hierAlign" val="lT"/>
+                  </dgm:alg>
+                  <dgm:constrLst>
+                    <dgm:constr type="alignOff" val="0.75"/>
+                  </dgm:constrLst>
+                </dgm:if>
+                <dgm:else name="Name9">
+                  <dgm:alg type="hierRoot">
+                    <dgm:param type="hierAlign" val="rT"/>
+                  </dgm:alg>
+                  <dgm:constrLst>
+                    <dgm:constr type="alignOff" val="0.75"/>
+                  </dgm:constrLst>
+                </dgm:else>
+              </dgm:choose>
+            </dgm:if>
+            <dgm:if name="Name10" func="var" arg="hierBranch" op="equ" val="r">
+              <dgm:choose name="Name11">
+                <dgm:if name="Name12" func="var" arg="dir" op="equ" val="norm">
+                  <dgm:alg type="hierRoot">
+                    <dgm:param type="hierAlign" val="lB"/>
+                  </dgm:alg>
+                  <dgm:constrLst>
+                    <dgm:constr type="alignOff" val="0.75"/>
+                  </dgm:constrLst>
+                </dgm:if>
+                <dgm:else name="Name13">
+                  <dgm:alg type="hierRoot">
+                    <dgm:param type="hierAlign" val="rB"/>
+                  </dgm:alg>
+                  <dgm:constrLst>
+                    <dgm:constr type="alignOff" val="0.75"/>
+                  </dgm:constrLst>
+                </dgm:else>
+              </dgm:choose>
+            </dgm:if>
+            <dgm:if name="Name14" func="var" arg="hierBranch" op="equ" val="hang">
+              <dgm:choose name="Name15">
+                <dgm:if name="Name16" func="var" arg="dir" op="equ" val="norm">
+                  <dgm:alg type="hierRoot">
+                    <dgm:param type="hierAlign" val="lCtrCh"/>
+                  </dgm:alg>
+                  <dgm:constrLst>
+                    <dgm:constr type="alignOff" val="0.65"/>
+                  </dgm:constrLst>
+                </dgm:if>
+                <dgm:else name="Name17">
+                  <dgm:alg type="hierRoot">
+                    <dgm:param type="hierAlign" val="rCtrCh"/>
+                  </dgm:alg>
+                  <dgm:constrLst>
+                    <dgm:constr type="alignOff" val="0.65"/>
+                  </dgm:constrLst>
+                </dgm:else>
+              </dgm:choose>
+            </dgm:if>
+            <dgm:else name="Name18">
+              <dgm:choose name="Name19">
+                <dgm:if name="Name20" func="var" arg="dir" op="equ" val="norm">
+                  <dgm:alg type="hierRoot">
+                    <dgm:param type="hierAlign" val="lCtrCh"/>
+                  </dgm:alg>
+                  <dgm:constrLst>
+                    <dgm:constr type="alignOff"/>
+                    <dgm:constr type="bendDist" for="des" ptType="parTrans" refType="sp" fact="0.5"/>
+                  </dgm:constrLst>
+                </dgm:if>
+                <dgm:else name="Name21">
+                  <dgm:alg type="hierRoot">
+                    <dgm:param type="hierAlign" val="rCtrCh"/>
+                  </dgm:alg>
+                  <dgm:constrLst>
+                    <dgm:constr type="alignOff"/>
+                    <dgm:constr type="bendDist" for="des" ptType="parTrans" refType="sp" fact="0.5"/>
+                  </dgm:constrLst>
+                </dgm:else>
+              </dgm:choose>
+            </dgm:else>
+          </dgm:choose>
+          <dgm:shape xmlns:r="http://schemas.openxmlformats.org/officeDocument/2006/relationships" r:blip="">
+            <dgm:adjLst/>
+          </dgm:shape>
+          <dgm:presOf/>
+          <dgm:ruleLst/>
+          <dgm:layoutNode name="rootComposite1">
+            <dgm:alg type="composite"/>
+            <dgm:shape xmlns:r="http://schemas.openxmlformats.org/officeDocument/2006/relationships" r:blip="">
+              <dgm:adjLst/>
+            </dgm:shape>
+            <dgm:presOf axis="self" ptType="node" cnt="1"/>
+            <dgm:choose name="Name22">
+              <dgm:if name="Name23" func="var" arg="hierBranch" op="equ" val="init">
+                <dgm:constrLst>
+                  <dgm:constr type="l" for="ch" forName="rootText1"/>
+                  <dgm:constr type="t" for="ch" forName="rootText1"/>
+                  <dgm:constr type="w" for="ch" forName="rootText1" refType="w"/>
+                  <dgm:constr type="h" for="ch" forName="rootText1" refType="h"/>
+                  <dgm:constr type="l" for="ch" forName="rootConnector1"/>
+                  <dgm:constr type="t" for="ch" forName="rootConnector1"/>
+                  <dgm:constr type="w" for="ch" forName="rootConnector1" refType="w" refFor="ch" refForName="rootText1" fact="0.2"/>
+                  <dgm:constr type="h" for="ch" forName="rootConnector1" refType="h" refFor="ch" refForName="rootText1"/>
+                </dgm:constrLst>
+              </dgm:if>
+              <dgm:if name="Name24" func="var" arg="hierBranch" op="equ" val="l">
+                <dgm:constrLst>
+                  <dgm:constr type="l" for="ch" forName="rootText1"/>
+                  <dgm:constr type="t" for="ch" forName="rootText1"/>
+                  <dgm:constr type="w" for="ch" forName="rootText1" refType="w"/>
+                  <dgm:constr type="h" for="ch" forName="rootText1" refType="h"/>
+                  <dgm:constr type="r" for="ch" forName="rootConnector1" refType="w"/>
+                  <dgm:constr type="t" for="ch" forName="rootConnector1"/>
+                  <dgm:constr type="w" for="ch" forName="rootConnector1" refType="w" refFor="ch" refForName="rootText1" fact="0.2"/>
+                  <dgm:constr type="h" for="ch" forName="rootConnector1" refType="h" refFor="ch" refForName="rootText1"/>
+                </dgm:constrLst>
+              </dgm:if>
+              <dgm:if name="Name25" func="var" arg="hierBranch" op="equ" val="r">
+                <dgm:constrLst>
+                  <dgm:constr type="l" for="ch" forName="rootText1"/>
+                  <dgm:constr type="t" for="ch" forName="rootText1"/>
+                  <dgm:constr type="w" for="ch" forName="rootText1" refType="w"/>
+                  <dgm:constr type="h" for="ch" forName="rootText1" refType="h"/>
+                  <dgm:constr type="l" for="ch" forName="rootConnector1"/>
+                  <dgm:constr type="t" for="ch" forName="rootConnector1"/>
+                  <dgm:constr type="w" for="ch" forName="rootConnector1" refType="w" refFor="ch" refForName="rootText1" fact="0.2"/>
+                  <dgm:constr type="h" for="ch" forName="rootConnector1" refType="h" refFor="ch" refForName="rootText1"/>
+                </dgm:constrLst>
+              </dgm:if>
+              <dgm:else name="Name26">
+                <dgm:constrLst>
+                  <dgm:constr type="l" for="ch" forName="rootText1"/>
+                  <dgm:constr type="t" for="ch" forName="rootText1"/>
+                  <dgm:constr type="w" for="ch" forName="rootText1" refType="w"/>
+                  <dgm:constr type="h" for="ch" forName="rootText1" refType="h"/>
+                  <dgm:constr type="r" for="ch" forName="rootConnector1" refType="w"/>
+                  <dgm:constr type="t" for="ch" forName="rootConnector1"/>
+                  <dgm:constr type="w" for="ch" forName="rootConnector1" refType="w" refFor="ch" refForName="rootText1" fact="0.2"/>
+                  <dgm:constr type="h" for="ch" forName="rootConnector1" refType="h" refFor="ch" refForName="rootText1"/>
+                </dgm:constrLst>
+              </dgm:else>
+            </dgm:choose>
+            <dgm:ruleLst/>
+            <dgm:layoutNode name="rootText1" styleLbl="node0">
+              <dgm:varLst>
+                <dgm:chPref val="3"/>
+              </dgm:varLst>
+              <dgm:alg type="tx"/>
+              <dgm:shape xmlns:r="http://schemas.openxmlformats.org/officeDocument/2006/relationships" type="rect" r:blip="">
+                <dgm:adjLst/>
+              </dgm:shape>
+              <dgm:presOf axis="self" ptType="node" cnt="1"/>
+              <dgm:constrLst>
+                <dgm:constr type="primFontSz" val="65"/>
+                <dgm:constr type="lMarg" refType="primFontSz" fact="0.05"/>
+                <dgm:constr type="rMarg" refType="primFontSz" fact="0.05"/>
+                <dgm:constr type="tMarg" refType="primFontSz" fact="0.05"/>
+                <dgm:constr type="bMarg" refType="primFontSz" fact="0.05"/>
+              </dgm:constrLst>
+              <dgm:ruleLst>
+                <dgm:rule type="primFontSz" val="5" fact="NaN" max="NaN"/>
+              </dgm:ruleLst>
+            </dgm:layoutNode>
+            <dgm:layoutNode name="rootConnector1" moveWith="rootText1">
+              <dgm:alg type="sp"/>
+              <dgm:shape xmlns:r="http://schemas.openxmlformats.org/officeDocument/2006/relationships" type="rect" r:blip="" hideGeom="1">
+                <dgm:adjLst/>
+              </dgm:shape>
+              <dgm:presOf axis="self" ptType="node" cnt="1"/>
+              <dgm:constrLst/>
+              <dgm:ruleLst/>
+            </dgm:layoutNode>
+          </dgm:layoutNode>
+          <dgm:layoutNode name="hierChild2">
+            <dgm:choose name="Name27">
+              <dgm:if name="Name28" func="var" arg="hierBranch" op="equ" val="l">
+                <dgm:choose name="Name29">
+                  <dgm:if name="Name30" func="var" arg="dir" op="equ" val="norm">
+                    <dgm:alg type="hierChild">
+                      <dgm:param type="chAlign" val="t"/>
+                      <dgm:param type="linDir" val="fromL"/>
+                    </dgm:alg>
+                  </dgm:if>
+                  <dgm:else name="Name31">
+                    <dgm:alg type="hierChild">
+                      <dgm:param type="chAlign" val="t"/>
+                      <dgm:param type="linDir" val="fromR"/>
+                    </dgm:alg>
+                  </dgm:else>
+                </dgm:choose>
+              </dgm:if>
+              <dgm:if name="Name32" func="var" arg="hierBranch" op="equ" val="r">
+                <dgm:choose name="Name33">
+                  <dgm:if name="Name34" func="var" arg="dir" op="equ" val="norm">
+                    <dgm:alg type="hierChild">
+                      <dgm:param type="chAlign" val="b"/>
+                      <dgm:param type="linDir" val="fromL"/>
+                    </dgm:alg>
+                  </dgm:if>
+                  <dgm:else name="Name35">
+                    <dgm:alg type="hierChild">
+                      <dgm:param type="chAlign" val="b"/>
+                      <dgm:param type="linDir" val="fromR"/>
+                    </dgm:alg>
+                  </dgm:else>
+                </dgm:choose>
+              </dgm:if>
+              <dgm:if name="Name36" func="var" arg="hierBranch" op="equ" val="hang">
+                <dgm:choose name="Name37">
+                  <dgm:if name="Name38" func="var" arg="dir" op="equ" val="norm">
+                    <dgm:alg type="hierChild">
+                      <dgm:param type="chAlign" val="l"/>
+                      <dgm:param type="linDir" val="fromT"/>
+                      <dgm:param type="secChAlign" val="t"/>
+                      <dgm:param type="secLinDir" val="fromL"/>
+                    </dgm:alg>
+                  </dgm:if>
+                  <dgm:else name="Name39">
+                    <dgm:alg type="hierChild">
+                      <dgm:param type="chAlign" val="r"/>
+                      <dgm:param type="linDir" val="fromT"/>
+                      <dgm:param type="secChAlign" val="t"/>
+                      <dgm:param type="secLinDir" val="fromR"/>
+                    </dgm:alg>
+                  </dgm:else>
+                </dgm:choose>
+              </dgm:if>
+              <dgm:else name="Name40">
+                <dgm:choose name="Name41">
+                  <dgm:if name="Name42" func="var" arg="dir" op="equ" val="norm">
+                    <dgm:alg type="hierChild">
+                      <dgm:param type="linDir" val="fromT"/>
+                      <dgm:param type="chAlign" val="l"/>
+                    </dgm:alg>
+                  </dgm:if>
+                  <dgm:else name="Name43">
+                    <dgm:alg type="hierChild">
+                      <dgm:param type="linDir" val="fromT"/>
+                      <dgm:param type="chAlign" val="r"/>
+                    </dgm:alg>
+                  </dgm:else>
+                </dgm:choose>
+              </dgm:else>
+            </dgm:choose>
+            <dgm:shape xmlns:r="http://schemas.openxmlformats.org/officeDocument/2006/relationships" r:blip="">
+              <dgm:adjLst/>
+            </dgm:shape>
+            <dgm:presOf/>
+            <dgm:constrLst/>
+            <dgm:ruleLst/>
+            <dgm:forEach name="rep2a" axis="ch" ptType="nonAsst">
+              <dgm:forEach name="Name44" axis="precedSib" ptType="parTrans" st="-1" cnt="1">
+                <dgm:choose name="Name45">
+                  <dgm:if name="Name46" func="var" arg="hierBranch" op="equ" val="hang">
+                    <dgm:layoutNode name="Name47">
+                      <dgm:choose name="Name48">
+                        <dgm:if name="Name49" func="var" arg="dir" op="equ" val="norm">
+                          <dgm:alg type="conn">
+                            <dgm:param type="connRout" val="bend"/>
+                            <dgm:param type="dim" val="1D"/>
+                            <dgm:param type="endSty" val="noArr"/>
+                            <dgm:param type="begPts" val="midR"/>
+                            <dgm:param type="endPts" val="bCtr tCtr"/>
+                          </dgm:alg>
+                        </dgm:if>
+                        <dgm:else name="Name50">
+                          <dgm:alg type="conn">
+                            <dgm:param type="connRout" val="bend"/>
+                            <dgm:param type="dim" val="1D"/>
+                            <dgm:param type="endSty" val="noArr"/>
+                            <dgm:param type="begPts" val="midL"/>
+                            <dgm:param type="endPts" val="bCtr tCtr"/>
+                          </dgm:alg>
+                        </dgm:else>
+                      </dgm:choose>
+                      <dgm:shape xmlns:r="http://schemas.openxmlformats.org/officeDocument/2006/relationships" type="conn" r:blip="" zOrderOff="-99999">
+                        <dgm:adjLst/>
+                      </dgm:shape>
+                      <dgm:presOf axis="self"/>
+                      <dgm:constrLst>
+                        <dgm:constr type="begPad"/>
+                        <dgm:constr type="endPad"/>
+                      </dgm:constrLst>
+                      <dgm:ruleLst/>
+                    </dgm:layoutNode>
+                  </dgm:if>
+                  <dgm:if name="Name51" func="var" arg="hierBranch" op="equ" val="l">
+                    <dgm:layoutNode name="Name52">
+                      <dgm:choose name="Name53">
+                        <dgm:if name="Name54" func="var" arg="dir" op="equ" val="norm">
+                          <dgm:alg type="conn">
+                            <dgm:param type="connRout" val="bend"/>
+                            <dgm:param type="dim" val="1D"/>
+                            <dgm:param type="endSty" val="noArr"/>
+                            <dgm:param type="begPts" val="midR"/>
+                            <dgm:param type="endPts" val="tCtr"/>
+                          </dgm:alg>
+                        </dgm:if>
+                        <dgm:else name="Name55">
+                          <dgm:alg type="conn">
+                            <dgm:param type="connRout" val="bend"/>
+                            <dgm:param type="dim" val="1D"/>
+                            <dgm:param type="endSty" val="noArr"/>
+                            <dgm:param type="begPts" val="midL"/>
+                            <dgm:param type="endPts" val="tCtr"/>
+                          </dgm:alg>
+                        </dgm:else>
+                      </dgm:choose>
+                      <dgm:shape xmlns:r="http://schemas.openxmlformats.org/officeDocument/2006/relationships" type="conn" r:blip="" zOrderOff="-99999">
+                        <dgm:adjLst/>
+                      </dgm:shape>
+                      <dgm:presOf axis="self"/>
+                      <dgm:constrLst>
+                        <dgm:constr type="begPad"/>
+                        <dgm:constr type="endPad"/>
+                      </dgm:constrLst>
+                      <dgm:ruleLst/>
+                    </dgm:layoutNode>
+                  </dgm:if>
+                  <dgm:if name="Name56" func="var" arg="hierBranch" op="equ" val="r">
+                    <dgm:layoutNode name="Name57">
+                      <dgm:choose name="Name58">
+                        <dgm:if name="Name59" func="var" arg="dir" op="equ" val="norm">
+                          <dgm:alg type="conn">
+                            <dgm:param type="connRout" val="bend"/>
+                            <dgm:param type="dim" val="1D"/>
+                            <dgm:param type="endSty" val="noArr"/>
+                            <dgm:param type="begPts" val="midR"/>
+                            <dgm:param type="endPts" val="bCtr"/>
+                          </dgm:alg>
+                        </dgm:if>
+                        <dgm:else name="Name60">
+                          <dgm:alg type="conn">
+                            <dgm:param type="connRout" val="bend"/>
+                            <dgm:param type="dim" val="1D"/>
+                            <dgm:param type="endSty" val="noArr"/>
+                            <dgm:param type="begPts" val="midL"/>
+                            <dgm:param type="endPts" val="bCtr"/>
+                          </dgm:alg>
+                        </dgm:else>
+                      </dgm:choose>
+                      <dgm:shape xmlns:r="http://schemas.openxmlformats.org/officeDocument/2006/relationships" type="conn" r:blip="" zOrderOff="-99999">
+                        <dgm:adjLst/>
+                      </dgm:shape>
+                      <dgm:presOf axis="self"/>
+                      <dgm:constrLst>
+                        <dgm:constr type="begPad"/>
+                        <dgm:constr type="endPad"/>
+                      </dgm:constrLst>
+                      <dgm:ruleLst/>
+                    </dgm:layoutNode>
+                  </dgm:if>
+                  <dgm:else name="Name61">
+                    <dgm:choose name="Name62">
+                      <dgm:if name="Name63" func="var" arg="dir" op="equ" val="norm">
+                        <dgm:layoutNode name="Name64">
+                          <dgm:alg type="conn">
+                            <dgm:param type="connRout" val="bend"/>
+                            <dgm:param type="dim" val="1D"/>
+                            <dgm:param type="endSty" val="noArr"/>
+                            <dgm:param type="begPts" val="midR"/>
+                            <dgm:param type="endPts" val="midL"/>
+                            <dgm:param type="bendPt" val="end"/>
+                          </dgm:alg>
+                          <dgm:shape xmlns:r="http://schemas.openxmlformats.org/officeDocument/2006/relationships" type="conn" r:blip="" zOrderOff="-99999">
+                            <dgm:adjLst/>
+                          </dgm:shape>
+                          <dgm:presOf axis="self"/>
+                          <dgm:constrLst>
+                            <dgm:constr type="begPad"/>
+                            <dgm:constr type="endPad"/>
+                          </dgm:constrLst>
+                          <dgm:ruleLst/>
+                        </dgm:layoutNode>
+                      </dgm:if>
+                      <dgm:else name="Name65">
+                        <dgm:layoutNode name="Name66">
+                          <dgm:alg type="conn">
+                            <dgm:param type="connRout" val="bend"/>
+                            <dgm:param type="dim" val="1D"/>
+                            <dgm:param type="endSty" val="noArr"/>
+                            <dgm:param type="begPts" val="midL"/>
+                            <dgm:param type="endPts" val="midR"/>
+                            <dgm:param type="bendPt" val="end"/>
+                          </dgm:alg>
+                          <dgm:shape xmlns:r="http://schemas.openxmlformats.org/officeDocument/2006/relationships" type="conn" r:blip="" zOrderOff="-99999">
+                            <dgm:adjLst/>
+                          </dgm:shape>
+                          <dgm:presOf axis="self"/>
+                          <dgm:constrLst>
+                            <dgm:constr type="begPad"/>
+                            <dgm:constr type="endPad"/>
+                          </dgm:constrLst>
+                          <dgm:ruleLst/>
+                        </dgm:layoutNode>
+                      </dgm:else>
+                    </dgm:choose>
+                  </dgm:else>
+                </dgm:choose>
+              </dgm:forEach>
+              <dgm:layoutNode name="hierRoot2">
+                <dgm:varLst>
+                  <dgm:hierBranch val="init"/>
+                </dgm:varLst>
+                <dgm:choose name="Name67">
+                  <dgm:if name="Name68" func="var" arg="hierBranch" op="equ" val="l">
+                    <dgm:choose name="Name69">
+                      <dgm:if name="Name70" func="var" arg="dir" op="equ" val="norm">
+                        <dgm:alg type="hierRoot">
+                          <dgm:param type="hierAlign" val="lT"/>
+                        </dgm:alg>
+                        <dgm:constrLst>
+                          <dgm:constr type="alignOff" val="0.75"/>
+                        </dgm:constrLst>
+                      </dgm:if>
+                      <dgm:else name="Name71">
+                        <dgm:alg type="hierRoot">
+                          <dgm:param type="hierAlign" val="rT"/>
+                        </dgm:alg>
+                        <dgm:constrLst>
+                          <dgm:constr type="alignOff" val="0.75"/>
+                        </dgm:constrLst>
+                      </dgm:else>
+                    </dgm:choose>
+                  </dgm:if>
+                  <dgm:if name="Name72" func="var" arg="hierBranch" op="equ" val="r">
+                    <dgm:choose name="Name73">
+                      <dgm:if name="Name74" func="var" arg="dir" op="equ" val="norm">
+                        <dgm:alg type="hierRoot">
+                          <dgm:param type="hierAlign" val="lB"/>
+                        </dgm:alg>
+                        <dgm:constrLst>
+                          <dgm:constr type="alignOff" val="0.75"/>
+                        </dgm:constrLst>
+                      </dgm:if>
+                      <dgm:else name="Name75">
+                        <dgm:alg type="hierRoot">
+                          <dgm:param type="hierAlign" val="rB"/>
+                        </dgm:alg>
+                        <dgm:constrLst>
+                          <dgm:constr type="alignOff" val="0.75"/>
+                        </dgm:constrLst>
+                      </dgm:else>
+                    </dgm:choose>
+                  </dgm:if>
+                  <dgm:if name="Name76" func="var" arg="hierBranch" op="equ" val="hang">
+                    <dgm:choose name="Name77">
+                      <dgm:if name="Name78" func="var" arg="dir" op="equ" val="norm">
+                        <dgm:alg type="hierRoot">
+                          <dgm:param type="hierAlign" val="lCtrCh"/>
+                        </dgm:alg>
+                        <dgm:constrLst>
+                          <dgm:constr type="alignOff" val="0.65"/>
+                        </dgm:constrLst>
+                      </dgm:if>
+                      <dgm:else name="Name79">
+                        <dgm:alg type="hierRoot">
+                          <dgm:param type="hierAlign" val="rCtrCh"/>
+                        </dgm:alg>
+                        <dgm:constrLst>
+                          <dgm:constr type="alignOff" val="0.65"/>
+                        </dgm:constrLst>
+                      </dgm:else>
+                    </dgm:choose>
+                  </dgm:if>
+                  <dgm:else name="Name80">
+                    <dgm:choose name="Name81">
+                      <dgm:if name="Name82" func="var" arg="dir" op="equ" val="norm">
+                        <dgm:alg type="hierRoot">
+                          <dgm:param type="hierAlign" val="lCtrCh"/>
+                        </dgm:alg>
+                        <dgm:constrLst>
+                          <dgm:constr type="alignOff"/>
+                          <dgm:constr type="bendDist" for="des" ptType="parTrans" refType="sp" fact="0.5"/>
+                        </dgm:constrLst>
+                      </dgm:if>
+                      <dgm:else name="Name83">
+                        <dgm:alg type="hierRoot">
+                          <dgm:param type="hierAlign" val="rCtrCh"/>
+                        </dgm:alg>
+                        <dgm:constrLst>
+                          <dgm:constr type="alignOff"/>
+                          <dgm:constr type="bendDist" for="des" ptType="parTrans" refType="sp" fact="0.5"/>
+                        </dgm:constrLst>
+                      </dgm:else>
+                    </dgm:choose>
+                  </dgm:else>
+                </dgm:choose>
+                <dgm:shape xmlns:r="http://schemas.openxmlformats.org/officeDocument/2006/relationships" r:blip="">
+                  <dgm:adjLst/>
+                </dgm:shape>
+                <dgm:presOf/>
+                <dgm:ruleLst/>
+                <dgm:layoutNode name="rootComposite">
+                  <dgm:alg type="composite"/>
+                  <dgm:shape xmlns:r="http://schemas.openxmlformats.org/officeDocument/2006/relationships" r:blip="">
+                    <dgm:adjLst/>
+                  </dgm:shape>
+                  <dgm:presOf axis="self" ptType="node" cnt="1"/>
+                  <dgm:choose name="Name84">
+                    <dgm:if name="Name85" func="var" arg="hierBranch" op="equ" val="init">
+                      <dgm:constrLst>
+                        <dgm:constr type="l" for="ch" forName="rootText"/>
+                        <dgm:constr type="t" for="ch" forName="rootText"/>
+                        <dgm:constr type="w" for="ch" forName="rootText" refType="w"/>
+                        <dgm:constr type="h" for="ch" forName="rootText" refType="h"/>
+                        <dgm:constr type="l" for="ch" forName="rootConnector"/>
+                        <dgm:constr type="t" for="ch" forName="rootConnector"/>
+                        <dgm:constr type="w" for="ch" forName="rootConnector" refType="w" refFor="ch" refForName="rootText" fact="0.2"/>
+                        <dgm:constr type="h" for="ch" forName="rootConnector" refType="h" refFor="ch" refForName="rootText"/>
+                      </dgm:constrLst>
+                    </dgm:if>
+                    <dgm:if name="Name86" func="var" arg="hierBranch" op="equ" val="l">
+                      <dgm:constrLst>
+                        <dgm:constr type="l" for="ch" forName="rootText"/>
+                        <dgm:constr type="t" for="ch" forName="rootText"/>
+                        <dgm:constr type="w" for="ch" forName="rootText" refType="w"/>
+                        <dgm:constr type="h" for="ch" forName="rootText" refType="h"/>
+                        <dgm:constr type="r" for="ch" forName="rootConnector" refType="w"/>
+                        <dgm:constr type="t" for="ch" forName="rootConnector"/>
+                        <dgm:constr type="w" for="ch" forName="rootConnector" refType="w" refFor="ch" refForName="rootText" fact="0.2"/>
+                        <dgm:constr type="h" for="ch" forName="rootConnector" refType="h" refFor="ch" refForName="rootText"/>
+                      </dgm:constrLst>
+                    </dgm:if>
+                    <dgm:if name="Name87" func="var" arg="hierBranch" op="equ" val="r">
+                      <dgm:constrLst>
+                        <dgm:constr type="l" for="ch" forName="rootText"/>
+                        <dgm:constr type="t" for="ch" forName="rootText"/>
+                        <dgm:constr type="w" for="ch" forName="rootText" refType="w"/>
+                        <dgm:constr type="h" for="ch" forName="rootText" refType="h"/>
+                        <dgm:constr type="l" for="ch" forName="rootConnector"/>
+                        <dgm:constr type="t" for="ch" forName="rootConnector"/>
+                        <dgm:constr type="w" for="ch" forName="rootConnector" refType="w" refFor="ch" refForName="rootText" fact="0.2"/>
+                        <dgm:constr type="h" for="ch" forName="rootConnector" refType="h" refFor="ch" refForName="rootText"/>
+                      </dgm:constrLst>
+                    </dgm:if>
+                    <dgm:else name="Name88">
+                      <dgm:constrLst>
+                        <dgm:constr type="l" for="ch" forName="rootText"/>
+                        <dgm:constr type="t" for="ch" forName="rootText"/>
+                        <dgm:constr type="w" for="ch" forName="rootText" refType="w"/>
+                        <dgm:constr type="h" for="ch" forName="rootText" refType="h"/>
+                        <dgm:constr type="r" for="ch" forName="rootConnector" refType="w"/>
+                        <dgm:constr type="t" for="ch" forName="rootConnector"/>
+                        <dgm:constr type="w" for="ch" forName="rootConnector" refType="w" refFor="ch" refForName="rootText" fact="0.2"/>
+                        <dgm:constr type="h" for="ch" forName="rootConnector" refType="h" refFor="ch" refForName="rootText"/>
+                      </dgm:constrLst>
+                    </dgm:else>
+                  </dgm:choose>
+                  <dgm:ruleLst/>
+                  <dgm:layoutNode name="rootText">
+                    <dgm:varLst>
+                      <dgm:chPref val="3"/>
+                    </dgm:varLst>
+                    <dgm:alg type="tx"/>
+                    <dgm:shape xmlns:r="http://schemas.openxmlformats.org/officeDocument/2006/relationships" type="rect" r:blip="">
+                      <dgm:adjLst/>
+                    </dgm:shape>
+                    <dgm:presOf axis="self" ptType="node" cnt="1"/>
+                    <dgm:constrLst>
+                      <dgm:constr type="primFontSz" val="65"/>
+                      <dgm:constr type="lMarg" refType="primFontSz" fact="0.05"/>
+                      <dgm:constr type="rMarg" refType="primFontSz" fact="0.05"/>
+                      <dgm:constr type="tMarg" refType="primFontSz" fact="0.05"/>
+                      <dgm:constr type="bMarg" refType="primFontSz" fact="0.05"/>
+                    </dgm:constrLst>
+                    <dgm:ruleLst>
+                      <dgm:rule type="primFontSz" val="5" fact="NaN" max="NaN"/>
+                    </dgm:ruleLst>
+                  </dgm:layoutNode>
+                  <dgm:layoutNode name="rootConnector" moveWith="rootText">
+                    <dgm:alg type="sp"/>
+                    <dgm:shape xmlns:r="http://schemas.openxmlformats.org/officeDocument/2006/relationships" type="rect" r:blip="" hideGeom="1">
+                      <dgm:adjLst/>
+                    </dgm:shape>
+                    <dgm:presOf axis="self" ptType="node" cnt="1"/>
+                    <dgm:constrLst/>
+                    <dgm:ruleLst/>
+                  </dgm:layoutNode>
+                </dgm:layoutNode>
+                <dgm:layoutNode name="hierChild4">
+                  <dgm:choose name="Name89">
+                    <dgm:if name="Name90" func="var" arg="hierBranch" op="equ" val="l">
+                      <dgm:choose name="Name91">
+                        <dgm:if name="Name92" func="var" arg="dir" op="equ" val="norm">
+                          <dgm:alg type="hierChild">
+                            <dgm:param type="chAlign" val="t"/>
+                            <dgm:param type="linDir" val="fromL"/>
+                          </dgm:alg>
+                        </dgm:if>
+                        <dgm:else name="Name93">
+                          <dgm:alg type="hierChild">
+                            <dgm:param type="chAlign" val="t"/>
+                            <dgm:param type="linDir" val="fromR"/>
+                          </dgm:alg>
+                        </dgm:else>
+                      </dgm:choose>
+                    </dgm:if>
+                    <dgm:if name="Name94" func="var" arg="hierBranch" op="equ" val="r">
+                      <dgm:choose name="Name95">
+                        <dgm:if name="Name96" func="var" arg="dir" op="equ" val="norm">
+                          <dgm:alg type="hierChild">
+                            <dgm:param type="chAlign" val="b"/>
+                            <dgm:param type="linDir" val="fromL"/>
+                          </dgm:alg>
+                        </dgm:if>
+                        <dgm:else name="Name97">
+                          <dgm:alg type="hierChild">
+                            <dgm:param type="chAlign" val="b"/>
+                            <dgm:param type="linDir" val="fromR"/>
+                          </dgm:alg>
+                        </dgm:else>
+                      </dgm:choose>
+                    </dgm:if>
+                    <dgm:if name="Name98" func="var" arg="hierBranch" op="equ" val="hang">
+                      <dgm:choose name="Name99">
+                        <dgm:if name="Name100" func="var" arg="dir" op="equ" val="norm">
+                          <dgm:alg type="hierChild">
+                            <dgm:param type="chAlign" val="l"/>
+                            <dgm:param type="linDir" val="fromT"/>
+                            <dgm:param type="secChAlign" val="t"/>
+                            <dgm:param type="secLinDir" val="fromL"/>
+                          </dgm:alg>
+                        </dgm:if>
+                        <dgm:else name="Name101">
+                          <dgm:alg type="hierChild">
+                            <dgm:param type="chAlign" val="r"/>
+                            <dgm:param type="linDir" val="fromT"/>
+                            <dgm:param type="secChAlign" val="t"/>
+                            <dgm:param type="secLinDir" val="fromR"/>
+                          </dgm:alg>
+                        </dgm:else>
+                      </dgm:choose>
+                    </dgm:if>
+                    <dgm:else name="Name102">
+                      <dgm:choose name="Name103">
+                        <dgm:if name="Name104" func="var" arg="dir" op="equ" val="norm">
+                          <dgm:alg type="hierChild">
+                            <dgm:param type="linDir" val="fromT"/>
+                            <dgm:param type="chAlign" val="l"/>
+                          </dgm:alg>
+                        </dgm:if>
+                        <dgm:else name="Name105">
+                          <dgm:alg type="hierChild">
+                            <dgm:param type="linDir" val="fromT"/>
+                            <dgm:param type="chAlign" val="r"/>
+                          </dgm:alg>
+                        </dgm:else>
+                      </dgm:choose>
+                    </dgm:else>
+                  </dgm:choose>
+                  <dgm:shape xmlns:r="http://schemas.openxmlformats.org/officeDocument/2006/relationships" r:blip="">
+                    <dgm:adjLst/>
+                  </dgm:shape>
+                  <dgm:presOf/>
+                  <dgm:constrLst/>
+                  <dgm:ruleLst/>
+                  <dgm:forEach name="Name106" ref="rep2a"/>
+                </dgm:layoutNode>
+                <dgm:layoutNode name="hierChild5">
+                  <dgm:choose name="Name107">
+                    <dgm:if name="Name108" func="var" arg="dir" op="equ" val="norm">
+                      <dgm:alg type="hierChild">
+                        <dgm:param type="chAlign" val="l"/>
+                        <dgm:param type="linDir" val="fromT"/>
+                        <dgm:param type="secChAlign" val="t"/>
+                        <dgm:param type="secLinDir" val="fromL"/>
+                      </dgm:alg>
+                    </dgm:if>
+                    <dgm:else name="Name109">
+                      <dgm:alg type="hierChild">
+                        <dgm:param type="chAlign" val="r"/>
+                        <dgm:param type="linDir" val="fromT"/>
+                        <dgm:param type="secChAlign" val="t"/>
+                        <dgm:param type="secLinDir" val="fromR"/>
+                      </dgm:alg>
+                    </dgm:else>
+                  </dgm:choose>
+                  <dgm:shape xmlns:r="http://schemas.openxmlformats.org/officeDocument/2006/relationships" r:blip="">
+                    <dgm:adjLst/>
+                  </dgm:shape>
+                  <dgm:presOf/>
+                  <dgm:constrLst/>
+                  <dgm:ruleLst/>
+                  <dgm:forEach name="Name110" ref="rep2b"/>
+                </dgm:layoutNode>
+              </dgm:layoutNode>
+            </dgm:forEach>
+          </dgm:layoutNode>
+          <dgm:layoutNode name="hierChild3">
+            <dgm:choose name="Name111">
+              <dgm:if name="Name112" func="var" arg="dir" op="equ" val="norm">
+                <dgm:alg type="hierChild">
+                  <dgm:param type="chAlign" val="l"/>
+                  <dgm:param type="linDir" val="fromT"/>
+                  <dgm:param type="secChAlign" val="t"/>
+                  <dgm:param type="secLinDir" val="fromL"/>
+                </dgm:alg>
+              </dgm:if>
+              <dgm:else name="Name113">
+                <dgm:alg type="hierChild">
+                  <dgm:param type="chAlign" val="r"/>
+                  <dgm:param type="linDir" val="fromT"/>
+                  <dgm:param type="secChAlign" val="t"/>
+                  <dgm:param type="secLinDir" val="fromR"/>
+                </dgm:alg>
+              </dgm:else>
+            </dgm:choose>
+            <dgm:shape xmlns:r="http://schemas.openxmlformats.org/officeDocument/2006/relationships" r:blip="">
+              <dgm:adjLst/>
+            </dgm:shape>
+            <dgm:presOf/>
+            <dgm:constrLst/>
+            <dgm:ruleLst/>
+            <dgm:forEach name="rep2b" axis="ch" ptType="asst">
+              <dgm:forEach name="Name114" axis="precedSib" ptType="parTrans" st="-1" cnt="1">
+                <dgm:layoutNode name="Name115">
+                  <dgm:choose name="Name116">
+                    <dgm:if name="Name117" func="var" arg="dir" op="equ" val="norm">
+                      <dgm:alg type="conn">
+                        <dgm:param type="connRout" val="bend"/>
+                        <dgm:param type="dim" val="1D"/>
+                        <dgm:param type="endSty" val="noArr"/>
+                        <dgm:param type="begPts" val="midR"/>
+                        <dgm:param type="endPts" val="bCtr tCtr"/>
+                      </dgm:alg>
+                    </dgm:if>
+                    <dgm:else name="Name118">
+                      <dgm:alg type="conn">
+                        <dgm:param type="connRout" val="bend"/>
+                        <dgm:param type="dim" val="1D"/>
+                        <dgm:param type="endSty" val="noArr"/>
+                        <dgm:param type="begPts" val="midL"/>
+                        <dgm:param type="endPts" val="bCtr tCtr"/>
+                      </dgm:alg>
+                    </dgm:else>
+                  </dgm:choose>
+                  <dgm:shape xmlns:r="http://schemas.openxmlformats.org/officeDocument/2006/relationships" type="conn" r:blip="" zOrderOff="-99999">
+                    <dgm:adjLst/>
+                  </dgm:shape>
+                  <dgm:presOf axis="self"/>
+                  <dgm:constrLst>
+                    <dgm:constr type="begPad"/>
+                    <dgm:constr type="endPad"/>
+                  </dgm:constrLst>
+                  <dgm:ruleLst/>
+                </dgm:layoutNode>
+              </dgm:forEach>
+              <dgm:layoutNode name="hierRoot3">
+                <dgm:varLst>
+                  <dgm:hierBranch val="init"/>
+                </dgm:varLst>
+                <dgm:choose name="Name119">
+                  <dgm:if name="Name120" func="var" arg="hierBranch" op="equ" val="l">
+                    <dgm:choose name="Name121">
+                      <dgm:if name="Name122" func="var" arg="dir" op="equ" val="norm">
+                        <dgm:alg type="hierRoot">
+                          <dgm:param type="hierAlign" val="lT"/>
+                        </dgm:alg>
+                        <dgm:constrLst>
+                          <dgm:constr type="alignOff" val="0.75"/>
+                        </dgm:constrLst>
+                      </dgm:if>
+                      <dgm:else name="Name123">
+                        <dgm:alg type="hierRoot">
+                          <dgm:param type="hierAlign" val="rT"/>
+                        </dgm:alg>
+                        <dgm:constrLst>
+                          <dgm:constr type="alignOff" val="0.75"/>
+                        </dgm:constrLst>
+                      </dgm:else>
+                    </dgm:choose>
+                  </dgm:if>
+                  <dgm:if name="Name124" func="var" arg="hierBranch" op="equ" val="r">
+                    <dgm:choose name="Name125">
+                      <dgm:if name="Name126" func="var" arg="dir" op="equ" val="norm">
+                        <dgm:alg type="hierRoot">
+                          <dgm:param type="hierAlign" val="lB"/>
+                        </dgm:alg>
+                        <dgm:constrLst>
+                          <dgm:constr type="alignOff" val="0.75"/>
+                        </dgm:constrLst>
+                      </dgm:if>
+                      <dgm:else name="Name127">
+                        <dgm:alg type="hierRoot">
+                          <dgm:param type="hierAlign" val="rB"/>
+                        </dgm:alg>
+                        <dgm:constrLst>
+                          <dgm:constr type="alignOff" val="0.75"/>
+                        </dgm:constrLst>
+                      </dgm:else>
+                    </dgm:choose>
+                  </dgm:if>
+                  <dgm:if name="Name128" func="var" arg="hierBranch" op="equ" val="hang">
+                    <dgm:choose name="Name129">
+                      <dgm:if name="Name130" func="var" arg="dir" op="equ" val="norm">
+                        <dgm:alg type="hierRoot">
+                          <dgm:param type="hierAlign" val="lCtrCh"/>
+                        </dgm:alg>
+                        <dgm:constrLst>
+                          <dgm:constr type="alignOff" val="0.65"/>
+                        </dgm:constrLst>
+                      </dgm:if>
+                      <dgm:else name="Name131">
+                        <dgm:alg type="hierRoot">
+                          <dgm:param type="hierAlign" val="rCtrCh"/>
+                        </dgm:alg>
+                        <dgm:constrLst>
+                          <dgm:constr type="alignOff" val="0.65"/>
+                        </dgm:constrLst>
+                      </dgm:else>
+                    </dgm:choose>
+                  </dgm:if>
+                  <dgm:else name="Name132">
+                    <dgm:choose name="Name133">
+                      <dgm:if name="Name134" func="var" arg="dir" op="equ" val="norm">
+                        <dgm:alg type="hierRoot">
+                          <dgm:param type="hierAlign" val="lCtrCh"/>
+                        </dgm:alg>
+                        <dgm:constrLst>
+                          <dgm:constr type="alignOff"/>
+                          <dgm:constr type="bendDist" for="des" ptType="parTrans" refType="sp" fact="0.5"/>
+                        </dgm:constrLst>
+                      </dgm:if>
+                      <dgm:else name="Name135">
+                        <dgm:alg type="hierRoot">
+                          <dgm:param type="hierAlign" val="rCtrCh"/>
+                        </dgm:alg>
+                        <dgm:constrLst>
+                          <dgm:constr type="alignOff"/>
+                          <dgm:constr type="bendDist" for="des" ptType="parTrans" refType="sp" fact="0.5"/>
+                        </dgm:constrLst>
+                      </dgm:else>
+                    </dgm:choose>
+                  </dgm:else>
+                </dgm:choose>
+                <dgm:shape xmlns:r="http://schemas.openxmlformats.org/officeDocument/2006/relationships" r:blip="">
+                  <dgm:adjLst/>
+                </dgm:shape>
+                <dgm:presOf/>
+                <dgm:ruleLst/>
+                <dgm:layoutNode name="rootComposite3">
+                  <dgm:alg type="composite"/>
+                  <dgm:shape xmlns:r="http://schemas.openxmlformats.org/officeDocument/2006/relationships" r:blip="">
+                    <dgm:adjLst/>
+                  </dgm:shape>
+                  <dgm:presOf axis="self" ptType="node" cnt="1"/>
+                  <dgm:choose name="Name136">
+                    <dgm:if name="Name137" func="var" arg="hierBranch" op="equ" val="init">
+                      <dgm:constrLst>
+                        <dgm:constr type="l" for="ch" forName="rootText3"/>
+                        <dgm:constr type="t" for="ch" forName="rootText3"/>
+                        <dgm:constr type="w" for="ch" forName="rootText3" refType="w"/>
+                        <dgm:constr type="h" for="ch" forName="rootText3" refType="h"/>
+                        <dgm:constr type="l" for="ch" forName="rootConnector3"/>
+                        <dgm:constr type="t" for="ch" forName="rootConnector3"/>
+                        <dgm:constr type="w" for="ch" forName="rootConnector3" refType="w" refFor="ch" refForName="rootText3" fact="0.2"/>
+                        <dgm:constr type="h" for="ch" forName="rootConnector3" refType="h" refFor="ch" refForName="rootText3"/>
+                      </dgm:constrLst>
+                    </dgm:if>
+                    <dgm:if name="Name138" func="var" arg="hierBranch" op="equ" val="l">
+                      <dgm:constrLst>
+                        <dgm:constr type="l" for="ch" forName="rootText3"/>
+                        <dgm:constr type="t" for="ch" forName="rootText3"/>
+                        <dgm:constr type="w" for="ch" forName="rootText3" refType="w"/>
+                        <dgm:constr type="h" for="ch" forName="rootText3" refType="h"/>
+                        <dgm:constr type="r" for="ch" forName="rootConnector3" refType="w"/>
+                        <dgm:constr type="t" for="ch" forName="rootConnector3"/>
+                        <dgm:constr type="w" for="ch" forName="rootConnector3" refType="w" refFor="ch" refForName="rootText3" fact="0.2"/>
+                        <dgm:constr type="h" for="ch" forName="rootConnector3" refType="h" refFor="ch" refForName="rootText3"/>
+                      </dgm:constrLst>
+                    </dgm:if>
+                    <dgm:if name="Name139" func="var" arg="hierBranch" op="equ" val="r">
+                      <dgm:constrLst>
+                        <dgm:constr type="l" for="ch" forName="rootText3"/>
+                        <dgm:constr type="t" for="ch" forName="rootText3"/>
+                        <dgm:constr type="w" for="ch" forName="rootText3" refType="w"/>
+                        <dgm:constr type="h" for="ch" forName="rootText3" refType="h"/>
+                        <dgm:constr type="l" for="ch" forName="rootConnector3"/>
+                        <dgm:constr type="t" for="ch" forName="rootConnector3"/>
+                        <dgm:constr type="w" for="ch" forName="rootConnector3" refType="w" refFor="ch" refForName="rootText3" fact="0.2"/>
+                        <dgm:constr type="h" for="ch" forName="rootConnector3" refType="h" refFor="ch" refForName="rootText3"/>
+                      </dgm:constrLst>
+                    </dgm:if>
+                    <dgm:else name="Name140">
+                      <dgm:constrLst>
+                        <dgm:constr type="l" for="ch" forName="rootText3"/>
+                        <dgm:constr type="t" for="ch" forName="rootText3"/>
+                        <dgm:constr type="w" for="ch" forName="rootText3" refType="w"/>
+                        <dgm:constr type="h" for="ch" forName="rootText3" refType="h"/>
+                        <dgm:constr type="r" for="ch" forName="rootConnector3" refType="w"/>
+                        <dgm:constr type="t" for="ch" forName="rootConnector3"/>
+                        <dgm:constr type="w" for="ch" forName="rootConnector3" refType="w" refFor="ch" refForName="rootText3" fact="0.2"/>
+                        <dgm:constr type="h" for="ch" forName="rootConnector3" refType="h" refFor="ch" refForName="rootText3"/>
+                      </dgm:constrLst>
+                    </dgm:else>
+                  </dgm:choose>
+                  <dgm:ruleLst/>
+                  <dgm:layoutNode name="rootText3">
+                    <dgm:varLst>
+                      <dgm:chPref val="3"/>
+                    </dgm:varLst>
+                    <dgm:alg type="tx"/>
+                    <dgm:shape xmlns:r="http://schemas.openxmlformats.org/officeDocument/2006/relationships" type="rect" r:blip="">
+                      <dgm:adjLst/>
+                    </dgm:shape>
+                    <dgm:presOf axis="self" ptType="node" cnt="1"/>
+                    <dgm:constrLst>
+                      <dgm:constr type="primFontSz" val="65"/>
+                      <dgm:constr type="lMarg" refType="primFontSz" fact="0.05"/>
+                      <dgm:constr type="rMarg" refType="primFontSz" fact="0.05"/>
+                      <dgm:constr type="tMarg" refType="primFontSz" fact="0.05"/>
+                      <dgm:constr type="bMarg" refType="primFontSz" fact="0.05"/>
+                    </dgm:constrLst>
+                    <dgm:ruleLst>
+                      <dgm:rule type="primFontSz" val="5" fact="NaN" max="NaN"/>
+                    </dgm:ruleLst>
+                  </dgm:layoutNode>
+                  <dgm:layoutNode name="rootConnector3" moveWith="rootText1">
+                    <dgm:alg type="sp"/>
+                    <dgm:shape xmlns:r="http://schemas.openxmlformats.org/officeDocument/2006/relationships" type="rect" r:blip="" hideGeom="1">
+                      <dgm:adjLst/>
+                    </dgm:shape>
+                    <dgm:presOf axis="self" ptType="node" cnt="1"/>
+                    <dgm:constrLst/>
+                    <dgm:ruleLst/>
+                  </dgm:layoutNode>
+                </dgm:layoutNode>
+                <dgm:layoutNode name="hierChild6">
+                  <dgm:choose name="Name141">
+                    <dgm:if name="Name142" func="var" arg="hierBranch" op="equ" val="l">
+                      <dgm:choose name="Name143">
+                        <dgm:if name="Name144" func="var" arg="dir" op="equ" val="norm">
+                          <dgm:alg type="hierChild">
+                            <dgm:param type="chAlign" val="t"/>
+                            <dgm:param type="linDir" val="fromL"/>
+                          </dgm:alg>
+                        </dgm:if>
+                        <dgm:else name="Name145">
+                          <dgm:alg type="hierChild">
+                            <dgm:param type="chAlign" val="t"/>
+                            <dgm:param type="linDir" val="fromR"/>
+                          </dgm:alg>
+                        </dgm:else>
+                      </dgm:choose>
+                    </dgm:if>
+                    <dgm:if name="Name146" func="var" arg="hierBranch" op="equ" val="r">
+                      <dgm:choose name="Name147">
+                        <dgm:if name="Name148" func="var" arg="dir" op="equ" val="norm">
+                          <dgm:alg type="hierChild">
+                            <dgm:param type="chAlign" val="b"/>
+                            <dgm:param type="linDir" val="fromL"/>
+                          </dgm:alg>
+                        </dgm:if>
+                        <dgm:else name="Name149">
+                          <dgm:alg type="hierChild">
+                            <dgm:param type="chAlign" val="b"/>
+                            <dgm:param type="linDir" val="fromR"/>
+                          </dgm:alg>
+                        </dgm:else>
+                      </dgm:choose>
+                    </dgm:if>
+                    <dgm:if name="Name150" func="var" arg="hierBranch" op="equ" val="hang">
+                      <dgm:choose name="Name151">
+                        <dgm:if name="Name152" func="var" arg="dir" op="equ" val="norm">
+                          <dgm:alg type="hierChild">
+                            <dgm:param type="chAlign" val="l"/>
+                            <dgm:param type="linDir" val="fromT"/>
+                            <dgm:param type="secChAlign" val="t"/>
+                            <dgm:param type="secLinDir" val="fromL"/>
+                          </dgm:alg>
+                        </dgm:if>
+                        <dgm:else name="Name153">
+                          <dgm:alg type="hierChild">
+                            <dgm:param type="chAlign" val="r"/>
+                            <dgm:param type="linDir" val="fromT"/>
+                            <dgm:param type="secChAlign" val="t"/>
+                            <dgm:param type="secLinDir" val="fromR"/>
+                          </dgm:alg>
+                        </dgm:else>
+                      </dgm:choose>
+                    </dgm:if>
+                    <dgm:else name="Name154">
+                      <dgm:choose name="Name155">
+                        <dgm:if name="Name156" func="var" arg="dir" op="equ" val="norm">
+                          <dgm:alg type="hierChild">
+                            <dgm:param type="linDir" val="fromT"/>
+                            <dgm:param type="chAlign" val="l"/>
+                          </dgm:alg>
+                        </dgm:if>
+                        <dgm:else name="Name157">
+                          <dgm:alg type="hierChild">
+                            <dgm:param type="linDir" val="fromT"/>
+                            <dgm:param type="chAlign" val="r"/>
+                          </dgm:alg>
+                        </dgm:else>
+                      </dgm:choose>
+                    </dgm:else>
+                  </dgm:choose>
+                  <dgm:shape xmlns:r="http://schemas.openxmlformats.org/officeDocument/2006/relationships" r:blip="">
+                    <dgm:adjLst/>
+                  </dgm:shape>
+                  <dgm:presOf/>
+                  <dgm:constrLst/>
+                  <dgm:ruleLst/>
+                  <dgm:forEach name="Name158" ref="rep2a"/>
+                </dgm:layoutNode>
+                <dgm:layoutNode name="hierChild7">
+                  <dgm:choose name="Name159">
+                    <dgm:if name="Name160" func="var" arg="dir" op="equ" val="norm">
+                      <dgm:alg type="hierChild">
+                        <dgm:param type="chAlign" val="l"/>
+                        <dgm:param type="linDir" val="fromT"/>
+                        <dgm:param type="secChAlign" val="t"/>
+                        <dgm:param type="secLinDir" val="fromL"/>
+                      </dgm:alg>
+                    </dgm:if>
+                    <dgm:else name="Name161">
+                      <dgm:alg type="hierChild">
+                        <dgm:param type="chAlign" val="r"/>
+                        <dgm:param type="linDir" val="fromT"/>
+                        <dgm:param type="secChAlign" val="t"/>
+                        <dgm:param type="secLinDir" val="fromR"/>
+                      </dgm:alg>
+                    </dgm:else>
+                  </dgm:choose>
+                  <dgm:shape xmlns:r="http://schemas.openxmlformats.org/officeDocument/2006/relationships" r:blip="">
+                    <dgm:adjLst/>
+                  </dgm:shape>
+                  <dgm:presOf/>
+                  <dgm:constrLst/>
+                  <dgm:ruleLst/>
+                  <dgm:forEach name="Name162" ref="rep2b"/>
+                </dgm:layoutNode>
+              </dgm:layoutNode>
+            </dgm:forEach>
+          </dgm:layoutNode>
+        </dgm:layoutNode>
+      </dgm:forEach>
+    </dgm:forEach>
+  </dgm:layoutNode>
+</dgm:layoutDef>
+</file>
+
+<file path=ppt/diagrams/quickStyle1.xml><?xml version="1.0" encoding="utf-8"?>
+<dgm:styleDef xmlns:dgm="http://schemas.openxmlformats.org/drawingml/2006/diagram" xmlns:a="http://schemas.openxmlformats.org/drawingml/2006/main" uniqueId="urn:microsoft.com/office/officeart/2005/8/quickstyle/simple1">
+  <dgm:title val=""/>
+  <dgm:desc val=""/>
+  <dgm:catLst>
+    <dgm:cat type="simple" pri="10100"/>
+  </dgm:catLst>
+  <dgm:scene3d>
+    <a:camera prst="orthographicFront"/>
+    <a:lightRig rig="threePt" dir="t"/>
+  </dgm:scene3d>
+  <dgm:styleLbl name="node0">
+    <dgm:scene3d>
+      <a:camera prst="orthographicFront"/>
+      <a:lightRig rig="threePt" dir="t"/>
+    </dgm:scene3d>
+    <dgm:sp3d/>
+    <dgm:txPr/>
+    <dgm:style>
+      <a:lnRef idx="2">
+        <a:scrgbClr r="0" g="0" b="0"/>
+      </a:lnRef>
+      <a:fillRef idx="1">
+        <a:scrgbClr r="0" g="0" b="0"/>
+      </a:fillRef>
+      <a:effectRef idx="0">
+        <a:scrgbClr r="0" g="0" b="0"/>
+      </a:effectRef>
+      <a:fontRef idx="minor">
+        <a:schemeClr val="lt1"/>
+      </a:fontRef>
+    </dgm:style>
+  </dgm:styleLbl>
+  <dgm:styleLbl name="lnNode1">
+    <dgm:scene3d>
+      <a:camera prst="orthographicFront"/>
+      <a:lightRig rig="threePt" dir="t"/>
+    </dgm:scene3d>
+    <dgm:sp3d/>
+    <dgm:txPr/>
+    <dgm:style>
+      <a:lnRef idx="2">
+        <a:scrgbClr r="0" g="0" b="0"/>
+      </a:lnRef>
+      <a:fillRef idx="1">
+        <a:scrgbClr r="0" g="0" b="0"/>
+      </a:fillRef>
+      <a:effectRef idx="0">
+        <a:scrgbClr r="0" g="0" b="0"/>
+      </a:effectRef>
+      <a:fontRef idx="minor">
+        <a:schemeClr val="lt1"/>
+      </a:fontRef>
+    </dgm:style>
+  </dgm:styleLbl>
+  <dgm:styleLbl name="vennNode1">
+    <dgm:scene3d>
+      <a:camera prst="orthographicFront"/>
+      <a:lightRig rig="threePt" dir="t"/>
+    </dgm:scene3d>
+    <dgm:sp3d/>
+    <dgm:txPr/>
+    <dgm:style>
+      <a:lnRef idx="2">
+        <a:scrgbClr r="0" g="0" b="0"/>
+      </a:lnRef>
+      <a:fillRef idx="1">
+        <a:scrgbClr r="0" g="0" b="0"/>
+      </a:fillRef>
+      <a:effectRef idx="0">
+        <a:scrgbClr r="0" g="0" b="0"/>
+      </a:effectRef>
+      <a:fontRef idx="minor">
+        <a:schemeClr val="tx1"/>
+      </a:fontRef>
+    </dgm:style>
+  </dgm:styleLbl>
+  <dgm:styleLbl name="alignNode1">
+    <dgm:scene3d>
+      <a:camera prst="orthographicFront"/>
+      <a:lightRig rig="threePt" dir="t"/>
+    </dgm:scene3d>
+    <dgm:sp3d/>
+    <dgm:txPr/>
+    <dgm:style>
+      <a:lnRef idx="2">
+        <a:scrgbClr r="0" g="0" b="0"/>
+      </a:lnRef>
+      <a:fillRef idx="1">
+        <a:scrgbClr r="0" g="0" b="0"/>
+      </a:fillRef>
+      <a:effectRef idx="0">
+        <a:scrgbClr r="0" g="0" b="0"/>
+      </a:effectRef>
+      <a:fontRef idx="minor">
+        <a:schemeClr val="lt1"/>
+      </a:fontRef>
+    </dgm:style>
+  </dgm:styleLbl>
+  <dgm:styleLbl name="node1">
+    <dgm:scene3d>
+      <a:camera prst="orthographicFront"/>
+      <a:lightRig rig="threePt" dir="t"/>
+    </dgm:scene3d>
+    <dgm:sp3d/>
+    <dgm:txPr/>
+    <dgm:style>
+      <a:lnRef idx="2">
+        <a:scrgbClr r="0" g="0" b="0"/>
+      </a:lnRef>
+      <a:fillRef idx="1">
+        <a:scrgbClr r="0" g="0" b="0"/>
+      </a:fillRef>
+      <a:effectRef idx="0">
+        <a:scrgbClr r="0" g="0" b="0"/>
+      </a:effectRef>
+      <a:fontRef idx="minor">
+        <a:schemeClr val="lt1"/>
+      </a:fontRef>
+    </dgm:style>
+  </dgm:styleLbl>
+  <dgm:styleLbl name="node2">
+    <dgm:scene3d>
+      <a:camera prst="orthographicFront"/>
+      <a:lightRig rig="threePt" dir="t"/>
+    </dgm:scene3d>
+    <dgm:sp3d/>
+    <dgm:txPr/>
+    <dgm:style>
+      <a:lnRef idx="2">
+        <a:scrgbClr r="0" g="0" b="0"/>
+      </a:lnRef>
+      <a:fillRef idx="1">
+        <a:scrgbClr r="0" g="0" b="0"/>
+      </a:fillRef>
+      <a:effectRef idx="0">
+        <a:scrgbClr r="0" g="0" b="0"/>
+      </a:effectRef>
+      <a:fontRef idx="minor">
+        <a:schemeClr val="lt1"/>
+      </a:fontRef>
+    </dgm:style>
+  </dgm:styleLbl>
+  <dgm:styleLbl name="node3">
+    <dgm:scene3d>
+      <a:camera prst="orthographicFront"/>
+      <a:lightRig rig="threePt" dir="t"/>
+    </dgm:scene3d>
+    <dgm:sp3d/>
+    <dgm:txPr/>
+    <dgm:style>
+      <a:lnRef idx="2">
+        <a:scrgbClr r="0" g="0" b="0"/>
+      </a:lnRef>
+      <a:fillRef idx="1">
+        <a:scrgbClr r="0" g="0" b="0"/>
+      </a:fillRef>
+      <a:effectRef idx="0">
+        <a:scrgbClr r="0" g="0" b="0"/>
+      </a:effectRef>
+      <a:fontRef idx="minor">
+        <a:schemeClr val="lt1"/>
+      </a:fontRef>
+    </dgm:style>
+  </dgm:styleLbl>
+  <dgm:styleLbl name="node4">
+    <dgm:scene3d>
+      <a:camera prst="orthographicFront"/>
+      <a:lightRig rig="threePt" dir="t"/>
+    </dgm:scene3d>
+    <dgm:sp3d/>
+    <dgm:txPr/>
+    <dgm:style>
+      <a:lnRef idx="2">
+        <a:scrgbClr r="0" g="0" b="0"/>
+      </a:lnRef>
+      <a:fillRef idx="1">
+        <a:scrgbClr r="0" g="0" b="0"/>
+      </a:fillRef>
+      <a:effectRef idx="0">
+        <a:scrgbClr r="0" g="0" b="0"/>
+      </a:effectRef>
+      <a:fontRef idx="minor">
+        <a:schemeClr val="lt1"/>
+      </a:fontRef>
+    </dgm:style>
+  </dgm:styleLbl>
+  <dgm:styleLbl name="fgImgPlace1">
+    <dgm:scene3d>
+      <a:camera prst="orthographicFront"/>
+      <a:lightRig rig="threePt" dir="t"/>
+    </dgm:scene3d>
+    <dgm:sp3d/>
+    <dgm:txPr/>
+    <dgm:style>
+      <a:lnRef idx="2">
+        <a:scrgbClr r="0" g="0" b="0"/>
+      </a:lnRef>
+      <a:fillRef idx="1">
+        <a:scrgbClr r="0" g="0" b="0"/>
+      </a:fillRef>
+      <a:effectRef idx="0">
+        <a:scrgbClr r="0" g="0" b="0"/>
+      </a:effectRef>
+      <a:fontRef idx="minor"/>
+    </dgm:style>
+  </dgm:styleLbl>
+  <dgm:styleLbl name="alignImgPlace1">
+    <dgm:scene3d>
+      <a:camera prst="orthographicFront"/>
+      <a:lightRig rig="threePt" dir="t"/>
+    </dgm:scene3d>
+    <dgm:sp3d/>
+    <dgm:txPr/>
+    <dgm:style>
+      <a:lnRef idx="2">
+        <a:scrgbClr r="0" g="0" b="0"/>
+      </a:lnRef>
+      <a:fillRef idx="1">
+        <a:scrgbClr r="0" g="0" b="0"/>
+      </a:fillRef>
+      <a:effectRef idx="0">
+        <a:scrgbClr r="0" g="0" b="0"/>
+      </a:effectRef>
+      <a:fontRef idx="minor"/>
+    </dgm:style>
+  </dgm:styleLbl>
+  <dgm:styleLbl name="bgImgPlace1">
+    <dgm:scene3d>
+      <a:camera prst="orthographicFront"/>
+      <a:lightRig rig="threePt" dir="t"/>
+    </dgm:scene3d>
+    <dgm:sp3d/>
+    <dgm:txPr/>
+    <dgm:style>
+      <a:lnRef idx="2">
+        <a:scrgbClr r="0" g="0" b="0"/>
+      </a:lnRef>
+      <a:fillRef idx="1">
+        <a:scrgbClr r="0" g="0" b="0"/>
+      </a:fillRef>
+      <a:effectRef idx="0">
+        <a:scrgbClr r="0" g="0" b="0"/>
+      </a:effectRef>
+      <a:fontRef idx="minor"/>
+    </dgm:style>
+  </dgm:styleLbl>
+  <dgm:styleLbl name="sibTrans2D1">
+    <dgm:scene3d>
+      <a:camera prst="orthographicFront"/>
+      <a:lightRig rig="threePt" dir="t"/>
+    </dgm:scene3d>
+    <dgm:sp3d/>
+    <dgm:txPr/>
+    <dgm:style>
+      <a:lnRef idx="0">
+        <a:scrgbClr r="0" g="0" b="0"/>
+      </a:lnRef>
+      <a:fillRef idx="1">
+        <a:scrgbClr r="0" g="0" b="0"/>
+      </a:fillRef>
+      <a:effectRef idx="0">
+        <a:scrgbClr r="0" g="0" b="0"/>
+      </a:effectRef>
+      <a:fontRef idx="minor">
+        <a:schemeClr val="lt1"/>
+      </a:fontRef>
+    </dgm:style>
+  </dgm:styleLbl>
+  <dgm:styleLbl name="fgSibTrans2D1">
+    <dgm:scene3d>
+      <a:camera prst="orthographicFront"/>
+      <a:lightRig rig="threePt" dir="t"/>
+    </dgm:scene3d>
+    <dgm:sp3d/>
+    <dgm:txPr/>
+    <dgm:style>
+      <a:lnRef idx="0">
+        <a:scrgbClr r="0" g="0" b="0"/>
+      </a:lnRef>
+      <a:fillRef idx="1">
+        <a:scrgbClr r="0" g="0" b="0"/>
+      </a:fillRef>
+      <a:effectRef idx="0">
+        <a:scrgbClr r="0" g="0" b="0"/>
+      </a:effectRef>
+      <a:fontRef idx="minor">
+        <a:schemeClr val="lt1"/>
+      </a:fontRef>
+    </dgm:style>
+  </dgm:styleLbl>
+  <dgm:styleLbl name="bgSibTrans2D1">
+    <dgm:scene3d>
+      <a:camera prst="orthographicFront"/>
+      <a:lightRig rig="threePt" dir="t"/>
+    </dgm:scene3d>
+    <dgm:sp3d/>
+    <dgm:txPr/>
+    <dgm:style>
+      <a:lnRef idx="0">
+        <a:scrgbClr r="0" g="0" b="0"/>
+      </a:lnRef>
+      <a:fillRef idx="1">
+        <a:scrgbClr r="0" g="0" b="0"/>
+      </a:fillRef>
+      <a:effectRef idx="0">
+        <a:scrgbClr r="0" g="0" b="0"/>
+      </a:effectRef>
+      <a:fontRef idx="minor">
+        <a:schemeClr val="lt1"/>
+      </a:fontRef>
+    </dgm:style>
+  </dgm:styleLbl>
+  <dgm:styleLbl name="sibTrans1D1">
+    <dgm:scene3d>
+      <a:camera prst="orthographicFront"/>
+      <a:lightRig rig="threePt" dir="t"/>
+    </dgm:scene3d>
+    <dgm:sp3d/>
+    <dgm:txPr/>
+    <dgm:style>
+      <a:lnRef idx="1">
+        <a:scrgbClr r="0" g="0" b="0"/>
+      </a:lnRef>
+      <a:fillRef idx="0">
+        <a:scrgbClr r="0" g="0" b="0"/>
+      </a:fillRef>
+      <a:effectRef idx="0">
+        <a:scrgbClr r="0" g="0" b="0"/>
+      </a:effectRef>
+      <a:fontRef idx="minor"/>
+    </dgm:style>
+  </dgm:styleLbl>
+  <dgm:styleLbl name="callout">
+    <dgm:scene3d>
+      <a:camera prst="orthographicFront"/>
+      <a:lightRig rig="threePt" dir="t"/>
+    </dgm:scene3d>
+    <dgm:sp3d/>
+    <dgm:txPr/>
+    <dgm:style>
+      <a:lnRef idx="2">
+        <a:scrgbClr r="0" g="0" b="0"/>
+      </a:lnRef>
+      <a:fillRef idx="1">
+        <a:scrgbClr r="0" g="0" b="0"/>
+      </a:fillRef>
+      <a:effectRef idx="0">
+        <a:scrgbClr r="0" g="0" b="0"/>
+      </a:effectRef>
+      <a:fontRef idx="minor"/>
+    </dgm:style>
+  </dgm:styleLbl>
+  <dgm:styleLbl name="asst0">
+    <dgm:scene3d>
+      <a:camera prst="orthographicFront"/>
+      <a:lightRig rig="threePt" dir="t"/>
+    </dgm:scene3d>
+    <dgm:sp3d/>
+    <dgm:txPr/>
+    <dgm:style>
+      <a:lnRef idx="2">
+        <a:scrgbClr r="0" g="0" b="0"/>
+      </a:lnRef>
+      <a:fillRef idx="1">
+        <a:scrgbClr r="0" g="0" b="0"/>
+      </a:fillRef>
+      <a:effectRef idx="0">
+        <a:scrgbClr r="0" g="0" b="0"/>
+      </a:effectRef>
+      <a:fontRef idx="minor">
+        <a:schemeClr val="lt1"/>
+      </a:fontRef>
+    </dgm:style>
+  </dgm:styleLbl>
+  <dgm:styleLbl name="asst1">
+    <dgm:scene3d>
+      <a:camera prst="orthographicFront"/>
+      <a:lightRig rig="threePt" dir="t"/>
+    </dgm:scene3d>
+    <dgm:sp3d/>
+    <dgm:txPr/>
+    <dgm:style>
+      <a:lnRef idx="2">
+        <a:scrgbClr r="0" g="0" b="0"/>
+      </a:lnRef>
+      <a:fillRef idx="1">
+        <a:scrgbClr r="0" g="0" b="0"/>
+      </a:fillRef>
+      <a:effectRef idx="0">
+        <a:scrgbClr r="0" g="0" b="0"/>
+      </a:effectRef>
+      <a:fontRef idx="minor">
+        <a:schemeClr val="lt1"/>
+      </a:fontRef>
+    </dgm:style>
+  </dgm:styleLbl>
+  <dgm:styleLbl name="asst2">
+    <dgm:scene3d>
+      <a:camera prst="orthographicFront"/>
+      <a:lightRig rig="threePt" dir="t"/>
+    </dgm:scene3d>
+    <dgm:sp3d/>
+    <dgm:txPr/>
+    <dgm:style>
+      <a:lnRef idx="2">
+        <a:scrgbClr r="0" g="0" b="0"/>
+      </a:lnRef>
+      <a:fillRef idx="1">
+        <a:scrgbClr r="0" g="0" b="0"/>
+      </a:fillRef>
+      <a:effectRef idx="0">
+        <a:scrgbClr r="0" g="0" b="0"/>
+      </a:effectRef>
+      <a:fontRef idx="minor">
+        <a:schemeClr val="lt1"/>
+      </a:fontRef>
+    </dgm:style>
+  </dgm:styleLbl>
+  <dgm:styleLbl name="asst3">
+    <dgm:scene3d>
+      <a:camera prst="orthographicFront"/>
+      <a:lightRig rig="threePt" dir="t"/>
+    </dgm:scene3d>
+    <dgm:sp3d/>
+    <dgm:txPr/>
+    <dgm:style>
+      <a:lnRef idx="2">
+        <a:scrgbClr r="0" g="0" b="0"/>
+      </a:lnRef>
+      <a:fillRef idx="1">
+        <a:scrgbClr r="0" g="0" b="0"/>
+      </a:fillRef>
+      <a:effectRef idx="0">
+        <a:scrgbClr r="0" g="0" b="0"/>
+      </a:effectRef>
+      <a:fontRef idx="minor">
+        <a:schemeClr val="lt1"/>
+      </a:fontRef>
+    </dgm:style>
+  </dgm:styleLbl>
+  <dgm:styleLbl name="asst4">
+    <dgm:scene3d>
+      <a:camera prst="orthographicFront"/>
+      <a:lightRig rig="threePt" dir="t"/>
+    </dgm:scene3d>
+    <dgm:sp3d/>
+    <dgm:txPr/>
+    <dgm:style>
+      <a:lnRef idx="2">
+        <a:scrgbClr r="0" g="0" b="0"/>
+      </a:lnRef>
+      <a:fillRef idx="1">
+        <a:scrgbClr r="0" g="0" b="0"/>
+      </a:fillRef>
+      <a:effectRef idx="0">
+        <a:scrgbClr r="0" g="0" b="0"/>
+      </a:effectRef>
+      <a:fontRef idx="minor">
+        <a:schemeClr val="lt1"/>
+      </a:fontRef>
+    </dgm:style>
+  </dgm:styleLbl>
+  <dgm:styleLbl name="parChTrans2D1">
+    <dgm:scene3d>
+      <a:camera prst="orthographicFront"/>
+      <a:lightRig rig="threePt" dir="t"/>
+    </dgm:scene3d>
+    <dgm:sp3d/>
+    <dgm:txPr/>
+    <dgm:style>
+      <a:lnRef idx="2">
+        <a:scrgbClr r="0" g="0" b="0"/>
+      </a:lnRef>
+      <a:fillRef idx="1">
+        <a:scrgbClr r="0" g="0" b="0"/>
+      </a:fillRef>
+      <a:effectRef idx="0">
+        <a:scrgbClr r="0" g="0" b="0"/>
+      </a:effectRef>
+      <a:fontRef idx="minor">
+        <a:schemeClr val="lt1"/>
+      </a:fontRef>
+    </dgm:style>
+  </dgm:styleLbl>
+  <dgm:styleLbl name="parChTrans2D2">
+    <dgm:scene3d>
+      <a:camera prst="orthographicFront"/>
+      <a:lightRig rig="threePt" dir="t"/>
+    </dgm:scene3d>
+    <dgm:sp3d/>
+    <dgm:txPr/>
+    <dgm:style>
+      <a:lnRef idx="2">
+        <a:scrgbClr r="0" g="0" b="0"/>
+      </a:lnRef>
+      <a:fillRef idx="1">
+        <a:scrgbClr r="0" g="0" b="0"/>
+      </a:fillRef>
+      <a:effectRef idx="0">
+        <a:scrgbClr r="0" g="0" b="0"/>
+      </a:effectRef>
+      <a:fontRef idx="minor">
+        <a:schemeClr val="lt1"/>
+      </a:fontRef>
+    </dgm:style>
+  </dgm:styleLbl>
+  <dgm:styleLbl name="parChTrans2D3">
+    <dgm:scene3d>
+      <a:camera prst="orthographicFront"/>
+      <a:lightRig rig="threePt" dir="t"/>
+    </dgm:scene3d>
+    <dgm:sp3d/>
+    <dgm:txPr/>
+    <dgm:style>
+      <a:lnRef idx="2">
+        <a:scrgbClr r="0" g="0" b="0"/>
+      </a:lnRef>
+      <a:fillRef idx="1">
+        <a:scrgbClr r="0" g="0" b="0"/>
+      </a:fillRef>
+      <a:effectRef idx="0">
+        <a:scrgbClr r="0" g="0" b="0"/>
+      </a:effectRef>
+      <a:fontRef idx="minor">
+        <a:schemeClr val="lt1"/>
+      </a:fontRef>
+    </dgm:style>
+  </dgm:styleLbl>
+  <dgm:styleLbl name="parChTrans2D4">
+    <dgm:scene3d>
+      <a:camera prst="orthographicFront"/>
+      <a:lightRig rig="threePt" dir="t"/>
+    </dgm:scene3d>
+    <dgm:sp3d/>
+    <dgm:txPr/>
+    <dgm:style>
+      <a:lnRef idx="2">
+        <a:scrgbClr r="0" g="0" b="0"/>
+      </a:lnRef>
+      <a:fillRef idx="1">
+        <a:scrgbClr r="0" g="0" b="0"/>
+      </a:fillRef>
+      <a:effectRef idx="0">
+        <a:scrgbClr r="0" g="0" b="0"/>
+      </a:effectRef>
+      <a:fontRef idx="minor">
+        <a:schemeClr val="lt1"/>
+      </a:fontRef>
+    </dgm:style>
+  </dgm:styleLbl>
+  <dgm:styleLbl name="parChTrans1D1">
+    <dgm:scene3d>
+      <a:camera prst="orthographicFront"/>
+      <a:lightRig rig="threePt" dir="t"/>
+    </dgm:scene3d>
+    <dgm:sp3d/>
+    <dgm:txPr/>
+    <dgm:style>
+      <a:lnRef idx="2">
+        <a:scrgbClr r="0" g="0" b="0"/>
+      </a:lnRef>
+      <a:fillRef idx="0">
+        <a:scrgbClr r="0" g="0" b="0"/>
+      </a:fillRef>
+      <a:effectRef idx="0">
+        <a:scrgbClr r="0" g="0" b="0"/>
+      </a:effectRef>
+      <a:fontRef idx="minor"/>
+    </dgm:style>
+  </dgm:styleLbl>
+  <dgm:styleLbl name="parChTrans1D2">
+    <dgm:scene3d>
+      <a:camera prst="orthographicFront"/>
+      <a:lightRig rig="threePt" dir="t"/>
+    </dgm:scene3d>
+    <dgm:sp3d/>
+    <dgm:txPr/>
+    <dgm:style>
+      <a:lnRef idx="2">
+        <a:scrgbClr r="0" g="0" b="0"/>
+      </a:lnRef>
+      <a:fillRef idx="0">
+        <a:scrgbClr r="0" g="0" b="0"/>
+      </a:fillRef>
+      <a:effectRef idx="0">
+        <a:scrgbClr r="0" g="0" b="0"/>
+      </a:effectRef>
+      <a:fontRef idx="minor"/>
+    </dgm:style>
+  </dgm:styleLbl>
+  <dgm:styleLbl name="parChTrans1D3">
+    <dgm:scene3d>
+      <a:camera prst="orthographicFront"/>
+      <a:lightRig rig="threePt" dir="t"/>
+    </dgm:scene3d>
+    <dgm:sp3d/>
+    <dgm:txPr/>
+    <dgm:style>
+      <a:lnRef idx="2">
+        <a:scrgbClr r="0" g="0" b="0"/>
+      </a:lnRef>
+      <a:fillRef idx="0">
+        <a:scrgbClr r="0" g="0" b="0"/>
+      </a:fillRef>
+      <a:effectRef idx="0">
+        <a:scrgbClr r="0" g="0" b="0"/>
+      </a:effectRef>
+      <a:fontRef idx="minor"/>
+    </dgm:style>
+  </dgm:styleLbl>
+  <dgm:styleLbl name="parChTrans1D4">
+    <dgm:scene3d>
+      <a:camera prst="orthographicFront"/>
+      <a:lightRig rig="threePt" dir="t"/>
+    </dgm:scene3d>
+    <dgm:sp3d/>
+    <dgm:txPr/>
+    <dgm:style>
+      <a:lnRef idx="2">
+        <a:scrgbClr r="0" g="0" b="0"/>
+      </a:lnRef>
+      <a:fillRef idx="0">
+        <a:scrgbClr r="0" g="0" b="0"/>
+      </a:fillRef>
+      <a:effectRef idx="0">
+        <a:scrgbClr r="0" g="0" b="0"/>
+      </a:effectRef>
+      <a:fontRef idx="minor"/>
+    </dgm:style>
+  </dgm:styleLbl>
+  <dgm:styleLbl name="fgAcc1">
+    <dgm:scene3d>
+      <a:camera prst="orthographicFront"/>
+      <a:lightRig rig="threePt" dir="t"/>
+    </dgm:scene3d>
+    <dgm:sp3d/>
+    <dgm:txPr/>
+    <dgm:style>
+      <a:lnRef idx="2">
+        <a:scrgbClr r="0" g="0" b="0"/>
+      </a:lnRef>
+      <a:fillRef idx="1">
+        <a:scrgbClr r="0" g="0" b="0"/>
+      </a:fillRef>
+      <a:effectRef idx="0">
+        <a:scrgbClr r="0" g="0" b="0"/>
+      </a:effectRef>
+      <a:fontRef idx="minor"/>
+    </dgm:style>
+  </dgm:styleLbl>
+  <dgm:styleLbl name="conFgAcc1">
+    <dgm:scene3d>
+      <a:camera prst="orthographicFront"/>
+      <a:lightRig rig="threePt" dir="t"/>
+    </dgm:scene3d>
+    <dgm:sp3d/>
+    <dgm:txPr/>
+    <dgm:style>
+      <a:lnRef idx="2">
+        <a:scrgbClr r="0" g="0" b="0"/>
+      </a:lnRef>
+      <a:fillRef idx="1">
+        <a:scrgbClr r="0" g="0" b="0"/>
+      </a:fillRef>
+      <a:effectRef idx="0">
+        <a:scrgbClr r="0" g="0" b="0"/>
+      </a:effectRef>
+      <a:fontRef idx="minor"/>
+    </dgm:style>
+  </dgm:styleLbl>
+  <dgm:styleLbl name="alignAcc1">
+    <dgm:scene3d>
+      <a:camera prst="orthographicFront"/>
+      <a:lightRig rig="threePt" dir="t"/>
+    </dgm:scene3d>
+    <dgm:sp3d/>
+    <dgm:txPr/>
+    <dgm:style>
+      <a:lnRef idx="2">
+        <a:scrgbClr r="0" g="0" b="0"/>
+      </a:lnRef>
+      <a:fillRef idx="1">
+        <a:scrgbClr r="0" g="0" b="0"/>
+      </a:fillRef>
+      <a:effectRef idx="0">
+        <a:scrgbClr r="0" g="0" b="0"/>
+      </a:effectRef>
+      <a:fontRef idx="minor"/>
+    </dgm:style>
+  </dgm:styleLbl>
+  <dgm:styleLbl name="trAlignAcc1">
+    <dgm:scene3d>
+      <a:camera prst="orthographicFront"/>
+      <a:lightRig rig="threePt" dir="t"/>
+    </dgm:scene3d>
+    <dgm:sp3d/>
+    <dgm:txPr/>
+    <dgm:style>
+      <a:lnRef idx="1">
+        <a:scrgbClr r="0" g="0" b="0"/>
+      </a:lnRef>
+      <a:fillRef idx="1">
+        <a:scrgbClr r="0" g="0" b="0"/>
+      </a:fillRef>
+      <a:effectRef idx="0">
+        <a:scrgbClr r="0" g="0" b="0"/>
+      </a:effectRef>
+      <a:fontRef idx="minor"/>
+    </dgm:style>
+  </dgm:styleLbl>
+  <dgm:styleLbl name="bgAcc1">
+    <dgm:scene3d>
+      <a:camera prst="orthographicFront"/>
+      <a:lightRig rig="threePt" dir="t"/>
+    </dgm:scene3d>
+    <dgm:sp3d/>
+    <dgm:txPr/>
+    <dgm:style>
+      <a:lnRef idx="2">
+        <a:scrgbClr r="0" g="0" b="0"/>
+      </a:lnRef>
+      <a:fillRef idx="1">
+        <a:scrgbClr r="0" g="0" b="0"/>
+      </a:fillRef>
+      <a:effectRef idx="0">
+        <a:scrgbClr r="0" g="0" b="0"/>
+      </a:effectRef>
+      <a:fontRef idx="minor"/>
+    </dgm:style>
+  </dgm:styleLbl>
+  <dgm:styleLbl name="solidFgAcc1">
+    <dgm:scene3d>
+      <a:camera prst="orthographicFront"/>
+      <a:lightRig rig="threePt" dir="t"/>
+    </dgm:scene3d>
+    <dgm:sp3d/>
+    <dgm:txPr/>
+    <dgm:style>
+      <a:lnRef idx="2">
+        <a:scrgbClr r="0" g="0" b="0"/>
+      </a:lnRef>
+      <a:fillRef idx="1">
+        <a:scrgbClr r="0" g="0" b="0"/>
+      </a:fillRef>
+      <a:effectRef idx="0">
+        <a:scrgbClr r="0" g="0" b="0"/>
+      </a:effectRef>
+      <a:fontRef idx="minor"/>
+    </dgm:style>
+  </dgm:styleLbl>
+  <dgm:styleLbl name="solidAlignAcc1">
+    <dgm:scene3d>
+      <a:camera prst="orthographicFront"/>
+      <a:lightRig rig="threePt" dir="t"/>
+    </dgm:scene3d>
+    <dgm:sp3d/>
+    <dgm:txPr/>
+    <dgm:style>
+      <a:lnRef idx="2">
+        <a:scrgbClr r="0" g="0" b="0"/>
+      </a:lnRef>
+      <a:fillRef idx="1">
+        <a:scrgbClr r="0" g="0" b="0"/>
+      </a:fillRef>
+      <a:effectRef idx="0">
+        <a:scrgbClr r="0" g="0" b="0"/>
+      </a:effectRef>
+      <a:fontRef idx="minor"/>
+    </dgm:style>
+  </dgm:styleLbl>
+  <dgm:styleLbl name="solidBgAcc1">
+    <dgm:scene3d>
+      <a:camera prst="orthographicFront"/>
+      <a:lightRig rig="threePt" dir="t"/>
+    </dgm:scene3d>
+    <dgm:sp3d/>
+    <dgm:txPr/>
+    <dgm:style>
+      <a:lnRef idx="2">
+        <a:scrgbClr r="0" g="0" b="0"/>
+      </a:lnRef>
+      <a:fillRef idx="1">
+        <a:scrgbClr r="0" g="0" b="0"/>
+      </a:fillRef>
+      <a:effectRef idx="0">
+        <a:scrgbClr r="0" g="0" b="0"/>
+      </a:effectRef>
+      <a:fontRef idx="minor"/>
+    </dgm:style>
+  </dgm:styleLbl>
+  <dgm:styleLbl name="fgAccFollowNode1">
+    <dgm:scene3d>
+      <a:camera prst="orthographicFront"/>
+      <a:lightRig rig="threePt" dir="t"/>
+    </dgm:scene3d>
+    <dgm:sp3d/>
+    <dgm:txPr/>
+    <dgm:style>
+      <a:lnRef idx="2">
+        <a:scrgbClr r="0" g="0" b="0"/>
+      </a:lnRef>
+      <a:fillRef idx="1">
+        <a:scrgbClr r="0" g="0" b="0"/>
+      </a:fillRef>
+      <a:effectRef idx="0">
+        <a:scrgbClr r="0" g="0" b="0"/>
+      </a:effectRef>
+      <a:fontRef idx="minor"/>
+    </dgm:style>
+  </dgm:styleLbl>
+  <dgm:styleLbl name="alignAccFollowNode1">
+    <dgm:scene3d>
+      <a:camera prst="orthographicFront"/>
+      <a:lightRig rig="threePt" dir="t"/>
+    </dgm:scene3d>
+    <dgm:sp3d/>
+    <dgm:txPr/>
+    <dgm:style>
+      <a:lnRef idx="2">
+        <a:scrgbClr r="0" g="0" b="0"/>
+      </a:lnRef>
+      <a:fillRef idx="1">
+        <a:scrgbClr r="0" g="0" b="0"/>
+      </a:fillRef>
+      <a:effectRef idx="0">
+        <a:scrgbClr r="0" g="0" b="0"/>
+      </a:effectRef>
+      <a:fontRef idx="minor"/>
+    </dgm:style>
+  </dgm:styleLbl>
+  <dgm:styleLbl name="bgAccFollowNode1">
+    <dgm:scene3d>
+      <a:camera prst="orthographicFront"/>
+      <a:lightRig rig="threePt" dir="t"/>
+    </dgm:scene3d>
+    <dgm:sp3d/>
+    <dgm:txPr/>
+    <dgm:style>
+      <a:lnRef idx="2">
+        <a:scrgbClr r="0" g="0" b="0"/>
+      </a:lnRef>
+      <a:fillRef idx="1">
+        <a:scrgbClr r="0" g="0" b="0"/>
+      </a:fillRef>
+      <a:effectRef idx="0">
+        <a:scrgbClr r="0" g="0" b="0"/>
+      </a:effectRef>
+      <a:fontRef idx="minor"/>
+    </dgm:style>
+  </dgm:styleLbl>
+  <dgm:styleLbl name="fgAcc0">
+    <dgm:scene3d>
+      <a:camera prst="orthographicFront"/>
+      <a:lightRig rig="threePt" dir="t"/>
+    </dgm:scene3d>
+    <dgm:sp3d/>
+    <dgm:txPr/>
+    <dgm:style>
+      <a:lnRef idx="2">
+        <a:scrgbClr r="0" g="0" b="0"/>
+      </a:lnRef>
+      <a:fillRef idx="1">
+        <a:scrgbClr r="0" g="0" b="0"/>
+      </a:fillRef>
+      <a:effectRef idx="0">
+        <a:scrgbClr r="0" g="0" b="0"/>
+      </a:effectRef>
+      <a:fontRef idx="minor"/>
+    </dgm:style>
+  </dgm:styleLbl>
+  <dgm:styleLbl name="fgAcc2">
+    <dgm:scene3d>
+      <a:camera prst="orthographicFront"/>
+      <a:lightRig rig="threePt" dir="t"/>
+    </dgm:scene3d>
+    <dgm:sp3d/>
+    <dgm:txPr/>
+    <dgm:style>
+      <a:lnRef idx="2">
+        <a:scrgbClr r="0" g="0" b="0"/>
+      </a:lnRef>
+      <a:fillRef idx="1">
+        <a:scrgbClr r="0" g="0" b="0"/>
+      </a:fillRef>
+      <a:effectRef idx="0">
+        <a:scrgbClr r="0" g="0" b="0"/>
+      </a:effectRef>
+      <a:fontRef idx="minor"/>
+    </dgm:style>
+  </dgm:styleLbl>
+  <dgm:styleLbl name="fgAcc3">
+    <dgm:scene3d>
+      <a:camera prst="orthographicFront"/>
+      <a:lightRig rig="threePt" dir="t"/>
+    </dgm:scene3d>
+    <dgm:sp3d/>
+    <dgm:txPr/>
+    <dgm:style>
+      <a:lnRef idx="2">
+        <a:scrgbClr r="0" g="0" b="0"/>
+      </a:lnRef>
+      <a:fillRef idx="1">
+        <a:scrgbClr r="0" g="0" b="0"/>
+      </a:fillRef>
+      <a:effectRef idx="0">
+        <a:scrgbClr r="0" g="0" b="0"/>
+      </a:effectRef>
+      <a:fontRef idx="minor"/>
+    </dgm:style>
+  </dgm:styleLbl>
+  <dgm:styleLbl name="fgAcc4">
+    <dgm:scene3d>
+      <a:camera prst="orthographicFront"/>
+      <a:lightRig rig="threePt" dir="t"/>
+    </dgm:scene3d>
+    <dgm:sp3d/>
+    <dgm:txPr/>
+    <dgm:style>
+      <a:lnRef idx="2">
+        <a:scrgbClr r="0" g="0" b="0"/>
+      </a:lnRef>
+      <a:fillRef idx="1">
+        <a:scrgbClr r="0" g="0" b="0"/>
+      </a:fillRef>
+      <a:effectRef idx="0">
+        <a:scrgbClr r="0" g="0" b="0"/>
+      </a:effectRef>
+      <a:fontRef idx="minor"/>
+    </dgm:style>
+  </dgm:styleLbl>
+  <dgm:styleLbl name="bgShp">
+    <dgm:scene3d>
+      <a:camera prst="orthographicFront"/>
+      <a:lightRig rig="threePt" dir="t"/>
+    </dgm:scene3d>
+    <dgm:sp3d/>
+    <dgm:txPr/>
+    <dgm:style>
+      <a:lnRef idx="0">
+        <a:scrgbClr r="0" g="0" b="0"/>
+      </a:lnRef>
+      <a:fillRef idx="1">
+        <a:scrgbClr r="0" g="0" b="0"/>
+      </a:fillRef>
+      <a:effectRef idx="0">
+        <a:scrgbClr r="0" g="0" b="0"/>
+      </a:effectRef>
+      <a:fontRef idx="minor"/>
+    </dgm:style>
+  </dgm:styleLbl>
+  <dgm:styleLbl name="dkBgShp">
+    <dgm:scene3d>
+      <a:camera prst="orthographicFront"/>
+      <a:lightRig rig="threePt" dir="t"/>
+    </dgm:scene3d>
+    <dgm:sp3d/>
+    <dgm:txPr/>
+    <dgm:style>
+      <a:lnRef idx="0">
+        <a:scrgbClr r="0" g="0" b="0"/>
+      </a:lnRef>
+      <a:fillRef idx="1">
+        <a:scrgbClr r="0" g="0" b="0"/>
+      </a:fillRef>
+      <a:effectRef idx="0">
+        <a:scrgbClr r="0" g="0" b="0"/>
+      </a:effectRef>
+      <a:fontRef idx="minor"/>
+    </dgm:style>
+  </dgm:styleLbl>
+  <dgm:styleLbl name="trBgShp">
+    <dgm:scene3d>
+      <a:camera prst="orthographicFront"/>
+      <a:lightRig rig="threePt" dir="t"/>
+    </dgm:scene3d>
+    <dgm:sp3d/>
+    <dgm:txPr/>
+    <dgm:style>
+      <a:lnRef idx="0">
+        <a:scrgbClr r="0" g="0" b="0"/>
+      </a:lnRef>
+      <a:fillRef idx="1">
+        <a:scrgbClr r="0" g="0" b="0"/>
+      </a:fillRef>
+      <a:effectRef idx="0">
+        <a:scrgbClr r="0" g="0" b="0"/>
+      </a:effectRef>
+      <a:fontRef idx="minor"/>
+    </dgm:style>
+  </dgm:styleLbl>
+  <dgm:styleLbl name="fgShp">
+    <dgm:scene3d>
+      <a:camera prst="orthographicFront"/>
+      <a:lightRig rig="threePt" dir="t"/>
+    </dgm:scene3d>
+    <dgm:sp3d/>
+    <dgm:txPr/>
+    <dgm:style>
+      <a:lnRef idx="2">
+        <a:scrgbClr r="0" g="0" b="0"/>
+      </a:lnRef>
+      <a:fillRef idx="1">
+        <a:scrgbClr r="0" g="0" b="0"/>
+      </a:fillRef>
+      <a:effectRef idx="0">
+        <a:scrgbClr r="0" g="0" b="0"/>
+      </a:effectRef>
+      <a:fontRef idx="minor"/>
+    </dgm:style>
+  </dgm:styleLbl>
+  <dgm:styleLbl name="revTx">
+    <dgm:scene3d>
+      <a:camera prst="orthographicFront"/>
+      <a:lightRig rig="threePt" dir="t"/>
+    </dgm:scene3d>
+    <dgm:sp3d/>
+    <dgm:txPr/>
+    <dgm:style>
+      <a:lnRef idx="0">
+        <a:scrgbClr r="0" g="0" b="0"/>
+      </a:lnRef>
+      <a:fillRef idx="0">
+        <a:scrgbClr r="0" g="0" b="0"/>
+      </a:fillRef>
+      <a:effectRef idx="0">
+        <a:scrgbClr r="0" g="0" b="0"/>
+      </a:effectRef>
+      <a:fontRef idx="minor"/>
+    </dgm:style>
+  </dgm:styleLbl>
+</dgm:styleDef>
 </file>
 
 <file path=ppt/slideLayouts/slideLayout1.xml><?xml version="1.0" encoding="utf-8"?>
@@ -293,7 +6479,7 @@
           <a:p>
             <a:fld id="{47E701FF-8114-4BFE-B818-8E5B192D5C2D}" type="datetimeFigureOut">
               <a:rPr lang="ko-KR" altLang="en-US" smtClean="0"/>
-              <a:t>2016-11-18</a:t>
+              <a:t>2016-11-20</a:t>
             </a:fld>
             <a:endParaRPr lang="ko-KR" altLang="en-US"/>
           </a:p>
@@ -463,7 +6649,7 @@
           <a:p>
             <a:fld id="{47E701FF-8114-4BFE-B818-8E5B192D5C2D}" type="datetimeFigureOut">
               <a:rPr lang="ko-KR" altLang="en-US" smtClean="0"/>
-              <a:t>2016-11-18</a:t>
+              <a:t>2016-11-20</a:t>
             </a:fld>
             <a:endParaRPr lang="ko-KR" altLang="en-US"/>
           </a:p>
@@ -643,7 +6829,7 @@
           <a:p>
             <a:fld id="{47E701FF-8114-4BFE-B818-8E5B192D5C2D}" type="datetimeFigureOut">
               <a:rPr lang="ko-KR" altLang="en-US" smtClean="0"/>
-              <a:t>2016-11-18</a:t>
+              <a:t>2016-11-20</a:t>
             </a:fld>
             <a:endParaRPr lang="ko-KR" altLang="en-US"/>
           </a:p>
@@ -813,7 +6999,7 @@
           <a:p>
             <a:fld id="{47E701FF-8114-4BFE-B818-8E5B192D5C2D}" type="datetimeFigureOut">
               <a:rPr lang="ko-KR" altLang="en-US" smtClean="0"/>
-              <a:t>2016-11-18</a:t>
+              <a:t>2016-11-20</a:t>
             </a:fld>
             <a:endParaRPr lang="ko-KR" altLang="en-US"/>
           </a:p>
@@ -1059,7 +7245,7 @@
           <a:p>
             <a:fld id="{47E701FF-8114-4BFE-B818-8E5B192D5C2D}" type="datetimeFigureOut">
               <a:rPr lang="ko-KR" altLang="en-US" smtClean="0"/>
-              <a:t>2016-11-18</a:t>
+              <a:t>2016-11-20</a:t>
             </a:fld>
             <a:endParaRPr lang="ko-KR" altLang="en-US"/>
           </a:p>
@@ -1347,7 +7533,7 @@
           <a:p>
             <a:fld id="{47E701FF-8114-4BFE-B818-8E5B192D5C2D}" type="datetimeFigureOut">
               <a:rPr lang="ko-KR" altLang="en-US" smtClean="0"/>
-              <a:t>2016-11-18</a:t>
+              <a:t>2016-11-20</a:t>
             </a:fld>
             <a:endParaRPr lang="ko-KR" altLang="en-US"/>
           </a:p>
@@ -1769,7 +7955,7 @@
           <a:p>
             <a:fld id="{47E701FF-8114-4BFE-B818-8E5B192D5C2D}" type="datetimeFigureOut">
               <a:rPr lang="ko-KR" altLang="en-US" smtClean="0"/>
-              <a:t>2016-11-18</a:t>
+              <a:t>2016-11-20</a:t>
             </a:fld>
             <a:endParaRPr lang="ko-KR" altLang="en-US"/>
           </a:p>
@@ -1887,7 +8073,7 @@
           <a:p>
             <a:fld id="{47E701FF-8114-4BFE-B818-8E5B192D5C2D}" type="datetimeFigureOut">
               <a:rPr lang="ko-KR" altLang="en-US" smtClean="0"/>
-              <a:t>2016-11-18</a:t>
+              <a:t>2016-11-20</a:t>
             </a:fld>
             <a:endParaRPr lang="ko-KR" altLang="en-US"/>
           </a:p>
@@ -1982,7 +8168,7 @@
           <a:p>
             <a:fld id="{47E701FF-8114-4BFE-B818-8E5B192D5C2D}" type="datetimeFigureOut">
               <a:rPr lang="ko-KR" altLang="en-US" smtClean="0"/>
-              <a:t>2016-11-18</a:t>
+              <a:t>2016-11-20</a:t>
             </a:fld>
             <a:endParaRPr lang="ko-KR" altLang="en-US"/>
           </a:p>
@@ -2259,7 +8445,7 @@
           <a:p>
             <a:fld id="{47E701FF-8114-4BFE-B818-8E5B192D5C2D}" type="datetimeFigureOut">
               <a:rPr lang="ko-KR" altLang="en-US" smtClean="0"/>
-              <a:t>2016-11-18</a:t>
+              <a:t>2016-11-20</a:t>
             </a:fld>
             <a:endParaRPr lang="ko-KR" altLang="en-US"/>
           </a:p>
@@ -2512,7 +8698,7 @@
           <a:p>
             <a:fld id="{47E701FF-8114-4BFE-B818-8E5B192D5C2D}" type="datetimeFigureOut">
               <a:rPr lang="ko-KR" altLang="en-US" smtClean="0"/>
-              <a:t>2016-11-18</a:t>
+              <a:t>2016-11-20</a:t>
             </a:fld>
             <a:endParaRPr lang="ko-KR" altLang="en-US"/>
           </a:p>
@@ -2725,7 +8911,7 @@
           <a:p>
             <a:fld id="{47E701FF-8114-4BFE-B818-8E5B192D5C2D}" type="datetimeFigureOut">
               <a:rPr lang="ko-KR" altLang="en-US" smtClean="0"/>
-              <a:t>2016-11-18</a:t>
+              <a:t>2016-11-20</a:t>
             </a:fld>
             <a:endParaRPr lang="ko-KR" altLang="en-US"/>
           </a:p>
@@ -3115,7 +9301,11 @@
           <a:bodyPr/>
           <a:lstStyle/>
           <a:p>
-            <a:endParaRPr lang="ko-KR" altLang="en-US"/>
+            <a:r>
+              <a:rPr lang="en-US" altLang="ko-KR" dirty="0" smtClean="0"/>
+              <a:t>Application design</a:t>
+            </a:r>
+            <a:endParaRPr lang="ko-KR" altLang="en-US" dirty="0"/>
           </a:p>
         </p:txBody>
       </p:sp>
@@ -3142,6 +9332,1030 @@
     <p:extLst>
       <p:ext uri="{BB962C8B-B14F-4D97-AF65-F5344CB8AC3E}">
         <p14:creationId xmlns:p14="http://schemas.microsoft.com/office/powerpoint/2010/main" val="162491560"/>
+      </p:ext>
+    </p:extLst>
+  </p:cSld>
+  <p:clrMapOvr>
+    <a:masterClrMapping/>
+  </p:clrMapOvr>
+</p:sld>
+</file>
+
+<file path=ppt/slides/slide10.xml><?xml version="1.0" encoding="utf-8"?>
+<p:sld xmlns:a="http://schemas.openxmlformats.org/drawingml/2006/main" xmlns:r="http://schemas.openxmlformats.org/officeDocument/2006/relationships" xmlns:p="http://schemas.openxmlformats.org/presentationml/2006/main">
+  <p:cSld>
+    <p:spTree>
+      <p:nvGrpSpPr>
+        <p:cNvPr id="1" name=""/>
+        <p:cNvGrpSpPr/>
+        <p:nvPr/>
+      </p:nvGrpSpPr>
+      <p:grpSpPr>
+        <a:xfrm>
+          <a:off x="0" y="0"/>
+          <a:ext cx="0" cy="0"/>
+          <a:chOff x="0" y="0"/>
+          <a:chExt cx="0" cy="0"/>
+        </a:xfrm>
+      </p:grpSpPr>
+      <p:sp>
+        <p:nvSpPr>
+          <p:cNvPr id="2" name="제목 1"/>
+          <p:cNvSpPr>
+            <a:spLocks noGrp="1"/>
+          </p:cNvSpPr>
+          <p:nvPr>
+            <p:ph type="title"/>
+          </p:nvPr>
+        </p:nvSpPr>
+        <p:spPr/>
+        <p:txBody>
+          <a:bodyPr>
+            <a:normAutofit/>
+          </a:bodyPr>
+          <a:lstStyle/>
+          <a:p>
+            <a:r>
+              <a:rPr lang="ko-KR" altLang="en-US" dirty="0" smtClean="0"/>
+              <a:t>내가 쓴 글</a:t>
+            </a:r>
+            <a:endParaRPr lang="ko-KR" altLang="en-US" dirty="0"/>
+          </a:p>
+        </p:txBody>
+      </p:sp>
+      <p:sp>
+        <p:nvSpPr>
+          <p:cNvPr id="3" name="내용 개체 틀 2"/>
+          <p:cNvSpPr>
+            <a:spLocks noGrp="1"/>
+          </p:cNvSpPr>
+          <p:nvPr>
+            <p:ph idx="1"/>
+          </p:nvPr>
+        </p:nvSpPr>
+        <p:spPr/>
+        <p:txBody>
+          <a:bodyPr/>
+          <a:lstStyle/>
+          <a:p>
+            <a:endParaRPr lang="ko-KR" altLang="en-US"/>
+          </a:p>
+        </p:txBody>
+      </p:sp>
+      <p:sp>
+        <p:nvSpPr>
+          <p:cNvPr id="4" name="직사각형 3"/>
+          <p:cNvSpPr/>
+          <p:nvPr/>
+        </p:nvSpPr>
+        <p:spPr>
+          <a:xfrm>
+            <a:off x="899592" y="1600200"/>
+            <a:ext cx="4176464" cy="4997152"/>
+          </a:xfrm>
+          <a:prstGeom prst="rect">
+            <a:avLst/>
+          </a:prstGeom>
+        </p:spPr>
+        <p:style>
+          <a:lnRef idx="2">
+            <a:schemeClr val="accent1">
+              <a:shade val="50000"/>
+            </a:schemeClr>
+          </a:lnRef>
+          <a:fillRef idx="1">
+            <a:schemeClr val="accent1"/>
+          </a:fillRef>
+          <a:effectRef idx="0">
+            <a:schemeClr val="accent1"/>
+          </a:effectRef>
+          <a:fontRef idx="minor">
+            <a:schemeClr val="lt1"/>
+          </a:fontRef>
+        </p:style>
+        <p:txBody>
+          <a:bodyPr rtlCol="0" anchor="ctr"/>
+          <a:lstStyle/>
+          <a:p>
+            <a:pPr algn="ctr"/>
+            <a:endParaRPr lang="ko-KR" altLang="en-US" dirty="0"/>
+          </a:p>
+        </p:txBody>
+      </p:sp>
+      <p:sp>
+        <p:nvSpPr>
+          <p:cNvPr id="5" name="TextBox 4"/>
+          <p:cNvSpPr txBox="1"/>
+          <p:nvPr/>
+        </p:nvSpPr>
+        <p:spPr>
+          <a:xfrm>
+            <a:off x="1187624" y="1923812"/>
+            <a:ext cx="795411" cy="369332"/>
+          </a:xfrm>
+          <a:prstGeom prst="rect">
+            <a:avLst/>
+          </a:prstGeom>
+          <a:noFill/>
+        </p:spPr>
+        <p:txBody>
+          <a:bodyPr wrap="none" rtlCol="0">
+            <a:spAutoFit/>
+          </a:bodyPr>
+          <a:lstStyle/>
+          <a:p>
+            <a:r>
+              <a:rPr lang="en-US" altLang="ko-KR" dirty="0" smtClean="0"/>
+              <a:t>*</a:t>
+            </a:r>
+            <a:r>
+              <a:rPr lang="ko-KR" altLang="en-US" dirty="0" smtClean="0"/>
+              <a:t>이름</a:t>
+            </a:r>
+            <a:r>
+              <a:rPr lang="en-US" altLang="ko-KR" dirty="0" smtClean="0"/>
+              <a:t>:</a:t>
+            </a:r>
+            <a:endParaRPr lang="ko-KR" altLang="en-US" dirty="0"/>
+          </a:p>
+        </p:txBody>
+      </p:sp>
+      <p:sp>
+        <p:nvSpPr>
+          <p:cNvPr id="6" name="TextBox 5"/>
+          <p:cNvSpPr txBox="1"/>
+          <p:nvPr/>
+        </p:nvSpPr>
+        <p:spPr>
+          <a:xfrm>
+            <a:off x="1187624" y="3521588"/>
+            <a:ext cx="928459" cy="369332"/>
+          </a:xfrm>
+          <a:prstGeom prst="rect">
+            <a:avLst/>
+          </a:prstGeom>
+          <a:noFill/>
+        </p:spPr>
+        <p:txBody>
+          <a:bodyPr wrap="none" rtlCol="0">
+            <a:spAutoFit/>
+          </a:bodyPr>
+          <a:lstStyle/>
+          <a:p>
+            <a:r>
+              <a:rPr lang="ko-KR" altLang="en-US" dirty="0" smtClean="0"/>
+              <a:t>연락처</a:t>
+            </a:r>
+            <a:r>
+              <a:rPr lang="en-US" altLang="ko-KR" dirty="0" smtClean="0"/>
+              <a:t>:</a:t>
+            </a:r>
+            <a:endParaRPr lang="ko-KR" altLang="en-US" dirty="0"/>
+          </a:p>
+        </p:txBody>
+      </p:sp>
+      <p:sp>
+        <p:nvSpPr>
+          <p:cNvPr id="7" name="TextBox 6"/>
+          <p:cNvSpPr txBox="1"/>
+          <p:nvPr/>
+        </p:nvSpPr>
+        <p:spPr>
+          <a:xfrm>
+            <a:off x="1187624" y="2456404"/>
+            <a:ext cx="1026243" cy="369332"/>
+          </a:xfrm>
+          <a:prstGeom prst="rect">
+            <a:avLst/>
+          </a:prstGeom>
+          <a:noFill/>
+        </p:spPr>
+        <p:txBody>
+          <a:bodyPr wrap="none" rtlCol="0">
+            <a:spAutoFit/>
+          </a:bodyPr>
+          <a:lstStyle/>
+          <a:p>
+            <a:r>
+              <a:rPr lang="en-US" altLang="ko-KR" dirty="0" smtClean="0"/>
+              <a:t>*</a:t>
+            </a:r>
+            <a:r>
+              <a:rPr lang="ko-KR" altLang="en-US" dirty="0" smtClean="0"/>
+              <a:t>아이디</a:t>
+            </a:r>
+            <a:r>
+              <a:rPr lang="en-US" altLang="ko-KR" dirty="0" smtClean="0"/>
+              <a:t>:</a:t>
+            </a:r>
+            <a:endParaRPr lang="ko-KR" altLang="en-US" dirty="0"/>
+          </a:p>
+        </p:txBody>
+      </p:sp>
+      <p:sp>
+        <p:nvSpPr>
+          <p:cNvPr id="8" name="TextBox 7"/>
+          <p:cNvSpPr txBox="1"/>
+          <p:nvPr/>
+        </p:nvSpPr>
+        <p:spPr>
+          <a:xfrm>
+            <a:off x="1187624" y="2988996"/>
+            <a:ext cx="1257075" cy="369332"/>
+          </a:xfrm>
+          <a:prstGeom prst="rect">
+            <a:avLst/>
+          </a:prstGeom>
+          <a:noFill/>
+        </p:spPr>
+        <p:txBody>
+          <a:bodyPr wrap="none" rtlCol="0">
+            <a:spAutoFit/>
+          </a:bodyPr>
+          <a:lstStyle/>
+          <a:p>
+            <a:r>
+              <a:rPr lang="en-US" altLang="ko-KR" dirty="0" smtClean="0"/>
+              <a:t>*</a:t>
+            </a:r>
+            <a:r>
+              <a:rPr lang="ko-KR" altLang="en-US" dirty="0" smtClean="0"/>
+              <a:t>비밀번호</a:t>
+            </a:r>
+            <a:r>
+              <a:rPr lang="en-US" altLang="ko-KR" dirty="0" smtClean="0"/>
+              <a:t>:</a:t>
+            </a:r>
+            <a:endParaRPr lang="ko-KR" altLang="en-US" dirty="0"/>
+          </a:p>
+        </p:txBody>
+      </p:sp>
+      <p:sp>
+        <p:nvSpPr>
+          <p:cNvPr id="12" name="TextBox 11"/>
+          <p:cNvSpPr txBox="1"/>
+          <p:nvPr/>
+        </p:nvSpPr>
+        <p:spPr>
+          <a:xfrm>
+            <a:off x="1285408" y="4098776"/>
+            <a:ext cx="697627" cy="369332"/>
+          </a:xfrm>
+          <a:prstGeom prst="rect">
+            <a:avLst/>
+          </a:prstGeom>
+          <a:noFill/>
+        </p:spPr>
+        <p:txBody>
+          <a:bodyPr wrap="none" rtlCol="0">
+            <a:spAutoFit/>
+          </a:bodyPr>
+          <a:lstStyle/>
+          <a:p>
+            <a:r>
+              <a:rPr lang="ko-KR" altLang="en-US" dirty="0" smtClean="0"/>
+              <a:t>사진</a:t>
+            </a:r>
+            <a:r>
+              <a:rPr lang="en-US" altLang="ko-KR" dirty="0" smtClean="0"/>
+              <a:t>:</a:t>
+            </a:r>
+            <a:endParaRPr lang="ko-KR" altLang="en-US" dirty="0"/>
+          </a:p>
+        </p:txBody>
+      </p:sp>
+      <p:sp>
+        <p:nvSpPr>
+          <p:cNvPr id="13" name="직사각형 12"/>
+          <p:cNvSpPr/>
+          <p:nvPr/>
+        </p:nvSpPr>
+        <p:spPr>
+          <a:xfrm>
+            <a:off x="1712421" y="4956395"/>
+            <a:ext cx="1080120" cy="540060"/>
+          </a:xfrm>
+          <a:prstGeom prst="rect">
+            <a:avLst/>
+          </a:prstGeom>
+        </p:spPr>
+        <p:style>
+          <a:lnRef idx="2">
+            <a:schemeClr val="accent1">
+              <a:shade val="50000"/>
+            </a:schemeClr>
+          </a:lnRef>
+          <a:fillRef idx="1">
+            <a:schemeClr val="accent1"/>
+          </a:fillRef>
+          <a:effectRef idx="0">
+            <a:schemeClr val="accent1"/>
+          </a:effectRef>
+          <a:fontRef idx="minor">
+            <a:schemeClr val="lt1"/>
+          </a:fontRef>
+        </p:style>
+        <p:txBody>
+          <a:bodyPr rtlCol="0" anchor="ctr"/>
+          <a:lstStyle/>
+          <a:p>
+            <a:pPr algn="ctr"/>
+            <a:r>
+              <a:rPr lang="ko-KR" altLang="en-US" dirty="0" smtClean="0"/>
+              <a:t>확인</a:t>
+            </a:r>
+            <a:endParaRPr lang="ko-KR" altLang="en-US" dirty="0"/>
+          </a:p>
+        </p:txBody>
+      </p:sp>
+    </p:spTree>
+    <p:extLst>
+      <p:ext uri="{BB962C8B-B14F-4D97-AF65-F5344CB8AC3E}">
+        <p14:creationId xmlns:p14="http://schemas.microsoft.com/office/powerpoint/2010/main" val="2411726367"/>
+      </p:ext>
+    </p:extLst>
+  </p:cSld>
+  <p:clrMapOvr>
+    <a:masterClrMapping/>
+  </p:clrMapOvr>
+</p:sld>
+</file>
+
+<file path=ppt/slides/slide11.xml><?xml version="1.0" encoding="utf-8"?>
+<p:sld xmlns:a="http://schemas.openxmlformats.org/drawingml/2006/main" xmlns:r="http://schemas.openxmlformats.org/officeDocument/2006/relationships" xmlns:p="http://schemas.openxmlformats.org/presentationml/2006/main">
+  <p:cSld>
+    <p:spTree>
+      <p:nvGrpSpPr>
+        <p:cNvPr id="1" name=""/>
+        <p:cNvGrpSpPr/>
+        <p:nvPr/>
+      </p:nvGrpSpPr>
+      <p:grpSpPr>
+        <a:xfrm>
+          <a:off x="0" y="0"/>
+          <a:ext cx="0" cy="0"/>
+          <a:chOff x="0" y="0"/>
+          <a:chExt cx="0" cy="0"/>
+        </a:xfrm>
+      </p:grpSpPr>
+      <p:sp>
+        <p:nvSpPr>
+          <p:cNvPr id="2" name="제목 1"/>
+          <p:cNvSpPr>
+            <a:spLocks noGrp="1"/>
+          </p:cNvSpPr>
+          <p:nvPr>
+            <p:ph type="title"/>
+          </p:nvPr>
+        </p:nvSpPr>
+        <p:spPr/>
+        <p:txBody>
+          <a:bodyPr>
+            <a:normAutofit/>
+          </a:bodyPr>
+          <a:lstStyle/>
+          <a:p>
+            <a:r>
+              <a:rPr lang="ko-KR" altLang="en-US" dirty="0" smtClean="0"/>
+              <a:t>구매 내역</a:t>
+            </a:r>
+            <a:endParaRPr lang="ko-KR" altLang="en-US" dirty="0"/>
+          </a:p>
+        </p:txBody>
+      </p:sp>
+      <p:sp>
+        <p:nvSpPr>
+          <p:cNvPr id="3" name="내용 개체 틀 2"/>
+          <p:cNvSpPr>
+            <a:spLocks noGrp="1"/>
+          </p:cNvSpPr>
+          <p:nvPr>
+            <p:ph idx="1"/>
+          </p:nvPr>
+        </p:nvSpPr>
+        <p:spPr/>
+        <p:txBody>
+          <a:bodyPr/>
+          <a:lstStyle/>
+          <a:p>
+            <a:endParaRPr lang="ko-KR" altLang="en-US"/>
+          </a:p>
+        </p:txBody>
+      </p:sp>
+      <p:sp>
+        <p:nvSpPr>
+          <p:cNvPr id="4" name="직사각형 3"/>
+          <p:cNvSpPr/>
+          <p:nvPr/>
+        </p:nvSpPr>
+        <p:spPr>
+          <a:xfrm>
+            <a:off x="899592" y="1600200"/>
+            <a:ext cx="4176464" cy="4997152"/>
+          </a:xfrm>
+          <a:prstGeom prst="rect">
+            <a:avLst/>
+          </a:prstGeom>
+        </p:spPr>
+        <p:style>
+          <a:lnRef idx="2">
+            <a:schemeClr val="accent1">
+              <a:shade val="50000"/>
+            </a:schemeClr>
+          </a:lnRef>
+          <a:fillRef idx="1">
+            <a:schemeClr val="accent1"/>
+          </a:fillRef>
+          <a:effectRef idx="0">
+            <a:schemeClr val="accent1"/>
+          </a:effectRef>
+          <a:fontRef idx="minor">
+            <a:schemeClr val="lt1"/>
+          </a:fontRef>
+        </p:style>
+        <p:txBody>
+          <a:bodyPr rtlCol="0" anchor="ctr"/>
+          <a:lstStyle/>
+          <a:p>
+            <a:pPr algn="ctr"/>
+            <a:endParaRPr lang="ko-KR" altLang="en-US" dirty="0"/>
+          </a:p>
+        </p:txBody>
+      </p:sp>
+      <p:sp>
+        <p:nvSpPr>
+          <p:cNvPr id="5" name="TextBox 4"/>
+          <p:cNvSpPr txBox="1"/>
+          <p:nvPr/>
+        </p:nvSpPr>
+        <p:spPr>
+          <a:xfrm>
+            <a:off x="1187624" y="1923812"/>
+            <a:ext cx="795411" cy="369332"/>
+          </a:xfrm>
+          <a:prstGeom prst="rect">
+            <a:avLst/>
+          </a:prstGeom>
+          <a:noFill/>
+        </p:spPr>
+        <p:txBody>
+          <a:bodyPr wrap="none" rtlCol="0">
+            <a:spAutoFit/>
+          </a:bodyPr>
+          <a:lstStyle/>
+          <a:p>
+            <a:r>
+              <a:rPr lang="en-US" altLang="ko-KR" dirty="0" smtClean="0"/>
+              <a:t>*</a:t>
+            </a:r>
+            <a:r>
+              <a:rPr lang="ko-KR" altLang="en-US" dirty="0" smtClean="0"/>
+              <a:t>이름</a:t>
+            </a:r>
+            <a:r>
+              <a:rPr lang="en-US" altLang="ko-KR" dirty="0" smtClean="0"/>
+              <a:t>:</a:t>
+            </a:r>
+            <a:endParaRPr lang="ko-KR" altLang="en-US" dirty="0"/>
+          </a:p>
+        </p:txBody>
+      </p:sp>
+      <p:sp>
+        <p:nvSpPr>
+          <p:cNvPr id="6" name="TextBox 5"/>
+          <p:cNvSpPr txBox="1"/>
+          <p:nvPr/>
+        </p:nvSpPr>
+        <p:spPr>
+          <a:xfrm>
+            <a:off x="1187624" y="3521588"/>
+            <a:ext cx="928459" cy="369332"/>
+          </a:xfrm>
+          <a:prstGeom prst="rect">
+            <a:avLst/>
+          </a:prstGeom>
+          <a:noFill/>
+        </p:spPr>
+        <p:txBody>
+          <a:bodyPr wrap="none" rtlCol="0">
+            <a:spAutoFit/>
+          </a:bodyPr>
+          <a:lstStyle/>
+          <a:p>
+            <a:r>
+              <a:rPr lang="ko-KR" altLang="en-US" dirty="0" smtClean="0"/>
+              <a:t>연락처</a:t>
+            </a:r>
+            <a:r>
+              <a:rPr lang="en-US" altLang="ko-KR" dirty="0" smtClean="0"/>
+              <a:t>:</a:t>
+            </a:r>
+            <a:endParaRPr lang="ko-KR" altLang="en-US" dirty="0"/>
+          </a:p>
+        </p:txBody>
+      </p:sp>
+      <p:sp>
+        <p:nvSpPr>
+          <p:cNvPr id="7" name="TextBox 6"/>
+          <p:cNvSpPr txBox="1"/>
+          <p:nvPr/>
+        </p:nvSpPr>
+        <p:spPr>
+          <a:xfrm>
+            <a:off x="1187624" y="2456404"/>
+            <a:ext cx="1026243" cy="369332"/>
+          </a:xfrm>
+          <a:prstGeom prst="rect">
+            <a:avLst/>
+          </a:prstGeom>
+          <a:noFill/>
+        </p:spPr>
+        <p:txBody>
+          <a:bodyPr wrap="none" rtlCol="0">
+            <a:spAutoFit/>
+          </a:bodyPr>
+          <a:lstStyle/>
+          <a:p>
+            <a:r>
+              <a:rPr lang="en-US" altLang="ko-KR" dirty="0" smtClean="0"/>
+              <a:t>*</a:t>
+            </a:r>
+            <a:r>
+              <a:rPr lang="ko-KR" altLang="en-US" dirty="0" smtClean="0"/>
+              <a:t>아이디</a:t>
+            </a:r>
+            <a:r>
+              <a:rPr lang="en-US" altLang="ko-KR" dirty="0" smtClean="0"/>
+              <a:t>:</a:t>
+            </a:r>
+            <a:endParaRPr lang="ko-KR" altLang="en-US" dirty="0"/>
+          </a:p>
+        </p:txBody>
+      </p:sp>
+      <p:sp>
+        <p:nvSpPr>
+          <p:cNvPr id="8" name="TextBox 7"/>
+          <p:cNvSpPr txBox="1"/>
+          <p:nvPr/>
+        </p:nvSpPr>
+        <p:spPr>
+          <a:xfrm>
+            <a:off x="1187624" y="2988996"/>
+            <a:ext cx="1257075" cy="369332"/>
+          </a:xfrm>
+          <a:prstGeom prst="rect">
+            <a:avLst/>
+          </a:prstGeom>
+          <a:noFill/>
+        </p:spPr>
+        <p:txBody>
+          <a:bodyPr wrap="none" rtlCol="0">
+            <a:spAutoFit/>
+          </a:bodyPr>
+          <a:lstStyle/>
+          <a:p>
+            <a:r>
+              <a:rPr lang="en-US" altLang="ko-KR" dirty="0" smtClean="0"/>
+              <a:t>*</a:t>
+            </a:r>
+            <a:r>
+              <a:rPr lang="ko-KR" altLang="en-US" dirty="0" smtClean="0"/>
+              <a:t>비밀번호</a:t>
+            </a:r>
+            <a:r>
+              <a:rPr lang="en-US" altLang="ko-KR" dirty="0" smtClean="0"/>
+              <a:t>:</a:t>
+            </a:r>
+            <a:endParaRPr lang="ko-KR" altLang="en-US" dirty="0"/>
+          </a:p>
+        </p:txBody>
+      </p:sp>
+      <p:sp>
+        <p:nvSpPr>
+          <p:cNvPr id="12" name="TextBox 11"/>
+          <p:cNvSpPr txBox="1"/>
+          <p:nvPr/>
+        </p:nvSpPr>
+        <p:spPr>
+          <a:xfrm>
+            <a:off x="1285408" y="4098776"/>
+            <a:ext cx="697627" cy="369332"/>
+          </a:xfrm>
+          <a:prstGeom prst="rect">
+            <a:avLst/>
+          </a:prstGeom>
+          <a:noFill/>
+        </p:spPr>
+        <p:txBody>
+          <a:bodyPr wrap="none" rtlCol="0">
+            <a:spAutoFit/>
+          </a:bodyPr>
+          <a:lstStyle/>
+          <a:p>
+            <a:r>
+              <a:rPr lang="ko-KR" altLang="en-US" dirty="0" smtClean="0"/>
+              <a:t>사진</a:t>
+            </a:r>
+            <a:r>
+              <a:rPr lang="en-US" altLang="ko-KR" dirty="0" smtClean="0"/>
+              <a:t>:</a:t>
+            </a:r>
+            <a:endParaRPr lang="ko-KR" altLang="en-US" dirty="0"/>
+          </a:p>
+        </p:txBody>
+      </p:sp>
+      <p:sp>
+        <p:nvSpPr>
+          <p:cNvPr id="13" name="직사각형 12"/>
+          <p:cNvSpPr/>
+          <p:nvPr/>
+        </p:nvSpPr>
+        <p:spPr>
+          <a:xfrm>
+            <a:off x="1712421" y="4956395"/>
+            <a:ext cx="1080120" cy="540060"/>
+          </a:xfrm>
+          <a:prstGeom prst="rect">
+            <a:avLst/>
+          </a:prstGeom>
+        </p:spPr>
+        <p:style>
+          <a:lnRef idx="2">
+            <a:schemeClr val="accent1">
+              <a:shade val="50000"/>
+            </a:schemeClr>
+          </a:lnRef>
+          <a:fillRef idx="1">
+            <a:schemeClr val="accent1"/>
+          </a:fillRef>
+          <a:effectRef idx="0">
+            <a:schemeClr val="accent1"/>
+          </a:effectRef>
+          <a:fontRef idx="minor">
+            <a:schemeClr val="lt1"/>
+          </a:fontRef>
+        </p:style>
+        <p:txBody>
+          <a:bodyPr rtlCol="0" anchor="ctr"/>
+          <a:lstStyle/>
+          <a:p>
+            <a:pPr algn="ctr"/>
+            <a:r>
+              <a:rPr lang="ko-KR" altLang="en-US" dirty="0" smtClean="0"/>
+              <a:t>확인</a:t>
+            </a:r>
+            <a:endParaRPr lang="ko-KR" altLang="en-US" dirty="0"/>
+          </a:p>
+        </p:txBody>
+      </p:sp>
+    </p:spTree>
+    <p:extLst>
+      <p:ext uri="{BB962C8B-B14F-4D97-AF65-F5344CB8AC3E}">
+        <p14:creationId xmlns:p14="http://schemas.microsoft.com/office/powerpoint/2010/main" val="2665633115"/>
+      </p:ext>
+    </p:extLst>
+  </p:cSld>
+  <p:clrMapOvr>
+    <a:masterClrMapping/>
+  </p:clrMapOvr>
+</p:sld>
+</file>
+
+<file path=ppt/slides/slide12.xml><?xml version="1.0" encoding="utf-8"?>
+<p:sld xmlns:a="http://schemas.openxmlformats.org/drawingml/2006/main" xmlns:r="http://schemas.openxmlformats.org/officeDocument/2006/relationships" xmlns:p="http://schemas.openxmlformats.org/presentationml/2006/main">
+  <p:cSld>
+    <p:spTree>
+      <p:nvGrpSpPr>
+        <p:cNvPr id="1" name=""/>
+        <p:cNvGrpSpPr/>
+        <p:nvPr/>
+      </p:nvGrpSpPr>
+      <p:grpSpPr>
+        <a:xfrm>
+          <a:off x="0" y="0"/>
+          <a:ext cx="0" cy="0"/>
+          <a:chOff x="0" y="0"/>
+          <a:chExt cx="0" cy="0"/>
+        </a:xfrm>
+      </p:grpSpPr>
+      <p:sp>
+        <p:nvSpPr>
+          <p:cNvPr id="2" name="제목 1"/>
+          <p:cNvSpPr>
+            <a:spLocks noGrp="1"/>
+          </p:cNvSpPr>
+          <p:nvPr>
+            <p:ph type="title"/>
+          </p:nvPr>
+        </p:nvSpPr>
+        <p:spPr/>
+        <p:txBody>
+          <a:bodyPr>
+            <a:normAutofit/>
+          </a:bodyPr>
+          <a:lstStyle/>
+          <a:p>
+            <a:r>
+              <a:rPr lang="ko-KR" altLang="en-US" dirty="0" smtClean="0"/>
+              <a:t>찜 한 항</a:t>
+            </a:r>
+            <a:r>
+              <a:rPr lang="ko-KR" altLang="en-US" dirty="0" smtClean="0"/>
+              <a:t>목</a:t>
+            </a:r>
+            <a:endParaRPr lang="ko-KR" altLang="en-US" dirty="0"/>
+          </a:p>
+        </p:txBody>
+      </p:sp>
+      <p:sp>
+        <p:nvSpPr>
+          <p:cNvPr id="3" name="내용 개체 틀 2"/>
+          <p:cNvSpPr>
+            <a:spLocks noGrp="1"/>
+          </p:cNvSpPr>
+          <p:nvPr>
+            <p:ph idx="1"/>
+          </p:nvPr>
+        </p:nvSpPr>
+        <p:spPr/>
+        <p:txBody>
+          <a:bodyPr/>
+          <a:lstStyle/>
+          <a:p>
+            <a:endParaRPr lang="ko-KR" altLang="en-US"/>
+          </a:p>
+        </p:txBody>
+      </p:sp>
+      <p:sp>
+        <p:nvSpPr>
+          <p:cNvPr id="4" name="직사각형 3"/>
+          <p:cNvSpPr/>
+          <p:nvPr/>
+        </p:nvSpPr>
+        <p:spPr>
+          <a:xfrm>
+            <a:off x="899592" y="1600200"/>
+            <a:ext cx="4176464" cy="4997152"/>
+          </a:xfrm>
+          <a:prstGeom prst="rect">
+            <a:avLst/>
+          </a:prstGeom>
+        </p:spPr>
+        <p:style>
+          <a:lnRef idx="2">
+            <a:schemeClr val="accent1">
+              <a:shade val="50000"/>
+            </a:schemeClr>
+          </a:lnRef>
+          <a:fillRef idx="1">
+            <a:schemeClr val="accent1"/>
+          </a:fillRef>
+          <a:effectRef idx="0">
+            <a:schemeClr val="accent1"/>
+          </a:effectRef>
+          <a:fontRef idx="minor">
+            <a:schemeClr val="lt1"/>
+          </a:fontRef>
+        </p:style>
+        <p:txBody>
+          <a:bodyPr rtlCol="0" anchor="ctr"/>
+          <a:lstStyle/>
+          <a:p>
+            <a:pPr algn="ctr"/>
+            <a:endParaRPr lang="ko-KR" altLang="en-US" dirty="0"/>
+          </a:p>
+        </p:txBody>
+      </p:sp>
+      <p:sp>
+        <p:nvSpPr>
+          <p:cNvPr id="5" name="TextBox 4"/>
+          <p:cNvSpPr txBox="1"/>
+          <p:nvPr/>
+        </p:nvSpPr>
+        <p:spPr>
+          <a:xfrm>
+            <a:off x="1187624" y="1923812"/>
+            <a:ext cx="795411" cy="369332"/>
+          </a:xfrm>
+          <a:prstGeom prst="rect">
+            <a:avLst/>
+          </a:prstGeom>
+          <a:noFill/>
+        </p:spPr>
+        <p:txBody>
+          <a:bodyPr wrap="none" rtlCol="0">
+            <a:spAutoFit/>
+          </a:bodyPr>
+          <a:lstStyle/>
+          <a:p>
+            <a:r>
+              <a:rPr lang="en-US" altLang="ko-KR" dirty="0" smtClean="0"/>
+              <a:t>*</a:t>
+            </a:r>
+            <a:r>
+              <a:rPr lang="ko-KR" altLang="en-US" dirty="0" smtClean="0"/>
+              <a:t>이름</a:t>
+            </a:r>
+            <a:r>
+              <a:rPr lang="en-US" altLang="ko-KR" dirty="0" smtClean="0"/>
+              <a:t>:</a:t>
+            </a:r>
+            <a:endParaRPr lang="ko-KR" altLang="en-US" dirty="0"/>
+          </a:p>
+        </p:txBody>
+      </p:sp>
+      <p:sp>
+        <p:nvSpPr>
+          <p:cNvPr id="6" name="TextBox 5"/>
+          <p:cNvSpPr txBox="1"/>
+          <p:nvPr/>
+        </p:nvSpPr>
+        <p:spPr>
+          <a:xfrm>
+            <a:off x="1187624" y="3521588"/>
+            <a:ext cx="928459" cy="369332"/>
+          </a:xfrm>
+          <a:prstGeom prst="rect">
+            <a:avLst/>
+          </a:prstGeom>
+          <a:noFill/>
+        </p:spPr>
+        <p:txBody>
+          <a:bodyPr wrap="none" rtlCol="0">
+            <a:spAutoFit/>
+          </a:bodyPr>
+          <a:lstStyle/>
+          <a:p>
+            <a:r>
+              <a:rPr lang="ko-KR" altLang="en-US" dirty="0" smtClean="0"/>
+              <a:t>연락처</a:t>
+            </a:r>
+            <a:r>
+              <a:rPr lang="en-US" altLang="ko-KR" dirty="0" smtClean="0"/>
+              <a:t>:</a:t>
+            </a:r>
+            <a:endParaRPr lang="ko-KR" altLang="en-US" dirty="0"/>
+          </a:p>
+        </p:txBody>
+      </p:sp>
+      <p:sp>
+        <p:nvSpPr>
+          <p:cNvPr id="7" name="TextBox 6"/>
+          <p:cNvSpPr txBox="1"/>
+          <p:nvPr/>
+        </p:nvSpPr>
+        <p:spPr>
+          <a:xfrm>
+            <a:off x="1187624" y="2456404"/>
+            <a:ext cx="1026243" cy="369332"/>
+          </a:xfrm>
+          <a:prstGeom prst="rect">
+            <a:avLst/>
+          </a:prstGeom>
+          <a:noFill/>
+        </p:spPr>
+        <p:txBody>
+          <a:bodyPr wrap="none" rtlCol="0">
+            <a:spAutoFit/>
+          </a:bodyPr>
+          <a:lstStyle/>
+          <a:p>
+            <a:r>
+              <a:rPr lang="en-US" altLang="ko-KR" dirty="0" smtClean="0"/>
+              <a:t>*</a:t>
+            </a:r>
+            <a:r>
+              <a:rPr lang="ko-KR" altLang="en-US" dirty="0" smtClean="0"/>
+              <a:t>아이디</a:t>
+            </a:r>
+            <a:r>
+              <a:rPr lang="en-US" altLang="ko-KR" dirty="0" smtClean="0"/>
+              <a:t>:</a:t>
+            </a:r>
+            <a:endParaRPr lang="ko-KR" altLang="en-US" dirty="0"/>
+          </a:p>
+        </p:txBody>
+      </p:sp>
+      <p:sp>
+        <p:nvSpPr>
+          <p:cNvPr id="8" name="TextBox 7"/>
+          <p:cNvSpPr txBox="1"/>
+          <p:nvPr/>
+        </p:nvSpPr>
+        <p:spPr>
+          <a:xfrm>
+            <a:off x="1187624" y="2988996"/>
+            <a:ext cx="1257075" cy="369332"/>
+          </a:xfrm>
+          <a:prstGeom prst="rect">
+            <a:avLst/>
+          </a:prstGeom>
+          <a:noFill/>
+        </p:spPr>
+        <p:txBody>
+          <a:bodyPr wrap="none" rtlCol="0">
+            <a:spAutoFit/>
+          </a:bodyPr>
+          <a:lstStyle/>
+          <a:p>
+            <a:r>
+              <a:rPr lang="en-US" altLang="ko-KR" dirty="0" smtClean="0"/>
+              <a:t>*</a:t>
+            </a:r>
+            <a:r>
+              <a:rPr lang="ko-KR" altLang="en-US" dirty="0" smtClean="0"/>
+              <a:t>비밀번호</a:t>
+            </a:r>
+            <a:r>
+              <a:rPr lang="en-US" altLang="ko-KR" dirty="0" smtClean="0"/>
+              <a:t>:</a:t>
+            </a:r>
+            <a:endParaRPr lang="ko-KR" altLang="en-US" dirty="0"/>
+          </a:p>
+        </p:txBody>
+      </p:sp>
+      <p:sp>
+        <p:nvSpPr>
+          <p:cNvPr id="12" name="TextBox 11"/>
+          <p:cNvSpPr txBox="1"/>
+          <p:nvPr/>
+        </p:nvSpPr>
+        <p:spPr>
+          <a:xfrm>
+            <a:off x="1285408" y="4098776"/>
+            <a:ext cx="697627" cy="369332"/>
+          </a:xfrm>
+          <a:prstGeom prst="rect">
+            <a:avLst/>
+          </a:prstGeom>
+          <a:noFill/>
+        </p:spPr>
+        <p:txBody>
+          <a:bodyPr wrap="none" rtlCol="0">
+            <a:spAutoFit/>
+          </a:bodyPr>
+          <a:lstStyle/>
+          <a:p>
+            <a:r>
+              <a:rPr lang="ko-KR" altLang="en-US" dirty="0" smtClean="0"/>
+              <a:t>사진</a:t>
+            </a:r>
+            <a:r>
+              <a:rPr lang="en-US" altLang="ko-KR" dirty="0" smtClean="0"/>
+              <a:t>:</a:t>
+            </a:r>
+            <a:endParaRPr lang="ko-KR" altLang="en-US" dirty="0"/>
+          </a:p>
+        </p:txBody>
+      </p:sp>
+      <p:sp>
+        <p:nvSpPr>
+          <p:cNvPr id="13" name="직사각형 12"/>
+          <p:cNvSpPr/>
+          <p:nvPr/>
+        </p:nvSpPr>
+        <p:spPr>
+          <a:xfrm>
+            <a:off x="1712421" y="4956395"/>
+            <a:ext cx="1080120" cy="540060"/>
+          </a:xfrm>
+          <a:prstGeom prst="rect">
+            <a:avLst/>
+          </a:prstGeom>
+        </p:spPr>
+        <p:style>
+          <a:lnRef idx="2">
+            <a:schemeClr val="accent1">
+              <a:shade val="50000"/>
+            </a:schemeClr>
+          </a:lnRef>
+          <a:fillRef idx="1">
+            <a:schemeClr val="accent1"/>
+          </a:fillRef>
+          <a:effectRef idx="0">
+            <a:schemeClr val="accent1"/>
+          </a:effectRef>
+          <a:fontRef idx="minor">
+            <a:schemeClr val="lt1"/>
+          </a:fontRef>
+        </p:style>
+        <p:txBody>
+          <a:bodyPr rtlCol="0" anchor="ctr"/>
+          <a:lstStyle/>
+          <a:p>
+            <a:pPr algn="ctr"/>
+            <a:r>
+              <a:rPr lang="ko-KR" altLang="en-US" dirty="0" smtClean="0"/>
+              <a:t>확인</a:t>
+            </a:r>
+            <a:endParaRPr lang="ko-KR" altLang="en-US" dirty="0"/>
+          </a:p>
+        </p:txBody>
+      </p:sp>
+    </p:spTree>
+    <p:extLst>
+      <p:ext uri="{BB962C8B-B14F-4D97-AF65-F5344CB8AC3E}">
+        <p14:creationId xmlns:p14="http://schemas.microsoft.com/office/powerpoint/2010/main" val="2902872380"/>
       </p:ext>
     </p:extLst>
   </p:cSld>
@@ -3184,35 +10398,38 @@
           <a:lstStyle/>
           <a:p>
             <a:r>
-              <a:rPr lang="ko-KR" altLang="en-US" dirty="0" smtClean="0"/>
-              <a:t>구</a:t>
-            </a:r>
-            <a:r>
-              <a:rPr lang="ko-KR" altLang="en-US" dirty="0"/>
-              <a:t>성</a:t>
-            </a:r>
-          </a:p>
-        </p:txBody>
-      </p:sp>
-      <p:sp>
-        <p:nvSpPr>
-          <p:cNvPr id="3" name="내용 개체 틀 2"/>
-          <p:cNvSpPr>
-            <a:spLocks noGrp="1"/>
-          </p:cNvSpPr>
+              <a:rPr lang="en-US" altLang="ko-KR" dirty="0" smtClean="0"/>
+              <a:t>UI</a:t>
+            </a:r>
+            <a:endParaRPr lang="ko-KR" altLang="en-US" dirty="0"/>
+          </a:p>
+        </p:txBody>
+      </p:sp>
+      <p:graphicFrame>
+        <p:nvGraphicFramePr>
+          <p:cNvPr id="4" name="내용 개체 틀 3"/>
+          <p:cNvGraphicFramePr>
+            <a:graphicFrameLocks noGrp="1"/>
+          </p:cNvGraphicFramePr>
           <p:nvPr>
             <p:ph idx="1"/>
+            <p:extLst>
+              <p:ext uri="{D42A27DB-BD31-4B8C-83A1-F6EECF244321}">
+                <p14:modId xmlns:p14="http://schemas.microsoft.com/office/powerpoint/2010/main" val="1059271073"/>
+              </p:ext>
+            </p:extLst>
           </p:nvPr>
-        </p:nvSpPr>
-        <p:spPr/>
-        <p:txBody>
-          <a:bodyPr/>
-          <a:lstStyle/>
-          <a:p>
-            <a:endParaRPr lang="ko-KR" altLang="en-US"/>
-          </a:p>
-        </p:txBody>
-      </p:sp>
+        </p:nvGraphicFramePr>
+        <p:xfrm>
+          <a:off x="457200" y="1600200"/>
+          <a:ext cx="8229600" cy="4525963"/>
+        </p:xfrm>
+        <a:graphic>
+          <a:graphicData uri="http://schemas.openxmlformats.org/drawingml/2006/diagram">
+            <dgm:relIds xmlns:dgm="http://schemas.openxmlformats.org/drawingml/2006/diagram" xmlns:r="http://schemas.openxmlformats.org/officeDocument/2006/relationships" r:dm="rId2" r:lo="rId3" r:qs="rId4" r:cs="rId5"/>
+          </a:graphicData>
+        </a:graphic>
+      </p:graphicFrame>
     </p:spTree>
     <p:extLst>
       <p:ext uri="{BB962C8B-B14F-4D97-AF65-F5344CB8AC3E}">
@@ -3347,7 +10564,7 @@
           </p:nvSpPr>
           <p:spPr>
             <a:xfrm>
-              <a:off x="2051720" y="2399201"/>
+              <a:off x="1194692" y="3383703"/>
               <a:ext cx="1440160" cy="720080"/>
             </a:xfrm>
             <a:prstGeom prst="rect">
@@ -3394,7 +10611,7 @@
           </p:nvSpPr>
           <p:spPr>
             <a:xfrm>
-              <a:off x="2051720" y="3356992"/>
+              <a:off x="2658342" y="3383703"/>
               <a:ext cx="1440160" cy="720080"/>
             </a:xfrm>
             <a:prstGeom prst="rect">
@@ -3431,6 +10648,238 @@
           </p:txBody>
         </p:sp>
       </p:grpSp>
+      <p:sp>
+        <p:nvSpPr>
+          <p:cNvPr id="8" name="직사각형 7"/>
+          <p:cNvSpPr/>
+          <p:nvPr/>
+        </p:nvSpPr>
+        <p:spPr>
+          <a:xfrm>
+            <a:off x="1283122" y="2017549"/>
+            <a:ext cx="1440160" cy="720080"/>
+          </a:xfrm>
+          <a:prstGeom prst="rect">
+            <a:avLst/>
+          </a:prstGeom>
+        </p:spPr>
+        <p:style>
+          <a:lnRef idx="2">
+            <a:schemeClr val="accent1">
+              <a:shade val="50000"/>
+            </a:schemeClr>
+          </a:lnRef>
+          <a:fillRef idx="1">
+            <a:schemeClr val="accent1"/>
+          </a:fillRef>
+          <a:effectRef idx="0">
+            <a:schemeClr val="accent1"/>
+          </a:effectRef>
+          <a:fontRef idx="minor">
+            <a:schemeClr val="lt1"/>
+          </a:fontRef>
+        </p:style>
+        <p:txBody>
+          <a:bodyPr rtlCol="0" anchor="ctr"/>
+          <a:lstStyle/>
+          <a:p>
+            <a:pPr algn="ctr"/>
+            <a:r>
+              <a:rPr lang="ko-KR" altLang="en-US" dirty="0" smtClean="0"/>
+              <a:t>아이디</a:t>
+            </a:r>
+            <a:endParaRPr lang="ko-KR" altLang="en-US" dirty="0"/>
+          </a:p>
+        </p:txBody>
+      </p:sp>
+      <p:sp>
+        <p:nvSpPr>
+          <p:cNvPr id="9" name="직사각형 8"/>
+          <p:cNvSpPr/>
+          <p:nvPr/>
+        </p:nvSpPr>
+        <p:spPr>
+          <a:xfrm>
+            <a:off x="1283122" y="2731259"/>
+            <a:ext cx="1440160" cy="720080"/>
+          </a:xfrm>
+          <a:prstGeom prst="rect">
+            <a:avLst/>
+          </a:prstGeom>
+        </p:spPr>
+        <p:style>
+          <a:lnRef idx="2">
+            <a:schemeClr val="accent1">
+              <a:shade val="50000"/>
+            </a:schemeClr>
+          </a:lnRef>
+          <a:fillRef idx="1">
+            <a:schemeClr val="accent1"/>
+          </a:fillRef>
+          <a:effectRef idx="0">
+            <a:schemeClr val="accent1"/>
+          </a:effectRef>
+          <a:fontRef idx="minor">
+            <a:schemeClr val="lt1"/>
+          </a:fontRef>
+        </p:style>
+        <p:txBody>
+          <a:bodyPr rtlCol="0" anchor="ctr"/>
+          <a:lstStyle/>
+          <a:p>
+            <a:pPr algn="ctr"/>
+            <a:r>
+              <a:rPr lang="ko-KR" altLang="en-US" dirty="0" smtClean="0"/>
+              <a:t>비밀번호</a:t>
+            </a:r>
+            <a:endParaRPr lang="ko-KR" altLang="en-US" dirty="0"/>
+          </a:p>
+        </p:txBody>
+      </p:sp>
+      <p:sp>
+        <p:nvSpPr>
+          <p:cNvPr id="10" name="직사각형 9"/>
+          <p:cNvSpPr/>
+          <p:nvPr/>
+        </p:nvSpPr>
+        <p:spPr>
+          <a:xfrm>
+            <a:off x="866631" y="4430361"/>
+            <a:ext cx="1440160" cy="720080"/>
+          </a:xfrm>
+          <a:prstGeom prst="rect">
+            <a:avLst/>
+          </a:prstGeom>
+        </p:spPr>
+        <p:style>
+          <a:lnRef idx="2">
+            <a:schemeClr val="accent1">
+              <a:shade val="50000"/>
+            </a:schemeClr>
+          </a:lnRef>
+          <a:fillRef idx="1">
+            <a:schemeClr val="accent1"/>
+          </a:fillRef>
+          <a:effectRef idx="0">
+            <a:schemeClr val="accent1"/>
+          </a:effectRef>
+          <a:fontRef idx="minor">
+            <a:schemeClr val="lt1"/>
+          </a:fontRef>
+        </p:style>
+        <p:txBody>
+          <a:bodyPr rtlCol="0" anchor="ctr"/>
+          <a:lstStyle/>
+          <a:p>
+            <a:pPr algn="ctr"/>
+            <a:r>
+              <a:rPr lang="ko-KR" altLang="en-US" dirty="0" smtClean="0"/>
+              <a:t>아이디 찾기</a:t>
+            </a:r>
+            <a:endParaRPr lang="ko-KR" altLang="en-US" dirty="0"/>
+          </a:p>
+        </p:txBody>
+      </p:sp>
+      <p:sp>
+        <p:nvSpPr>
+          <p:cNvPr id="11" name="직사각형 10"/>
+          <p:cNvSpPr/>
+          <p:nvPr/>
+        </p:nvSpPr>
+        <p:spPr>
+          <a:xfrm>
+            <a:off x="2396520" y="4422645"/>
+            <a:ext cx="1440160" cy="720080"/>
+          </a:xfrm>
+          <a:prstGeom prst="rect">
+            <a:avLst/>
+          </a:prstGeom>
+        </p:spPr>
+        <p:style>
+          <a:lnRef idx="2">
+            <a:schemeClr val="accent1">
+              <a:shade val="50000"/>
+            </a:schemeClr>
+          </a:lnRef>
+          <a:fillRef idx="1">
+            <a:schemeClr val="accent1"/>
+          </a:fillRef>
+          <a:effectRef idx="0">
+            <a:schemeClr val="accent1"/>
+          </a:effectRef>
+          <a:fontRef idx="minor">
+            <a:schemeClr val="lt1"/>
+          </a:fontRef>
+        </p:style>
+        <p:txBody>
+          <a:bodyPr rtlCol="0" anchor="ctr"/>
+          <a:lstStyle/>
+          <a:p>
+            <a:pPr algn="ctr"/>
+            <a:r>
+              <a:rPr lang="ko-KR" altLang="en-US" dirty="0" smtClean="0"/>
+              <a:t>비밀번호</a:t>
+            </a:r>
+            <a:endParaRPr lang="en-US" altLang="ko-KR" dirty="0" smtClean="0"/>
+          </a:p>
+          <a:p>
+            <a:pPr algn="ctr"/>
+            <a:r>
+              <a:rPr lang="ko-KR" altLang="en-US" dirty="0" smtClean="0"/>
+              <a:t>찾기</a:t>
+            </a:r>
+            <a:endParaRPr lang="ko-KR" altLang="en-US" dirty="0"/>
+          </a:p>
+        </p:txBody>
+      </p:sp>
+      <p:sp>
+        <p:nvSpPr>
+          <p:cNvPr id="12" name="직사각형 11"/>
+          <p:cNvSpPr/>
+          <p:nvPr/>
+        </p:nvSpPr>
+        <p:spPr>
+          <a:xfrm>
+            <a:off x="866631" y="5402898"/>
+            <a:ext cx="1440160" cy="720080"/>
+          </a:xfrm>
+          <a:prstGeom prst="rect">
+            <a:avLst/>
+          </a:prstGeom>
+        </p:spPr>
+        <p:style>
+          <a:lnRef idx="2">
+            <a:schemeClr val="accent1">
+              <a:shade val="50000"/>
+            </a:schemeClr>
+          </a:lnRef>
+          <a:fillRef idx="1">
+            <a:schemeClr val="accent1"/>
+          </a:fillRef>
+          <a:effectRef idx="0">
+            <a:schemeClr val="accent1"/>
+          </a:effectRef>
+          <a:fontRef idx="minor">
+            <a:schemeClr val="lt1"/>
+          </a:fontRef>
+        </p:style>
+        <p:txBody>
+          <a:bodyPr rtlCol="0" anchor="ctr"/>
+          <a:lstStyle/>
+          <a:p>
+            <a:pPr algn="ctr"/>
+            <a:r>
+              <a:rPr lang="ko-KR" altLang="en-US" dirty="0" smtClean="0"/>
+              <a:t>자동로그인</a:t>
+            </a:r>
+            <a:r>
+              <a:rPr lang="en-US" altLang="ko-KR" dirty="0" smtClean="0"/>
+              <a:t>?</a:t>
+            </a:r>
+            <a:endParaRPr lang="ko-KR" altLang="en-US" dirty="0"/>
+          </a:p>
+        </p:txBody>
+      </p:sp>
     </p:spTree>
     <p:extLst>
       <p:ext uri="{BB962C8B-B14F-4D97-AF65-F5344CB8AC3E}">
@@ -3477,8 +10926,8 @@
           <a:lstStyle/>
           <a:p>
             <a:r>
-              <a:rPr lang="en-US" altLang="ko-KR" dirty="0" smtClean="0"/>
-              <a:t>2</a:t>
+              <a:rPr lang="ko-KR" altLang="en-US" dirty="0" err="1" smtClean="0"/>
+              <a:t>이용약</a:t>
             </a:r>
             <a:endParaRPr lang="ko-KR" altLang="en-US" dirty="0"/>
           </a:p>
@@ -3503,16 +10952,167 @@
           </a:p>
         </p:txBody>
       </p:sp>
-      <p:sp>
-        <p:nvSpPr>
-          <p:cNvPr id="4" name="직사각형 3"/>
+      <p:grpSp>
+        <p:nvGrpSpPr>
+          <p:cNvPr id="4" name="그룹 3"/>
+          <p:cNvGrpSpPr/>
+          <p:nvPr/>
+        </p:nvGrpSpPr>
+        <p:grpSpPr>
+          <a:xfrm>
+            <a:off x="683568" y="1412776"/>
+            <a:ext cx="3456384" cy="4896544"/>
+            <a:chOff x="1043608" y="1268760"/>
+            <a:chExt cx="3456384" cy="4896544"/>
+          </a:xfrm>
+        </p:grpSpPr>
+        <p:sp>
+          <p:nvSpPr>
+            <p:cNvPr id="5" name="직사각형 4"/>
+            <p:cNvSpPr/>
+            <p:nvPr/>
+          </p:nvSpPr>
+          <p:spPr>
+            <a:xfrm>
+              <a:off x="1043608" y="1268760"/>
+              <a:ext cx="3456384" cy="4896544"/>
+            </a:xfrm>
+            <a:prstGeom prst="rect">
+              <a:avLst/>
+            </a:prstGeom>
+          </p:spPr>
+          <p:style>
+            <a:lnRef idx="2">
+              <a:schemeClr val="accent1">
+                <a:shade val="50000"/>
+              </a:schemeClr>
+            </a:lnRef>
+            <a:fillRef idx="1">
+              <a:schemeClr val="accent1"/>
+            </a:fillRef>
+            <a:effectRef idx="0">
+              <a:schemeClr val="accent1"/>
+            </a:effectRef>
+            <a:fontRef idx="minor">
+              <a:schemeClr val="lt1"/>
+            </a:fontRef>
+          </p:style>
+          <p:txBody>
+            <a:bodyPr rtlCol="0" anchor="ctr"/>
+            <a:lstStyle/>
+            <a:p>
+              <a:pPr algn="ctr"/>
+              <a:endParaRPr lang="ko-KR" altLang="en-US"/>
+            </a:p>
+          </p:txBody>
+        </p:sp>
+        <p:sp>
+          <p:nvSpPr>
+            <p:cNvPr id="6" name="직사각형 5"/>
+            <p:cNvSpPr/>
+            <p:nvPr/>
+          </p:nvSpPr>
+          <p:spPr>
+            <a:xfrm>
+              <a:off x="2051720" y="2399201"/>
+              <a:ext cx="1440160" cy="720080"/>
+            </a:xfrm>
+            <a:prstGeom prst="rect">
+              <a:avLst/>
+            </a:prstGeom>
+          </p:spPr>
+          <p:style>
+            <a:lnRef idx="2">
+              <a:schemeClr val="accent1">
+                <a:shade val="50000"/>
+              </a:schemeClr>
+            </a:lnRef>
+            <a:fillRef idx="1">
+              <a:schemeClr val="accent1"/>
+            </a:fillRef>
+            <a:effectRef idx="0">
+              <a:schemeClr val="accent1"/>
+            </a:effectRef>
+            <a:fontRef idx="minor">
+              <a:schemeClr val="lt1"/>
+            </a:fontRef>
+          </p:style>
+          <p:txBody>
+            <a:bodyPr rtlCol="0" anchor="ctr"/>
+            <a:lstStyle/>
+            <a:p>
+              <a:pPr algn="ctr"/>
+              <a:r>
+                <a:rPr lang="ko-KR" altLang="en-US" dirty="0" smtClean="0"/>
+                <a:t>회원가입약관</a:t>
+              </a:r>
+              <a:endParaRPr lang="ko-KR" altLang="en-US" dirty="0"/>
+            </a:p>
+          </p:txBody>
+        </p:sp>
+        <p:sp>
+          <p:nvSpPr>
+            <p:cNvPr id="7" name="직사각형 6"/>
+            <p:cNvSpPr/>
+            <p:nvPr/>
+          </p:nvSpPr>
+          <p:spPr>
+            <a:xfrm>
+              <a:off x="2051720" y="3356992"/>
+              <a:ext cx="1440160" cy="720080"/>
+            </a:xfrm>
+            <a:prstGeom prst="rect">
+              <a:avLst/>
+            </a:prstGeom>
+          </p:spPr>
+          <p:style>
+            <a:lnRef idx="2">
+              <a:schemeClr val="accent1">
+                <a:shade val="50000"/>
+              </a:schemeClr>
+            </a:lnRef>
+            <a:fillRef idx="1">
+              <a:schemeClr val="accent1"/>
+            </a:fillRef>
+            <a:effectRef idx="0">
+              <a:schemeClr val="accent1"/>
+            </a:effectRef>
+            <a:fontRef idx="minor">
+              <a:schemeClr val="lt1"/>
+            </a:fontRef>
+          </p:style>
+          <p:txBody>
+            <a:bodyPr rtlCol="0" anchor="ctr"/>
+            <a:lstStyle/>
+            <a:p>
+              <a:pPr algn="ctr"/>
+              <a:r>
+                <a:rPr lang="ko-KR" altLang="en-US" dirty="0" smtClean="0"/>
+                <a:t>개인정보 수집</a:t>
+              </a:r>
+              <a:r>
+                <a:rPr lang="en-US" altLang="ko-KR" dirty="0" smtClean="0"/>
+                <a:t>, </a:t>
+              </a:r>
+              <a:r>
+                <a:rPr lang="ko-KR" altLang="en-US" dirty="0" smtClean="0"/>
+                <a:t>이용에 대한 동의</a:t>
+              </a:r>
+              <a:endParaRPr lang="ko-KR" altLang="en-US" dirty="0"/>
+            </a:p>
+          </p:txBody>
+        </p:sp>
+      </p:grpSp>
+      <p:sp>
+        <p:nvSpPr>
+          <p:cNvPr id="8" name="직사각형 7"/>
           <p:cNvSpPr/>
           <p:nvPr/>
         </p:nvSpPr>
         <p:spPr>
           <a:xfrm>
-            <a:off x="755576" y="1268760"/>
-            <a:ext cx="4392488" cy="5400600"/>
+            <a:off x="1691680" y="4458799"/>
+            <a:ext cx="1440160" cy="720080"/>
           </a:xfrm>
           <a:prstGeom prst="rect">
             <a:avLst/>
@@ -3539,225 +11139,9 @@
           <a:lstStyle/>
           <a:p>
             <a:pPr algn="ctr"/>
-            <a:endParaRPr lang="ko-KR" altLang="en-US"/>
-          </a:p>
-        </p:txBody>
-      </p:sp>
-      <p:sp>
-        <p:nvSpPr>
-          <p:cNvPr id="5" name="모서리가 둥근 직사각형 4"/>
-          <p:cNvSpPr/>
-          <p:nvPr/>
-        </p:nvSpPr>
-        <p:spPr>
-          <a:xfrm>
-            <a:off x="1369550" y="3068960"/>
-            <a:ext cx="2882935" cy="3312368"/>
-          </a:xfrm>
-          <a:prstGeom prst="roundRect">
-            <a:avLst/>
-          </a:prstGeom>
-        </p:spPr>
-        <p:style>
-          <a:lnRef idx="2">
-            <a:schemeClr val="accent1">
-              <a:shade val="50000"/>
-            </a:schemeClr>
-          </a:lnRef>
-          <a:fillRef idx="1">
-            <a:schemeClr val="accent1"/>
-          </a:fillRef>
-          <a:effectRef idx="0">
-            <a:schemeClr val="accent1"/>
-          </a:effectRef>
-          <a:fontRef idx="minor">
-            <a:schemeClr val="lt1"/>
-          </a:fontRef>
-        </p:style>
-        <p:txBody>
-          <a:bodyPr rtlCol="0" anchor="ctr"/>
-          <a:lstStyle/>
-          <a:p>
-            <a:pPr algn="ctr"/>
-            <a:r>
-              <a:rPr lang="ko-KR" altLang="en-US" dirty="0" err="1" smtClean="0"/>
-              <a:t>글복록</a:t>
-            </a:r>
-            <a:endParaRPr lang="ko-KR" altLang="en-US" dirty="0"/>
-          </a:p>
-        </p:txBody>
-      </p:sp>
-      <p:sp>
-        <p:nvSpPr>
-          <p:cNvPr id="6" name="직사각형 5"/>
-          <p:cNvSpPr/>
-          <p:nvPr/>
-        </p:nvSpPr>
-        <p:spPr>
-          <a:xfrm>
-            <a:off x="3779912" y="1592796"/>
-            <a:ext cx="1081161" cy="360040"/>
-          </a:xfrm>
-          <a:prstGeom prst="rect">
-            <a:avLst/>
-          </a:prstGeom>
-        </p:spPr>
-        <p:style>
-          <a:lnRef idx="2">
-            <a:schemeClr val="accent1">
-              <a:shade val="50000"/>
-            </a:schemeClr>
-          </a:lnRef>
-          <a:fillRef idx="1">
-            <a:schemeClr val="accent1"/>
-          </a:fillRef>
-          <a:effectRef idx="0">
-            <a:schemeClr val="accent1"/>
-          </a:effectRef>
-          <a:fontRef idx="minor">
-            <a:schemeClr val="lt1"/>
-          </a:fontRef>
-        </p:style>
-        <p:txBody>
-          <a:bodyPr rtlCol="0" anchor="ctr"/>
-          <a:lstStyle/>
-          <a:p>
-            <a:pPr algn="ctr"/>
-            <a:r>
-              <a:rPr lang="ko-KR" altLang="en-US" sz="1600" dirty="0" smtClean="0"/>
-              <a:t>로그아웃</a:t>
-            </a:r>
-            <a:endParaRPr lang="ko-KR" altLang="en-US" sz="1600" dirty="0"/>
-          </a:p>
-        </p:txBody>
-      </p:sp>
-      <p:sp>
-        <p:nvSpPr>
-          <p:cNvPr id="7" name="직사각형 6"/>
-          <p:cNvSpPr/>
-          <p:nvPr/>
-        </p:nvSpPr>
-        <p:spPr>
-          <a:xfrm>
-            <a:off x="2339752" y="1592796"/>
-            <a:ext cx="1224136" cy="525743"/>
-          </a:xfrm>
-          <a:prstGeom prst="rect">
-            <a:avLst/>
-          </a:prstGeom>
-        </p:spPr>
-        <p:style>
-          <a:lnRef idx="2">
-            <a:schemeClr val="accent1">
-              <a:shade val="50000"/>
-            </a:schemeClr>
-          </a:lnRef>
-          <a:fillRef idx="1">
-            <a:schemeClr val="accent1"/>
-          </a:fillRef>
-          <a:effectRef idx="0">
-            <a:schemeClr val="accent1"/>
-          </a:effectRef>
-          <a:fontRef idx="minor">
-            <a:schemeClr val="lt1"/>
-          </a:fontRef>
-        </p:style>
-        <p:txBody>
-          <a:bodyPr rtlCol="0" anchor="ctr"/>
-          <a:lstStyle/>
-          <a:p>
-            <a:pPr algn="ctr"/>
             <a:r>
               <a:rPr lang="ko-KR" altLang="en-US" dirty="0" smtClean="0"/>
-              <a:t>쪽지보기</a:t>
-            </a:r>
-            <a:endParaRPr lang="ko-KR" altLang="en-US" dirty="0"/>
-          </a:p>
-        </p:txBody>
-      </p:sp>
-      <p:sp>
-        <p:nvSpPr>
-          <p:cNvPr id="8" name="직사각형 7"/>
-          <p:cNvSpPr/>
-          <p:nvPr/>
-        </p:nvSpPr>
-        <p:spPr>
-          <a:xfrm>
-            <a:off x="1043608" y="1568310"/>
-            <a:ext cx="1224136" cy="560861"/>
-          </a:xfrm>
-          <a:prstGeom prst="rect">
-            <a:avLst/>
-          </a:prstGeom>
-        </p:spPr>
-        <p:style>
-          <a:lnRef idx="2">
-            <a:schemeClr val="accent1">
-              <a:shade val="50000"/>
-            </a:schemeClr>
-          </a:lnRef>
-          <a:fillRef idx="1">
-            <a:schemeClr val="accent1"/>
-          </a:fillRef>
-          <a:effectRef idx="0">
-            <a:schemeClr val="accent1"/>
-          </a:effectRef>
-          <a:fontRef idx="minor">
-            <a:schemeClr val="lt1"/>
-          </a:fontRef>
-        </p:style>
-        <p:txBody>
-          <a:bodyPr rtlCol="0" anchor="ctr"/>
-          <a:lstStyle/>
-          <a:p>
-            <a:pPr algn="ctr"/>
-            <a:r>
-              <a:rPr lang="ko-KR" altLang="en-US" dirty="0" err="1" smtClean="0"/>
-              <a:t>내정보</a:t>
-            </a:r>
-            <a:endParaRPr lang="ko-KR" altLang="en-US" dirty="0"/>
-          </a:p>
-        </p:txBody>
-      </p:sp>
-      <p:sp>
-        <p:nvSpPr>
-          <p:cNvPr id="9" name="직사각형 8"/>
-          <p:cNvSpPr/>
-          <p:nvPr/>
-        </p:nvSpPr>
-        <p:spPr>
-          <a:xfrm>
-            <a:off x="3712426" y="2129171"/>
-            <a:ext cx="1080120" cy="540060"/>
-          </a:xfrm>
-          <a:prstGeom prst="rect">
-            <a:avLst/>
-          </a:prstGeom>
-        </p:spPr>
-        <p:style>
-          <a:lnRef idx="2">
-            <a:schemeClr val="accent1">
-              <a:shade val="50000"/>
-            </a:schemeClr>
-          </a:lnRef>
-          <a:fillRef idx="1">
-            <a:schemeClr val="accent1"/>
-          </a:fillRef>
-          <a:effectRef idx="0">
-            <a:schemeClr val="accent1"/>
-          </a:effectRef>
-          <a:fontRef idx="minor">
-            <a:schemeClr val="lt1"/>
-          </a:fontRef>
-        </p:style>
-        <p:txBody>
-          <a:bodyPr rtlCol="0" anchor="ctr"/>
-          <a:lstStyle/>
-          <a:p>
-            <a:pPr algn="ctr"/>
-            <a:r>
-              <a:rPr lang="ko-KR" altLang="en-US" dirty="0" err="1" smtClean="0"/>
-              <a:t>글검색</a:t>
+              <a:t>확인</a:t>
             </a:r>
             <a:endParaRPr lang="ko-KR" altLang="en-US" dirty="0"/>
           </a:p>
@@ -3766,7 +11150,7 @@
     </p:spTree>
     <p:extLst>
       <p:ext uri="{BB962C8B-B14F-4D97-AF65-F5344CB8AC3E}">
-        <p14:creationId xmlns:p14="http://schemas.microsoft.com/office/powerpoint/2010/main" val="3230879659"/>
+        <p14:creationId xmlns:p14="http://schemas.microsoft.com/office/powerpoint/2010/main" val="1030961415"/>
       </p:ext>
     </p:extLst>
   </p:cSld>
@@ -3805,10 +11189,32 @@
         </p:nvSpPr>
         <p:spPr/>
         <p:txBody>
-          <a:bodyPr/>
+          <a:bodyPr>
+            <a:normAutofit fontScale="90000"/>
+          </a:bodyPr>
           <a:lstStyle/>
           <a:p>
-            <a:endParaRPr lang="ko-KR" altLang="en-US"/>
+            <a:r>
+              <a:rPr lang="ko-KR" altLang="en-US" dirty="0"/>
+              <a:t>회원가입 </a:t>
+            </a:r>
+            <a:r>
+              <a:rPr lang="en-US" altLang="ko-KR" dirty="0"/>
+              <a:t>/ </a:t>
+            </a:r>
+            <a:r>
+              <a:rPr lang="ko-KR" altLang="en-US" dirty="0"/>
+              <a:t>로그인 </a:t>
+            </a:r>
+            <a:r>
+              <a:rPr lang="en-US" altLang="ko-KR" dirty="0"/>
+              <a:t>/ </a:t>
+            </a:r>
+            <a:r>
+              <a:rPr lang="ko-KR" altLang="en-US" dirty="0"/>
+              <a:t>회원 정보 수정</a:t>
+            </a:r>
+            <a:endParaRPr lang="ko-KR" altLang="en-US" dirty="0"/>
           </a:p>
         </p:txBody>
       </p:sp>
@@ -3831,10 +11237,348 @@
           </a:p>
         </p:txBody>
       </p:sp>
+      <p:sp>
+        <p:nvSpPr>
+          <p:cNvPr id="4" name="직사각형 3"/>
+          <p:cNvSpPr/>
+          <p:nvPr/>
+        </p:nvSpPr>
+        <p:spPr>
+          <a:xfrm>
+            <a:off x="899592" y="1600200"/>
+            <a:ext cx="4176464" cy="4997152"/>
+          </a:xfrm>
+          <a:prstGeom prst="rect">
+            <a:avLst/>
+          </a:prstGeom>
+        </p:spPr>
+        <p:style>
+          <a:lnRef idx="2">
+            <a:schemeClr val="accent1">
+              <a:shade val="50000"/>
+            </a:schemeClr>
+          </a:lnRef>
+          <a:fillRef idx="1">
+            <a:schemeClr val="accent1"/>
+          </a:fillRef>
+          <a:effectRef idx="0">
+            <a:schemeClr val="accent1"/>
+          </a:effectRef>
+          <a:fontRef idx="minor">
+            <a:schemeClr val="lt1"/>
+          </a:fontRef>
+        </p:style>
+        <p:txBody>
+          <a:bodyPr rtlCol="0" anchor="ctr"/>
+          <a:lstStyle/>
+          <a:p>
+            <a:pPr algn="ctr"/>
+            <a:endParaRPr lang="ko-KR" altLang="en-US" dirty="0"/>
+          </a:p>
+        </p:txBody>
+      </p:sp>
+      <p:sp>
+        <p:nvSpPr>
+          <p:cNvPr id="5" name="TextBox 4"/>
+          <p:cNvSpPr txBox="1"/>
+          <p:nvPr/>
+        </p:nvSpPr>
+        <p:spPr>
+          <a:xfrm>
+            <a:off x="1135755" y="1923812"/>
+            <a:ext cx="795411" cy="369332"/>
+          </a:xfrm>
+          <a:prstGeom prst="rect">
+            <a:avLst/>
+          </a:prstGeom>
+          <a:noFill/>
+        </p:spPr>
+        <p:txBody>
+          <a:bodyPr wrap="none" rtlCol="0">
+            <a:spAutoFit/>
+          </a:bodyPr>
+          <a:lstStyle/>
+          <a:p>
+            <a:r>
+              <a:rPr lang="en-US" altLang="ko-KR" dirty="0" smtClean="0"/>
+              <a:t>*</a:t>
+            </a:r>
+            <a:r>
+              <a:rPr lang="ko-KR" altLang="en-US" dirty="0" smtClean="0"/>
+              <a:t>이름</a:t>
+            </a:r>
+            <a:r>
+              <a:rPr lang="en-US" altLang="ko-KR" dirty="0" smtClean="0"/>
+              <a:t>:</a:t>
+            </a:r>
+            <a:endParaRPr lang="ko-KR" altLang="en-US" dirty="0"/>
+          </a:p>
+        </p:txBody>
+      </p:sp>
+      <p:sp>
+        <p:nvSpPr>
+          <p:cNvPr id="6" name="TextBox 5"/>
+          <p:cNvSpPr txBox="1"/>
+          <p:nvPr/>
+        </p:nvSpPr>
+        <p:spPr>
+          <a:xfrm>
+            <a:off x="1135755" y="4099500"/>
+            <a:ext cx="928459" cy="369332"/>
+          </a:xfrm>
+          <a:prstGeom prst="rect">
+            <a:avLst/>
+          </a:prstGeom>
+          <a:noFill/>
+        </p:spPr>
+        <p:txBody>
+          <a:bodyPr wrap="none" rtlCol="0">
+            <a:spAutoFit/>
+          </a:bodyPr>
+          <a:lstStyle/>
+          <a:p>
+            <a:r>
+              <a:rPr lang="ko-KR" altLang="en-US" dirty="0" smtClean="0"/>
+              <a:t>연락처</a:t>
+            </a:r>
+            <a:r>
+              <a:rPr lang="en-US" altLang="ko-KR" dirty="0" smtClean="0"/>
+              <a:t>:</a:t>
+            </a:r>
+            <a:endParaRPr lang="ko-KR" altLang="en-US" dirty="0"/>
+          </a:p>
+        </p:txBody>
+      </p:sp>
+      <p:sp>
+        <p:nvSpPr>
+          <p:cNvPr id="7" name="TextBox 6"/>
+          <p:cNvSpPr txBox="1"/>
+          <p:nvPr/>
+        </p:nvSpPr>
+        <p:spPr>
+          <a:xfrm>
+            <a:off x="1135755" y="2467734"/>
+            <a:ext cx="1026243" cy="369332"/>
+          </a:xfrm>
+          <a:prstGeom prst="rect">
+            <a:avLst/>
+          </a:prstGeom>
+          <a:noFill/>
+        </p:spPr>
+        <p:txBody>
+          <a:bodyPr wrap="none" rtlCol="0">
+            <a:spAutoFit/>
+          </a:bodyPr>
+          <a:lstStyle/>
+          <a:p>
+            <a:r>
+              <a:rPr lang="en-US" altLang="ko-KR" dirty="0" smtClean="0"/>
+              <a:t>*</a:t>
+            </a:r>
+            <a:r>
+              <a:rPr lang="ko-KR" altLang="en-US" dirty="0" smtClean="0"/>
+              <a:t>아이디</a:t>
+            </a:r>
+            <a:r>
+              <a:rPr lang="en-US" altLang="ko-KR" dirty="0" smtClean="0"/>
+              <a:t>:</a:t>
+            </a:r>
+            <a:endParaRPr lang="ko-KR" altLang="en-US" dirty="0"/>
+          </a:p>
+        </p:txBody>
+      </p:sp>
+      <p:sp>
+        <p:nvSpPr>
+          <p:cNvPr id="8" name="TextBox 7"/>
+          <p:cNvSpPr txBox="1"/>
+          <p:nvPr/>
+        </p:nvSpPr>
+        <p:spPr>
+          <a:xfrm>
+            <a:off x="1135755" y="3011656"/>
+            <a:ext cx="1257075" cy="369332"/>
+          </a:xfrm>
+          <a:prstGeom prst="rect">
+            <a:avLst/>
+          </a:prstGeom>
+          <a:noFill/>
+        </p:spPr>
+        <p:txBody>
+          <a:bodyPr wrap="none" rtlCol="0">
+            <a:spAutoFit/>
+          </a:bodyPr>
+          <a:lstStyle/>
+          <a:p>
+            <a:r>
+              <a:rPr lang="en-US" altLang="ko-KR" dirty="0" smtClean="0"/>
+              <a:t>*</a:t>
+            </a:r>
+            <a:r>
+              <a:rPr lang="ko-KR" altLang="en-US" dirty="0" smtClean="0"/>
+              <a:t>비밀번호</a:t>
+            </a:r>
+            <a:r>
+              <a:rPr lang="en-US" altLang="ko-KR" dirty="0" smtClean="0"/>
+              <a:t>:</a:t>
+            </a:r>
+            <a:endParaRPr lang="ko-KR" altLang="en-US" dirty="0"/>
+          </a:p>
+        </p:txBody>
+      </p:sp>
+      <p:sp>
+        <p:nvSpPr>
+          <p:cNvPr id="12" name="TextBox 11"/>
+          <p:cNvSpPr txBox="1"/>
+          <p:nvPr/>
+        </p:nvSpPr>
+        <p:spPr>
+          <a:xfrm>
+            <a:off x="1135755" y="5187343"/>
+            <a:ext cx="697627" cy="369332"/>
+          </a:xfrm>
+          <a:prstGeom prst="rect">
+            <a:avLst/>
+          </a:prstGeom>
+          <a:noFill/>
+        </p:spPr>
+        <p:txBody>
+          <a:bodyPr wrap="none" rtlCol="0">
+            <a:spAutoFit/>
+          </a:bodyPr>
+          <a:lstStyle/>
+          <a:p>
+            <a:r>
+              <a:rPr lang="ko-KR" altLang="en-US" dirty="0" smtClean="0"/>
+              <a:t>사진</a:t>
+            </a:r>
+            <a:r>
+              <a:rPr lang="en-US" altLang="ko-KR" dirty="0" smtClean="0"/>
+              <a:t>:</a:t>
+            </a:r>
+            <a:endParaRPr lang="ko-KR" altLang="en-US" dirty="0"/>
+          </a:p>
+        </p:txBody>
+      </p:sp>
+      <p:sp>
+        <p:nvSpPr>
+          <p:cNvPr id="13" name="직사각형 12"/>
+          <p:cNvSpPr/>
+          <p:nvPr/>
+        </p:nvSpPr>
+        <p:spPr>
+          <a:xfrm>
+            <a:off x="2447764" y="5601934"/>
+            <a:ext cx="1080120" cy="540060"/>
+          </a:xfrm>
+          <a:prstGeom prst="rect">
+            <a:avLst/>
+          </a:prstGeom>
+        </p:spPr>
+        <p:style>
+          <a:lnRef idx="2">
+            <a:schemeClr val="accent1">
+              <a:shade val="50000"/>
+            </a:schemeClr>
+          </a:lnRef>
+          <a:fillRef idx="1">
+            <a:schemeClr val="accent1"/>
+          </a:fillRef>
+          <a:effectRef idx="0">
+            <a:schemeClr val="accent1"/>
+          </a:effectRef>
+          <a:fontRef idx="minor">
+            <a:schemeClr val="lt1"/>
+          </a:fontRef>
+        </p:style>
+        <p:txBody>
+          <a:bodyPr rtlCol="0" anchor="ctr"/>
+          <a:lstStyle/>
+          <a:p>
+            <a:pPr algn="ctr"/>
+            <a:r>
+              <a:rPr lang="ko-KR" altLang="en-US" dirty="0" smtClean="0"/>
+              <a:t>등록</a:t>
+            </a:r>
+            <a:endParaRPr lang="ko-KR" altLang="en-US" dirty="0"/>
+          </a:p>
+        </p:txBody>
+      </p:sp>
+      <p:sp>
+        <p:nvSpPr>
+          <p:cNvPr id="24" name="TextBox 23"/>
+          <p:cNvSpPr txBox="1"/>
+          <p:nvPr/>
+        </p:nvSpPr>
+        <p:spPr>
+          <a:xfrm>
+            <a:off x="1135755" y="3555578"/>
+            <a:ext cx="1800493" cy="369332"/>
+          </a:xfrm>
+          <a:prstGeom prst="rect">
+            <a:avLst/>
+          </a:prstGeom>
+          <a:noFill/>
+        </p:spPr>
+        <p:txBody>
+          <a:bodyPr wrap="none" rtlCol="0">
+            <a:spAutoFit/>
+          </a:bodyPr>
+          <a:lstStyle/>
+          <a:p>
+            <a:r>
+              <a:rPr lang="en-US" altLang="ko-KR" dirty="0" smtClean="0"/>
+              <a:t>*</a:t>
+            </a:r>
+            <a:r>
+              <a:rPr lang="ko-KR" altLang="en-US" dirty="0" smtClean="0"/>
+              <a:t>비밀번호 확인</a:t>
+            </a:r>
+            <a:r>
+              <a:rPr lang="en-US" altLang="ko-KR" dirty="0" smtClean="0"/>
+              <a:t>:</a:t>
+            </a:r>
+            <a:endParaRPr lang="ko-KR" altLang="en-US" dirty="0"/>
+          </a:p>
+        </p:txBody>
+      </p:sp>
+      <p:sp>
+        <p:nvSpPr>
+          <p:cNvPr id="26" name="TextBox 25"/>
+          <p:cNvSpPr txBox="1"/>
+          <p:nvPr/>
+        </p:nvSpPr>
+        <p:spPr>
+          <a:xfrm>
+            <a:off x="1135755" y="4643422"/>
+            <a:ext cx="697627" cy="369332"/>
+          </a:xfrm>
+          <a:prstGeom prst="rect">
+            <a:avLst/>
+          </a:prstGeom>
+          <a:noFill/>
+        </p:spPr>
+        <p:txBody>
+          <a:bodyPr wrap="none" rtlCol="0">
+            <a:spAutoFit/>
+          </a:bodyPr>
+          <a:lstStyle/>
+          <a:p>
+            <a:r>
+              <a:rPr lang="ko-KR" altLang="en-US" dirty="0" smtClean="0"/>
+              <a:t>주소</a:t>
+            </a:r>
+            <a:r>
+              <a:rPr lang="en-US" altLang="ko-KR" dirty="0" smtClean="0"/>
+              <a:t>:</a:t>
+            </a:r>
+            <a:endParaRPr lang="ko-KR" altLang="en-US" dirty="0"/>
+          </a:p>
+        </p:txBody>
+      </p:sp>
     </p:spTree>
     <p:extLst>
       <p:ext uri="{BB962C8B-B14F-4D97-AF65-F5344CB8AC3E}">
-        <p14:creationId xmlns:p14="http://schemas.microsoft.com/office/powerpoint/2010/main" val="2624589623"/>
+        <p14:creationId xmlns:p14="http://schemas.microsoft.com/office/powerpoint/2010/main" val="1381491420"/>
       </p:ext>
     </p:extLst>
   </p:cSld>
@@ -3873,10 +11617,32 @@
         </p:nvSpPr>
         <p:spPr/>
         <p:txBody>
-          <a:bodyPr/>
+          <a:bodyPr>
+            <a:normAutofit fontScale="90000"/>
+          </a:bodyPr>
           <a:lstStyle/>
           <a:p>
-            <a:endParaRPr lang="ko-KR" altLang="en-US"/>
+            <a:r>
+              <a:rPr lang="en-US" altLang="ko-KR" dirty="0" smtClean="0"/>
+              <a:t>2.</a:t>
+            </a:r>
+            <a:r>
+              <a:rPr lang="ko-KR" altLang="en-US" dirty="0" smtClean="0"/>
+              <a:t>글 </a:t>
+            </a:r>
+            <a:r>
+              <a:rPr lang="ko-KR" altLang="en-US" dirty="0"/>
+              <a:t>목록 보여주는 페이지 </a:t>
+            </a:r>
+            <a:r>
+              <a:rPr lang="en-US" altLang="ko-KR" dirty="0"/>
+              <a:t>+ </a:t>
+            </a:r>
+            <a:r>
+              <a:rPr lang="ko-KR" altLang="en-US" dirty="0"/>
+              <a:t>검색</a:t>
+            </a:r>
+            <a:endParaRPr lang="ko-KR" altLang="en-US" dirty="0"/>
           </a:p>
         </p:txBody>
       </p:sp>
@@ -3899,10 +11665,1446 @@
           </a:p>
         </p:txBody>
       </p:sp>
+      <p:sp>
+        <p:nvSpPr>
+          <p:cNvPr id="4" name="직사각형 3"/>
+          <p:cNvSpPr/>
+          <p:nvPr/>
+        </p:nvSpPr>
+        <p:spPr>
+          <a:xfrm>
+            <a:off x="755576" y="1268760"/>
+            <a:ext cx="4392488" cy="5400600"/>
+          </a:xfrm>
+          <a:prstGeom prst="rect">
+            <a:avLst/>
+          </a:prstGeom>
+        </p:spPr>
+        <p:style>
+          <a:lnRef idx="2">
+            <a:schemeClr val="accent1">
+              <a:shade val="50000"/>
+            </a:schemeClr>
+          </a:lnRef>
+          <a:fillRef idx="1">
+            <a:schemeClr val="accent1"/>
+          </a:fillRef>
+          <a:effectRef idx="0">
+            <a:schemeClr val="accent1"/>
+          </a:effectRef>
+          <a:fontRef idx="minor">
+            <a:schemeClr val="lt1"/>
+          </a:fontRef>
+        </p:style>
+        <p:txBody>
+          <a:bodyPr rtlCol="0" anchor="ctr"/>
+          <a:lstStyle/>
+          <a:p>
+            <a:pPr algn="ctr"/>
+            <a:endParaRPr lang="ko-KR" altLang="en-US"/>
+          </a:p>
+        </p:txBody>
+      </p:sp>
+      <p:sp>
+        <p:nvSpPr>
+          <p:cNvPr id="5" name="모서리가 둥근 직사각형 4"/>
+          <p:cNvSpPr/>
+          <p:nvPr/>
+        </p:nvSpPr>
+        <p:spPr>
+          <a:xfrm>
+            <a:off x="1331640" y="3068960"/>
+            <a:ext cx="2882935" cy="3312368"/>
+          </a:xfrm>
+          <a:prstGeom prst="roundRect">
+            <a:avLst/>
+          </a:prstGeom>
+        </p:spPr>
+        <p:style>
+          <a:lnRef idx="2">
+            <a:schemeClr val="accent1">
+              <a:shade val="50000"/>
+            </a:schemeClr>
+          </a:lnRef>
+          <a:fillRef idx="1">
+            <a:schemeClr val="accent1"/>
+          </a:fillRef>
+          <a:effectRef idx="0">
+            <a:schemeClr val="accent1"/>
+          </a:effectRef>
+          <a:fontRef idx="minor">
+            <a:schemeClr val="lt1"/>
+          </a:fontRef>
+        </p:style>
+        <p:txBody>
+          <a:bodyPr rtlCol="0" anchor="ctr"/>
+          <a:lstStyle/>
+          <a:p>
+            <a:pPr algn="ctr"/>
+            <a:r>
+              <a:rPr lang="ko-KR" altLang="en-US" dirty="0" err="1" smtClean="0"/>
+              <a:t>글복록</a:t>
+            </a:r>
+            <a:endParaRPr lang="en-US" altLang="ko-KR" dirty="0" smtClean="0"/>
+          </a:p>
+          <a:p>
+            <a:pPr algn="ctr"/>
+            <a:r>
+              <a:rPr lang="ko-KR" altLang="en-US" sz="1600" dirty="0" smtClean="0"/>
+              <a:t>제목 </a:t>
+            </a:r>
+            <a:r>
+              <a:rPr lang="en-US" altLang="ko-KR" sz="1600" dirty="0" smtClean="0"/>
+              <a:t>: </a:t>
+            </a:r>
+            <a:r>
+              <a:rPr lang="ko-KR" altLang="en-US" sz="1600" dirty="0" smtClean="0"/>
+              <a:t>가격 </a:t>
+            </a:r>
+            <a:r>
+              <a:rPr lang="en-US" altLang="ko-KR" sz="1600" dirty="0" smtClean="0"/>
+              <a:t>: </a:t>
+            </a:r>
+            <a:r>
+              <a:rPr lang="ko-KR" altLang="en-US" sz="1600" dirty="0" smtClean="0"/>
+              <a:t>판매완료여부</a:t>
+            </a:r>
+            <a:endParaRPr lang="en-US" altLang="ko-KR" sz="1600" dirty="0" smtClean="0"/>
+          </a:p>
+          <a:p>
+            <a:pPr algn="ctr"/>
+            <a:endParaRPr lang="ko-KR" altLang="en-US" dirty="0"/>
+          </a:p>
+        </p:txBody>
+      </p:sp>
+      <p:sp>
+        <p:nvSpPr>
+          <p:cNvPr id="6" name="직사각형 5"/>
+          <p:cNvSpPr/>
+          <p:nvPr/>
+        </p:nvSpPr>
+        <p:spPr>
+          <a:xfrm>
+            <a:off x="3779912" y="1592796"/>
+            <a:ext cx="1081161" cy="360040"/>
+          </a:xfrm>
+          <a:prstGeom prst="rect">
+            <a:avLst/>
+          </a:prstGeom>
+        </p:spPr>
+        <p:style>
+          <a:lnRef idx="2">
+            <a:schemeClr val="accent1">
+              <a:shade val="50000"/>
+            </a:schemeClr>
+          </a:lnRef>
+          <a:fillRef idx="1">
+            <a:schemeClr val="accent1"/>
+          </a:fillRef>
+          <a:effectRef idx="0">
+            <a:schemeClr val="accent1"/>
+          </a:effectRef>
+          <a:fontRef idx="minor">
+            <a:schemeClr val="lt1"/>
+          </a:fontRef>
+        </p:style>
+        <p:txBody>
+          <a:bodyPr rtlCol="0" anchor="ctr"/>
+          <a:lstStyle/>
+          <a:p>
+            <a:pPr algn="ctr"/>
+            <a:r>
+              <a:rPr lang="ko-KR" altLang="en-US" sz="1600" dirty="0" smtClean="0"/>
+              <a:t>로그아웃</a:t>
+            </a:r>
+            <a:endParaRPr lang="ko-KR" altLang="en-US" sz="1600" dirty="0"/>
+          </a:p>
+        </p:txBody>
+      </p:sp>
+      <p:sp>
+        <p:nvSpPr>
+          <p:cNvPr id="7" name="직사각형 6"/>
+          <p:cNvSpPr/>
+          <p:nvPr/>
+        </p:nvSpPr>
+        <p:spPr>
+          <a:xfrm>
+            <a:off x="2339752" y="1592796"/>
+            <a:ext cx="1224136" cy="525743"/>
+          </a:xfrm>
+          <a:prstGeom prst="rect">
+            <a:avLst/>
+          </a:prstGeom>
+        </p:spPr>
+        <p:style>
+          <a:lnRef idx="2">
+            <a:schemeClr val="accent1">
+              <a:shade val="50000"/>
+            </a:schemeClr>
+          </a:lnRef>
+          <a:fillRef idx="1">
+            <a:schemeClr val="accent1"/>
+          </a:fillRef>
+          <a:effectRef idx="0">
+            <a:schemeClr val="accent1"/>
+          </a:effectRef>
+          <a:fontRef idx="minor">
+            <a:schemeClr val="lt1"/>
+          </a:fontRef>
+        </p:style>
+        <p:txBody>
+          <a:bodyPr rtlCol="0" anchor="ctr"/>
+          <a:lstStyle/>
+          <a:p>
+            <a:pPr algn="ctr"/>
+            <a:r>
+              <a:rPr lang="ko-KR" altLang="en-US" dirty="0" smtClean="0"/>
+              <a:t>쪽지보기</a:t>
+            </a:r>
+            <a:endParaRPr lang="ko-KR" altLang="en-US" dirty="0"/>
+          </a:p>
+        </p:txBody>
+      </p:sp>
+      <p:sp>
+        <p:nvSpPr>
+          <p:cNvPr id="8" name="직사각형 7"/>
+          <p:cNvSpPr/>
+          <p:nvPr/>
+        </p:nvSpPr>
+        <p:spPr>
+          <a:xfrm>
+            <a:off x="1043608" y="1568310"/>
+            <a:ext cx="1224136" cy="560861"/>
+          </a:xfrm>
+          <a:prstGeom prst="rect">
+            <a:avLst/>
+          </a:prstGeom>
+        </p:spPr>
+        <p:style>
+          <a:lnRef idx="2">
+            <a:schemeClr val="accent1">
+              <a:shade val="50000"/>
+            </a:schemeClr>
+          </a:lnRef>
+          <a:fillRef idx="1">
+            <a:schemeClr val="accent1"/>
+          </a:fillRef>
+          <a:effectRef idx="0">
+            <a:schemeClr val="accent1"/>
+          </a:effectRef>
+          <a:fontRef idx="minor">
+            <a:schemeClr val="lt1"/>
+          </a:fontRef>
+        </p:style>
+        <p:txBody>
+          <a:bodyPr rtlCol="0" anchor="ctr"/>
+          <a:lstStyle/>
+          <a:p>
+            <a:pPr algn="ctr"/>
+            <a:r>
+              <a:rPr lang="ko-KR" altLang="en-US" dirty="0" err="1" smtClean="0"/>
+              <a:t>내정보</a:t>
+            </a:r>
+            <a:endParaRPr lang="ko-KR" altLang="en-US" dirty="0"/>
+          </a:p>
+        </p:txBody>
+      </p:sp>
+      <p:sp>
+        <p:nvSpPr>
+          <p:cNvPr id="9" name="직사각형 8"/>
+          <p:cNvSpPr/>
+          <p:nvPr/>
+        </p:nvSpPr>
+        <p:spPr>
+          <a:xfrm>
+            <a:off x="3712426" y="2129171"/>
+            <a:ext cx="1080120" cy="540060"/>
+          </a:xfrm>
+          <a:prstGeom prst="rect">
+            <a:avLst/>
+          </a:prstGeom>
+        </p:spPr>
+        <p:style>
+          <a:lnRef idx="2">
+            <a:schemeClr val="accent1">
+              <a:shade val="50000"/>
+            </a:schemeClr>
+          </a:lnRef>
+          <a:fillRef idx="1">
+            <a:schemeClr val="accent1"/>
+          </a:fillRef>
+          <a:effectRef idx="0">
+            <a:schemeClr val="accent1"/>
+          </a:effectRef>
+          <a:fontRef idx="minor">
+            <a:schemeClr val="lt1"/>
+          </a:fontRef>
+        </p:style>
+        <p:txBody>
+          <a:bodyPr rtlCol="0" anchor="ctr"/>
+          <a:lstStyle/>
+          <a:p>
+            <a:pPr algn="ctr"/>
+            <a:r>
+              <a:rPr lang="ko-KR" altLang="en-US" dirty="0" err="1" smtClean="0"/>
+              <a:t>글검색</a:t>
+            </a:r>
+            <a:endParaRPr lang="ko-KR" altLang="en-US" dirty="0"/>
+          </a:p>
+        </p:txBody>
+      </p:sp>
     </p:spTree>
     <p:extLst>
       <p:ext uri="{BB962C8B-B14F-4D97-AF65-F5344CB8AC3E}">
-        <p14:creationId xmlns:p14="http://schemas.microsoft.com/office/powerpoint/2010/main" val="1381491420"/>
+        <p14:creationId xmlns:p14="http://schemas.microsoft.com/office/powerpoint/2010/main" val="3230879659"/>
+      </p:ext>
+    </p:extLst>
+  </p:cSld>
+  <p:clrMapOvr>
+    <a:masterClrMapping/>
+  </p:clrMapOvr>
+</p:sld>
+</file>
+
+<file path=ppt/slides/slide7.xml><?xml version="1.0" encoding="utf-8"?>
+<p:sld xmlns:a="http://schemas.openxmlformats.org/drawingml/2006/main" xmlns:r="http://schemas.openxmlformats.org/officeDocument/2006/relationships" xmlns:p="http://schemas.openxmlformats.org/presentationml/2006/main">
+  <p:cSld>
+    <p:spTree>
+      <p:nvGrpSpPr>
+        <p:cNvPr id="1" name=""/>
+        <p:cNvGrpSpPr/>
+        <p:nvPr/>
+      </p:nvGrpSpPr>
+      <p:grpSpPr>
+        <a:xfrm>
+          <a:off x="0" y="0"/>
+          <a:ext cx="0" cy="0"/>
+          <a:chOff x="0" y="0"/>
+          <a:chExt cx="0" cy="0"/>
+        </a:xfrm>
+      </p:grpSpPr>
+      <p:sp>
+        <p:nvSpPr>
+          <p:cNvPr id="2" name="제목 1"/>
+          <p:cNvSpPr>
+            <a:spLocks noGrp="1"/>
+          </p:cNvSpPr>
+          <p:nvPr>
+            <p:ph type="title"/>
+          </p:nvPr>
+        </p:nvSpPr>
+        <p:spPr/>
+        <p:txBody>
+          <a:bodyPr>
+            <a:normAutofit fontScale="90000"/>
+          </a:bodyPr>
+          <a:lstStyle/>
+          <a:p>
+            <a:r>
+              <a:rPr lang="ko-KR" altLang="en-US" dirty="0"/>
+              <a:t>글 올리기</a:t>
+            </a:r>
+            <a:r>
+              <a:rPr lang="en-US" altLang="ko-KR" dirty="0"/>
+              <a:t>, </a:t>
+            </a:r>
+            <a:r>
+              <a:rPr lang="ko-KR" altLang="en-US" dirty="0"/>
+              <a:t>수정</a:t>
+            </a:r>
+            <a:r>
+              <a:rPr lang="en-US" altLang="ko-KR" dirty="0"/>
+              <a:t>, </a:t>
+            </a:r>
+            <a:r>
+              <a:rPr lang="ko-KR" altLang="en-US" dirty="0"/>
+              <a:t>삭제</a:t>
+            </a:r>
+            <a:r>
+              <a:rPr lang="en-US" altLang="ko-KR" dirty="0"/>
+              <a:t>, </a:t>
+            </a:r>
+            <a:r>
+              <a:rPr lang="ko-KR" altLang="en-US" dirty="0"/>
+              <a:t>판매완료 표시</a:t>
+            </a:r>
+            <a:endParaRPr lang="ko-KR" altLang="en-US" dirty="0"/>
+          </a:p>
+        </p:txBody>
+      </p:sp>
+      <p:sp>
+        <p:nvSpPr>
+          <p:cNvPr id="3" name="내용 개체 틀 2"/>
+          <p:cNvSpPr>
+            <a:spLocks noGrp="1"/>
+          </p:cNvSpPr>
+          <p:nvPr>
+            <p:ph idx="1"/>
+          </p:nvPr>
+        </p:nvSpPr>
+        <p:spPr/>
+        <p:txBody>
+          <a:bodyPr/>
+          <a:lstStyle/>
+          <a:p>
+            <a:endParaRPr lang="ko-KR" altLang="en-US" dirty="0"/>
+          </a:p>
+        </p:txBody>
+      </p:sp>
+      <p:sp>
+        <p:nvSpPr>
+          <p:cNvPr id="4" name="직사각형 3"/>
+          <p:cNvSpPr/>
+          <p:nvPr/>
+        </p:nvSpPr>
+        <p:spPr>
+          <a:xfrm>
+            <a:off x="899592" y="1600200"/>
+            <a:ext cx="4176464" cy="4997152"/>
+          </a:xfrm>
+          <a:prstGeom prst="rect">
+            <a:avLst/>
+          </a:prstGeom>
+        </p:spPr>
+        <p:style>
+          <a:lnRef idx="2">
+            <a:schemeClr val="accent1">
+              <a:shade val="50000"/>
+            </a:schemeClr>
+          </a:lnRef>
+          <a:fillRef idx="1">
+            <a:schemeClr val="accent1"/>
+          </a:fillRef>
+          <a:effectRef idx="0">
+            <a:schemeClr val="accent1"/>
+          </a:effectRef>
+          <a:fontRef idx="minor">
+            <a:schemeClr val="lt1"/>
+          </a:fontRef>
+        </p:style>
+        <p:txBody>
+          <a:bodyPr rtlCol="0" anchor="ctr"/>
+          <a:lstStyle/>
+          <a:p>
+            <a:pPr algn="ctr"/>
+            <a:endParaRPr lang="ko-KR" altLang="en-US" dirty="0"/>
+          </a:p>
+        </p:txBody>
+      </p:sp>
+      <p:sp>
+        <p:nvSpPr>
+          <p:cNvPr id="5" name="TextBox 4"/>
+          <p:cNvSpPr txBox="1"/>
+          <p:nvPr/>
+        </p:nvSpPr>
+        <p:spPr>
+          <a:xfrm>
+            <a:off x="1187624" y="1923812"/>
+            <a:ext cx="795411" cy="369332"/>
+          </a:xfrm>
+          <a:prstGeom prst="rect">
+            <a:avLst/>
+          </a:prstGeom>
+          <a:noFill/>
+        </p:spPr>
+        <p:txBody>
+          <a:bodyPr wrap="none" rtlCol="0">
+            <a:spAutoFit/>
+          </a:bodyPr>
+          <a:lstStyle/>
+          <a:p>
+            <a:r>
+              <a:rPr lang="en-US" altLang="ko-KR" dirty="0" smtClean="0"/>
+              <a:t>*</a:t>
+            </a:r>
+            <a:r>
+              <a:rPr lang="ko-KR" altLang="en-US" dirty="0" smtClean="0"/>
+              <a:t>제목</a:t>
+            </a:r>
+            <a:r>
+              <a:rPr lang="en-US" altLang="ko-KR" dirty="0" smtClean="0"/>
+              <a:t>:</a:t>
+            </a:r>
+            <a:endParaRPr lang="ko-KR" altLang="en-US" dirty="0"/>
+          </a:p>
+        </p:txBody>
+      </p:sp>
+      <p:sp>
+        <p:nvSpPr>
+          <p:cNvPr id="6" name="TextBox 5"/>
+          <p:cNvSpPr txBox="1"/>
+          <p:nvPr/>
+        </p:nvSpPr>
+        <p:spPr>
+          <a:xfrm>
+            <a:off x="1187624" y="3521588"/>
+            <a:ext cx="1257075" cy="369332"/>
+          </a:xfrm>
+          <a:prstGeom prst="rect">
+            <a:avLst/>
+          </a:prstGeom>
+          <a:noFill/>
+        </p:spPr>
+        <p:txBody>
+          <a:bodyPr wrap="none" rtlCol="0">
+            <a:spAutoFit/>
+          </a:bodyPr>
+          <a:lstStyle/>
+          <a:p>
+            <a:r>
+              <a:rPr lang="en-US" altLang="ko-KR" dirty="0" smtClean="0"/>
+              <a:t>*</a:t>
+            </a:r>
+            <a:r>
+              <a:rPr lang="ko-KR" altLang="en-US" dirty="0" smtClean="0"/>
+              <a:t>공영장소</a:t>
+            </a:r>
+            <a:r>
+              <a:rPr lang="en-US" altLang="ko-KR" dirty="0" smtClean="0"/>
+              <a:t>:</a:t>
+            </a:r>
+            <a:endParaRPr lang="ko-KR" altLang="en-US" dirty="0"/>
+          </a:p>
+        </p:txBody>
+      </p:sp>
+      <p:sp>
+        <p:nvSpPr>
+          <p:cNvPr id="7" name="TextBox 6"/>
+          <p:cNvSpPr txBox="1"/>
+          <p:nvPr/>
+        </p:nvSpPr>
+        <p:spPr>
+          <a:xfrm>
+            <a:off x="1187624" y="2456404"/>
+            <a:ext cx="1257075" cy="369332"/>
+          </a:xfrm>
+          <a:prstGeom prst="rect">
+            <a:avLst/>
+          </a:prstGeom>
+          <a:noFill/>
+        </p:spPr>
+        <p:txBody>
+          <a:bodyPr wrap="none" rtlCol="0">
+            <a:spAutoFit/>
+          </a:bodyPr>
+          <a:lstStyle/>
+          <a:p>
+            <a:r>
+              <a:rPr lang="en-US" altLang="ko-KR" dirty="0" smtClean="0"/>
+              <a:t>*</a:t>
+            </a:r>
+            <a:r>
+              <a:rPr lang="ko-KR" altLang="en-US" dirty="0" smtClean="0"/>
+              <a:t>공영이름</a:t>
+            </a:r>
+            <a:r>
+              <a:rPr lang="en-US" altLang="ko-KR" dirty="0" smtClean="0"/>
+              <a:t>:</a:t>
+            </a:r>
+            <a:endParaRPr lang="ko-KR" altLang="en-US" dirty="0"/>
+          </a:p>
+        </p:txBody>
+      </p:sp>
+      <p:sp>
+        <p:nvSpPr>
+          <p:cNvPr id="8" name="TextBox 7"/>
+          <p:cNvSpPr txBox="1"/>
+          <p:nvPr/>
+        </p:nvSpPr>
+        <p:spPr>
+          <a:xfrm>
+            <a:off x="1187624" y="2988996"/>
+            <a:ext cx="1257075" cy="369332"/>
+          </a:xfrm>
+          <a:prstGeom prst="rect">
+            <a:avLst/>
+          </a:prstGeom>
+          <a:noFill/>
+        </p:spPr>
+        <p:txBody>
+          <a:bodyPr wrap="none" rtlCol="0">
+            <a:spAutoFit/>
+          </a:bodyPr>
+          <a:lstStyle/>
+          <a:p>
+            <a:r>
+              <a:rPr lang="en-US" altLang="ko-KR" dirty="0" smtClean="0"/>
+              <a:t>*</a:t>
+            </a:r>
+            <a:r>
+              <a:rPr lang="ko-KR" altLang="en-US" dirty="0" smtClean="0"/>
+              <a:t>공영날짜</a:t>
+            </a:r>
+            <a:r>
+              <a:rPr lang="en-US" altLang="ko-KR" dirty="0" smtClean="0"/>
+              <a:t>:</a:t>
+            </a:r>
+            <a:endParaRPr lang="ko-KR" altLang="en-US" dirty="0"/>
+          </a:p>
+        </p:txBody>
+      </p:sp>
+      <p:sp>
+        <p:nvSpPr>
+          <p:cNvPr id="9" name="TextBox 8"/>
+          <p:cNvSpPr txBox="1"/>
+          <p:nvPr/>
+        </p:nvSpPr>
+        <p:spPr>
+          <a:xfrm>
+            <a:off x="1187624" y="4054180"/>
+            <a:ext cx="795411" cy="369332"/>
+          </a:xfrm>
+          <a:prstGeom prst="rect">
+            <a:avLst/>
+          </a:prstGeom>
+          <a:noFill/>
+        </p:spPr>
+        <p:txBody>
+          <a:bodyPr wrap="none" rtlCol="0">
+            <a:spAutoFit/>
+          </a:bodyPr>
+          <a:lstStyle/>
+          <a:p>
+            <a:r>
+              <a:rPr lang="en-US" altLang="ko-KR" dirty="0" smtClean="0"/>
+              <a:t>*</a:t>
+            </a:r>
+            <a:r>
+              <a:rPr lang="ko-KR" altLang="en-US" dirty="0" smtClean="0"/>
+              <a:t>가격</a:t>
+            </a:r>
+            <a:r>
+              <a:rPr lang="en-US" altLang="ko-KR" dirty="0" smtClean="0"/>
+              <a:t>:</a:t>
+            </a:r>
+            <a:endParaRPr lang="ko-KR" altLang="en-US" dirty="0"/>
+          </a:p>
+        </p:txBody>
+      </p:sp>
+      <p:sp>
+        <p:nvSpPr>
+          <p:cNvPr id="10" name="TextBox 9"/>
+          <p:cNvSpPr txBox="1"/>
+          <p:nvPr/>
+        </p:nvSpPr>
+        <p:spPr>
+          <a:xfrm>
+            <a:off x="1187624" y="4586772"/>
+            <a:ext cx="697627" cy="369332"/>
+          </a:xfrm>
+          <a:prstGeom prst="rect">
+            <a:avLst/>
+          </a:prstGeom>
+          <a:noFill/>
+        </p:spPr>
+        <p:txBody>
+          <a:bodyPr wrap="none" rtlCol="0">
+            <a:spAutoFit/>
+          </a:bodyPr>
+          <a:lstStyle/>
+          <a:p>
+            <a:r>
+              <a:rPr lang="ko-KR" altLang="en-US" dirty="0" smtClean="0"/>
+              <a:t>링크</a:t>
+            </a:r>
+            <a:r>
+              <a:rPr lang="en-US" altLang="ko-KR" dirty="0" smtClean="0"/>
+              <a:t>:</a:t>
+            </a:r>
+            <a:endParaRPr lang="ko-KR" altLang="en-US" dirty="0"/>
+          </a:p>
+        </p:txBody>
+      </p:sp>
+      <p:sp>
+        <p:nvSpPr>
+          <p:cNvPr id="11" name="TextBox 10"/>
+          <p:cNvSpPr txBox="1"/>
+          <p:nvPr/>
+        </p:nvSpPr>
+        <p:spPr>
+          <a:xfrm>
+            <a:off x="1187624" y="5119364"/>
+            <a:ext cx="697627" cy="369332"/>
+          </a:xfrm>
+          <a:prstGeom prst="rect">
+            <a:avLst/>
+          </a:prstGeom>
+          <a:noFill/>
+        </p:spPr>
+        <p:txBody>
+          <a:bodyPr wrap="none" rtlCol="0">
+            <a:spAutoFit/>
+          </a:bodyPr>
+          <a:lstStyle/>
+          <a:p>
+            <a:r>
+              <a:rPr lang="ko-KR" altLang="en-US" dirty="0" smtClean="0"/>
+              <a:t>메모</a:t>
+            </a:r>
+            <a:r>
+              <a:rPr lang="en-US" altLang="ko-KR" dirty="0" smtClean="0"/>
+              <a:t>:</a:t>
+            </a:r>
+            <a:endParaRPr lang="ko-KR" altLang="en-US" dirty="0"/>
+          </a:p>
+        </p:txBody>
+      </p:sp>
+      <p:sp>
+        <p:nvSpPr>
+          <p:cNvPr id="12" name="TextBox 11"/>
+          <p:cNvSpPr txBox="1"/>
+          <p:nvPr/>
+        </p:nvSpPr>
+        <p:spPr>
+          <a:xfrm>
+            <a:off x="1187624" y="5651956"/>
+            <a:ext cx="697627" cy="369332"/>
+          </a:xfrm>
+          <a:prstGeom prst="rect">
+            <a:avLst/>
+          </a:prstGeom>
+          <a:noFill/>
+        </p:spPr>
+        <p:txBody>
+          <a:bodyPr wrap="none" rtlCol="0">
+            <a:spAutoFit/>
+          </a:bodyPr>
+          <a:lstStyle/>
+          <a:p>
+            <a:r>
+              <a:rPr lang="ko-KR" altLang="en-US" dirty="0" smtClean="0"/>
+              <a:t>사진</a:t>
+            </a:r>
+            <a:r>
+              <a:rPr lang="en-US" altLang="ko-KR" dirty="0" smtClean="0"/>
+              <a:t>:</a:t>
+            </a:r>
+            <a:endParaRPr lang="ko-KR" altLang="en-US" dirty="0"/>
+          </a:p>
+        </p:txBody>
+      </p:sp>
+      <p:sp>
+        <p:nvSpPr>
+          <p:cNvPr id="13" name="직사각형 12"/>
+          <p:cNvSpPr/>
+          <p:nvPr/>
+        </p:nvSpPr>
+        <p:spPr>
+          <a:xfrm>
+            <a:off x="1860030" y="6019393"/>
+            <a:ext cx="1080120" cy="540060"/>
+          </a:xfrm>
+          <a:prstGeom prst="rect">
+            <a:avLst/>
+          </a:prstGeom>
+        </p:spPr>
+        <p:style>
+          <a:lnRef idx="2">
+            <a:schemeClr val="accent1">
+              <a:shade val="50000"/>
+            </a:schemeClr>
+          </a:lnRef>
+          <a:fillRef idx="1">
+            <a:schemeClr val="accent1"/>
+          </a:fillRef>
+          <a:effectRef idx="0">
+            <a:schemeClr val="accent1"/>
+          </a:effectRef>
+          <a:fontRef idx="minor">
+            <a:schemeClr val="lt1"/>
+          </a:fontRef>
+        </p:style>
+        <p:txBody>
+          <a:bodyPr rtlCol="0" anchor="ctr"/>
+          <a:lstStyle/>
+          <a:p>
+            <a:pPr algn="ctr"/>
+            <a:r>
+              <a:rPr lang="ko-KR" altLang="en-US" dirty="0" smtClean="0"/>
+              <a:t>등록</a:t>
+            </a:r>
+            <a:endParaRPr lang="ko-KR" altLang="en-US" dirty="0"/>
+          </a:p>
+        </p:txBody>
+      </p:sp>
+    </p:spTree>
+    <p:extLst>
+      <p:ext uri="{BB962C8B-B14F-4D97-AF65-F5344CB8AC3E}">
+        <p14:creationId xmlns:p14="http://schemas.microsoft.com/office/powerpoint/2010/main" val="2624589623"/>
+      </p:ext>
+    </p:extLst>
+  </p:cSld>
+  <p:clrMapOvr>
+    <a:masterClrMapping/>
+  </p:clrMapOvr>
+</p:sld>
+</file>
+
+<file path=ppt/slides/slide8.xml><?xml version="1.0" encoding="utf-8"?>
+<p:sld xmlns:a="http://schemas.openxmlformats.org/drawingml/2006/main" xmlns:r="http://schemas.openxmlformats.org/officeDocument/2006/relationships" xmlns:p="http://schemas.openxmlformats.org/presentationml/2006/main">
+  <p:cSld>
+    <p:spTree>
+      <p:nvGrpSpPr>
+        <p:cNvPr id="1" name=""/>
+        <p:cNvGrpSpPr/>
+        <p:nvPr/>
+      </p:nvGrpSpPr>
+      <p:grpSpPr>
+        <a:xfrm>
+          <a:off x="0" y="0"/>
+          <a:ext cx="0" cy="0"/>
+          <a:chOff x="0" y="0"/>
+          <a:chExt cx="0" cy="0"/>
+        </a:xfrm>
+      </p:grpSpPr>
+      <p:sp>
+        <p:nvSpPr>
+          <p:cNvPr id="2" name="제목 1"/>
+          <p:cNvSpPr>
+            <a:spLocks noGrp="1"/>
+          </p:cNvSpPr>
+          <p:nvPr>
+            <p:ph type="title"/>
+          </p:nvPr>
+        </p:nvSpPr>
+        <p:spPr/>
+        <p:txBody>
+          <a:bodyPr>
+            <a:normAutofit/>
+          </a:bodyPr>
+          <a:lstStyle/>
+          <a:p>
+            <a:r>
+              <a:rPr lang="ko-KR" altLang="en-US" dirty="0"/>
+              <a:t>내 정보 페이지</a:t>
+            </a:r>
+            <a:endParaRPr lang="ko-KR" altLang="en-US" dirty="0"/>
+          </a:p>
+        </p:txBody>
+      </p:sp>
+      <p:sp>
+        <p:nvSpPr>
+          <p:cNvPr id="3" name="내용 개체 틀 2"/>
+          <p:cNvSpPr>
+            <a:spLocks noGrp="1"/>
+          </p:cNvSpPr>
+          <p:nvPr>
+            <p:ph idx="1"/>
+          </p:nvPr>
+        </p:nvSpPr>
+        <p:spPr/>
+        <p:txBody>
+          <a:bodyPr/>
+          <a:lstStyle/>
+          <a:p>
+            <a:endParaRPr lang="ko-KR" altLang="en-US"/>
+          </a:p>
+        </p:txBody>
+      </p:sp>
+      <p:sp>
+        <p:nvSpPr>
+          <p:cNvPr id="4" name="직사각형 3"/>
+          <p:cNvSpPr/>
+          <p:nvPr/>
+        </p:nvSpPr>
+        <p:spPr>
+          <a:xfrm>
+            <a:off x="899592" y="1600200"/>
+            <a:ext cx="4176464" cy="4997152"/>
+          </a:xfrm>
+          <a:prstGeom prst="rect">
+            <a:avLst/>
+          </a:prstGeom>
+        </p:spPr>
+        <p:style>
+          <a:lnRef idx="2">
+            <a:schemeClr val="accent1">
+              <a:shade val="50000"/>
+            </a:schemeClr>
+          </a:lnRef>
+          <a:fillRef idx="1">
+            <a:schemeClr val="accent1"/>
+          </a:fillRef>
+          <a:effectRef idx="0">
+            <a:schemeClr val="accent1"/>
+          </a:effectRef>
+          <a:fontRef idx="minor">
+            <a:schemeClr val="lt1"/>
+          </a:fontRef>
+        </p:style>
+        <p:txBody>
+          <a:bodyPr rtlCol="0" anchor="ctr"/>
+          <a:lstStyle/>
+          <a:p>
+            <a:pPr algn="ctr"/>
+            <a:endParaRPr lang="ko-KR" altLang="en-US" dirty="0"/>
+          </a:p>
+        </p:txBody>
+      </p:sp>
+      <p:sp>
+        <p:nvSpPr>
+          <p:cNvPr id="13" name="직사각형 12"/>
+          <p:cNvSpPr/>
+          <p:nvPr/>
+        </p:nvSpPr>
+        <p:spPr>
+          <a:xfrm>
+            <a:off x="1403648" y="2348880"/>
+            <a:ext cx="1584176" cy="540060"/>
+          </a:xfrm>
+          <a:prstGeom prst="rect">
+            <a:avLst/>
+          </a:prstGeom>
+        </p:spPr>
+        <p:style>
+          <a:lnRef idx="2">
+            <a:schemeClr val="accent1">
+              <a:shade val="50000"/>
+            </a:schemeClr>
+          </a:lnRef>
+          <a:fillRef idx="1">
+            <a:schemeClr val="accent1"/>
+          </a:fillRef>
+          <a:effectRef idx="0">
+            <a:schemeClr val="accent1"/>
+          </a:effectRef>
+          <a:fontRef idx="minor">
+            <a:schemeClr val="lt1"/>
+          </a:fontRef>
+        </p:style>
+        <p:txBody>
+          <a:bodyPr rtlCol="0" anchor="ctr"/>
+          <a:lstStyle/>
+          <a:p>
+            <a:pPr algn="ctr"/>
+            <a:r>
+              <a:rPr lang="ko-KR" altLang="en-US" dirty="0" smtClean="0"/>
+              <a:t>내 정보수정</a:t>
+            </a:r>
+            <a:endParaRPr lang="ko-KR" altLang="en-US" dirty="0"/>
+          </a:p>
+        </p:txBody>
+      </p:sp>
+      <p:sp>
+        <p:nvSpPr>
+          <p:cNvPr id="11" name="직사각형 10"/>
+          <p:cNvSpPr/>
+          <p:nvPr/>
+        </p:nvSpPr>
+        <p:spPr>
+          <a:xfrm>
+            <a:off x="1403648" y="3116965"/>
+            <a:ext cx="1440160" cy="540060"/>
+          </a:xfrm>
+          <a:prstGeom prst="rect">
+            <a:avLst/>
+          </a:prstGeom>
+        </p:spPr>
+        <p:style>
+          <a:lnRef idx="2">
+            <a:schemeClr val="accent1">
+              <a:shade val="50000"/>
+            </a:schemeClr>
+          </a:lnRef>
+          <a:fillRef idx="1">
+            <a:schemeClr val="accent1"/>
+          </a:fillRef>
+          <a:effectRef idx="0">
+            <a:schemeClr val="accent1"/>
+          </a:effectRef>
+          <a:fontRef idx="minor">
+            <a:schemeClr val="lt1"/>
+          </a:fontRef>
+        </p:style>
+        <p:txBody>
+          <a:bodyPr rtlCol="0" anchor="ctr"/>
+          <a:lstStyle/>
+          <a:p>
+            <a:pPr algn="ctr"/>
+            <a:r>
+              <a:rPr lang="ko-KR" altLang="en-US" dirty="0" smtClean="0"/>
+              <a:t>내가 쓴 글</a:t>
+            </a:r>
+            <a:endParaRPr lang="ko-KR" altLang="en-US" dirty="0"/>
+          </a:p>
+        </p:txBody>
+      </p:sp>
+      <p:sp>
+        <p:nvSpPr>
+          <p:cNvPr id="15" name="직사각형 14"/>
+          <p:cNvSpPr/>
+          <p:nvPr/>
+        </p:nvSpPr>
+        <p:spPr>
+          <a:xfrm>
+            <a:off x="1398868" y="4568365"/>
+            <a:ext cx="1440160" cy="540060"/>
+          </a:xfrm>
+          <a:prstGeom prst="rect">
+            <a:avLst/>
+          </a:prstGeom>
+        </p:spPr>
+        <p:style>
+          <a:lnRef idx="2">
+            <a:schemeClr val="accent1">
+              <a:shade val="50000"/>
+            </a:schemeClr>
+          </a:lnRef>
+          <a:fillRef idx="1">
+            <a:schemeClr val="accent1"/>
+          </a:fillRef>
+          <a:effectRef idx="0">
+            <a:schemeClr val="accent1"/>
+          </a:effectRef>
+          <a:fontRef idx="minor">
+            <a:schemeClr val="lt1"/>
+          </a:fontRef>
+        </p:style>
+        <p:txBody>
+          <a:bodyPr rtlCol="0" anchor="ctr"/>
+          <a:lstStyle/>
+          <a:p>
+            <a:pPr algn="ctr"/>
+            <a:r>
+              <a:rPr lang="ko-KR" altLang="en-US" dirty="0" smtClean="0"/>
+              <a:t>찜 한 항목</a:t>
+            </a:r>
+            <a:endParaRPr lang="ko-KR" altLang="en-US" dirty="0"/>
+          </a:p>
+        </p:txBody>
+      </p:sp>
+      <p:sp>
+        <p:nvSpPr>
+          <p:cNvPr id="16" name="직사각형 15"/>
+          <p:cNvSpPr/>
+          <p:nvPr/>
+        </p:nvSpPr>
+        <p:spPr>
+          <a:xfrm>
+            <a:off x="1403648" y="3904456"/>
+            <a:ext cx="1440160" cy="540060"/>
+          </a:xfrm>
+          <a:prstGeom prst="rect">
+            <a:avLst/>
+          </a:prstGeom>
+        </p:spPr>
+        <p:style>
+          <a:lnRef idx="2">
+            <a:schemeClr val="accent1">
+              <a:shade val="50000"/>
+            </a:schemeClr>
+          </a:lnRef>
+          <a:fillRef idx="1">
+            <a:schemeClr val="accent1"/>
+          </a:fillRef>
+          <a:effectRef idx="0">
+            <a:schemeClr val="accent1"/>
+          </a:effectRef>
+          <a:fontRef idx="minor">
+            <a:schemeClr val="lt1"/>
+          </a:fontRef>
+        </p:style>
+        <p:txBody>
+          <a:bodyPr rtlCol="0" anchor="ctr"/>
+          <a:lstStyle/>
+          <a:p>
+            <a:pPr algn="ctr"/>
+            <a:r>
+              <a:rPr lang="ko-KR" altLang="en-US" dirty="0" smtClean="0"/>
+              <a:t>구매내역</a:t>
+            </a:r>
+            <a:endParaRPr lang="ko-KR" altLang="en-US" dirty="0"/>
+          </a:p>
+        </p:txBody>
+      </p:sp>
+      <p:sp>
+        <p:nvSpPr>
+          <p:cNvPr id="17" name="직사각형 16"/>
+          <p:cNvSpPr/>
+          <p:nvPr/>
+        </p:nvSpPr>
+        <p:spPr>
+          <a:xfrm>
+            <a:off x="1342520" y="5375758"/>
+            <a:ext cx="1501288" cy="540060"/>
+          </a:xfrm>
+          <a:prstGeom prst="rect">
+            <a:avLst/>
+          </a:prstGeom>
+        </p:spPr>
+        <p:style>
+          <a:lnRef idx="2">
+            <a:schemeClr val="accent1">
+              <a:shade val="50000"/>
+            </a:schemeClr>
+          </a:lnRef>
+          <a:fillRef idx="1">
+            <a:schemeClr val="accent1"/>
+          </a:fillRef>
+          <a:effectRef idx="0">
+            <a:schemeClr val="accent1"/>
+          </a:effectRef>
+          <a:fontRef idx="minor">
+            <a:schemeClr val="lt1"/>
+          </a:fontRef>
+        </p:style>
+        <p:txBody>
+          <a:bodyPr rtlCol="0" anchor="ctr"/>
+          <a:lstStyle/>
+          <a:p>
+            <a:pPr algn="ctr"/>
+            <a:r>
+              <a:rPr lang="ko-KR" altLang="en-US" smtClean="0"/>
+              <a:t>개정삭제</a:t>
+            </a:r>
+            <a:endParaRPr lang="ko-KR" altLang="en-US" dirty="0"/>
+          </a:p>
+        </p:txBody>
+      </p:sp>
+    </p:spTree>
+    <p:extLst>
+      <p:ext uri="{BB962C8B-B14F-4D97-AF65-F5344CB8AC3E}">
+        <p14:creationId xmlns:p14="http://schemas.microsoft.com/office/powerpoint/2010/main" val="754583055"/>
+      </p:ext>
+    </p:extLst>
+  </p:cSld>
+  <p:clrMapOvr>
+    <a:masterClrMapping/>
+  </p:clrMapOvr>
+</p:sld>
+</file>
+
+<file path=ppt/slides/slide9.xml><?xml version="1.0" encoding="utf-8"?>
+<p:sld xmlns:a="http://schemas.openxmlformats.org/drawingml/2006/main" xmlns:r="http://schemas.openxmlformats.org/officeDocument/2006/relationships" xmlns:p="http://schemas.openxmlformats.org/presentationml/2006/main">
+  <p:cSld>
+    <p:spTree>
+      <p:nvGrpSpPr>
+        <p:cNvPr id="1" name=""/>
+        <p:cNvGrpSpPr/>
+        <p:nvPr/>
+      </p:nvGrpSpPr>
+      <p:grpSpPr>
+        <a:xfrm>
+          <a:off x="0" y="0"/>
+          <a:ext cx="0" cy="0"/>
+          <a:chOff x="0" y="0"/>
+          <a:chExt cx="0" cy="0"/>
+        </a:xfrm>
+      </p:grpSpPr>
+      <p:sp>
+        <p:nvSpPr>
+          <p:cNvPr id="2" name="제목 1"/>
+          <p:cNvSpPr>
+            <a:spLocks noGrp="1"/>
+          </p:cNvSpPr>
+          <p:nvPr>
+            <p:ph type="title"/>
+          </p:nvPr>
+        </p:nvSpPr>
+        <p:spPr/>
+        <p:txBody>
+          <a:bodyPr>
+            <a:normAutofit/>
+          </a:bodyPr>
+          <a:lstStyle/>
+          <a:p>
+            <a:r>
+              <a:rPr lang="ko-KR" altLang="en-US" dirty="0" smtClean="0"/>
+              <a:t>내 정보 수정</a:t>
+            </a:r>
+            <a:endParaRPr lang="ko-KR" altLang="en-US" dirty="0"/>
+          </a:p>
+        </p:txBody>
+      </p:sp>
+      <p:sp>
+        <p:nvSpPr>
+          <p:cNvPr id="3" name="내용 개체 틀 2"/>
+          <p:cNvSpPr>
+            <a:spLocks noGrp="1"/>
+          </p:cNvSpPr>
+          <p:nvPr>
+            <p:ph idx="1"/>
+          </p:nvPr>
+        </p:nvSpPr>
+        <p:spPr/>
+        <p:txBody>
+          <a:bodyPr/>
+          <a:lstStyle/>
+          <a:p>
+            <a:endParaRPr lang="ko-KR" altLang="en-US"/>
+          </a:p>
+        </p:txBody>
+      </p:sp>
+      <p:sp>
+        <p:nvSpPr>
+          <p:cNvPr id="4" name="직사각형 3"/>
+          <p:cNvSpPr/>
+          <p:nvPr/>
+        </p:nvSpPr>
+        <p:spPr>
+          <a:xfrm>
+            <a:off x="899592" y="1600200"/>
+            <a:ext cx="4176464" cy="4997152"/>
+          </a:xfrm>
+          <a:prstGeom prst="rect">
+            <a:avLst/>
+          </a:prstGeom>
+        </p:spPr>
+        <p:style>
+          <a:lnRef idx="2">
+            <a:schemeClr val="accent1">
+              <a:shade val="50000"/>
+            </a:schemeClr>
+          </a:lnRef>
+          <a:fillRef idx="1">
+            <a:schemeClr val="accent1"/>
+          </a:fillRef>
+          <a:effectRef idx="0">
+            <a:schemeClr val="accent1"/>
+          </a:effectRef>
+          <a:fontRef idx="minor">
+            <a:schemeClr val="lt1"/>
+          </a:fontRef>
+        </p:style>
+        <p:txBody>
+          <a:bodyPr rtlCol="0" anchor="ctr"/>
+          <a:lstStyle/>
+          <a:p>
+            <a:pPr algn="ctr"/>
+            <a:endParaRPr lang="ko-KR" altLang="en-US" dirty="0"/>
+          </a:p>
+        </p:txBody>
+      </p:sp>
+      <p:sp>
+        <p:nvSpPr>
+          <p:cNvPr id="5" name="TextBox 4"/>
+          <p:cNvSpPr txBox="1"/>
+          <p:nvPr/>
+        </p:nvSpPr>
+        <p:spPr>
+          <a:xfrm>
+            <a:off x="1187624" y="1923812"/>
+            <a:ext cx="795411" cy="369332"/>
+          </a:xfrm>
+          <a:prstGeom prst="rect">
+            <a:avLst/>
+          </a:prstGeom>
+          <a:noFill/>
+        </p:spPr>
+        <p:txBody>
+          <a:bodyPr wrap="none" rtlCol="0">
+            <a:spAutoFit/>
+          </a:bodyPr>
+          <a:lstStyle/>
+          <a:p>
+            <a:r>
+              <a:rPr lang="en-US" altLang="ko-KR" dirty="0" smtClean="0"/>
+              <a:t>*</a:t>
+            </a:r>
+            <a:r>
+              <a:rPr lang="ko-KR" altLang="en-US" dirty="0" smtClean="0"/>
+              <a:t>이름</a:t>
+            </a:r>
+            <a:r>
+              <a:rPr lang="en-US" altLang="ko-KR" dirty="0" smtClean="0"/>
+              <a:t>:</a:t>
+            </a:r>
+            <a:endParaRPr lang="ko-KR" altLang="en-US" dirty="0"/>
+          </a:p>
+        </p:txBody>
+      </p:sp>
+      <p:sp>
+        <p:nvSpPr>
+          <p:cNvPr id="6" name="TextBox 5"/>
+          <p:cNvSpPr txBox="1"/>
+          <p:nvPr/>
+        </p:nvSpPr>
+        <p:spPr>
+          <a:xfrm>
+            <a:off x="1187624" y="3521588"/>
+            <a:ext cx="928459" cy="369332"/>
+          </a:xfrm>
+          <a:prstGeom prst="rect">
+            <a:avLst/>
+          </a:prstGeom>
+          <a:noFill/>
+        </p:spPr>
+        <p:txBody>
+          <a:bodyPr wrap="none" rtlCol="0">
+            <a:spAutoFit/>
+          </a:bodyPr>
+          <a:lstStyle/>
+          <a:p>
+            <a:r>
+              <a:rPr lang="ko-KR" altLang="en-US" dirty="0" smtClean="0"/>
+              <a:t>연락처</a:t>
+            </a:r>
+            <a:r>
+              <a:rPr lang="en-US" altLang="ko-KR" dirty="0" smtClean="0"/>
+              <a:t>:</a:t>
+            </a:r>
+            <a:endParaRPr lang="ko-KR" altLang="en-US" dirty="0"/>
+          </a:p>
+        </p:txBody>
+      </p:sp>
+      <p:sp>
+        <p:nvSpPr>
+          <p:cNvPr id="7" name="TextBox 6"/>
+          <p:cNvSpPr txBox="1"/>
+          <p:nvPr/>
+        </p:nvSpPr>
+        <p:spPr>
+          <a:xfrm>
+            <a:off x="1187624" y="2456404"/>
+            <a:ext cx="1026243" cy="369332"/>
+          </a:xfrm>
+          <a:prstGeom prst="rect">
+            <a:avLst/>
+          </a:prstGeom>
+          <a:noFill/>
+        </p:spPr>
+        <p:txBody>
+          <a:bodyPr wrap="none" rtlCol="0">
+            <a:spAutoFit/>
+          </a:bodyPr>
+          <a:lstStyle/>
+          <a:p>
+            <a:r>
+              <a:rPr lang="en-US" altLang="ko-KR" dirty="0" smtClean="0"/>
+              <a:t>*</a:t>
+            </a:r>
+            <a:r>
+              <a:rPr lang="ko-KR" altLang="en-US" dirty="0" smtClean="0"/>
+              <a:t>아이디</a:t>
+            </a:r>
+            <a:r>
+              <a:rPr lang="en-US" altLang="ko-KR" dirty="0" smtClean="0"/>
+              <a:t>:</a:t>
+            </a:r>
+            <a:endParaRPr lang="ko-KR" altLang="en-US" dirty="0"/>
+          </a:p>
+        </p:txBody>
+      </p:sp>
+      <p:sp>
+        <p:nvSpPr>
+          <p:cNvPr id="8" name="TextBox 7"/>
+          <p:cNvSpPr txBox="1"/>
+          <p:nvPr/>
+        </p:nvSpPr>
+        <p:spPr>
+          <a:xfrm>
+            <a:off x="1187624" y="2988996"/>
+            <a:ext cx="1257075" cy="369332"/>
+          </a:xfrm>
+          <a:prstGeom prst="rect">
+            <a:avLst/>
+          </a:prstGeom>
+          <a:noFill/>
+        </p:spPr>
+        <p:txBody>
+          <a:bodyPr wrap="none" rtlCol="0">
+            <a:spAutoFit/>
+          </a:bodyPr>
+          <a:lstStyle/>
+          <a:p>
+            <a:r>
+              <a:rPr lang="en-US" altLang="ko-KR" dirty="0" smtClean="0"/>
+              <a:t>*</a:t>
+            </a:r>
+            <a:r>
+              <a:rPr lang="ko-KR" altLang="en-US" dirty="0" smtClean="0"/>
+              <a:t>비밀번호</a:t>
+            </a:r>
+            <a:r>
+              <a:rPr lang="en-US" altLang="ko-KR" dirty="0" smtClean="0"/>
+              <a:t>:</a:t>
+            </a:r>
+            <a:endParaRPr lang="ko-KR" altLang="en-US" dirty="0"/>
+          </a:p>
+        </p:txBody>
+      </p:sp>
+      <p:sp>
+        <p:nvSpPr>
+          <p:cNvPr id="12" name="TextBox 11"/>
+          <p:cNvSpPr txBox="1"/>
+          <p:nvPr/>
+        </p:nvSpPr>
+        <p:spPr>
+          <a:xfrm>
+            <a:off x="1285408" y="4098776"/>
+            <a:ext cx="697627" cy="369332"/>
+          </a:xfrm>
+          <a:prstGeom prst="rect">
+            <a:avLst/>
+          </a:prstGeom>
+          <a:noFill/>
+        </p:spPr>
+        <p:txBody>
+          <a:bodyPr wrap="none" rtlCol="0">
+            <a:spAutoFit/>
+          </a:bodyPr>
+          <a:lstStyle/>
+          <a:p>
+            <a:r>
+              <a:rPr lang="ko-KR" altLang="en-US" dirty="0" smtClean="0"/>
+              <a:t>사진</a:t>
+            </a:r>
+            <a:r>
+              <a:rPr lang="en-US" altLang="ko-KR" dirty="0" smtClean="0"/>
+              <a:t>:</a:t>
+            </a:r>
+            <a:endParaRPr lang="ko-KR" altLang="en-US" dirty="0"/>
+          </a:p>
+        </p:txBody>
+      </p:sp>
+      <p:sp>
+        <p:nvSpPr>
+          <p:cNvPr id="13" name="직사각형 12"/>
+          <p:cNvSpPr/>
+          <p:nvPr/>
+        </p:nvSpPr>
+        <p:spPr>
+          <a:xfrm>
+            <a:off x="1712421" y="4956395"/>
+            <a:ext cx="1080120" cy="540060"/>
+          </a:xfrm>
+          <a:prstGeom prst="rect">
+            <a:avLst/>
+          </a:prstGeom>
+        </p:spPr>
+        <p:style>
+          <a:lnRef idx="2">
+            <a:schemeClr val="accent1">
+              <a:shade val="50000"/>
+            </a:schemeClr>
+          </a:lnRef>
+          <a:fillRef idx="1">
+            <a:schemeClr val="accent1"/>
+          </a:fillRef>
+          <a:effectRef idx="0">
+            <a:schemeClr val="accent1"/>
+          </a:effectRef>
+          <a:fontRef idx="minor">
+            <a:schemeClr val="lt1"/>
+          </a:fontRef>
+        </p:style>
+        <p:txBody>
+          <a:bodyPr rtlCol="0" anchor="ctr"/>
+          <a:lstStyle/>
+          <a:p>
+            <a:pPr algn="ctr"/>
+            <a:r>
+              <a:rPr lang="ko-KR" altLang="en-US" dirty="0" smtClean="0"/>
+              <a:t>확인</a:t>
+            </a:r>
+            <a:endParaRPr lang="ko-KR" altLang="en-US" dirty="0"/>
+          </a:p>
+        </p:txBody>
+      </p:sp>
+    </p:spTree>
+    <p:extLst>
+      <p:ext uri="{BB962C8B-B14F-4D97-AF65-F5344CB8AC3E}">
+        <p14:creationId xmlns:p14="http://schemas.microsoft.com/office/powerpoint/2010/main" val="1194156086"/>
       </p:ext>
     </p:extLst>
   </p:cSld>
